--- a/06-item-allocation-with-money/slides-2-rent.pptx
+++ b/06-item-allocation-with-money/slides-2-rent.pptx
@@ -7,10 +7,10 @@
     <p:sldMasterId id="2147483684" r:id="rId3"/>
   </p:sldMasterIdLst>
   <p:notesMasterIdLst>
-    <p:notesMasterId r:id="rId25"/>
+    <p:notesMasterId r:id="rId30"/>
   </p:notesMasterIdLst>
   <p:handoutMasterIdLst>
-    <p:handoutMasterId r:id="rId26"/>
+    <p:handoutMasterId r:id="rId31"/>
   </p:handoutMasterIdLst>
   <p:sldIdLst>
     <p:sldId id="256" r:id="rId4"/>
@@ -24,16 +24,21 @@
     <p:sldId id="266" r:id="rId12"/>
     <p:sldId id="267" r:id="rId13"/>
     <p:sldId id="268" r:id="rId14"/>
-    <p:sldId id="271" r:id="rId15"/>
-    <p:sldId id="273" r:id="rId16"/>
-    <p:sldId id="274" r:id="rId17"/>
-    <p:sldId id="275" r:id="rId18"/>
-    <p:sldId id="276" r:id="rId19"/>
-    <p:sldId id="277" r:id="rId20"/>
-    <p:sldId id="279" r:id="rId21"/>
-    <p:sldId id="280" r:id="rId22"/>
-    <p:sldId id="281" r:id="rId23"/>
-    <p:sldId id="282" r:id="rId24"/>
+    <p:sldId id="283" r:id="rId15"/>
+    <p:sldId id="285" r:id="rId16"/>
+    <p:sldId id="284" r:id="rId17"/>
+    <p:sldId id="286" r:id="rId18"/>
+    <p:sldId id="287" r:id="rId19"/>
+    <p:sldId id="288" r:id="rId20"/>
+    <p:sldId id="273" r:id="rId21"/>
+    <p:sldId id="274" r:id="rId22"/>
+    <p:sldId id="275" r:id="rId23"/>
+    <p:sldId id="276" r:id="rId24"/>
+    <p:sldId id="277" r:id="rId25"/>
+    <p:sldId id="279" r:id="rId26"/>
+    <p:sldId id="280" r:id="rId27"/>
+    <p:sldId id="281" r:id="rId28"/>
+    <p:sldId id="282" r:id="rId29"/>
   </p:sldIdLst>
   <p:sldSz cx="10080625" cy="7559675"/>
   <p:notesSz cx="7772400" cy="10058400"/>
@@ -1121,7 +1126,13 @@
   <p:cSld>
     <p:spTree>
       <p:nvGrpSpPr>
-        <p:cNvPr id="1" name=""/>
+        <p:cNvPr id="1" name="">
+          <a:extLst>
+            <a:ext uri="{FF2B5EF4-FFF2-40B4-BE49-F238E27FC236}">
+              <a16:creationId xmlns:a16="http://schemas.microsoft.com/office/drawing/2014/main" id="{4B6E5B85-75C2-676A-3F3F-0852B4FE6C9E}"/>
+            </a:ext>
+          </a:extLst>
+        </p:cNvPr>
         <p:cNvGrpSpPr/>
         <p:nvPr/>
       </p:nvGrpSpPr>
@@ -1138,7 +1149,7 @@
           <p:cNvPr id="7" name="Slide Number Placeholder 6">
             <a:extLst>
               <a:ext uri="{FF2B5EF4-FFF2-40B4-BE49-F238E27FC236}">
-                <a16:creationId xmlns:a16="http://schemas.microsoft.com/office/drawing/2014/main" id="{95CE752C-E64C-3B01-7816-E950BEE8F3FC}"/>
+                <a16:creationId xmlns:a16="http://schemas.microsoft.com/office/drawing/2014/main" id="{CA2604EB-DF70-7D0F-A2BA-12B15749FCB9}"/>
               </a:ext>
             </a:extLst>
           </p:cNvPr>
@@ -1159,7 +1170,7 @@
           <a:lstStyle/>
           <a:p>
             <a:pPr lvl="0"/>
-            <a:fld id="{E0F48E36-7AD3-456C-8D9D-DC62F423FE4D}" type="slidenum">
+            <a:fld id="{8690AD16-38DE-45CE-9490-33F6FB215B21}" type="slidenum">
               <a:t>12</a:t>
             </a:fld>
             <a:endParaRPr lang="en-US"/>
@@ -1171,7 +1182,7 @@
           <p:cNvPr id="2" name="Slide Image Placeholder 1">
             <a:extLst>
               <a:ext uri="{FF2B5EF4-FFF2-40B4-BE49-F238E27FC236}">
-                <a16:creationId xmlns:a16="http://schemas.microsoft.com/office/drawing/2014/main" id="{8E79CF6C-7527-6009-798D-E0CD8515A09B}"/>
+                <a16:creationId xmlns:a16="http://schemas.microsoft.com/office/drawing/2014/main" id="{EA4E3834-EC52-CC62-8073-8ED764C6FA88}"/>
               </a:ext>
             </a:extLst>
           </p:cNvPr>
@@ -1203,7 +1214,7 @@
           <p:cNvPr id="3" name="Notes Placeholder 2">
             <a:extLst>
               <a:ext uri="{FF2B5EF4-FFF2-40B4-BE49-F238E27FC236}">
-                <a16:creationId xmlns:a16="http://schemas.microsoft.com/office/drawing/2014/main" id="{FF1D2545-A8B1-D97D-ED2C-0BCB5782CD4E}"/>
+                <a16:creationId xmlns:a16="http://schemas.microsoft.com/office/drawing/2014/main" id="{3CB4DCD0-6B62-F202-7C94-DC8BF710B4BE}"/>
               </a:ext>
             </a:extLst>
           </p:cNvPr>
@@ -1229,6 +1240,11 @@
         </p:txBody>
       </p:sp>
     </p:spTree>
+    <p:extLst>
+      <p:ext uri="{BB962C8B-B14F-4D97-AF65-F5344CB8AC3E}">
+        <p14:creationId xmlns:p14="http://schemas.microsoft.com/office/powerpoint/2010/main" val="2824197728"/>
+      </p:ext>
+    </p:extLst>
   </p:cSld>
   <p:clrMapOvr>
     <a:masterClrMapping/>
@@ -1241,7 +1257,13 @@
   <p:cSld>
     <p:spTree>
       <p:nvGrpSpPr>
-        <p:cNvPr id="1" name=""/>
+        <p:cNvPr id="1" name="">
+          <a:extLst>
+            <a:ext uri="{FF2B5EF4-FFF2-40B4-BE49-F238E27FC236}">
+              <a16:creationId xmlns:a16="http://schemas.microsoft.com/office/drawing/2014/main" id="{9A317661-C566-43E4-DAC7-711198D46986}"/>
+            </a:ext>
+          </a:extLst>
+        </p:cNvPr>
         <p:cNvGrpSpPr/>
         <p:nvPr/>
       </p:nvGrpSpPr>
@@ -1258,7 +1280,7 @@
           <p:cNvPr id="7" name="Slide Number Placeholder 6">
             <a:extLst>
               <a:ext uri="{FF2B5EF4-FFF2-40B4-BE49-F238E27FC236}">
-                <a16:creationId xmlns:a16="http://schemas.microsoft.com/office/drawing/2014/main" id="{8E1D0A09-D30A-8816-3D58-AD9D45E7CED3}"/>
+                <a16:creationId xmlns:a16="http://schemas.microsoft.com/office/drawing/2014/main" id="{455C4A82-993B-5E61-CB7C-DE53E9E6DC5C}"/>
               </a:ext>
             </a:extLst>
           </p:cNvPr>
@@ -1279,7 +1301,7 @@
           <a:lstStyle/>
           <a:p>
             <a:pPr lvl="0"/>
-            <a:fld id="{0F475F6D-F666-4BC3-8160-9BC7E3A8C2C7}" type="slidenum">
+            <a:fld id="{8690AD16-38DE-45CE-9490-33F6FB215B21}" type="slidenum">
               <a:t>13</a:t>
             </a:fld>
             <a:endParaRPr lang="en-US"/>
@@ -1291,7 +1313,7 @@
           <p:cNvPr id="2" name="Slide Image Placeholder 1">
             <a:extLst>
               <a:ext uri="{FF2B5EF4-FFF2-40B4-BE49-F238E27FC236}">
-                <a16:creationId xmlns:a16="http://schemas.microsoft.com/office/drawing/2014/main" id="{FB208F50-A640-0636-4077-CE21DA4A5DC6}"/>
+                <a16:creationId xmlns:a16="http://schemas.microsoft.com/office/drawing/2014/main" id="{D1C12312-771C-A801-11B7-B456CCEAEA5B}"/>
               </a:ext>
             </a:extLst>
           </p:cNvPr>
@@ -1323,7 +1345,7 @@
           <p:cNvPr id="3" name="Notes Placeholder 2">
             <a:extLst>
               <a:ext uri="{FF2B5EF4-FFF2-40B4-BE49-F238E27FC236}">
-                <a16:creationId xmlns:a16="http://schemas.microsoft.com/office/drawing/2014/main" id="{20BD8490-24EC-369A-7F94-0F2D61F96D06}"/>
+                <a16:creationId xmlns:a16="http://schemas.microsoft.com/office/drawing/2014/main" id="{3A291E31-019E-E863-2921-FF682E7CEA5E}"/>
               </a:ext>
             </a:extLst>
           </p:cNvPr>
@@ -1349,6 +1371,11 @@
         </p:txBody>
       </p:sp>
     </p:spTree>
+    <p:extLst>
+      <p:ext uri="{BB962C8B-B14F-4D97-AF65-F5344CB8AC3E}">
+        <p14:creationId xmlns:p14="http://schemas.microsoft.com/office/powerpoint/2010/main" val="3777766018"/>
+      </p:ext>
+    </p:extLst>
   </p:cSld>
   <p:clrMapOvr>
     <a:masterClrMapping/>
@@ -1361,7 +1388,13 @@
   <p:cSld>
     <p:spTree>
       <p:nvGrpSpPr>
-        <p:cNvPr id="1" name=""/>
+        <p:cNvPr id="1" name="">
+          <a:extLst>
+            <a:ext uri="{FF2B5EF4-FFF2-40B4-BE49-F238E27FC236}">
+              <a16:creationId xmlns:a16="http://schemas.microsoft.com/office/drawing/2014/main" id="{93B04F6A-EB0F-2787-A48D-DD5C77C0DAD0}"/>
+            </a:ext>
+          </a:extLst>
+        </p:cNvPr>
         <p:cNvGrpSpPr/>
         <p:nvPr/>
       </p:nvGrpSpPr>
@@ -1378,7 +1411,7 @@
           <p:cNvPr id="7" name="Slide Number Placeholder 6">
             <a:extLst>
               <a:ext uri="{FF2B5EF4-FFF2-40B4-BE49-F238E27FC236}">
-                <a16:creationId xmlns:a16="http://schemas.microsoft.com/office/drawing/2014/main" id="{804A92E8-07D6-A5A0-F595-77435ED0ECDF}"/>
+                <a16:creationId xmlns:a16="http://schemas.microsoft.com/office/drawing/2014/main" id="{E444005E-C691-FFA2-ED6B-B797E3FDC9C0}"/>
               </a:ext>
             </a:extLst>
           </p:cNvPr>
@@ -1399,7 +1432,7 @@
           <a:lstStyle/>
           <a:p>
             <a:pPr lvl="0"/>
-            <a:fld id="{93B80F54-66E8-4688-9FDB-4B0BC088B105}" type="slidenum">
+            <a:fld id="{8690AD16-38DE-45CE-9490-33F6FB215B21}" type="slidenum">
               <a:t>14</a:t>
             </a:fld>
             <a:endParaRPr lang="en-US"/>
@@ -1411,7 +1444,7 @@
           <p:cNvPr id="2" name="Slide Image Placeholder 1">
             <a:extLst>
               <a:ext uri="{FF2B5EF4-FFF2-40B4-BE49-F238E27FC236}">
-                <a16:creationId xmlns:a16="http://schemas.microsoft.com/office/drawing/2014/main" id="{B6B753D0-36FB-037D-51B9-2170B92B937E}"/>
+                <a16:creationId xmlns:a16="http://schemas.microsoft.com/office/drawing/2014/main" id="{C74B49A6-936F-A51B-C190-17EA114884BF}"/>
               </a:ext>
             </a:extLst>
           </p:cNvPr>
@@ -1443,7 +1476,7 @@
           <p:cNvPr id="3" name="Notes Placeholder 2">
             <a:extLst>
               <a:ext uri="{FF2B5EF4-FFF2-40B4-BE49-F238E27FC236}">
-                <a16:creationId xmlns:a16="http://schemas.microsoft.com/office/drawing/2014/main" id="{5B69A59F-2B7C-0A6D-70B0-096F522D9982}"/>
+                <a16:creationId xmlns:a16="http://schemas.microsoft.com/office/drawing/2014/main" id="{AFC39DB6-1F5E-7427-08D1-487DBF2761CA}"/>
               </a:ext>
             </a:extLst>
           </p:cNvPr>
@@ -1469,6 +1502,11 @@
         </p:txBody>
       </p:sp>
     </p:spTree>
+    <p:extLst>
+      <p:ext uri="{BB962C8B-B14F-4D97-AF65-F5344CB8AC3E}">
+        <p14:creationId xmlns:p14="http://schemas.microsoft.com/office/powerpoint/2010/main" val="997638920"/>
+      </p:ext>
+    </p:extLst>
   </p:cSld>
   <p:clrMapOvr>
     <a:masterClrMapping/>
@@ -1481,7 +1519,13 @@
   <p:cSld>
     <p:spTree>
       <p:nvGrpSpPr>
-        <p:cNvPr id="1" name=""/>
+        <p:cNvPr id="1" name="">
+          <a:extLst>
+            <a:ext uri="{FF2B5EF4-FFF2-40B4-BE49-F238E27FC236}">
+              <a16:creationId xmlns:a16="http://schemas.microsoft.com/office/drawing/2014/main" id="{5E2FEEC5-B837-A219-CB16-48A91E6DF950}"/>
+            </a:ext>
+          </a:extLst>
+        </p:cNvPr>
         <p:cNvGrpSpPr/>
         <p:nvPr/>
       </p:nvGrpSpPr>
@@ -1498,7 +1542,7 @@
           <p:cNvPr id="7" name="Slide Number Placeholder 6">
             <a:extLst>
               <a:ext uri="{FF2B5EF4-FFF2-40B4-BE49-F238E27FC236}">
-                <a16:creationId xmlns:a16="http://schemas.microsoft.com/office/drawing/2014/main" id="{7FD60C5C-4C45-0255-29A4-9742D8889F9D}"/>
+                <a16:creationId xmlns:a16="http://schemas.microsoft.com/office/drawing/2014/main" id="{6E15A3FE-9998-D0DE-CFC5-976E6B4C75D1}"/>
               </a:ext>
             </a:extLst>
           </p:cNvPr>
@@ -1519,7 +1563,7 @@
           <a:lstStyle/>
           <a:p>
             <a:pPr lvl="0"/>
-            <a:fld id="{0DBD63CD-4765-4EDD-84F3-1135A534E5F4}" type="slidenum">
+            <a:fld id="{8690AD16-38DE-45CE-9490-33F6FB215B21}" type="slidenum">
               <a:t>15</a:t>
             </a:fld>
             <a:endParaRPr lang="en-US"/>
@@ -1531,7 +1575,7 @@
           <p:cNvPr id="2" name="Slide Image Placeholder 1">
             <a:extLst>
               <a:ext uri="{FF2B5EF4-FFF2-40B4-BE49-F238E27FC236}">
-                <a16:creationId xmlns:a16="http://schemas.microsoft.com/office/drawing/2014/main" id="{13F96884-E265-24DD-0AB4-92AD80408853}"/>
+                <a16:creationId xmlns:a16="http://schemas.microsoft.com/office/drawing/2014/main" id="{10E54D05-EAC7-56CC-FD55-3D8647ADD9D7}"/>
               </a:ext>
             </a:extLst>
           </p:cNvPr>
@@ -1563,7 +1607,7 @@
           <p:cNvPr id="3" name="Notes Placeholder 2">
             <a:extLst>
               <a:ext uri="{FF2B5EF4-FFF2-40B4-BE49-F238E27FC236}">
-                <a16:creationId xmlns:a16="http://schemas.microsoft.com/office/drawing/2014/main" id="{B5A884FD-EC0B-09B0-C868-343893744AAD}"/>
+                <a16:creationId xmlns:a16="http://schemas.microsoft.com/office/drawing/2014/main" id="{1D3F2F3E-1E48-EC17-C8F3-E757E6A210C6}"/>
               </a:ext>
             </a:extLst>
           </p:cNvPr>
@@ -1589,6 +1633,11 @@
         </p:txBody>
       </p:sp>
     </p:spTree>
+    <p:extLst>
+      <p:ext uri="{BB962C8B-B14F-4D97-AF65-F5344CB8AC3E}">
+        <p14:creationId xmlns:p14="http://schemas.microsoft.com/office/powerpoint/2010/main" val="4122400870"/>
+      </p:ext>
+    </p:extLst>
   </p:cSld>
   <p:clrMapOvr>
     <a:masterClrMapping/>
@@ -1601,7 +1650,13 @@
   <p:cSld>
     <p:spTree>
       <p:nvGrpSpPr>
-        <p:cNvPr id="1" name=""/>
+        <p:cNvPr id="1" name="">
+          <a:extLst>
+            <a:ext uri="{FF2B5EF4-FFF2-40B4-BE49-F238E27FC236}">
+              <a16:creationId xmlns:a16="http://schemas.microsoft.com/office/drawing/2014/main" id="{05ECBE17-97FC-DFB3-21DB-C658B31B3013}"/>
+            </a:ext>
+          </a:extLst>
+        </p:cNvPr>
         <p:cNvGrpSpPr/>
         <p:nvPr/>
       </p:nvGrpSpPr>
@@ -1618,7 +1673,7 @@
           <p:cNvPr id="7" name="Slide Number Placeholder 6">
             <a:extLst>
               <a:ext uri="{FF2B5EF4-FFF2-40B4-BE49-F238E27FC236}">
-                <a16:creationId xmlns:a16="http://schemas.microsoft.com/office/drawing/2014/main" id="{7418F80C-4A97-A2BD-3FA6-DCA06AF958CE}"/>
+                <a16:creationId xmlns:a16="http://schemas.microsoft.com/office/drawing/2014/main" id="{0A249AE0-9EB2-FB5B-B61C-1DEA7559BB46}"/>
               </a:ext>
             </a:extLst>
           </p:cNvPr>
@@ -1639,7 +1694,7 @@
           <a:lstStyle/>
           <a:p>
             <a:pPr lvl="0"/>
-            <a:fld id="{B9F6ADCB-02FE-42EF-84C8-17DB1C885F9E}" type="slidenum">
+            <a:fld id="{8690AD16-38DE-45CE-9490-33F6FB215B21}" type="slidenum">
               <a:t>16</a:t>
             </a:fld>
             <a:endParaRPr lang="en-US"/>
@@ -1651,7 +1706,7 @@
           <p:cNvPr id="2" name="Slide Image Placeholder 1">
             <a:extLst>
               <a:ext uri="{FF2B5EF4-FFF2-40B4-BE49-F238E27FC236}">
-                <a16:creationId xmlns:a16="http://schemas.microsoft.com/office/drawing/2014/main" id="{3C0E1474-5972-42AD-83E3-68D937A6C6C4}"/>
+                <a16:creationId xmlns:a16="http://schemas.microsoft.com/office/drawing/2014/main" id="{F7DC8F10-6149-3A4C-F3E6-D9EDD69BCA39}"/>
               </a:ext>
             </a:extLst>
           </p:cNvPr>
@@ -1683,7 +1738,7 @@
           <p:cNvPr id="3" name="Notes Placeholder 2">
             <a:extLst>
               <a:ext uri="{FF2B5EF4-FFF2-40B4-BE49-F238E27FC236}">
-                <a16:creationId xmlns:a16="http://schemas.microsoft.com/office/drawing/2014/main" id="{A6311205-5A5D-9A69-1CCA-93CCFF0BF7FC}"/>
+                <a16:creationId xmlns:a16="http://schemas.microsoft.com/office/drawing/2014/main" id="{1E5AA924-4874-3BF3-B46C-FAD269B080D7}"/>
               </a:ext>
             </a:extLst>
           </p:cNvPr>
@@ -1709,6 +1764,11 @@
         </p:txBody>
       </p:sp>
     </p:spTree>
+    <p:extLst>
+      <p:ext uri="{BB962C8B-B14F-4D97-AF65-F5344CB8AC3E}">
+        <p14:creationId xmlns:p14="http://schemas.microsoft.com/office/powerpoint/2010/main" val="1583687932"/>
+      </p:ext>
+    </p:extLst>
   </p:cSld>
   <p:clrMapOvr>
     <a:masterClrMapping/>
@@ -1721,7 +1781,13 @@
   <p:cSld>
     <p:spTree>
       <p:nvGrpSpPr>
-        <p:cNvPr id="1" name=""/>
+        <p:cNvPr id="1" name="">
+          <a:extLst>
+            <a:ext uri="{FF2B5EF4-FFF2-40B4-BE49-F238E27FC236}">
+              <a16:creationId xmlns:a16="http://schemas.microsoft.com/office/drawing/2014/main" id="{3243B542-5CE7-93FA-60FE-D6CB625D81D3}"/>
+            </a:ext>
+          </a:extLst>
+        </p:cNvPr>
         <p:cNvGrpSpPr/>
         <p:nvPr/>
       </p:nvGrpSpPr>
@@ -1738,7 +1804,7 @@
           <p:cNvPr id="7" name="Slide Number Placeholder 6">
             <a:extLst>
               <a:ext uri="{FF2B5EF4-FFF2-40B4-BE49-F238E27FC236}">
-                <a16:creationId xmlns:a16="http://schemas.microsoft.com/office/drawing/2014/main" id="{72350D7C-142F-4F3B-D4DF-349E66DAE3C9}"/>
+                <a16:creationId xmlns:a16="http://schemas.microsoft.com/office/drawing/2014/main" id="{F176BD8E-1827-F66A-21CC-B21313DA6D54}"/>
               </a:ext>
             </a:extLst>
           </p:cNvPr>
@@ -1759,7 +1825,7 @@
           <a:lstStyle/>
           <a:p>
             <a:pPr lvl="0"/>
-            <a:fld id="{5B7E16E1-1958-4B9F-92DA-9F46637E015A}" type="slidenum">
+            <a:fld id="{8690AD16-38DE-45CE-9490-33F6FB215B21}" type="slidenum">
               <a:t>17</a:t>
             </a:fld>
             <a:endParaRPr lang="en-US"/>
@@ -1771,7 +1837,7 @@
           <p:cNvPr id="2" name="Slide Image Placeholder 1">
             <a:extLst>
               <a:ext uri="{FF2B5EF4-FFF2-40B4-BE49-F238E27FC236}">
-                <a16:creationId xmlns:a16="http://schemas.microsoft.com/office/drawing/2014/main" id="{FAC1EC5C-0E0C-588B-8A1C-8DA7FA73B1B4}"/>
+                <a16:creationId xmlns:a16="http://schemas.microsoft.com/office/drawing/2014/main" id="{B2086847-E4C0-C149-CC3F-60DAC0EDD304}"/>
               </a:ext>
             </a:extLst>
           </p:cNvPr>
@@ -1803,7 +1869,7 @@
           <p:cNvPr id="3" name="Notes Placeholder 2">
             <a:extLst>
               <a:ext uri="{FF2B5EF4-FFF2-40B4-BE49-F238E27FC236}">
-                <a16:creationId xmlns:a16="http://schemas.microsoft.com/office/drawing/2014/main" id="{2C0F8BC1-E98D-B346-E4B5-B4477D2C26EF}"/>
+                <a16:creationId xmlns:a16="http://schemas.microsoft.com/office/drawing/2014/main" id="{63E03CED-C695-A201-EC42-51C977EC0AF7}"/>
               </a:ext>
             </a:extLst>
           </p:cNvPr>
@@ -1829,6 +1895,11 @@
         </p:txBody>
       </p:sp>
     </p:spTree>
+    <p:extLst>
+      <p:ext uri="{BB962C8B-B14F-4D97-AF65-F5344CB8AC3E}">
+        <p14:creationId xmlns:p14="http://schemas.microsoft.com/office/powerpoint/2010/main" val="404455458"/>
+      </p:ext>
+    </p:extLst>
   </p:cSld>
   <p:clrMapOvr>
     <a:masterClrMapping/>
@@ -1858,7 +1929,7 @@
           <p:cNvPr id="7" name="Slide Number Placeholder 6">
             <a:extLst>
               <a:ext uri="{FF2B5EF4-FFF2-40B4-BE49-F238E27FC236}">
-                <a16:creationId xmlns:a16="http://schemas.microsoft.com/office/drawing/2014/main" id="{25097F42-A99F-B223-09CF-8A2BB09A1D0B}"/>
+                <a16:creationId xmlns:a16="http://schemas.microsoft.com/office/drawing/2014/main" id="{8E1D0A09-D30A-8816-3D58-AD9D45E7CED3}"/>
               </a:ext>
             </a:extLst>
           </p:cNvPr>
@@ -1879,7 +1950,7 @@
           <a:lstStyle/>
           <a:p>
             <a:pPr lvl="0"/>
-            <a:fld id="{29098765-2DCE-4758-A6C0-E4500E3E1F67}" type="slidenum">
+            <a:fld id="{0F475F6D-F666-4BC3-8160-9BC7E3A8C2C7}" type="slidenum">
               <a:t>18</a:t>
             </a:fld>
             <a:endParaRPr lang="en-US"/>
@@ -1891,7 +1962,7 @@
           <p:cNvPr id="2" name="Slide Image Placeholder 1">
             <a:extLst>
               <a:ext uri="{FF2B5EF4-FFF2-40B4-BE49-F238E27FC236}">
-                <a16:creationId xmlns:a16="http://schemas.microsoft.com/office/drawing/2014/main" id="{78EE8922-573C-442B-51AC-9E293F5BD49C}"/>
+                <a16:creationId xmlns:a16="http://schemas.microsoft.com/office/drawing/2014/main" id="{FB208F50-A640-0636-4077-CE21DA4A5DC6}"/>
               </a:ext>
             </a:extLst>
           </p:cNvPr>
@@ -1923,7 +1994,7 @@
           <p:cNvPr id="3" name="Notes Placeholder 2">
             <a:extLst>
               <a:ext uri="{FF2B5EF4-FFF2-40B4-BE49-F238E27FC236}">
-                <a16:creationId xmlns:a16="http://schemas.microsoft.com/office/drawing/2014/main" id="{66E3E1D0-D76C-D75D-A933-738E99E33A1C}"/>
+                <a16:creationId xmlns:a16="http://schemas.microsoft.com/office/drawing/2014/main" id="{20BD8490-24EC-369A-7F94-0F2D61F96D06}"/>
               </a:ext>
             </a:extLst>
           </p:cNvPr>
@@ -1978,7 +2049,7 @@
           <p:cNvPr id="7" name="Slide Number Placeholder 6">
             <a:extLst>
               <a:ext uri="{FF2B5EF4-FFF2-40B4-BE49-F238E27FC236}">
-                <a16:creationId xmlns:a16="http://schemas.microsoft.com/office/drawing/2014/main" id="{4AB3A6C8-62D8-6F76-8FB4-93A6121656B2}"/>
+                <a16:creationId xmlns:a16="http://schemas.microsoft.com/office/drawing/2014/main" id="{804A92E8-07D6-A5A0-F595-77435ED0ECDF}"/>
               </a:ext>
             </a:extLst>
           </p:cNvPr>
@@ -1999,7 +2070,7 @@
           <a:lstStyle/>
           <a:p>
             <a:pPr lvl="0"/>
-            <a:fld id="{F9DCB4FA-31DD-4261-AAF9-E3BCB3F8BDCF}" type="slidenum">
+            <a:fld id="{93B80F54-66E8-4688-9FDB-4B0BC088B105}" type="slidenum">
               <a:t>19</a:t>
             </a:fld>
             <a:endParaRPr lang="en-US"/>
@@ -2011,7 +2082,7 @@
           <p:cNvPr id="2" name="Slide Image Placeholder 1">
             <a:extLst>
               <a:ext uri="{FF2B5EF4-FFF2-40B4-BE49-F238E27FC236}">
-                <a16:creationId xmlns:a16="http://schemas.microsoft.com/office/drawing/2014/main" id="{72885455-6445-4B0F-3E5F-2A62CFB7A90D}"/>
+                <a16:creationId xmlns:a16="http://schemas.microsoft.com/office/drawing/2014/main" id="{B6B753D0-36FB-037D-51B9-2170B92B937E}"/>
               </a:ext>
             </a:extLst>
           </p:cNvPr>
@@ -2043,7 +2114,7 @@
           <p:cNvPr id="3" name="Notes Placeholder 2">
             <a:extLst>
               <a:ext uri="{FF2B5EF4-FFF2-40B4-BE49-F238E27FC236}">
-                <a16:creationId xmlns:a16="http://schemas.microsoft.com/office/drawing/2014/main" id="{ABB883B0-A17A-4A36-D8B2-61ECF8F84C88}"/>
+                <a16:creationId xmlns:a16="http://schemas.microsoft.com/office/drawing/2014/main" id="{5B69A59F-2B7C-0A6D-70B0-096F522D9982}"/>
               </a:ext>
             </a:extLst>
           </p:cNvPr>
@@ -2218,7 +2289,7 @@
           <p:cNvPr id="7" name="Slide Number Placeholder 6">
             <a:extLst>
               <a:ext uri="{FF2B5EF4-FFF2-40B4-BE49-F238E27FC236}">
-                <a16:creationId xmlns:a16="http://schemas.microsoft.com/office/drawing/2014/main" id="{4B786D45-BA80-9F7C-68B0-A90EBBE473FE}"/>
+                <a16:creationId xmlns:a16="http://schemas.microsoft.com/office/drawing/2014/main" id="{7FD60C5C-4C45-0255-29A4-9742D8889F9D}"/>
               </a:ext>
             </a:extLst>
           </p:cNvPr>
@@ -2239,7 +2310,7 @@
           <a:lstStyle/>
           <a:p>
             <a:pPr lvl="0"/>
-            <a:fld id="{748A25B4-4D3F-4649-946E-1A1CC6424460}" type="slidenum">
+            <a:fld id="{0DBD63CD-4765-4EDD-84F3-1135A534E5F4}" type="slidenum">
               <a:t>20</a:t>
             </a:fld>
             <a:endParaRPr lang="en-US"/>
@@ -2251,7 +2322,7 @@
           <p:cNvPr id="2" name="Slide Image Placeholder 1">
             <a:extLst>
               <a:ext uri="{FF2B5EF4-FFF2-40B4-BE49-F238E27FC236}">
-                <a16:creationId xmlns:a16="http://schemas.microsoft.com/office/drawing/2014/main" id="{559B1903-AF85-1843-9AE9-127CBD422535}"/>
+                <a16:creationId xmlns:a16="http://schemas.microsoft.com/office/drawing/2014/main" id="{13F96884-E265-24DD-0AB4-92AD80408853}"/>
               </a:ext>
             </a:extLst>
           </p:cNvPr>
@@ -2283,7 +2354,7 @@
           <p:cNvPr id="3" name="Notes Placeholder 2">
             <a:extLst>
               <a:ext uri="{FF2B5EF4-FFF2-40B4-BE49-F238E27FC236}">
-                <a16:creationId xmlns:a16="http://schemas.microsoft.com/office/drawing/2014/main" id="{00B7218F-C435-40FF-88D7-182CA1B9D9C3}"/>
+                <a16:creationId xmlns:a16="http://schemas.microsoft.com/office/drawing/2014/main" id="{B5A884FD-EC0B-09B0-C868-343893744AAD}"/>
               </a:ext>
             </a:extLst>
           </p:cNvPr>
@@ -2338,7 +2409,7 @@
           <p:cNvPr id="7" name="Slide Number Placeholder 6">
             <a:extLst>
               <a:ext uri="{FF2B5EF4-FFF2-40B4-BE49-F238E27FC236}">
-                <a16:creationId xmlns:a16="http://schemas.microsoft.com/office/drawing/2014/main" id="{3EFD5B10-E4AE-5687-4338-883F859CF228}"/>
+                <a16:creationId xmlns:a16="http://schemas.microsoft.com/office/drawing/2014/main" id="{7418F80C-4A97-A2BD-3FA6-DCA06AF958CE}"/>
               </a:ext>
             </a:extLst>
           </p:cNvPr>
@@ -2359,8 +2430,608 @@
           <a:lstStyle/>
           <a:p>
             <a:pPr lvl="0"/>
+            <a:fld id="{B9F6ADCB-02FE-42EF-84C8-17DB1C885F9E}" type="slidenum">
+              <a:t>21</a:t>
+            </a:fld>
+            <a:endParaRPr lang="en-US"/>
+          </a:p>
+        </p:txBody>
+      </p:sp>
+      <p:sp>
+        <p:nvSpPr>
+          <p:cNvPr id="2" name="Slide Image Placeholder 1">
+            <a:extLst>
+              <a:ext uri="{FF2B5EF4-FFF2-40B4-BE49-F238E27FC236}">
+                <a16:creationId xmlns:a16="http://schemas.microsoft.com/office/drawing/2014/main" id="{3C0E1474-5972-42AD-83E3-68D937A6C6C4}"/>
+              </a:ext>
+            </a:extLst>
+          </p:cNvPr>
+          <p:cNvSpPr>
+            <a:spLocks noGrp="1" noRot="1" noChangeAspect="1" noResize="1"/>
+          </p:cNvSpPr>
+          <p:nvPr>
+            <p:ph type="sldImg"/>
+          </p:nvPr>
+        </p:nvSpPr>
+        <p:spPr>
+          <a:xfrm>
+            <a:off x="1371600" y="763588"/>
+            <a:ext cx="5029200" cy="3771900"/>
+          </a:xfrm>
+          <a:solidFill>
+            <a:srgbClr val="729FCF"/>
+          </a:solidFill>
+          <a:ln w="25400">
+            <a:solidFill>
+              <a:srgbClr val="3465A4"/>
+            </a:solidFill>
+            <a:prstDash val="solid"/>
+          </a:ln>
+        </p:spPr>
+      </p:sp>
+      <p:sp>
+        <p:nvSpPr>
+          <p:cNvPr id="3" name="Notes Placeholder 2">
+            <a:extLst>
+              <a:ext uri="{FF2B5EF4-FFF2-40B4-BE49-F238E27FC236}">
+                <a16:creationId xmlns:a16="http://schemas.microsoft.com/office/drawing/2014/main" id="{A6311205-5A5D-9A69-1CCA-93CCFF0BF7FC}"/>
+              </a:ext>
+            </a:extLst>
+          </p:cNvPr>
+          <p:cNvSpPr txBox="1">
+            <a:spLocks noGrp="1"/>
+          </p:cNvSpPr>
+          <p:nvPr>
+            <p:ph type="body" sz="quarter" idx="1"/>
+          </p:nvPr>
+        </p:nvSpPr>
+        <p:spPr>
+          <a:xfrm>
+            <a:off x="777239" y="4777560"/>
+            <a:ext cx="6217560" cy="4525920"/>
+          </a:xfrm>
+        </p:spPr>
+        <p:txBody>
+          <a:bodyPr vert="horz"/>
+          <a:lstStyle/>
+          <a:p>
+            <a:endParaRPr lang="en-US"/>
+          </a:p>
+        </p:txBody>
+      </p:sp>
+    </p:spTree>
+  </p:cSld>
+  <p:clrMapOvr>
+    <a:masterClrMapping/>
+  </p:clrMapOvr>
+</p:notes>
+</file>
+
+<file path=ppt/notesSlides/notesSlide22.xml><?xml version="1.0" encoding="utf-8"?>
+<p:notes xmlns:a="http://schemas.openxmlformats.org/drawingml/2006/main" xmlns:r="http://schemas.openxmlformats.org/officeDocument/2006/relationships" xmlns:p="http://schemas.openxmlformats.org/presentationml/2006/main">
+  <p:cSld>
+    <p:spTree>
+      <p:nvGrpSpPr>
+        <p:cNvPr id="1" name=""/>
+        <p:cNvGrpSpPr/>
+        <p:nvPr/>
+      </p:nvGrpSpPr>
+      <p:grpSpPr>
+        <a:xfrm>
+          <a:off x="0" y="0"/>
+          <a:ext cx="0" cy="0"/>
+          <a:chOff x="0" y="0"/>
+          <a:chExt cx="0" cy="0"/>
+        </a:xfrm>
+      </p:grpSpPr>
+      <p:sp>
+        <p:nvSpPr>
+          <p:cNvPr id="7" name="Slide Number Placeholder 6">
+            <a:extLst>
+              <a:ext uri="{FF2B5EF4-FFF2-40B4-BE49-F238E27FC236}">
+                <a16:creationId xmlns:a16="http://schemas.microsoft.com/office/drawing/2014/main" id="{72350D7C-142F-4F3B-D4DF-349E66DAE3C9}"/>
+              </a:ext>
+            </a:extLst>
+          </p:cNvPr>
+          <p:cNvSpPr txBox="1">
+            <a:spLocks noGrp="1"/>
+          </p:cNvSpPr>
+          <p:nvPr>
+            <p:ph type="sldNum" sz="quarter" idx="5"/>
+          </p:nvPr>
+        </p:nvSpPr>
+        <p:spPr>
+          <a:ln/>
+        </p:spPr>
+        <p:txBody>
+          <a:bodyPr vert="horz" lIns="0" tIns="0" rIns="0" bIns="0" anchor="b" anchorCtr="0">
+            <a:noAutofit/>
+          </a:bodyPr>
+          <a:lstStyle/>
+          <a:p>
+            <a:pPr lvl="0"/>
+            <a:fld id="{5B7E16E1-1958-4B9F-92DA-9F46637E015A}" type="slidenum">
+              <a:t>22</a:t>
+            </a:fld>
+            <a:endParaRPr lang="en-US"/>
+          </a:p>
+        </p:txBody>
+      </p:sp>
+      <p:sp>
+        <p:nvSpPr>
+          <p:cNvPr id="2" name="Slide Image Placeholder 1">
+            <a:extLst>
+              <a:ext uri="{FF2B5EF4-FFF2-40B4-BE49-F238E27FC236}">
+                <a16:creationId xmlns:a16="http://schemas.microsoft.com/office/drawing/2014/main" id="{FAC1EC5C-0E0C-588B-8A1C-8DA7FA73B1B4}"/>
+              </a:ext>
+            </a:extLst>
+          </p:cNvPr>
+          <p:cNvSpPr>
+            <a:spLocks noGrp="1" noRot="1" noChangeAspect="1" noResize="1"/>
+          </p:cNvSpPr>
+          <p:nvPr>
+            <p:ph type="sldImg"/>
+          </p:nvPr>
+        </p:nvSpPr>
+        <p:spPr>
+          <a:xfrm>
+            <a:off x="1371600" y="763588"/>
+            <a:ext cx="5029200" cy="3771900"/>
+          </a:xfrm>
+          <a:solidFill>
+            <a:srgbClr val="729FCF"/>
+          </a:solidFill>
+          <a:ln w="25400">
+            <a:solidFill>
+              <a:srgbClr val="3465A4"/>
+            </a:solidFill>
+            <a:prstDash val="solid"/>
+          </a:ln>
+        </p:spPr>
+      </p:sp>
+      <p:sp>
+        <p:nvSpPr>
+          <p:cNvPr id="3" name="Notes Placeholder 2">
+            <a:extLst>
+              <a:ext uri="{FF2B5EF4-FFF2-40B4-BE49-F238E27FC236}">
+                <a16:creationId xmlns:a16="http://schemas.microsoft.com/office/drawing/2014/main" id="{2C0F8BC1-E98D-B346-E4B5-B4477D2C26EF}"/>
+              </a:ext>
+            </a:extLst>
+          </p:cNvPr>
+          <p:cNvSpPr txBox="1">
+            <a:spLocks noGrp="1"/>
+          </p:cNvSpPr>
+          <p:nvPr>
+            <p:ph type="body" sz="quarter" idx="1"/>
+          </p:nvPr>
+        </p:nvSpPr>
+        <p:spPr>
+          <a:xfrm>
+            <a:off x="777239" y="4777560"/>
+            <a:ext cx="6217560" cy="4525920"/>
+          </a:xfrm>
+        </p:spPr>
+        <p:txBody>
+          <a:bodyPr vert="horz"/>
+          <a:lstStyle/>
+          <a:p>
+            <a:endParaRPr lang="en-US"/>
+          </a:p>
+        </p:txBody>
+      </p:sp>
+    </p:spTree>
+  </p:cSld>
+  <p:clrMapOvr>
+    <a:masterClrMapping/>
+  </p:clrMapOvr>
+</p:notes>
+</file>
+
+<file path=ppt/notesSlides/notesSlide23.xml><?xml version="1.0" encoding="utf-8"?>
+<p:notes xmlns:a="http://schemas.openxmlformats.org/drawingml/2006/main" xmlns:r="http://schemas.openxmlformats.org/officeDocument/2006/relationships" xmlns:p="http://schemas.openxmlformats.org/presentationml/2006/main">
+  <p:cSld>
+    <p:spTree>
+      <p:nvGrpSpPr>
+        <p:cNvPr id="1" name=""/>
+        <p:cNvGrpSpPr/>
+        <p:nvPr/>
+      </p:nvGrpSpPr>
+      <p:grpSpPr>
+        <a:xfrm>
+          <a:off x="0" y="0"/>
+          <a:ext cx="0" cy="0"/>
+          <a:chOff x="0" y="0"/>
+          <a:chExt cx="0" cy="0"/>
+        </a:xfrm>
+      </p:grpSpPr>
+      <p:sp>
+        <p:nvSpPr>
+          <p:cNvPr id="7" name="Slide Number Placeholder 6">
+            <a:extLst>
+              <a:ext uri="{FF2B5EF4-FFF2-40B4-BE49-F238E27FC236}">
+                <a16:creationId xmlns:a16="http://schemas.microsoft.com/office/drawing/2014/main" id="{25097F42-A99F-B223-09CF-8A2BB09A1D0B}"/>
+              </a:ext>
+            </a:extLst>
+          </p:cNvPr>
+          <p:cNvSpPr txBox="1">
+            <a:spLocks noGrp="1"/>
+          </p:cNvSpPr>
+          <p:nvPr>
+            <p:ph type="sldNum" sz="quarter" idx="5"/>
+          </p:nvPr>
+        </p:nvSpPr>
+        <p:spPr>
+          <a:ln/>
+        </p:spPr>
+        <p:txBody>
+          <a:bodyPr vert="horz" lIns="0" tIns="0" rIns="0" bIns="0" anchor="b" anchorCtr="0">
+            <a:noAutofit/>
+          </a:bodyPr>
+          <a:lstStyle/>
+          <a:p>
+            <a:pPr lvl="0"/>
+            <a:fld id="{29098765-2DCE-4758-A6C0-E4500E3E1F67}" type="slidenum">
+              <a:t>23</a:t>
+            </a:fld>
+            <a:endParaRPr lang="en-US"/>
+          </a:p>
+        </p:txBody>
+      </p:sp>
+      <p:sp>
+        <p:nvSpPr>
+          <p:cNvPr id="2" name="Slide Image Placeholder 1">
+            <a:extLst>
+              <a:ext uri="{FF2B5EF4-FFF2-40B4-BE49-F238E27FC236}">
+                <a16:creationId xmlns:a16="http://schemas.microsoft.com/office/drawing/2014/main" id="{78EE8922-573C-442B-51AC-9E293F5BD49C}"/>
+              </a:ext>
+            </a:extLst>
+          </p:cNvPr>
+          <p:cNvSpPr>
+            <a:spLocks noGrp="1" noRot="1" noChangeAspect="1" noResize="1"/>
+          </p:cNvSpPr>
+          <p:nvPr>
+            <p:ph type="sldImg"/>
+          </p:nvPr>
+        </p:nvSpPr>
+        <p:spPr>
+          <a:xfrm>
+            <a:off x="1371600" y="763588"/>
+            <a:ext cx="5029200" cy="3771900"/>
+          </a:xfrm>
+          <a:solidFill>
+            <a:srgbClr val="729FCF"/>
+          </a:solidFill>
+          <a:ln w="25400">
+            <a:solidFill>
+              <a:srgbClr val="3465A4"/>
+            </a:solidFill>
+            <a:prstDash val="solid"/>
+          </a:ln>
+        </p:spPr>
+      </p:sp>
+      <p:sp>
+        <p:nvSpPr>
+          <p:cNvPr id="3" name="Notes Placeholder 2">
+            <a:extLst>
+              <a:ext uri="{FF2B5EF4-FFF2-40B4-BE49-F238E27FC236}">
+                <a16:creationId xmlns:a16="http://schemas.microsoft.com/office/drawing/2014/main" id="{66E3E1D0-D76C-D75D-A933-738E99E33A1C}"/>
+              </a:ext>
+            </a:extLst>
+          </p:cNvPr>
+          <p:cNvSpPr txBox="1">
+            <a:spLocks noGrp="1"/>
+          </p:cNvSpPr>
+          <p:nvPr>
+            <p:ph type="body" sz="quarter" idx="1"/>
+          </p:nvPr>
+        </p:nvSpPr>
+        <p:spPr>
+          <a:xfrm>
+            <a:off x="777239" y="4777560"/>
+            <a:ext cx="6217560" cy="4525920"/>
+          </a:xfrm>
+        </p:spPr>
+        <p:txBody>
+          <a:bodyPr vert="horz"/>
+          <a:lstStyle/>
+          <a:p>
+            <a:endParaRPr lang="en-US"/>
+          </a:p>
+        </p:txBody>
+      </p:sp>
+    </p:spTree>
+  </p:cSld>
+  <p:clrMapOvr>
+    <a:masterClrMapping/>
+  </p:clrMapOvr>
+</p:notes>
+</file>
+
+<file path=ppt/notesSlides/notesSlide24.xml><?xml version="1.0" encoding="utf-8"?>
+<p:notes xmlns:a="http://schemas.openxmlformats.org/drawingml/2006/main" xmlns:r="http://schemas.openxmlformats.org/officeDocument/2006/relationships" xmlns:p="http://schemas.openxmlformats.org/presentationml/2006/main">
+  <p:cSld>
+    <p:spTree>
+      <p:nvGrpSpPr>
+        <p:cNvPr id="1" name=""/>
+        <p:cNvGrpSpPr/>
+        <p:nvPr/>
+      </p:nvGrpSpPr>
+      <p:grpSpPr>
+        <a:xfrm>
+          <a:off x="0" y="0"/>
+          <a:ext cx="0" cy="0"/>
+          <a:chOff x="0" y="0"/>
+          <a:chExt cx="0" cy="0"/>
+        </a:xfrm>
+      </p:grpSpPr>
+      <p:sp>
+        <p:nvSpPr>
+          <p:cNvPr id="7" name="Slide Number Placeholder 6">
+            <a:extLst>
+              <a:ext uri="{FF2B5EF4-FFF2-40B4-BE49-F238E27FC236}">
+                <a16:creationId xmlns:a16="http://schemas.microsoft.com/office/drawing/2014/main" id="{4AB3A6C8-62D8-6F76-8FB4-93A6121656B2}"/>
+              </a:ext>
+            </a:extLst>
+          </p:cNvPr>
+          <p:cNvSpPr txBox="1">
+            <a:spLocks noGrp="1"/>
+          </p:cNvSpPr>
+          <p:nvPr>
+            <p:ph type="sldNum" sz="quarter" idx="5"/>
+          </p:nvPr>
+        </p:nvSpPr>
+        <p:spPr>
+          <a:ln/>
+        </p:spPr>
+        <p:txBody>
+          <a:bodyPr vert="horz" lIns="0" tIns="0" rIns="0" bIns="0" anchor="b" anchorCtr="0">
+            <a:noAutofit/>
+          </a:bodyPr>
+          <a:lstStyle/>
+          <a:p>
+            <a:pPr lvl="0"/>
+            <a:fld id="{F9DCB4FA-31DD-4261-AAF9-E3BCB3F8BDCF}" type="slidenum">
+              <a:t>24</a:t>
+            </a:fld>
+            <a:endParaRPr lang="en-US"/>
+          </a:p>
+        </p:txBody>
+      </p:sp>
+      <p:sp>
+        <p:nvSpPr>
+          <p:cNvPr id="2" name="Slide Image Placeholder 1">
+            <a:extLst>
+              <a:ext uri="{FF2B5EF4-FFF2-40B4-BE49-F238E27FC236}">
+                <a16:creationId xmlns:a16="http://schemas.microsoft.com/office/drawing/2014/main" id="{72885455-6445-4B0F-3E5F-2A62CFB7A90D}"/>
+              </a:ext>
+            </a:extLst>
+          </p:cNvPr>
+          <p:cNvSpPr>
+            <a:spLocks noGrp="1" noRot="1" noChangeAspect="1" noResize="1"/>
+          </p:cNvSpPr>
+          <p:nvPr>
+            <p:ph type="sldImg"/>
+          </p:nvPr>
+        </p:nvSpPr>
+        <p:spPr>
+          <a:xfrm>
+            <a:off x="1371600" y="763588"/>
+            <a:ext cx="5029200" cy="3771900"/>
+          </a:xfrm>
+          <a:solidFill>
+            <a:srgbClr val="729FCF"/>
+          </a:solidFill>
+          <a:ln w="25400">
+            <a:solidFill>
+              <a:srgbClr val="3465A4"/>
+            </a:solidFill>
+            <a:prstDash val="solid"/>
+          </a:ln>
+        </p:spPr>
+      </p:sp>
+      <p:sp>
+        <p:nvSpPr>
+          <p:cNvPr id="3" name="Notes Placeholder 2">
+            <a:extLst>
+              <a:ext uri="{FF2B5EF4-FFF2-40B4-BE49-F238E27FC236}">
+                <a16:creationId xmlns:a16="http://schemas.microsoft.com/office/drawing/2014/main" id="{ABB883B0-A17A-4A36-D8B2-61ECF8F84C88}"/>
+              </a:ext>
+            </a:extLst>
+          </p:cNvPr>
+          <p:cNvSpPr txBox="1">
+            <a:spLocks noGrp="1"/>
+          </p:cNvSpPr>
+          <p:nvPr>
+            <p:ph type="body" sz="quarter" idx="1"/>
+          </p:nvPr>
+        </p:nvSpPr>
+        <p:spPr>
+          <a:xfrm>
+            <a:off x="777239" y="4777560"/>
+            <a:ext cx="6217560" cy="4525920"/>
+          </a:xfrm>
+        </p:spPr>
+        <p:txBody>
+          <a:bodyPr vert="horz"/>
+          <a:lstStyle/>
+          <a:p>
+            <a:endParaRPr lang="en-US"/>
+          </a:p>
+        </p:txBody>
+      </p:sp>
+    </p:spTree>
+  </p:cSld>
+  <p:clrMapOvr>
+    <a:masterClrMapping/>
+  </p:clrMapOvr>
+</p:notes>
+</file>
+
+<file path=ppt/notesSlides/notesSlide25.xml><?xml version="1.0" encoding="utf-8"?>
+<p:notes xmlns:a="http://schemas.openxmlformats.org/drawingml/2006/main" xmlns:r="http://schemas.openxmlformats.org/officeDocument/2006/relationships" xmlns:p="http://schemas.openxmlformats.org/presentationml/2006/main">
+  <p:cSld>
+    <p:spTree>
+      <p:nvGrpSpPr>
+        <p:cNvPr id="1" name=""/>
+        <p:cNvGrpSpPr/>
+        <p:nvPr/>
+      </p:nvGrpSpPr>
+      <p:grpSpPr>
+        <a:xfrm>
+          <a:off x="0" y="0"/>
+          <a:ext cx="0" cy="0"/>
+          <a:chOff x="0" y="0"/>
+          <a:chExt cx="0" cy="0"/>
+        </a:xfrm>
+      </p:grpSpPr>
+      <p:sp>
+        <p:nvSpPr>
+          <p:cNvPr id="7" name="Slide Number Placeholder 6">
+            <a:extLst>
+              <a:ext uri="{FF2B5EF4-FFF2-40B4-BE49-F238E27FC236}">
+                <a16:creationId xmlns:a16="http://schemas.microsoft.com/office/drawing/2014/main" id="{4B786D45-BA80-9F7C-68B0-A90EBBE473FE}"/>
+              </a:ext>
+            </a:extLst>
+          </p:cNvPr>
+          <p:cNvSpPr txBox="1">
+            <a:spLocks noGrp="1"/>
+          </p:cNvSpPr>
+          <p:nvPr>
+            <p:ph type="sldNum" sz="quarter" idx="5"/>
+          </p:nvPr>
+        </p:nvSpPr>
+        <p:spPr>
+          <a:ln/>
+        </p:spPr>
+        <p:txBody>
+          <a:bodyPr vert="horz" lIns="0" tIns="0" rIns="0" bIns="0" anchor="b" anchorCtr="0">
+            <a:noAutofit/>
+          </a:bodyPr>
+          <a:lstStyle/>
+          <a:p>
+            <a:pPr lvl="0"/>
+            <a:fld id="{748A25B4-4D3F-4649-946E-1A1CC6424460}" type="slidenum">
+              <a:t>25</a:t>
+            </a:fld>
+            <a:endParaRPr lang="en-US"/>
+          </a:p>
+        </p:txBody>
+      </p:sp>
+      <p:sp>
+        <p:nvSpPr>
+          <p:cNvPr id="2" name="Slide Image Placeholder 1">
+            <a:extLst>
+              <a:ext uri="{FF2B5EF4-FFF2-40B4-BE49-F238E27FC236}">
+                <a16:creationId xmlns:a16="http://schemas.microsoft.com/office/drawing/2014/main" id="{559B1903-AF85-1843-9AE9-127CBD422535}"/>
+              </a:ext>
+            </a:extLst>
+          </p:cNvPr>
+          <p:cNvSpPr>
+            <a:spLocks noGrp="1" noRot="1" noChangeAspect="1" noResize="1"/>
+          </p:cNvSpPr>
+          <p:nvPr>
+            <p:ph type="sldImg"/>
+          </p:nvPr>
+        </p:nvSpPr>
+        <p:spPr>
+          <a:xfrm>
+            <a:off x="1371600" y="763588"/>
+            <a:ext cx="5029200" cy="3771900"/>
+          </a:xfrm>
+          <a:solidFill>
+            <a:srgbClr val="729FCF"/>
+          </a:solidFill>
+          <a:ln w="25400">
+            <a:solidFill>
+              <a:srgbClr val="3465A4"/>
+            </a:solidFill>
+            <a:prstDash val="solid"/>
+          </a:ln>
+        </p:spPr>
+      </p:sp>
+      <p:sp>
+        <p:nvSpPr>
+          <p:cNvPr id="3" name="Notes Placeholder 2">
+            <a:extLst>
+              <a:ext uri="{FF2B5EF4-FFF2-40B4-BE49-F238E27FC236}">
+                <a16:creationId xmlns:a16="http://schemas.microsoft.com/office/drawing/2014/main" id="{00B7218F-C435-40FF-88D7-182CA1B9D9C3}"/>
+              </a:ext>
+            </a:extLst>
+          </p:cNvPr>
+          <p:cNvSpPr txBox="1">
+            <a:spLocks noGrp="1"/>
+          </p:cNvSpPr>
+          <p:nvPr>
+            <p:ph type="body" sz="quarter" idx="1"/>
+          </p:nvPr>
+        </p:nvSpPr>
+        <p:spPr>
+          <a:xfrm>
+            <a:off x="777239" y="4777560"/>
+            <a:ext cx="6217560" cy="4525920"/>
+          </a:xfrm>
+        </p:spPr>
+        <p:txBody>
+          <a:bodyPr vert="horz"/>
+          <a:lstStyle/>
+          <a:p>
+            <a:endParaRPr lang="en-US"/>
+          </a:p>
+        </p:txBody>
+      </p:sp>
+    </p:spTree>
+  </p:cSld>
+  <p:clrMapOvr>
+    <a:masterClrMapping/>
+  </p:clrMapOvr>
+</p:notes>
+</file>
+
+<file path=ppt/notesSlides/notesSlide26.xml><?xml version="1.0" encoding="utf-8"?>
+<p:notes xmlns:a="http://schemas.openxmlformats.org/drawingml/2006/main" xmlns:r="http://schemas.openxmlformats.org/officeDocument/2006/relationships" xmlns:p="http://schemas.openxmlformats.org/presentationml/2006/main">
+  <p:cSld>
+    <p:spTree>
+      <p:nvGrpSpPr>
+        <p:cNvPr id="1" name=""/>
+        <p:cNvGrpSpPr/>
+        <p:nvPr/>
+      </p:nvGrpSpPr>
+      <p:grpSpPr>
+        <a:xfrm>
+          <a:off x="0" y="0"/>
+          <a:ext cx="0" cy="0"/>
+          <a:chOff x="0" y="0"/>
+          <a:chExt cx="0" cy="0"/>
+        </a:xfrm>
+      </p:grpSpPr>
+      <p:sp>
+        <p:nvSpPr>
+          <p:cNvPr id="7" name="Slide Number Placeholder 6">
+            <a:extLst>
+              <a:ext uri="{FF2B5EF4-FFF2-40B4-BE49-F238E27FC236}">
+                <a16:creationId xmlns:a16="http://schemas.microsoft.com/office/drawing/2014/main" id="{3EFD5B10-E4AE-5687-4338-883F859CF228}"/>
+              </a:ext>
+            </a:extLst>
+          </p:cNvPr>
+          <p:cNvSpPr txBox="1">
+            <a:spLocks noGrp="1"/>
+          </p:cNvSpPr>
+          <p:nvPr>
+            <p:ph type="sldNum" sz="quarter" idx="5"/>
+          </p:nvPr>
+        </p:nvSpPr>
+        <p:spPr>
+          <a:ln/>
+        </p:spPr>
+        <p:txBody>
+          <a:bodyPr vert="horz" lIns="0" tIns="0" rIns="0" bIns="0" anchor="b" anchorCtr="0">
+            <a:noAutofit/>
+          </a:bodyPr>
+          <a:lstStyle/>
+          <a:p>
+            <a:pPr lvl="0"/>
             <a:fld id="{E952F9AC-5CDC-474C-BE33-C065CAD9E74A}" type="slidenum">
-              <a:t>21</a:t>
+              <a:t>26</a:t>
             </a:fld>
             <a:endParaRPr lang="en-US"/>
           </a:p>
@@ -6107,7 +6778,7 @@
           <a:p>
             <a:fld id="{C98FE7E5-AEA8-43C3-B38D-978F52DB723C}" type="datetimeFigureOut">
               <a:rPr lang="he-IL" smtClean="0"/>
-              <a:t>כ"ט/ניסן/תשפ"ה</a:t>
+              <a:t>ד'/אייר/תשפ"ה</a:t>
             </a:fld>
             <a:endParaRPr lang="he-IL"/>
           </a:p>
@@ -6306,7 +6977,7 @@
           <a:p>
             <a:fld id="{C98FE7E5-AEA8-43C3-B38D-978F52DB723C}" type="datetimeFigureOut">
               <a:rPr lang="he-IL" smtClean="0"/>
-              <a:t>כ"ט/ניסן/תשפ"ה</a:t>
+              <a:t>ד'/אייר/תשפ"ה</a:t>
             </a:fld>
             <a:endParaRPr lang="he-IL"/>
           </a:p>
@@ -6581,7 +7252,7 @@
           <a:p>
             <a:fld id="{C98FE7E5-AEA8-43C3-B38D-978F52DB723C}" type="datetimeFigureOut">
               <a:rPr lang="he-IL" smtClean="0"/>
-              <a:t>כ"ט/ניסן/תשפ"ה</a:t>
+              <a:t>ד'/אייר/תשפ"ה</a:t>
             </a:fld>
             <a:endParaRPr lang="he-IL"/>
           </a:p>
@@ -6848,7 +7519,7 @@
           <a:p>
             <a:fld id="{C98FE7E5-AEA8-43C3-B38D-978F52DB723C}" type="datetimeFigureOut">
               <a:rPr lang="he-IL" smtClean="0"/>
-              <a:t>כ"ט/ניסן/תשפ"ה</a:t>
+              <a:t>ד'/אייר/תשפ"ה</a:t>
             </a:fld>
             <a:endParaRPr lang="he-IL"/>
           </a:p>
@@ -7262,7 +7933,7 @@
           <a:p>
             <a:fld id="{C98FE7E5-AEA8-43C3-B38D-978F52DB723C}" type="datetimeFigureOut">
               <a:rPr lang="he-IL" smtClean="0"/>
-              <a:t>כ"ט/ניסן/תשפ"ה</a:t>
+              <a:t>ד'/אייר/תשפ"ה</a:t>
             </a:fld>
             <a:endParaRPr lang="he-IL"/>
           </a:p>
@@ -7403,7 +8074,7 @@
           <a:p>
             <a:fld id="{C98FE7E5-AEA8-43C3-B38D-978F52DB723C}" type="datetimeFigureOut">
               <a:rPr lang="he-IL" smtClean="0"/>
-              <a:t>כ"ט/ניסן/תשפ"ה</a:t>
+              <a:t>ד'/אייר/תשפ"ה</a:t>
             </a:fld>
             <a:endParaRPr lang="he-IL"/>
           </a:p>
@@ -7515,7 +8186,7 @@
           <a:p>
             <a:fld id="{C98FE7E5-AEA8-43C3-B38D-978F52DB723C}" type="datetimeFigureOut">
               <a:rPr lang="he-IL" smtClean="0"/>
-              <a:t>כ"ט/ניסן/תשפ"ה</a:t>
+              <a:t>ד'/אייר/תשפ"ה</a:t>
             </a:fld>
             <a:endParaRPr lang="he-IL"/>
           </a:p>
@@ -8098,7 +8769,7 @@
           <a:p>
             <a:fld id="{C98FE7E5-AEA8-43C3-B38D-978F52DB723C}" type="datetimeFigureOut">
               <a:rPr lang="he-IL" smtClean="0"/>
-              <a:t>כ"ט/ניסן/תשפ"ה</a:t>
+              <a:t>ד'/אייר/תשפ"ה</a:t>
             </a:fld>
             <a:endParaRPr lang="he-IL"/>
           </a:p>
@@ -8386,7 +9057,7 @@
           <a:p>
             <a:fld id="{C98FE7E5-AEA8-43C3-B38D-978F52DB723C}" type="datetimeFigureOut">
               <a:rPr lang="he-IL" smtClean="0"/>
-              <a:t>כ"ט/ניסן/תשפ"ה</a:t>
+              <a:t>ד'/אייר/תשפ"ה</a:t>
             </a:fld>
             <a:endParaRPr lang="he-IL"/>
           </a:p>
@@ -8585,7 +9256,7 @@
           <a:p>
             <a:fld id="{C98FE7E5-AEA8-43C3-B38D-978F52DB723C}" type="datetimeFigureOut">
               <a:rPr lang="he-IL" smtClean="0"/>
-              <a:t>כ"ט/ניסן/תשפ"ה</a:t>
+              <a:t>ד'/אייר/תשפ"ה</a:t>
             </a:fld>
             <a:endParaRPr lang="he-IL"/>
           </a:p>
@@ -8794,7 +9465,7 @@
           <a:p>
             <a:fld id="{C98FE7E5-AEA8-43C3-B38D-978F52DB723C}" type="datetimeFigureOut">
               <a:rPr lang="he-IL" smtClean="0"/>
-              <a:t>כ"ט/ניסן/תשפ"ה</a:t>
+              <a:t>ד'/אייר/תשפ"ה</a:t>
             </a:fld>
             <a:endParaRPr lang="he-IL"/>
           </a:p>
@@ -11582,7 +12253,7 @@
           <a:p>
             <a:fld id="{C98FE7E5-AEA8-43C3-B38D-978F52DB723C}" type="datetimeFigureOut">
               <a:rPr lang="he-IL" smtClean="0"/>
-              <a:t>כ"ט/ניסן/תשפ"ה</a:t>
+              <a:t>ד'/אייר/תשפ"ה</a:t>
             </a:fld>
             <a:endParaRPr lang="he-IL"/>
           </a:p>
@@ -13514,43 +14185,6 @@
       </p:grpSpPr>
       <p:sp>
         <p:nvSpPr>
-          <p:cNvPr id="2" name="Title 1">
-            <a:extLst>
-              <a:ext uri="{FF2B5EF4-FFF2-40B4-BE49-F238E27FC236}">
-                <a16:creationId xmlns:a16="http://schemas.microsoft.com/office/drawing/2014/main" id="{FCF51F49-AFA9-6E27-0044-B04A3A891FFE}"/>
-              </a:ext>
-            </a:extLst>
-          </p:cNvPr>
-          <p:cNvSpPr txBox="1">
-            <a:spLocks noGrp="1"/>
-          </p:cNvSpPr>
-          <p:nvPr>
-            <p:ph type="title" idx="4294967295"/>
-          </p:nvPr>
-        </p:nvSpPr>
-        <p:spPr>
-          <a:xfrm>
-            <a:off x="0" y="0"/>
-            <a:ext cx="10080720" cy="914400"/>
-          </a:xfrm>
-        </p:spPr>
-        <p:txBody>
-          <a:bodyPr vert="horz"/>
-          <a:lstStyle/>
-          <a:p>
-            <a:pPr lvl="0" rtl="1"/>
-            <a:r>
-              <a:rPr lang="he-IL" sz="5400">
-                <a:latin typeface="Liberation Sans" pitchFamily="34"/>
-                <a:cs typeface="Liberation Sans" pitchFamily="34"/>
-              </a:rPr>
-              <a:t>קנאה וסכום-ערכים</a:t>
-            </a:r>
-          </a:p>
-        </p:txBody>
-      </p:sp>
-      <p:sp>
-        <p:nvSpPr>
           <p:cNvPr id="3" name="Text Placeholder 2">
             <a:extLst>
               <a:ext uri="{FF2B5EF4-FFF2-40B4-BE49-F238E27FC236}">
@@ -13579,908 +14213,1062 @@
           <a:p>
             <a:pPr lvl="0" algn="r" rtl="1"/>
             <a:r>
-              <a:rPr lang="he-IL" sz="3600" b="1">
-                <a:solidFill>
-                  <a:srgbClr val="009900"/>
-                </a:solidFill>
-                <a:latin typeface="Liberation Sans" pitchFamily="34"/>
-                <a:cs typeface="Liberation Sans" pitchFamily="34"/>
-              </a:rPr>
-              <a:t>משפט 1: </a:t>
-            </a:r>
-            <a:r>
-              <a:rPr lang="he-IL" sz="3600" i="1">
-                <a:solidFill>
-                  <a:srgbClr val="009900"/>
-                </a:solidFill>
-                <a:latin typeface="Liberation Sans" pitchFamily="34"/>
-                <a:cs typeface="Liberation Sans" pitchFamily="34"/>
-              </a:rPr>
-              <a:t>בכל</a:t>
-            </a:r>
-            <a:r>
-              <a:rPr lang="en-US" sz="3600">
-                <a:solidFill>
-                  <a:srgbClr val="009900"/>
-                </a:solidFill>
-                <a:latin typeface="Liberation Sans" pitchFamily="34"/>
-                <a:cs typeface="Liberation Sans" pitchFamily="34"/>
-              </a:rPr>
-              <a:t> השמה ללא קנאה</a:t>
-            </a:r>
-            <a:r>
-              <a:rPr lang="he-IL" sz="3600">
-                <a:solidFill>
-                  <a:srgbClr val="009900"/>
-                </a:solidFill>
-                <a:latin typeface="Liberation Sans" pitchFamily="34"/>
-                <a:cs typeface="Liberation Sans" pitchFamily="34"/>
-              </a:rPr>
-              <a:t>, </a:t>
-            </a:r>
-            <a:r>
-              <a:rPr lang="he-IL" sz="3600" i="1">
-                <a:solidFill>
-                  <a:srgbClr val="009900"/>
-                </a:solidFill>
-                <a:latin typeface="Liberation Sans" pitchFamily="34"/>
-                <a:cs typeface="Liberation Sans" pitchFamily="34"/>
-              </a:rPr>
-              <a:t>סכום הערכים</a:t>
-            </a:r>
-            <a:r>
-              <a:rPr lang="en-US" sz="3600">
-                <a:solidFill>
-                  <a:srgbClr val="009900"/>
-                </a:solidFill>
-                <a:latin typeface="Liberation Sans" pitchFamily="34"/>
-                <a:cs typeface="Liberation Sans" pitchFamily="34"/>
-              </a:rPr>
-              <a:t> של הדיירים בחדרים שהם גרים בהם הוא מקסימלי.</a:t>
-            </a:r>
-          </a:p>
-          <a:p>
-            <a:pPr lvl="0" algn="r" rtl="1"/>
-            <a:r>
-              <a:rPr lang="he-IL" b="1">
-                <a:latin typeface="Liberation Sans" pitchFamily="34"/>
-                <a:cs typeface="Liberation Sans" pitchFamily="34"/>
-              </a:rPr>
-              <a:t>הוכחה </a:t>
-            </a:r>
-            <a:r>
-              <a:rPr lang="en-US" sz="2000">
-                <a:latin typeface="Liberation Sans" pitchFamily="34"/>
-                <a:cs typeface="Liberation Sans" pitchFamily="34"/>
-              </a:rPr>
-              <a:t>(Sung and Vlach, 2004)</a:t>
-            </a:r>
-            <a:r>
               <a:rPr lang="he-IL">
-                <a:latin typeface="Liberation Sans" pitchFamily="34"/>
-                <a:cs typeface="Liberation Sans" pitchFamily="34"/>
-              </a:rPr>
-              <a:t>: תהי </a:t>
-            </a:r>
-            <a:r>
-              <a:rPr lang="en-US" i="1">
-                <a:latin typeface="Times New Roman" pitchFamily="18"/>
-                <a:cs typeface="Liberation Sans" pitchFamily="34"/>
-              </a:rPr>
-              <a:t>X,P</a:t>
-            </a:r>
-            <a:r>
-              <a:rPr lang="he-IL">
-                <a:latin typeface="Liberation Sans" pitchFamily="34"/>
-                <a:cs typeface="Liberation Sans" pitchFamily="34"/>
-              </a:rPr>
-              <a:t> </a:t>
-            </a:r>
-            <a:r>
-              <a:rPr lang="en-US">
-                <a:latin typeface="Liberation Sans" pitchFamily="34"/>
-                <a:cs typeface="Liberation Sans" pitchFamily="34"/>
-              </a:rPr>
-              <a:t>השמת-חדרים ללא קנאה</a:t>
-            </a:r>
-            <a:r>
-              <a:rPr lang="he-IL">
-                <a:latin typeface="Liberation Sans" pitchFamily="34"/>
-                <a:cs typeface="Liberation Sans" pitchFamily="34"/>
-              </a:rPr>
-              <a:t>. </a:t>
-            </a:r>
-            <a:r>
-              <a:rPr lang="en-US">
-                <a:latin typeface="Liberation Sans" pitchFamily="34"/>
-                <a:cs typeface="Liberation Sans" pitchFamily="34"/>
-              </a:rPr>
-              <a:t>תהי </a:t>
-            </a:r>
-            <a:r>
-              <a:rPr lang="en-US" i="1">
-                <a:latin typeface="Times New Roman" pitchFamily="18"/>
-                <a:cs typeface="Liberation Sans" pitchFamily="34"/>
-              </a:rPr>
-              <a:t>Y</a:t>
-            </a:r>
-            <a:r>
-              <a:rPr lang="he-IL" i="1">
-                <a:latin typeface="Liberation Sans" pitchFamily="34"/>
-                <a:cs typeface="Liberation Sans" pitchFamily="34"/>
-              </a:rPr>
-              <a:t> </a:t>
-            </a:r>
-            <a:r>
-              <a:rPr lang="en-US">
-                <a:latin typeface="Liberation Sans" pitchFamily="34"/>
-                <a:cs typeface="Liberation Sans" pitchFamily="34"/>
-              </a:rPr>
-              <a:t>השמה אחרת כלשהי</a:t>
-            </a:r>
-            <a:r>
-              <a:rPr lang="he-IL">
-                <a:latin typeface="Liberation Sans" pitchFamily="34"/>
-                <a:cs typeface="Liberation Sans" pitchFamily="34"/>
-              </a:rPr>
-              <a:t>. </a:t>
-            </a:r>
-            <a:r>
-              <a:rPr lang="en-US">
-                <a:latin typeface="Liberation Sans" pitchFamily="34"/>
-                <a:cs typeface="Liberation Sans" pitchFamily="34"/>
-              </a:rPr>
-              <a:t>לפי הגדרת קנאה לדיירים קוואזיליניאריים, לכל </a:t>
-            </a:r>
-            <a:r>
-              <a:rPr lang="en-US" i="1">
-                <a:latin typeface="Times New Roman" pitchFamily="18"/>
-                <a:cs typeface="Liberation Sans" pitchFamily="34"/>
-              </a:rPr>
-              <a:t>i</a:t>
-            </a:r>
-            <a:r>
-              <a:rPr lang="he-IL" i="1">
-                <a:latin typeface="Liberation Sans" pitchFamily="34"/>
-                <a:cs typeface="Liberation Sans" pitchFamily="34"/>
-              </a:rPr>
-              <a:t>:</a:t>
-            </a:r>
-            <a:endParaRPr lang="en-US">
-              <a:latin typeface="Liberation Sans" pitchFamily="34"/>
-              <a:cs typeface="Liberation Sans" pitchFamily="34"/>
-            </a:endParaRPr>
-          </a:p>
-          <a:p>
-            <a:pPr lvl="0" algn="ctr"/>
-            <a:r>
-              <a:rPr lang="en-US" b="1" i="1">
-                <a:latin typeface="Times New Roman" pitchFamily="18"/>
-                <a:cs typeface="Liberation Sans" pitchFamily="34"/>
-              </a:rPr>
-              <a:t>V</a:t>
-            </a:r>
-            <a:r>
-              <a:rPr lang="en-US" b="1" i="1" baseline="-33000">
-                <a:latin typeface="Times New Roman" pitchFamily="18"/>
-                <a:cs typeface="Liberation Sans" pitchFamily="34"/>
-              </a:rPr>
-              <a:t>i</a:t>
-            </a:r>
-            <a:r>
-              <a:rPr lang="en-US" b="1">
-                <a:latin typeface="Times New Roman" pitchFamily="18"/>
-                <a:cs typeface="Liberation Sans" pitchFamily="34"/>
-              </a:rPr>
-              <a:t>(</a:t>
-            </a:r>
-            <a:r>
-              <a:rPr lang="en-US" b="1" i="1">
-                <a:latin typeface="Times New Roman" pitchFamily="18"/>
-                <a:cs typeface="Liberation Sans" pitchFamily="34"/>
-              </a:rPr>
-              <a:t>X</a:t>
-            </a:r>
-            <a:r>
-              <a:rPr lang="en-US" b="1" i="1" baseline="-33000">
-                <a:latin typeface="Times New Roman" pitchFamily="18"/>
-                <a:cs typeface="Liberation Sans" pitchFamily="34"/>
-              </a:rPr>
-              <a:t>i</a:t>
-            </a:r>
-            <a:r>
-              <a:rPr lang="en-US" b="1">
-                <a:latin typeface="Times New Roman" pitchFamily="18"/>
-                <a:cs typeface="Liberation Sans" pitchFamily="34"/>
-              </a:rPr>
-              <a:t>)</a:t>
-            </a:r>
-            <a:r>
-              <a:rPr lang="en-US" b="1" i="1">
-                <a:latin typeface="Times New Roman" pitchFamily="18"/>
-                <a:cs typeface="Liberation Sans" pitchFamily="34"/>
-              </a:rPr>
-              <a:t> – P</a:t>
-            </a:r>
-            <a:r>
-              <a:rPr lang="en-US" b="1">
-                <a:latin typeface="Times New Roman" pitchFamily="18"/>
-                <a:cs typeface="Liberation Sans" pitchFamily="34"/>
-              </a:rPr>
-              <a:t>(</a:t>
-            </a:r>
-            <a:r>
-              <a:rPr lang="en-US" b="1" i="1">
-                <a:latin typeface="Times New Roman" pitchFamily="18"/>
-                <a:cs typeface="Liberation Sans" pitchFamily="34"/>
-              </a:rPr>
-              <a:t>X</a:t>
-            </a:r>
-            <a:r>
-              <a:rPr lang="en-US" b="1" i="1" baseline="-33000">
-                <a:latin typeface="Times New Roman" pitchFamily="18"/>
-                <a:cs typeface="Liberation Sans" pitchFamily="34"/>
-              </a:rPr>
-              <a:t>i</a:t>
-            </a:r>
-            <a:r>
-              <a:rPr lang="en-US" b="1">
-                <a:latin typeface="Times New Roman" pitchFamily="18"/>
-                <a:cs typeface="Liberation Sans" pitchFamily="34"/>
-              </a:rPr>
-              <a:t>)</a:t>
-            </a:r>
-            <a:r>
-              <a:rPr lang="en-US" b="1" i="1">
-                <a:latin typeface="Times New Roman" pitchFamily="18"/>
-                <a:cs typeface="Liberation Sans" pitchFamily="34"/>
-              </a:rPr>
-              <a:t> </a:t>
-            </a:r>
-            <a:r>
-              <a:rPr lang="en-US" b="1" i="1">
+                <a:solidFill>
+                  <a:schemeClr val="tx1"/>
+                </a:solidFill>
                 <a:latin typeface="Times New Roman" pitchFamily="18"/>
                 <a:ea typeface="Liberation Sans" pitchFamily="34"/>
                 <a:cs typeface="Liberation Sans" pitchFamily="34"/>
               </a:rPr>
-              <a:t>≥</a:t>
-            </a:r>
-            <a:r>
-              <a:rPr lang="en-US" b="1" i="1">
-                <a:latin typeface="Times New Roman" pitchFamily="18"/>
-                <a:cs typeface="Liberation Sans" pitchFamily="34"/>
-              </a:rPr>
-              <a:t> V</a:t>
-            </a:r>
-            <a:r>
-              <a:rPr lang="en-US" b="1" i="1" baseline="-33000">
-                <a:latin typeface="Times New Roman" pitchFamily="18"/>
-                <a:cs typeface="Liberation Sans" pitchFamily="34"/>
-              </a:rPr>
-              <a:t>i</a:t>
-            </a:r>
-            <a:r>
-              <a:rPr lang="en-US" b="1">
-                <a:latin typeface="Times New Roman" pitchFamily="18"/>
-                <a:cs typeface="Liberation Sans" pitchFamily="34"/>
-              </a:rPr>
-              <a:t>(</a:t>
-            </a:r>
-            <a:r>
-              <a:rPr lang="en-US" b="1" i="1">
-                <a:latin typeface="Times New Roman" pitchFamily="18"/>
-                <a:cs typeface="Liberation Sans" pitchFamily="34"/>
-              </a:rPr>
-              <a:t>Y</a:t>
-            </a:r>
-            <a:r>
-              <a:rPr lang="en-US" b="1" i="1" baseline="-33000">
-                <a:latin typeface="Times New Roman" pitchFamily="18"/>
-                <a:cs typeface="Liberation Sans" pitchFamily="34"/>
-              </a:rPr>
-              <a:t>i</a:t>
-            </a:r>
-            <a:r>
-              <a:rPr lang="en-US" b="1">
-                <a:latin typeface="Times New Roman" pitchFamily="18"/>
-                <a:cs typeface="Liberation Sans" pitchFamily="34"/>
-              </a:rPr>
-              <a:t>)</a:t>
-            </a:r>
-            <a:r>
-              <a:rPr lang="en-US" b="1" i="1">
-                <a:latin typeface="Times New Roman" pitchFamily="18"/>
-                <a:cs typeface="Liberation Sans" pitchFamily="34"/>
-              </a:rPr>
-              <a:t> – P</a:t>
-            </a:r>
-            <a:r>
-              <a:rPr lang="en-US" b="1">
-                <a:latin typeface="Times New Roman" pitchFamily="18"/>
-                <a:cs typeface="Liberation Sans" pitchFamily="34"/>
-              </a:rPr>
-              <a:t>(</a:t>
-            </a:r>
-            <a:r>
-              <a:rPr lang="en-US" b="1" i="1">
-                <a:latin typeface="Times New Roman" pitchFamily="18"/>
-                <a:cs typeface="Liberation Sans" pitchFamily="34"/>
-              </a:rPr>
-              <a:t>Y</a:t>
-            </a:r>
-            <a:r>
-              <a:rPr lang="en-US" b="1" i="1" baseline="-33000">
-                <a:latin typeface="Times New Roman" pitchFamily="18"/>
-                <a:cs typeface="Liberation Sans" pitchFamily="34"/>
-              </a:rPr>
-              <a:t>i</a:t>
-            </a:r>
-            <a:r>
-              <a:rPr lang="en-US" b="1">
-                <a:latin typeface="Times New Roman" pitchFamily="18"/>
-                <a:cs typeface="Liberation Sans" pitchFamily="34"/>
-              </a:rPr>
-              <a:t>)</a:t>
-            </a:r>
-          </a:p>
-          <a:p>
-            <a:pPr lvl="0" algn="r" rtl="1"/>
-            <a:r>
-              <a:rPr lang="he-IL">
-                <a:latin typeface="Liberation Sans" pitchFamily="34"/>
-                <a:cs typeface="Liberation Sans" pitchFamily="34"/>
-              </a:rPr>
-              <a:t>נסכום על כל הדיירים, </a:t>
-            </a:r>
-            <a:r>
-              <a:rPr lang="en-US" i="1">
-                <a:latin typeface="Times New Roman" pitchFamily="18"/>
-                <a:cs typeface="Liberation Sans" pitchFamily="34"/>
-              </a:rPr>
-              <a:t>i</a:t>
-            </a:r>
-            <a:r>
-              <a:rPr lang="he-IL">
-                <a:latin typeface="Liberation Sans" pitchFamily="34"/>
-                <a:cs typeface="Liberation Sans" pitchFamily="34"/>
-              </a:rPr>
-              <a:t> </a:t>
+              <a:t>נתונה השמה כלשהי </a:t>
             </a:r>
             <a:r>
               <a:rPr lang="en-US">
-                <a:latin typeface="Liberation Sans" pitchFamily="34"/>
-                <a:cs typeface="Liberation Sans" pitchFamily="34"/>
-              </a:rPr>
-              <a:t>בין</a:t>
-            </a:r>
-            <a:r>
-              <a:rPr lang="he-IL">
-                <a:latin typeface="Liberation Sans" pitchFamily="34"/>
-                <a:cs typeface="Liberation Sans" pitchFamily="34"/>
-              </a:rPr>
-              <a:t> 1 ל-</a:t>
-            </a:r>
-            <a:r>
-              <a:rPr lang="en-US" i="1">
-                <a:latin typeface="Times New Roman" pitchFamily="18"/>
-                <a:cs typeface="Liberation Sans" pitchFamily="34"/>
-              </a:rPr>
-              <a:t>n</a:t>
-            </a:r>
-            <a:r>
-              <a:rPr lang="he-IL">
-                <a:latin typeface="Liberation Sans" pitchFamily="34"/>
-                <a:cs typeface="Liberation Sans" pitchFamily="34"/>
-              </a:rPr>
-              <a:t>:</a:t>
-            </a:r>
-            <a:endParaRPr lang="en-US">
-              <a:latin typeface="Liberation Sans" pitchFamily="34"/>
-              <a:cs typeface="Liberation Sans" pitchFamily="34"/>
-            </a:endParaRPr>
-          </a:p>
-          <a:p>
-            <a:pPr lvl="0" algn="ctr"/>
-            <a:r>
-              <a:rPr lang="en-US" i="1">
+                <a:solidFill>
+                  <a:schemeClr val="tx1"/>
+                </a:solidFill>
                 <a:latin typeface="Times New Roman" pitchFamily="18"/>
                 <a:ea typeface="Liberation Sans" pitchFamily="34"/>
                 <a:cs typeface="Liberation Sans" pitchFamily="34"/>
               </a:rPr>
-              <a:t>∑</a:t>
-            </a:r>
-            <a:r>
-              <a:rPr lang="en-US">
+              <a:t>X</a:t>
+            </a:r>
+            <a:r>
+              <a:rPr lang="he-IL">
+                <a:solidFill>
+                  <a:schemeClr val="tx1"/>
+                </a:solidFill>
                 <a:latin typeface="Times New Roman" pitchFamily="18"/>
                 <a:ea typeface="Liberation Sans" pitchFamily="34"/>
                 <a:cs typeface="Liberation Sans" pitchFamily="34"/>
               </a:rPr>
-              <a:t>(</a:t>
-            </a:r>
-            <a:r>
-              <a:rPr lang="en-US" i="1">
+              <a:t> של חדרים לדיירים.</a:t>
+            </a:r>
+          </a:p>
+          <a:p>
+            <a:pPr lvl="0" algn="r" rtl="1"/>
+            <a:r>
+              <a:rPr lang="he-IL" b="1">
+                <a:solidFill>
+                  <a:schemeClr val="accent5"/>
+                </a:solidFill>
                 <a:latin typeface="Times New Roman" pitchFamily="18"/>
                 <a:ea typeface="Liberation Sans" pitchFamily="34"/>
                 <a:cs typeface="Liberation Sans" pitchFamily="34"/>
               </a:rPr>
-              <a:t>V</a:t>
-            </a:r>
-            <a:r>
-              <a:rPr lang="en-US" i="1" baseline="-33000">
+              <a:t>הגדרה</a:t>
+            </a:r>
+            <a:r>
+              <a:rPr lang="he-IL">
+                <a:solidFill>
+                  <a:schemeClr val="accent5"/>
+                </a:solidFill>
                 <a:latin typeface="Times New Roman" pitchFamily="18"/>
                 <a:ea typeface="Liberation Sans" pitchFamily="34"/>
                 <a:cs typeface="Liberation Sans" pitchFamily="34"/>
               </a:rPr>
-              <a:t>i</a:t>
-            </a:r>
-            <a:r>
-              <a:rPr lang="en-US">
+              <a:t>.</a:t>
+            </a:r>
+            <a:r>
+              <a:rPr lang="en-US" b="1">
+                <a:solidFill>
+                  <a:schemeClr val="accent5"/>
+                </a:solidFill>
                 <a:latin typeface="Times New Roman" pitchFamily="18"/>
                 <a:ea typeface="Liberation Sans" pitchFamily="34"/>
                 <a:cs typeface="Liberation Sans" pitchFamily="34"/>
               </a:rPr>
-              <a:t>(</a:t>
-            </a:r>
-            <a:r>
-              <a:rPr lang="en-US" i="1">
+              <a:t> </a:t>
+            </a:r>
+            <a:r>
+              <a:rPr lang="he-IL" b="1">
+                <a:solidFill>
+                  <a:schemeClr val="accent5"/>
+                </a:solidFill>
                 <a:latin typeface="Times New Roman" pitchFamily="18"/>
                 <a:ea typeface="Liberation Sans" pitchFamily="34"/>
                 <a:cs typeface="Liberation Sans" pitchFamily="34"/>
               </a:rPr>
-              <a:t>X</a:t>
-            </a:r>
-            <a:r>
-              <a:rPr lang="en-US" i="1" baseline="-33000">
+              <a:t>גרף הקנאה </a:t>
+            </a:r>
+            <a:r>
+              <a:rPr lang="he-IL">
+                <a:solidFill>
+                  <a:schemeClr val="accent5"/>
+                </a:solidFill>
                 <a:latin typeface="Times New Roman" pitchFamily="18"/>
                 <a:ea typeface="Liberation Sans" pitchFamily="34"/>
                 <a:cs typeface="Liberation Sans" pitchFamily="34"/>
               </a:rPr>
-              <a:t>i</a:t>
+              <a:t>של </a:t>
             </a:r>
             <a:r>
               <a:rPr lang="en-US">
+                <a:solidFill>
+                  <a:schemeClr val="accent5"/>
+                </a:solidFill>
                 <a:latin typeface="Times New Roman" pitchFamily="18"/>
                 <a:ea typeface="Liberation Sans" pitchFamily="34"/>
                 <a:cs typeface="Liberation Sans" pitchFamily="34"/>
               </a:rPr>
-              <a:t>)</a:t>
-            </a:r>
-            <a:r>
-              <a:rPr lang="en-US" i="1">
+              <a:t>X</a:t>
+            </a:r>
+            <a:r>
+              <a:rPr lang="he-IL">
+                <a:solidFill>
+                  <a:schemeClr val="accent5"/>
+                </a:solidFill>
                 <a:latin typeface="Times New Roman" pitchFamily="18"/>
                 <a:ea typeface="Liberation Sans" pitchFamily="34"/>
                 <a:cs typeface="Liberation Sans" pitchFamily="34"/>
               </a:rPr>
-              <a:t> – P</a:t>
+              <a:t> הוא גרף מכוון שלם על </a:t>
             </a:r>
             <a:r>
               <a:rPr lang="en-US">
+                <a:solidFill>
+                  <a:schemeClr val="accent5"/>
+                </a:solidFill>
                 <a:latin typeface="Times New Roman" pitchFamily="18"/>
                 <a:ea typeface="Liberation Sans" pitchFamily="34"/>
                 <a:cs typeface="Liberation Sans" pitchFamily="34"/>
               </a:rPr>
-              <a:t>(</a:t>
-            </a:r>
-            <a:r>
-              <a:rPr lang="en-US" i="1">
+              <a:t>n</a:t>
+            </a:r>
+            <a:r>
+              <a:rPr lang="he-IL">
+                <a:solidFill>
+                  <a:schemeClr val="accent5"/>
+                </a:solidFill>
                 <a:latin typeface="Times New Roman" pitchFamily="18"/>
                 <a:ea typeface="Liberation Sans" pitchFamily="34"/>
                 <a:cs typeface="Liberation Sans" pitchFamily="34"/>
               </a:rPr>
-              <a:t>X</a:t>
-            </a:r>
-            <a:r>
-              <a:rPr lang="en-US" i="1" baseline="-33000">
+              <a:t> הדיירים, שבו המשקל של כל קשת </a:t>
+            </a:r>
+            <a:r>
+              <a:rPr lang="en-US">
+                <a:solidFill>
+                  <a:schemeClr val="accent5"/>
+                </a:solidFill>
                 <a:latin typeface="Times New Roman" pitchFamily="18"/>
                 <a:ea typeface="Liberation Sans" pitchFamily="34"/>
                 <a:cs typeface="Liberation Sans" pitchFamily="34"/>
               </a:rPr>
-              <a:t>i</a:t>
+              <a:t>i </a:t>
             </a:r>
             <a:r>
               <a:rPr lang="en-US">
+                <a:solidFill>
+                  <a:schemeClr val="accent5"/>
+                </a:solidFill>
                 <a:latin typeface="Times New Roman" pitchFamily="18"/>
                 <a:ea typeface="Liberation Sans" pitchFamily="34"/>
                 <a:cs typeface="Liberation Sans" pitchFamily="34"/>
-              </a:rPr>
-              <a:t>))</a:t>
-            </a:r>
-            <a:r>
-              <a:rPr lang="en-US" i="1">
+                <a:sym typeface="Wingdings" panose="05000000000000000000" pitchFamily="2" charset="2"/>
+              </a:rPr>
+              <a:t> j</a:t>
+            </a:r>
+            <a:r>
+              <a:rPr lang="he-IL">
+                <a:solidFill>
+                  <a:schemeClr val="accent5"/>
+                </a:solidFill>
                 <a:latin typeface="Times New Roman" pitchFamily="18"/>
                 <a:ea typeface="Liberation Sans" pitchFamily="34"/>
                 <a:cs typeface="Liberation Sans" pitchFamily="34"/>
-              </a:rPr>
-              <a:t> ≥ ∑</a:t>
+                <a:sym typeface="Wingdings" panose="05000000000000000000" pitchFamily="2" charset="2"/>
+              </a:rPr>
+              <a:t> הוא רמת-הקנאה של שחקן </a:t>
             </a:r>
             <a:r>
               <a:rPr lang="en-US">
+                <a:solidFill>
+                  <a:schemeClr val="accent5"/>
+                </a:solidFill>
                 <a:latin typeface="Times New Roman" pitchFamily="18"/>
                 <a:ea typeface="Liberation Sans" pitchFamily="34"/>
                 <a:cs typeface="Liberation Sans" pitchFamily="34"/>
-              </a:rPr>
-              <a:t>(</a:t>
-            </a:r>
-            <a:r>
-              <a:rPr lang="en-US" i="1">
+                <a:sym typeface="Wingdings" panose="05000000000000000000" pitchFamily="2" charset="2"/>
+              </a:rPr>
+              <a:t>i</a:t>
+            </a:r>
+            <a:r>
+              <a:rPr lang="he-IL">
+                <a:solidFill>
+                  <a:schemeClr val="accent5"/>
+                </a:solidFill>
                 <a:latin typeface="Times New Roman" pitchFamily="18"/>
                 <a:ea typeface="Liberation Sans" pitchFamily="34"/>
                 <a:cs typeface="Liberation Sans" pitchFamily="34"/>
-              </a:rPr>
-              <a:t>V</a:t>
-            </a:r>
-            <a:r>
-              <a:rPr lang="en-US" i="1" baseline="-33000">
+                <a:sym typeface="Wingdings" panose="05000000000000000000" pitchFamily="2" charset="2"/>
+              </a:rPr>
+              <a:t> בשחקן </a:t>
+            </a:r>
+            <a:r>
+              <a:rPr lang="en-US">
+                <a:solidFill>
+                  <a:schemeClr val="accent5"/>
+                </a:solidFill>
                 <a:latin typeface="Times New Roman" pitchFamily="18"/>
                 <a:ea typeface="Liberation Sans" pitchFamily="34"/>
                 <a:cs typeface="Liberation Sans" pitchFamily="34"/>
-              </a:rPr>
-              <a:t>i</a:t>
-            </a:r>
-            <a:r>
-              <a:rPr lang="en-US">
+                <a:sym typeface="Wingdings" panose="05000000000000000000" pitchFamily="2" charset="2"/>
+              </a:rPr>
+              <a:t>j</a:t>
+            </a:r>
+            <a:r>
+              <a:rPr lang="he-IL">
+                <a:solidFill>
+                  <a:schemeClr val="accent5"/>
+                </a:solidFill>
                 <a:latin typeface="Times New Roman" pitchFamily="18"/>
                 <a:ea typeface="Liberation Sans" pitchFamily="34"/>
                 <a:cs typeface="Liberation Sans" pitchFamily="34"/>
-              </a:rPr>
-              <a:t>(</a:t>
-            </a:r>
-            <a:r>
-              <a:rPr lang="en-US" i="1">
+                <a:sym typeface="Wingdings" panose="05000000000000000000" pitchFamily="2" charset="2"/>
+              </a:rPr>
+              <a:t>:</a:t>
+            </a:r>
+          </a:p>
+          <a:p>
+            <a:pPr lvl="0" algn="l"/>
+            <a:r>
+              <a:rPr lang="en-US">
+                <a:solidFill>
+                  <a:schemeClr val="accent5"/>
+                </a:solidFill>
                 <a:latin typeface="Times New Roman" pitchFamily="18"/>
                 <a:ea typeface="Liberation Sans" pitchFamily="34"/>
                 <a:cs typeface="Liberation Sans" pitchFamily="34"/>
-              </a:rPr>
-              <a:t>Y</a:t>
-            </a:r>
-            <a:r>
-              <a:rPr lang="en-US" i="1" baseline="-33000">
+                <a:sym typeface="Wingdings" panose="05000000000000000000" pitchFamily="2" charset="2"/>
+              </a:rPr>
+              <a:t> </a:t>
+            </a:r>
+            <a:r>
+              <a:rPr lang="he-IL">
+                <a:solidFill>
+                  <a:schemeClr val="accent5"/>
+                </a:solidFill>
                 <a:latin typeface="Times New Roman" pitchFamily="18"/>
                 <a:ea typeface="Liberation Sans" pitchFamily="34"/>
                 <a:cs typeface="Liberation Sans" pitchFamily="34"/>
-              </a:rPr>
-              <a:t>i</a:t>
+                <a:sym typeface="Wingdings" panose="05000000000000000000" pitchFamily="2" charset="2"/>
+              </a:rPr>
+              <a:t>  </a:t>
             </a:r>
             <a:r>
               <a:rPr lang="en-US">
+                <a:solidFill>
+                  <a:schemeClr val="accent5"/>
+                </a:solidFill>
                 <a:latin typeface="Times New Roman" pitchFamily="18"/>
                 <a:ea typeface="Liberation Sans" pitchFamily="34"/>
                 <a:cs typeface="Liberation Sans" pitchFamily="34"/>
-              </a:rPr>
-              <a:t>)</a:t>
-            </a:r>
-            <a:r>
-              <a:rPr lang="en-US" i="1">
+                <a:sym typeface="Wingdings" panose="05000000000000000000" pitchFamily="2" charset="2"/>
+              </a:rPr>
+              <a:t>E(i,j) = V</a:t>
+            </a:r>
+            <a:r>
+              <a:rPr lang="en-US" baseline="-25000">
+                <a:solidFill>
+                  <a:schemeClr val="accent5"/>
+                </a:solidFill>
                 <a:latin typeface="Times New Roman" pitchFamily="18"/>
                 <a:ea typeface="Liberation Sans" pitchFamily="34"/>
                 <a:cs typeface="Liberation Sans" pitchFamily="34"/>
-              </a:rPr>
-              <a:t> – P</a:t>
+                <a:sym typeface="Wingdings" panose="05000000000000000000" pitchFamily="2" charset="2"/>
+              </a:rPr>
+              <a:t>i</a:t>
             </a:r>
             <a:r>
               <a:rPr lang="en-US">
+                <a:solidFill>
+                  <a:schemeClr val="accent5"/>
+                </a:solidFill>
                 <a:latin typeface="Times New Roman" pitchFamily="18"/>
                 <a:ea typeface="Liberation Sans" pitchFamily="34"/>
                 <a:cs typeface="Liberation Sans" pitchFamily="34"/>
-              </a:rPr>
-              <a:t>(</a:t>
-            </a:r>
-            <a:r>
-              <a:rPr lang="en-US" i="1">
+                <a:sym typeface="Wingdings" panose="05000000000000000000" pitchFamily="2" charset="2"/>
+              </a:rPr>
+              <a:t>(X</a:t>
+            </a:r>
+            <a:r>
+              <a:rPr lang="en-US" baseline="-25000">
+                <a:solidFill>
+                  <a:schemeClr val="accent5"/>
+                </a:solidFill>
                 <a:latin typeface="Times New Roman" pitchFamily="18"/>
                 <a:ea typeface="Liberation Sans" pitchFamily="34"/>
                 <a:cs typeface="Liberation Sans" pitchFamily="34"/>
-              </a:rPr>
-              <a:t>Y</a:t>
-            </a:r>
-            <a:r>
-              <a:rPr lang="en-US" i="1" baseline="-33000">
+                <a:sym typeface="Wingdings" panose="05000000000000000000" pitchFamily="2" charset="2"/>
+              </a:rPr>
+              <a:t>j</a:t>
+            </a:r>
+            <a:r>
+              <a:rPr lang="en-US">
+                <a:solidFill>
+                  <a:schemeClr val="accent5"/>
+                </a:solidFill>
                 <a:latin typeface="Times New Roman" pitchFamily="18"/>
                 <a:ea typeface="Liberation Sans" pitchFamily="34"/>
                 <a:cs typeface="Liberation Sans" pitchFamily="34"/>
-              </a:rPr>
-              <a:t>i</a:t>
-            </a:r>
-            <a:r>
-              <a:rPr lang="en-US">
+                <a:sym typeface="Wingdings" panose="05000000000000000000" pitchFamily="2" charset="2"/>
+              </a:rPr>
+              <a:t>) – V</a:t>
+            </a:r>
+            <a:r>
+              <a:rPr lang="en-US" baseline="-25000">
+                <a:solidFill>
+                  <a:schemeClr val="accent5"/>
+                </a:solidFill>
                 <a:latin typeface="Times New Roman" pitchFamily="18"/>
                 <a:ea typeface="Liberation Sans" pitchFamily="34"/>
                 <a:cs typeface="Liberation Sans" pitchFamily="34"/>
-              </a:rPr>
-              <a:t>))</a:t>
-            </a:r>
-          </a:p>
-          <a:p>
-            <a:pPr lvl="0" algn="ctr"/>
-            <a:r>
-              <a:rPr lang="en-US" i="1">
+                <a:sym typeface="Wingdings" panose="05000000000000000000" pitchFamily="2" charset="2"/>
+              </a:rPr>
+              <a:t>i</a:t>
+            </a:r>
+            <a:r>
+              <a:rPr lang="en-US">
+                <a:solidFill>
+                  <a:schemeClr val="accent5"/>
+                </a:solidFill>
                 <a:latin typeface="Times New Roman" pitchFamily="18"/>
                 <a:ea typeface="Liberation Sans" pitchFamily="34"/>
                 <a:cs typeface="Liberation Sans" pitchFamily="34"/>
-              </a:rPr>
-              <a:t>∑V</a:t>
-            </a:r>
-            <a:r>
-              <a:rPr lang="en-US" i="1" baseline="-33000">
+                <a:sym typeface="Wingdings" panose="05000000000000000000" pitchFamily="2" charset="2"/>
+              </a:rPr>
+              <a:t>(X</a:t>
+            </a:r>
+            <a:r>
+              <a:rPr lang="en-US" baseline="-25000">
+                <a:solidFill>
+                  <a:schemeClr val="accent5"/>
+                </a:solidFill>
                 <a:latin typeface="Times New Roman" pitchFamily="18"/>
                 <a:ea typeface="Liberation Sans" pitchFamily="34"/>
                 <a:cs typeface="Liberation Sans" pitchFamily="34"/>
+                <a:sym typeface="Wingdings" panose="05000000000000000000" pitchFamily="2" charset="2"/>
               </a:rPr>
               <a:t>i</a:t>
             </a:r>
             <a:r>
               <a:rPr lang="en-US">
+                <a:solidFill>
+                  <a:schemeClr val="accent5"/>
+                </a:solidFill>
                 <a:latin typeface="Times New Roman" pitchFamily="18"/>
                 <a:ea typeface="Liberation Sans" pitchFamily="34"/>
                 <a:cs typeface="Liberation Sans" pitchFamily="34"/>
-              </a:rPr>
-              <a:t>(</a:t>
-            </a:r>
-            <a:r>
-              <a:rPr lang="en-US" i="1">
+                <a:sym typeface="Wingdings" panose="05000000000000000000" pitchFamily="2" charset="2"/>
+              </a:rPr>
+              <a:t>)</a:t>
+            </a:r>
+            <a:r>
+              <a:rPr lang="he-IL">
+                <a:solidFill>
+                  <a:schemeClr val="accent5"/>
+                </a:solidFill>
                 <a:latin typeface="Times New Roman" pitchFamily="18"/>
                 <a:ea typeface="Liberation Sans" pitchFamily="34"/>
                 <a:cs typeface="Liberation Sans" pitchFamily="34"/>
-              </a:rPr>
-              <a:t>X</a:t>
-            </a:r>
-            <a:r>
-              <a:rPr lang="en-US" i="1" baseline="-33000">
-                <a:latin typeface="Times New Roman" pitchFamily="18"/>
-                <a:ea typeface="Liberation Sans" pitchFamily="34"/>
-                <a:cs typeface="Liberation Sans" pitchFamily="34"/>
-              </a:rPr>
-              <a:t>i</a:t>
-            </a:r>
-            <a:r>
-              <a:rPr lang="en-US">
-                <a:latin typeface="Times New Roman" pitchFamily="18"/>
-                <a:ea typeface="Liberation Sans" pitchFamily="34"/>
-                <a:cs typeface="Liberation Sans" pitchFamily="34"/>
-              </a:rPr>
-              <a:t>)</a:t>
-            </a:r>
-            <a:r>
-              <a:rPr lang="en-US" i="1">
-                <a:latin typeface="Times New Roman" pitchFamily="18"/>
-                <a:ea typeface="Liberation Sans" pitchFamily="34"/>
-                <a:cs typeface="Liberation Sans" pitchFamily="34"/>
-              </a:rPr>
-              <a:t> – ∑P</a:t>
-            </a:r>
-            <a:r>
-              <a:rPr lang="en-US">
-                <a:latin typeface="Times New Roman" pitchFamily="18"/>
-                <a:ea typeface="Liberation Sans" pitchFamily="34"/>
-                <a:cs typeface="Liberation Sans" pitchFamily="34"/>
-              </a:rPr>
-              <a:t>(</a:t>
-            </a:r>
-            <a:r>
-              <a:rPr lang="en-US" i="1">
-                <a:latin typeface="Times New Roman" pitchFamily="18"/>
-                <a:ea typeface="Liberation Sans" pitchFamily="34"/>
-                <a:cs typeface="Liberation Sans" pitchFamily="34"/>
-              </a:rPr>
-              <a:t>X</a:t>
-            </a:r>
-            <a:r>
-              <a:rPr lang="en-US" i="1" baseline="-33000">
-                <a:latin typeface="Times New Roman" pitchFamily="18"/>
-                <a:ea typeface="Liberation Sans" pitchFamily="34"/>
-                <a:cs typeface="Liberation Sans" pitchFamily="34"/>
-              </a:rPr>
-              <a:t>i</a:t>
-            </a:r>
-            <a:r>
-              <a:rPr lang="en-US">
-                <a:latin typeface="Times New Roman" pitchFamily="18"/>
-                <a:ea typeface="Liberation Sans" pitchFamily="34"/>
-                <a:cs typeface="Liberation Sans" pitchFamily="34"/>
-              </a:rPr>
-              <a:t>)</a:t>
-            </a:r>
-            <a:r>
-              <a:rPr lang="en-US" i="1">
-                <a:latin typeface="Times New Roman" pitchFamily="18"/>
-                <a:ea typeface="Liberation Sans" pitchFamily="34"/>
-                <a:cs typeface="Liberation Sans" pitchFamily="34"/>
-              </a:rPr>
-              <a:t> ≥ ∑V</a:t>
-            </a:r>
-            <a:r>
-              <a:rPr lang="en-US" i="1" baseline="-33000">
-                <a:latin typeface="Times New Roman" pitchFamily="18"/>
-                <a:ea typeface="Liberation Sans" pitchFamily="34"/>
-                <a:cs typeface="Liberation Sans" pitchFamily="34"/>
-              </a:rPr>
-              <a:t>i</a:t>
-            </a:r>
-            <a:r>
-              <a:rPr lang="en-US">
-                <a:latin typeface="Times New Roman" pitchFamily="18"/>
-                <a:ea typeface="Liberation Sans" pitchFamily="34"/>
-                <a:cs typeface="Liberation Sans" pitchFamily="34"/>
-              </a:rPr>
-              <a:t>(</a:t>
-            </a:r>
-            <a:r>
-              <a:rPr lang="en-US" i="1">
-                <a:latin typeface="Times New Roman" pitchFamily="18"/>
-                <a:ea typeface="Liberation Sans" pitchFamily="34"/>
-                <a:cs typeface="Liberation Sans" pitchFamily="34"/>
-              </a:rPr>
-              <a:t>Y</a:t>
-            </a:r>
-            <a:r>
-              <a:rPr lang="en-US" i="1" baseline="-33000">
-                <a:latin typeface="Times New Roman" pitchFamily="18"/>
-                <a:ea typeface="Liberation Sans" pitchFamily="34"/>
-                <a:cs typeface="Liberation Sans" pitchFamily="34"/>
-              </a:rPr>
-              <a:t>i</a:t>
-            </a:r>
-            <a:r>
-              <a:rPr lang="en-US">
-                <a:latin typeface="Times New Roman" pitchFamily="18"/>
-                <a:ea typeface="Liberation Sans" pitchFamily="34"/>
-                <a:cs typeface="Liberation Sans" pitchFamily="34"/>
-              </a:rPr>
-              <a:t>)</a:t>
-            </a:r>
-            <a:r>
-              <a:rPr lang="en-US" i="1">
-                <a:latin typeface="Times New Roman" pitchFamily="18"/>
-                <a:ea typeface="Liberation Sans" pitchFamily="34"/>
-                <a:cs typeface="Liberation Sans" pitchFamily="34"/>
-              </a:rPr>
-              <a:t> – ∑P</a:t>
-            </a:r>
-            <a:r>
-              <a:rPr lang="en-US">
-                <a:latin typeface="Times New Roman" pitchFamily="18"/>
-                <a:ea typeface="Liberation Sans" pitchFamily="34"/>
-                <a:cs typeface="Liberation Sans" pitchFamily="34"/>
-              </a:rPr>
-              <a:t>(</a:t>
-            </a:r>
-            <a:r>
-              <a:rPr lang="en-US" i="1">
-                <a:latin typeface="Times New Roman" pitchFamily="18"/>
-                <a:ea typeface="Liberation Sans" pitchFamily="34"/>
-                <a:cs typeface="Liberation Sans" pitchFamily="34"/>
-              </a:rPr>
-              <a:t>Y</a:t>
-            </a:r>
-            <a:r>
-              <a:rPr lang="en-US" i="1" baseline="-33000">
-                <a:latin typeface="Times New Roman" pitchFamily="18"/>
-                <a:ea typeface="Liberation Sans" pitchFamily="34"/>
-                <a:cs typeface="Liberation Sans" pitchFamily="34"/>
-              </a:rPr>
-              <a:t>i</a:t>
-            </a:r>
-            <a:r>
-              <a:rPr lang="en-US">
-                <a:latin typeface="Times New Roman" pitchFamily="18"/>
-                <a:ea typeface="Liberation Sans" pitchFamily="34"/>
-                <a:cs typeface="Liberation Sans" pitchFamily="34"/>
-              </a:rPr>
-              <a:t>)</a:t>
-            </a:r>
+                <a:sym typeface="Wingdings" panose="05000000000000000000" pitchFamily="2" charset="2"/>
+              </a:rPr>
+              <a:t>.</a:t>
+            </a:r>
+            <a:endParaRPr lang="en-US">
+              <a:solidFill>
+                <a:schemeClr val="accent5"/>
+              </a:solidFill>
+              <a:latin typeface="Times New Roman" pitchFamily="18"/>
+              <a:ea typeface="Liberation Sans" pitchFamily="34"/>
+              <a:cs typeface="Liberation Sans" pitchFamily="34"/>
+              <a:sym typeface="Wingdings" panose="05000000000000000000" pitchFamily="2" charset="2"/>
+            </a:endParaRPr>
+          </a:p>
+          <a:p>
+            <a:pPr lvl="0" algn="l"/>
+            <a:endParaRPr lang="en-US">
+              <a:solidFill>
+                <a:schemeClr val="accent5"/>
+              </a:solidFill>
+              <a:latin typeface="Times New Roman" pitchFamily="18"/>
+              <a:ea typeface="Liberation Sans" pitchFamily="34"/>
+              <a:cs typeface="Liberation Sans" pitchFamily="34"/>
+              <a:sym typeface="Wingdings" panose="05000000000000000000" pitchFamily="2" charset="2"/>
+            </a:endParaRPr>
+          </a:p>
+          <a:p>
+            <a:pPr lvl="0" algn="l"/>
+            <a:endParaRPr lang="en-US">
+              <a:solidFill>
+                <a:schemeClr val="accent5"/>
+              </a:solidFill>
+              <a:latin typeface="Times New Roman" pitchFamily="18"/>
+              <a:ea typeface="Liberation Sans" pitchFamily="34"/>
+              <a:cs typeface="Liberation Sans" pitchFamily="34"/>
+              <a:sym typeface="Wingdings" panose="05000000000000000000" pitchFamily="2" charset="2"/>
+            </a:endParaRPr>
           </a:p>
           <a:p>
             <a:pPr lvl="0" algn="r" rtl="1"/>
-            <a:r>
-              <a:rPr lang="he-IL">
+            <a:endParaRPr lang="he-IL">
+              <a:solidFill>
+                <a:schemeClr val="accent1"/>
+              </a:solidFill>
+              <a:latin typeface="Times New Roman" pitchFamily="18"/>
+              <a:ea typeface="Liberation Sans" pitchFamily="34"/>
+              <a:cs typeface="Liberation Sans" pitchFamily="34"/>
+              <a:sym typeface="Wingdings" panose="05000000000000000000" pitchFamily="2" charset="2"/>
+            </a:endParaRPr>
+          </a:p>
+          <a:p>
+            <a:pPr lvl="0" algn="r" rtl="1"/>
+            <a:endParaRPr lang="he-IL">
+              <a:solidFill>
+                <a:schemeClr val="tx1"/>
+              </a:solidFill>
+              <a:latin typeface="Times New Roman" pitchFamily="18"/>
+              <a:ea typeface="Liberation Sans" pitchFamily="34"/>
+              <a:cs typeface="Liberation Sans" pitchFamily="34"/>
+              <a:sym typeface="Wingdings" panose="05000000000000000000" pitchFamily="2" charset="2"/>
+            </a:endParaRPr>
+          </a:p>
+        </p:txBody>
+      </p:sp>
+      <p:sp>
+        <p:nvSpPr>
+          <p:cNvPr id="2" name="Title 1">
+            <a:extLst>
+              <a:ext uri="{FF2B5EF4-FFF2-40B4-BE49-F238E27FC236}">
+                <a16:creationId xmlns:a16="http://schemas.microsoft.com/office/drawing/2014/main" id="{FCF51F49-AFA9-6E27-0044-B04A3A891FFE}"/>
+              </a:ext>
+            </a:extLst>
+          </p:cNvPr>
+          <p:cNvSpPr txBox="1">
+            <a:spLocks noGrp="1"/>
+          </p:cNvSpPr>
+          <p:nvPr>
+            <p:ph type="title" idx="4294967295"/>
+          </p:nvPr>
+        </p:nvSpPr>
+        <p:spPr>
+          <a:xfrm>
+            <a:off x="0" y="0"/>
+            <a:ext cx="10080720" cy="914400"/>
+          </a:xfrm>
+        </p:spPr>
+        <p:txBody>
+          <a:bodyPr vert="horz"/>
+          <a:lstStyle/>
+          <a:p>
+            <a:pPr lvl="0" rtl="1"/>
+            <a:r>
+              <a:rPr lang="he-IL" sz="5400">
                 <a:latin typeface="Liberation Sans" pitchFamily="34"/>
-                <a:ea typeface="Liberation Sans" pitchFamily="34"/>
-                <a:cs typeface="Liberation Sans" pitchFamily="34"/>
-              </a:rPr>
-              <a:t>בשני הצדדים, סכום המחירים שווה למחיר הדירה:</a:t>
-            </a:r>
-          </a:p>
-          <a:p>
-            <a:pPr lvl="0" algn="ctr"/>
-            <a:r>
-              <a:rPr lang="en-US" i="1">
-                <a:latin typeface="Times New Roman" pitchFamily="18"/>
-                <a:ea typeface="Liberation Sans" pitchFamily="34"/>
-                <a:cs typeface="Liberation Sans" pitchFamily="34"/>
-              </a:rPr>
-              <a:t>∑V</a:t>
-            </a:r>
-            <a:r>
-              <a:rPr lang="en-US" i="1" baseline="-33000">
-                <a:latin typeface="Times New Roman" pitchFamily="18"/>
-                <a:ea typeface="Liberation Sans" pitchFamily="34"/>
-                <a:cs typeface="Liberation Sans" pitchFamily="34"/>
-              </a:rPr>
-              <a:t>i</a:t>
-            </a:r>
-            <a:r>
-              <a:rPr lang="en-US">
-                <a:latin typeface="Times New Roman" pitchFamily="18"/>
-                <a:ea typeface="Liberation Sans" pitchFamily="34"/>
-                <a:cs typeface="Liberation Sans" pitchFamily="34"/>
-              </a:rPr>
-              <a:t>(</a:t>
-            </a:r>
-            <a:r>
-              <a:rPr lang="en-US" i="1">
-                <a:latin typeface="Times New Roman" pitchFamily="18"/>
-                <a:ea typeface="Liberation Sans" pitchFamily="34"/>
-                <a:cs typeface="Liberation Sans" pitchFamily="34"/>
-              </a:rPr>
-              <a:t>X</a:t>
-            </a:r>
-            <a:r>
-              <a:rPr lang="en-US" i="1" baseline="-33000">
-                <a:latin typeface="Times New Roman" pitchFamily="18"/>
-                <a:ea typeface="Liberation Sans" pitchFamily="34"/>
-                <a:cs typeface="Liberation Sans" pitchFamily="34"/>
-              </a:rPr>
-              <a:t>i</a:t>
-            </a:r>
-            <a:r>
-              <a:rPr lang="en-US">
-                <a:latin typeface="Times New Roman" pitchFamily="18"/>
-                <a:ea typeface="Liberation Sans" pitchFamily="34"/>
-                <a:cs typeface="Liberation Sans" pitchFamily="34"/>
-              </a:rPr>
-              <a:t>)</a:t>
-            </a:r>
-            <a:r>
-              <a:rPr lang="en-US" i="1">
-                <a:latin typeface="Times New Roman" pitchFamily="18"/>
-                <a:ea typeface="Liberation Sans" pitchFamily="34"/>
-                <a:cs typeface="Liberation Sans" pitchFamily="34"/>
-              </a:rPr>
-              <a:t> ≥ ∑V</a:t>
-            </a:r>
-            <a:r>
-              <a:rPr lang="en-US" i="1" baseline="-33000">
-                <a:latin typeface="Times New Roman" pitchFamily="18"/>
-                <a:ea typeface="Liberation Sans" pitchFamily="34"/>
-                <a:cs typeface="Liberation Sans" pitchFamily="34"/>
-              </a:rPr>
-              <a:t>i</a:t>
-            </a:r>
-            <a:r>
-              <a:rPr lang="en-US">
-                <a:latin typeface="Times New Roman" pitchFamily="18"/>
-                <a:ea typeface="Liberation Sans" pitchFamily="34"/>
-                <a:cs typeface="Liberation Sans" pitchFamily="34"/>
-              </a:rPr>
-              <a:t>(</a:t>
-            </a:r>
-            <a:r>
-              <a:rPr lang="en-US" i="1">
-                <a:latin typeface="Times New Roman" pitchFamily="18"/>
-                <a:ea typeface="Liberation Sans" pitchFamily="34"/>
-                <a:cs typeface="Liberation Sans" pitchFamily="34"/>
-              </a:rPr>
-              <a:t>Y</a:t>
-            </a:r>
-            <a:r>
-              <a:rPr lang="en-US" i="1" baseline="-33000">
-                <a:latin typeface="Times New Roman" pitchFamily="18"/>
-                <a:ea typeface="Liberation Sans" pitchFamily="34"/>
-                <a:cs typeface="Liberation Sans" pitchFamily="34"/>
-              </a:rPr>
-              <a:t>i</a:t>
-            </a:r>
-            <a:r>
-              <a:rPr lang="en-US">
-                <a:latin typeface="Times New Roman" pitchFamily="18"/>
-                <a:ea typeface="Liberation Sans" pitchFamily="34"/>
-                <a:cs typeface="Liberation Sans" pitchFamily="34"/>
-              </a:rPr>
-              <a:t>)</a:t>
+                <a:cs typeface="Liberation Sans" pitchFamily="34"/>
+              </a:rPr>
+              <a:t>גרף-הקנאה</a:t>
             </a:r>
           </a:p>
         </p:txBody>
       </p:sp>
+      <p:grpSp>
+        <p:nvGrpSpPr>
+          <p:cNvPr id="4" name="Group 3">
+            <a:extLst>
+              <a:ext uri="{FF2B5EF4-FFF2-40B4-BE49-F238E27FC236}">
+                <a16:creationId xmlns:a16="http://schemas.microsoft.com/office/drawing/2014/main" id="{45F9EB6E-5AE0-0231-FD55-35C5F5C34FEC}"/>
+              </a:ext>
+            </a:extLst>
+          </p:cNvPr>
+          <p:cNvGrpSpPr/>
+          <p:nvPr/>
+        </p:nvGrpSpPr>
+        <p:grpSpPr>
+          <a:xfrm>
+            <a:off x="4866662" y="3082716"/>
+            <a:ext cx="4653340" cy="2064166"/>
+            <a:chOff x="4952833" y="1539152"/>
+            <a:chExt cx="4028684" cy="1629701"/>
+          </a:xfrm>
+        </p:grpSpPr>
+        <p:grpSp>
+          <p:nvGrpSpPr>
+            <p:cNvPr id="5" name="Group 4">
+              <a:extLst>
+                <a:ext uri="{FF2B5EF4-FFF2-40B4-BE49-F238E27FC236}">
+                  <a16:creationId xmlns:a16="http://schemas.microsoft.com/office/drawing/2014/main" id="{3EBB6A34-EE02-AF66-9606-FFBE0E9F066B}"/>
+                </a:ext>
+              </a:extLst>
+            </p:cNvPr>
+            <p:cNvGrpSpPr/>
+            <p:nvPr/>
+          </p:nvGrpSpPr>
+          <p:grpSpPr>
+            <a:xfrm>
+              <a:off x="5304614" y="1662178"/>
+              <a:ext cx="3010809" cy="1506675"/>
+              <a:chOff x="517253" y="1722197"/>
+              <a:chExt cx="3010809" cy="1506675"/>
+            </a:xfrm>
+          </p:grpSpPr>
+          <p:pic>
+            <p:nvPicPr>
+              <p:cNvPr id="9" name="גרפיקה 2" descr="תלמיד בית ספר קו מיתאר">
+                <a:extLst>
+                  <a:ext uri="{FF2B5EF4-FFF2-40B4-BE49-F238E27FC236}">
+                    <a16:creationId xmlns:a16="http://schemas.microsoft.com/office/drawing/2014/main" id="{3BF00506-7E78-DE54-C13A-8C24008D8882}"/>
+                  </a:ext>
+                </a:extLst>
+              </p:cNvPr>
+              <p:cNvPicPr>
+                <a:picLocks noChangeAspect="1"/>
+              </p:cNvPicPr>
+              <p:nvPr/>
+            </p:nvPicPr>
+            <p:blipFill>
+              <a:blip r:embed="rId3">
+                <a:extLst>
+                  <a:ext uri="{96DAC541-7B7A-43D3-8B79-37D633B846F1}">
+                    <asvg:svgBlip xmlns:asvg="http://schemas.microsoft.com/office/drawing/2016/SVG/main" r:embed="rId4"/>
+                  </a:ext>
+                </a:extLst>
+              </a:blip>
+              <a:stretch>
+                <a:fillRect/>
+              </a:stretch>
+            </p:blipFill>
+            <p:spPr>
+              <a:xfrm>
+                <a:off x="2613662" y="1940249"/>
+                <a:ext cx="914400" cy="914400"/>
+              </a:xfrm>
+              <a:prstGeom prst="rect">
+                <a:avLst/>
+              </a:prstGeom>
+            </p:spPr>
+          </p:pic>
+          <p:sp>
+            <p:nvSpPr>
+              <p:cNvPr id="10" name="תיבת טקסט 4">
+                <a:extLst>
+                  <a:ext uri="{FF2B5EF4-FFF2-40B4-BE49-F238E27FC236}">
+                    <a16:creationId xmlns:a16="http://schemas.microsoft.com/office/drawing/2014/main" id="{09F94261-FFE4-DE1C-EAEE-0210CA1BDFEC}"/>
+                  </a:ext>
+                </a:extLst>
+              </p:cNvPr>
+              <p:cNvSpPr txBox="1"/>
+              <p:nvPr/>
+            </p:nvSpPr>
+            <p:spPr>
+              <a:xfrm>
+                <a:off x="627474" y="2649989"/>
+                <a:ext cx="832756" cy="291595"/>
+              </a:xfrm>
+              <a:prstGeom prst="rect">
+                <a:avLst/>
+              </a:prstGeom>
+              <a:noFill/>
+            </p:spPr>
+            <p:txBody>
+              <a:bodyPr wrap="square">
+                <a:spAutoFit/>
+              </a:bodyPr>
+              <a:lstStyle/>
+              <a:p>
+                <a:r>
+                  <a:rPr lang="en-US" b="1">
+                    <a:solidFill>
+                      <a:srgbClr val="00B0F0"/>
+                    </a:solidFill>
+                    <a:latin typeface="+mn-lt"/>
+                    <a:ea typeface="Questrial" pitchFamily="2" charset="0"/>
+                    <a:cs typeface="Questrial" pitchFamily="2" charset="0"/>
+                  </a:rPr>
+                  <a:t>Agent </a:t>
+                </a:r>
+                <a:r>
+                  <a:rPr lang="en-US" b="1" dirty="0">
+                    <a:solidFill>
+                      <a:srgbClr val="00B0F0"/>
+                    </a:solidFill>
+                    <a:latin typeface="+mn-lt"/>
+                    <a:ea typeface="Questrial" pitchFamily="2" charset="0"/>
+                    <a:cs typeface="Questrial" pitchFamily="2" charset="0"/>
+                  </a:rPr>
+                  <a:t>1</a:t>
+                </a:r>
+                <a:endParaRPr lang="he-IL" b="1" dirty="0">
+                  <a:solidFill>
+                    <a:srgbClr val="00B0F0"/>
+                  </a:solidFill>
+                  <a:latin typeface="+mn-lt"/>
+                  <a:ea typeface="Questrial" pitchFamily="2" charset="0"/>
+                </a:endParaRPr>
+              </a:p>
+            </p:txBody>
+          </p:sp>
+          <p:sp>
+            <p:nvSpPr>
+              <p:cNvPr id="11" name="תיבת טקסט 6">
+                <a:extLst>
+                  <a:ext uri="{FF2B5EF4-FFF2-40B4-BE49-F238E27FC236}">
+                    <a16:creationId xmlns:a16="http://schemas.microsoft.com/office/drawing/2014/main" id="{3BDA5608-7736-28F3-FA80-FCB2737922AE}"/>
+                  </a:ext>
+                </a:extLst>
+              </p:cNvPr>
+              <p:cNvSpPr txBox="1"/>
+              <p:nvPr/>
+            </p:nvSpPr>
+            <p:spPr>
+              <a:xfrm>
+                <a:off x="2695306" y="2649989"/>
+                <a:ext cx="832756" cy="291595"/>
+              </a:xfrm>
+              <a:prstGeom prst="rect">
+                <a:avLst/>
+              </a:prstGeom>
+              <a:noFill/>
+            </p:spPr>
+            <p:txBody>
+              <a:bodyPr wrap="square">
+                <a:spAutoFit/>
+              </a:bodyPr>
+              <a:lstStyle/>
+              <a:p>
+                <a:r>
+                  <a:rPr lang="en-US" b="1">
+                    <a:solidFill>
+                      <a:srgbClr val="00B050"/>
+                    </a:solidFill>
+                    <a:latin typeface="+mn-lt"/>
+                    <a:ea typeface="Questrial" pitchFamily="2" charset="0"/>
+                    <a:cs typeface="Questrial" pitchFamily="2" charset="0"/>
+                  </a:rPr>
+                  <a:t>Agent </a:t>
+                </a:r>
+                <a:r>
+                  <a:rPr lang="en-US" b="1" dirty="0">
+                    <a:solidFill>
+                      <a:srgbClr val="00B050"/>
+                    </a:solidFill>
+                    <a:latin typeface="+mn-lt"/>
+                    <a:ea typeface="Questrial" pitchFamily="2" charset="0"/>
+                    <a:cs typeface="Questrial" pitchFamily="2" charset="0"/>
+                  </a:rPr>
+                  <a:t>2</a:t>
+                </a:r>
+                <a:endParaRPr lang="he-IL" b="1" dirty="0">
+                  <a:solidFill>
+                    <a:srgbClr val="00B050"/>
+                  </a:solidFill>
+                  <a:latin typeface="+mn-lt"/>
+                  <a:ea typeface="Questrial" pitchFamily="2" charset="0"/>
+                </a:endParaRPr>
+              </a:p>
+            </p:txBody>
+          </p:sp>
+          <p:cxnSp>
+            <p:nvCxnSpPr>
+              <p:cNvPr id="12" name="מחבר חץ ישר 7">
+                <a:extLst>
+                  <a:ext uri="{FF2B5EF4-FFF2-40B4-BE49-F238E27FC236}">
+                    <a16:creationId xmlns:a16="http://schemas.microsoft.com/office/drawing/2014/main" id="{CD70BC92-748F-B7EE-7DD2-485187F977FF}"/>
+                  </a:ext>
+                </a:extLst>
+              </p:cNvPr>
+              <p:cNvCxnSpPr>
+                <a:cxnSpLocks/>
+                <a:stCxn id="16" idx="0"/>
+                <a:endCxn id="9" idx="0"/>
+              </p:cNvCxnSpPr>
+              <p:nvPr/>
+            </p:nvCxnSpPr>
+            <p:spPr>
+              <a:xfrm>
+                <a:off x="974453" y="1924819"/>
+                <a:ext cx="2096409" cy="15430"/>
+              </a:xfrm>
+              <a:prstGeom prst="straightConnector1">
+                <a:avLst/>
+              </a:prstGeom>
+              <a:ln>
+                <a:solidFill>
+                  <a:srgbClr val="00B0F0"/>
+                </a:solidFill>
+                <a:tailEnd type="triangle"/>
+              </a:ln>
+            </p:spPr>
+            <p:style>
+              <a:lnRef idx="1">
+                <a:schemeClr val="accent1"/>
+              </a:lnRef>
+              <a:fillRef idx="0">
+                <a:schemeClr val="accent1"/>
+              </a:fillRef>
+              <a:effectRef idx="0">
+                <a:schemeClr val="accent1"/>
+              </a:effectRef>
+              <a:fontRef idx="minor">
+                <a:schemeClr val="tx1"/>
+              </a:fontRef>
+            </p:style>
+          </p:cxnSp>
+          <p:sp>
+            <p:nvSpPr>
+              <p:cNvPr id="13" name="תיבת טקסט 9">
+                <a:extLst>
+                  <a:ext uri="{FF2B5EF4-FFF2-40B4-BE49-F238E27FC236}">
+                    <a16:creationId xmlns:a16="http://schemas.microsoft.com/office/drawing/2014/main" id="{CF6FF45E-FDF5-5D60-F287-F0A33E37AA7C}"/>
+                  </a:ext>
+                </a:extLst>
+              </p:cNvPr>
+              <p:cNvSpPr txBox="1"/>
+              <p:nvPr/>
+            </p:nvSpPr>
+            <p:spPr>
+              <a:xfrm>
+                <a:off x="1431653" y="1722197"/>
+                <a:ext cx="1463947" cy="291595"/>
+              </a:xfrm>
+              <a:prstGeom prst="rect">
+                <a:avLst/>
+              </a:prstGeom>
+              <a:noFill/>
+            </p:spPr>
+            <p:txBody>
+              <a:bodyPr wrap="square">
+                <a:spAutoFit/>
+              </a:bodyPr>
+              <a:lstStyle/>
+              <a:p>
+                <a:r>
+                  <a:rPr lang="en-US" dirty="0">
+                    <a:solidFill>
+                      <a:srgbClr val="00B0F0"/>
+                    </a:solidFill>
+                    <a:latin typeface="+mn-lt"/>
+                    <a:ea typeface="Questrial" pitchFamily="2" charset="0"/>
+                    <a:cs typeface="Questrial" pitchFamily="2" charset="0"/>
+                  </a:rPr>
+                  <a:t>Envies by </a:t>
+                </a:r>
+                <a:r>
+                  <a:rPr lang="en-US">
+                    <a:solidFill>
+                      <a:srgbClr val="00B0F0"/>
+                    </a:solidFill>
+                    <a:latin typeface="+mn-lt"/>
+                    <a:ea typeface="Questrial" pitchFamily="2" charset="0"/>
+                    <a:cs typeface="Questrial" pitchFamily="2" charset="0"/>
+                  </a:rPr>
+                  <a:t>-20</a:t>
+                </a:r>
+                <a:endParaRPr lang="he-IL" dirty="0">
+                  <a:solidFill>
+                    <a:srgbClr val="00B0F0"/>
+                  </a:solidFill>
+                  <a:latin typeface="+mn-lt"/>
+                  <a:ea typeface="Questrial" pitchFamily="2" charset="0"/>
+                </a:endParaRPr>
+              </a:p>
+            </p:txBody>
+          </p:sp>
+          <p:pic>
+            <p:nvPicPr>
+              <p:cNvPr id="16" name="גרפיקה 15" descr="תלמיד בית ספר קו מיתאר">
+                <a:extLst>
+                  <a:ext uri="{FF2B5EF4-FFF2-40B4-BE49-F238E27FC236}">
+                    <a16:creationId xmlns:a16="http://schemas.microsoft.com/office/drawing/2014/main" id="{C2DD9C52-3C6D-A3DF-3C13-C8D62659CD6A}"/>
+                  </a:ext>
+                </a:extLst>
+              </p:cNvPr>
+              <p:cNvPicPr>
+                <a:picLocks noChangeAspect="1"/>
+              </p:cNvPicPr>
+              <p:nvPr/>
+            </p:nvPicPr>
+            <p:blipFill>
+              <a:blip r:embed="rId3">
+                <a:extLst>
+                  <a:ext uri="{96DAC541-7B7A-43D3-8B79-37D633B846F1}">
+                    <asvg:svgBlip xmlns:asvg="http://schemas.microsoft.com/office/drawing/2016/SVG/main" r:embed="rId4"/>
+                  </a:ext>
+                </a:extLst>
+              </a:blip>
+              <a:stretch>
+                <a:fillRect/>
+              </a:stretch>
+            </p:blipFill>
+            <p:spPr>
+              <a:xfrm>
+                <a:off x="517253" y="1924819"/>
+                <a:ext cx="914400" cy="914400"/>
+              </a:xfrm>
+              <a:prstGeom prst="rect">
+                <a:avLst/>
+              </a:prstGeom>
+            </p:spPr>
+          </p:pic>
+          <p:cxnSp>
+            <p:nvCxnSpPr>
+              <p:cNvPr id="17" name="מחבר חץ ישר 26">
+                <a:extLst>
+                  <a:ext uri="{FF2B5EF4-FFF2-40B4-BE49-F238E27FC236}">
+                    <a16:creationId xmlns:a16="http://schemas.microsoft.com/office/drawing/2014/main" id="{8366A8FD-68EF-E382-3CFE-52C2001CCFEF}"/>
+                  </a:ext>
+                </a:extLst>
+              </p:cNvPr>
+              <p:cNvCxnSpPr>
+                <a:cxnSpLocks/>
+                <a:stCxn id="11" idx="2"/>
+              </p:cNvCxnSpPr>
+              <p:nvPr/>
+            </p:nvCxnSpPr>
+            <p:spPr>
+              <a:xfrm flipH="1" flipV="1">
+                <a:off x="1238474" y="2901917"/>
+                <a:ext cx="1873210" cy="39667"/>
+              </a:xfrm>
+              <a:prstGeom prst="straightConnector1">
+                <a:avLst/>
+              </a:prstGeom>
+              <a:ln>
+                <a:solidFill>
+                  <a:srgbClr val="00B050"/>
+                </a:solidFill>
+                <a:tailEnd type="triangle"/>
+              </a:ln>
+            </p:spPr>
+            <p:style>
+              <a:lnRef idx="1">
+                <a:schemeClr val="accent1"/>
+              </a:lnRef>
+              <a:fillRef idx="0">
+                <a:schemeClr val="accent1"/>
+              </a:fillRef>
+              <a:effectRef idx="0">
+                <a:schemeClr val="accent1"/>
+              </a:effectRef>
+              <a:fontRef idx="minor">
+                <a:schemeClr val="tx1"/>
+              </a:fontRef>
+            </p:style>
+          </p:cxnSp>
+          <p:sp>
+            <p:nvSpPr>
+              <p:cNvPr id="19" name="תיבת טקסט 40">
+                <a:extLst>
+                  <a:ext uri="{FF2B5EF4-FFF2-40B4-BE49-F238E27FC236}">
+                    <a16:creationId xmlns:a16="http://schemas.microsoft.com/office/drawing/2014/main" id="{9146DE50-AEB3-C154-6E38-2821AA207898}"/>
+                  </a:ext>
+                </a:extLst>
+              </p:cNvPr>
+              <p:cNvSpPr txBox="1"/>
+              <p:nvPr/>
+            </p:nvSpPr>
+            <p:spPr>
+              <a:xfrm>
+                <a:off x="1606915" y="2937277"/>
+                <a:ext cx="1463947" cy="291595"/>
+              </a:xfrm>
+              <a:prstGeom prst="rect">
+                <a:avLst/>
+              </a:prstGeom>
+              <a:noFill/>
+            </p:spPr>
+            <p:txBody>
+              <a:bodyPr wrap="square">
+                <a:spAutoFit/>
+              </a:bodyPr>
+              <a:lstStyle/>
+              <a:p>
+                <a:r>
+                  <a:rPr lang="en-US" dirty="0">
+                    <a:solidFill>
+                      <a:srgbClr val="00B050"/>
+                    </a:solidFill>
+                    <a:latin typeface="+mn-lt"/>
+                    <a:ea typeface="Questrial" pitchFamily="2" charset="0"/>
+                    <a:cs typeface="Questrial" pitchFamily="2" charset="0"/>
+                  </a:rPr>
+                  <a:t>Envies </a:t>
+                </a:r>
+                <a:r>
+                  <a:rPr lang="en-US">
+                    <a:solidFill>
+                      <a:srgbClr val="00B050"/>
+                    </a:solidFill>
+                    <a:latin typeface="+mn-lt"/>
+                    <a:ea typeface="Questrial" pitchFamily="2" charset="0"/>
+                    <a:cs typeface="Questrial" pitchFamily="2" charset="0"/>
+                  </a:rPr>
+                  <a:t>by 50</a:t>
+                </a:r>
+                <a:endParaRPr lang="he-IL" dirty="0">
+                  <a:solidFill>
+                    <a:srgbClr val="00B050"/>
+                  </a:solidFill>
+                  <a:latin typeface="+mn-lt"/>
+                  <a:ea typeface="Questrial" pitchFamily="2" charset="0"/>
+                </a:endParaRPr>
+              </a:p>
+            </p:txBody>
+          </p:sp>
+        </p:grpSp>
+        <p:sp>
+          <p:nvSpPr>
+            <p:cNvPr id="6" name="TextBox 5">
+              <a:extLst>
+                <a:ext uri="{FF2B5EF4-FFF2-40B4-BE49-F238E27FC236}">
+                  <a16:creationId xmlns:a16="http://schemas.microsoft.com/office/drawing/2014/main" id="{5C62B000-48FD-9B32-AFCB-972577206501}"/>
+                </a:ext>
+              </a:extLst>
+            </p:cNvPr>
+            <p:cNvSpPr txBox="1"/>
+            <p:nvPr/>
+          </p:nvSpPr>
+          <p:spPr>
+            <a:xfrm>
+              <a:off x="4952833" y="1539152"/>
+              <a:ext cx="946770" cy="510291"/>
+            </a:xfrm>
+            <a:prstGeom prst="rect">
+              <a:avLst/>
+            </a:prstGeom>
+            <a:noFill/>
+          </p:spPr>
+          <p:txBody>
+            <a:bodyPr wrap="none" rtlCol="0">
+              <a:spAutoFit/>
+            </a:bodyPr>
+            <a:lstStyle/>
+            <a:p>
+              <a:r>
+                <a:rPr lang="en-US"/>
+                <a:t>v</a:t>
+              </a:r>
+              <a:r>
+                <a:rPr lang="en-US" baseline="-25000"/>
+                <a:t>1</a:t>
+              </a:r>
+              <a:r>
+                <a:rPr lang="en-US"/>
+                <a:t>(X</a:t>
+              </a:r>
+              <a:r>
+                <a:rPr lang="en-US" baseline="-25000"/>
+                <a:t>2</a:t>
+              </a:r>
+              <a:r>
+                <a:rPr lang="en-US" dirty="0"/>
+                <a:t>)=30</a:t>
+              </a:r>
+            </a:p>
+            <a:p>
+              <a:r>
+                <a:rPr lang="en-US"/>
+                <a:t>v</a:t>
+              </a:r>
+              <a:r>
+                <a:rPr lang="en-US" baseline="-25000"/>
+                <a:t>1</a:t>
+              </a:r>
+              <a:r>
+                <a:rPr lang="en-US"/>
+                <a:t>(X</a:t>
+              </a:r>
+              <a:r>
+                <a:rPr lang="en-US" baseline="-25000"/>
+                <a:t>1</a:t>
+              </a:r>
+              <a:r>
+                <a:rPr lang="en-US" dirty="0"/>
+                <a:t>)=50</a:t>
+              </a:r>
+            </a:p>
+          </p:txBody>
+        </p:sp>
+        <p:sp>
+          <p:nvSpPr>
+            <p:cNvPr id="8" name="TextBox 7">
+              <a:extLst>
+                <a:ext uri="{FF2B5EF4-FFF2-40B4-BE49-F238E27FC236}">
+                  <a16:creationId xmlns:a16="http://schemas.microsoft.com/office/drawing/2014/main" id="{4EB62B4F-01D1-61C2-097B-E5F65E302BBD}"/>
+                </a:ext>
+              </a:extLst>
+            </p:cNvPr>
+            <p:cNvSpPr txBox="1"/>
+            <p:nvPr/>
+          </p:nvSpPr>
+          <p:spPr>
+            <a:xfrm>
+              <a:off x="8034747" y="1600141"/>
+              <a:ext cx="946770" cy="510291"/>
+            </a:xfrm>
+            <a:prstGeom prst="rect">
+              <a:avLst/>
+            </a:prstGeom>
+            <a:noFill/>
+          </p:spPr>
+          <p:txBody>
+            <a:bodyPr wrap="none" rtlCol="0">
+              <a:spAutoFit/>
+            </a:bodyPr>
+            <a:lstStyle/>
+            <a:p>
+              <a:r>
+                <a:rPr lang="en-US"/>
+                <a:t>v</a:t>
+              </a:r>
+              <a:r>
+                <a:rPr lang="en-US" baseline="-25000"/>
+                <a:t>2</a:t>
+              </a:r>
+              <a:r>
+                <a:rPr lang="en-US"/>
+                <a:t>(X</a:t>
+              </a:r>
+              <a:r>
+                <a:rPr lang="en-US" baseline="-25000"/>
+                <a:t>1</a:t>
+              </a:r>
+              <a:r>
+                <a:rPr lang="en-US"/>
+                <a:t>)=</a:t>
+              </a:r>
+              <a:r>
+                <a:rPr lang="en-US" dirty="0"/>
+                <a:t>90</a:t>
+              </a:r>
+            </a:p>
+            <a:p>
+              <a:r>
+                <a:rPr lang="en-US"/>
+                <a:t>v</a:t>
+              </a:r>
+              <a:r>
+                <a:rPr lang="en-US" baseline="-25000"/>
+                <a:t>2</a:t>
+              </a:r>
+              <a:r>
+                <a:rPr lang="en-US"/>
+                <a:t>(X</a:t>
+              </a:r>
+              <a:r>
+                <a:rPr lang="en-US" baseline="-25000"/>
+                <a:t>2</a:t>
+              </a:r>
+              <a:r>
+                <a:rPr lang="en-US" dirty="0"/>
+                <a:t>)=40</a:t>
+              </a:r>
+            </a:p>
+          </p:txBody>
+        </p:sp>
+      </p:grpSp>
     </p:spTree>
   </p:cSld>
   <p:clrMapOvr>
@@ -14491,10 +15279,16 @@
 
 <file path=ppt/slides/slide12.xml><?xml version="1.0" encoding="utf-8"?>
 <p:sld xmlns:a="http://schemas.openxmlformats.org/drawingml/2006/main" xmlns:r="http://schemas.openxmlformats.org/officeDocument/2006/relationships" xmlns:p="http://schemas.openxmlformats.org/presentationml/2006/main">
-  <p:cSld name="page16">
+  <p:cSld>
     <p:spTree>
       <p:nvGrpSpPr>
-        <p:cNvPr id="1" name=""/>
+        <p:cNvPr id="1" name="">
+          <a:extLst>
+            <a:ext uri="{FF2B5EF4-FFF2-40B4-BE49-F238E27FC236}">
+              <a16:creationId xmlns:a16="http://schemas.microsoft.com/office/drawing/2014/main" id="{5A29FDFF-FC71-5FE6-8465-838D86340E57}"/>
+            </a:ext>
+          </a:extLst>
+        </p:cNvPr>
         <p:cNvGrpSpPr/>
         <p:nvPr/>
       </p:nvGrpSpPr>
@@ -14508,10 +15302,10 @@
       </p:grpSpPr>
       <p:sp>
         <p:nvSpPr>
-          <p:cNvPr id="2" name="Text Placeholder 1">
-            <a:extLst>
-              <a:ext uri="{FF2B5EF4-FFF2-40B4-BE49-F238E27FC236}">
-                <a16:creationId xmlns:a16="http://schemas.microsoft.com/office/drawing/2014/main" id="{EF433951-965D-6AD2-667F-43A2B0679BD4}"/>
+          <p:cNvPr id="3" name="Text Placeholder 2">
+            <a:extLst>
+              <a:ext uri="{FF2B5EF4-FFF2-40B4-BE49-F238E27FC236}">
+                <a16:creationId xmlns:a16="http://schemas.microsoft.com/office/drawing/2014/main" id="{999FE2BF-FEBF-6A94-AA02-3104638AB829}"/>
               </a:ext>
             </a:extLst>
           </p:cNvPr>
@@ -14525,7 +15319,7 @@
         <p:spPr>
           <a:xfrm>
             <a:off x="91440" y="761399"/>
-            <a:ext cx="9875520" cy="6798240"/>
+            <a:ext cx="9875520" cy="6553799"/>
           </a:xfrm>
         </p:spPr>
         <p:txBody>
@@ -14534,1012 +15328,411 @@
           </a:bodyPr>
           <a:lstStyle/>
           <a:p>
-            <a:pPr lvl="0" algn="r" rtl="1"/>
-            <a:r>
-              <a:rPr lang="he-IL" sz="3600" b="1">
-                <a:solidFill>
-                  <a:srgbClr val="009900"/>
-                </a:solidFill>
-                <a:latin typeface="Liberation Sans" pitchFamily="34"/>
-                <a:cs typeface="Liberation Sans" pitchFamily="34"/>
-              </a:rPr>
-              <a:t>משפט 2</a:t>
-            </a:r>
-            <a:r>
-              <a:rPr lang="he-IL" sz="3600">
-                <a:solidFill>
-                  <a:srgbClr val="009900"/>
-                </a:solidFill>
-                <a:latin typeface="Liberation Sans" pitchFamily="34"/>
-                <a:cs typeface="Liberation Sans" pitchFamily="34"/>
-              </a:rPr>
-              <a:t>: </a:t>
-            </a:r>
-            <a:r>
-              <a:rPr lang="he-IL" sz="3600" i="1">
-                <a:solidFill>
-                  <a:srgbClr val="009900"/>
-                </a:solidFill>
-                <a:latin typeface="Liberation Sans" pitchFamily="34"/>
-                <a:cs typeface="Liberation Sans" pitchFamily="34"/>
-              </a:rPr>
-              <a:t>כל</a:t>
-            </a:r>
-            <a:r>
-              <a:rPr lang="en-US" sz="3600">
-                <a:solidFill>
-                  <a:srgbClr val="009900"/>
-                </a:solidFill>
-                <a:latin typeface="Liberation Sans" pitchFamily="34"/>
-                <a:cs typeface="Liberation Sans" pitchFamily="34"/>
-              </a:rPr>
-              <a:t> תימחור ללא קנאה יישאר ללא-קנאה לכל השמה ממקסמת-סכום-ערכים.</a:t>
-            </a:r>
-          </a:p>
-          <a:p>
-            <a:pPr lvl="0" algn="r" rtl="1"/>
-            <a:r>
-              <a:rPr kumimoji="0" lang="he-IL" sz="3200" b="1" i="0" u="none" strike="noStrike" kern="1200" cap="none" spc="0" normalizeH="0" baseline="0" noProof="0">
-                <a:ln>
-                  <a:noFill/>
-                </a:ln>
-                <a:solidFill>
-                  <a:sysClr val="windowText" lastClr="000000"/>
-                </a:solidFill>
-                <a:effectLst/>
-                <a:highlight>
-                  <a:scrgbClr r="0" g="0" b="0">
-                    <a:alpha val="0"/>
-                  </a:scrgbClr>
-                </a:highlight>
-                <a:uLnTx/>
-                <a:uFillTx/>
-                <a:latin typeface="Liberation Sans" pitchFamily="34"/>
-                <a:cs typeface="Liberation Sans" pitchFamily="34"/>
-              </a:rPr>
-              <a:t>הוכחה </a:t>
-            </a:r>
-            <a:r>
-              <a:rPr kumimoji="0" lang="en-US" sz="2000" b="0" i="0" u="none" strike="noStrike" kern="1200" cap="none" spc="0" normalizeH="0" baseline="0" noProof="0">
-                <a:ln>
-                  <a:noFill/>
-                </a:ln>
-                <a:solidFill>
-                  <a:sysClr val="windowText" lastClr="000000"/>
-                </a:solidFill>
-                <a:effectLst/>
-                <a:highlight>
-                  <a:scrgbClr r="0" g="0" b="0">
-                    <a:alpha val="0"/>
-                  </a:scrgbClr>
-                </a:highlight>
-                <a:uLnTx/>
-                <a:uFillTx/>
-                <a:latin typeface="Liberation Sans" pitchFamily="34"/>
-                <a:cs typeface="Liberation Sans" pitchFamily="34"/>
-              </a:rPr>
-              <a:t>(Sung and Vlach, 2004)</a:t>
-            </a:r>
-            <a:r>
-              <a:rPr kumimoji="0" lang="he-IL" sz="3200" b="0" i="0" u="none" strike="noStrike" kern="1200" cap="none" spc="0" normalizeH="0" baseline="0" noProof="0">
-                <a:ln>
-                  <a:noFill/>
-                </a:ln>
-                <a:solidFill>
-                  <a:sysClr val="windowText" lastClr="000000"/>
-                </a:solidFill>
-                <a:effectLst/>
-                <a:highlight>
-                  <a:scrgbClr r="0" g="0" b="0">
-                    <a:alpha val="0"/>
-                  </a:scrgbClr>
-                </a:highlight>
-                <a:uLnTx/>
-                <a:uFillTx/>
-                <a:latin typeface="Liberation Sans" pitchFamily="34"/>
-                <a:cs typeface="Liberation Sans" pitchFamily="34"/>
-              </a:rPr>
-              <a:t>: </a:t>
-            </a:r>
-            <a:r>
-              <a:rPr lang="he-IL">
-                <a:latin typeface="Liberation Sans" pitchFamily="34"/>
-                <a:cs typeface="Liberation Sans" pitchFamily="34"/>
-              </a:rPr>
-              <a:t>תהי </a:t>
-            </a:r>
-            <a:r>
-              <a:rPr lang="en-US" i="1">
-                <a:latin typeface="Times New Roman" pitchFamily="18"/>
-                <a:cs typeface="Liberation Sans" pitchFamily="34"/>
-              </a:rPr>
-              <a:t>X,P</a:t>
-            </a:r>
-            <a:r>
-              <a:rPr lang="he-IL">
-                <a:latin typeface="Liberation Sans" pitchFamily="34"/>
-                <a:cs typeface="Liberation Sans" pitchFamily="34"/>
-              </a:rPr>
-              <a:t> </a:t>
-            </a:r>
-            <a:r>
-              <a:rPr lang="en-US">
-                <a:latin typeface="Liberation Sans" pitchFamily="34"/>
-                <a:cs typeface="Liberation Sans" pitchFamily="34"/>
-              </a:rPr>
-              <a:t>השמת-חדרים ללא קנאה</a:t>
-            </a:r>
-            <a:r>
-              <a:rPr lang="he-IL">
-                <a:latin typeface="Liberation Sans" pitchFamily="34"/>
-                <a:cs typeface="Liberation Sans" pitchFamily="34"/>
-              </a:rPr>
-              <a:t>. </a:t>
-            </a:r>
-            <a:r>
-              <a:rPr lang="en-US">
-                <a:latin typeface="Liberation Sans" pitchFamily="34"/>
-                <a:cs typeface="Liberation Sans" pitchFamily="34"/>
-              </a:rPr>
-              <a:t>לפי המשפט הקודם</a:t>
-            </a:r>
-            <a:r>
-              <a:rPr lang="he-IL">
-                <a:latin typeface="Liberation Sans" pitchFamily="34"/>
-                <a:cs typeface="Liberation Sans" pitchFamily="34"/>
-              </a:rPr>
-              <a:t>,</a:t>
-            </a:r>
-            <a:r>
-              <a:rPr lang="en-US">
-                <a:latin typeface="Liberation Sans" pitchFamily="34"/>
-                <a:cs typeface="Liberation Sans" pitchFamily="34"/>
-              </a:rPr>
-              <a:t> </a:t>
-            </a:r>
-            <a:r>
-              <a:rPr lang="en-US" i="1">
-                <a:latin typeface="Times New Roman" pitchFamily="18"/>
-                <a:cs typeface="Liberation Sans" pitchFamily="34"/>
-              </a:rPr>
-              <a:t>X</a:t>
-            </a:r>
-            <a:r>
-              <a:rPr lang="en-US">
-                <a:latin typeface="Liberation Sans" pitchFamily="34"/>
-                <a:cs typeface="Liberation Sans" pitchFamily="34"/>
-              </a:rPr>
-              <a:t> ממקסמת סכום ערכים</a:t>
-            </a:r>
-            <a:r>
-              <a:rPr lang="he-IL">
-                <a:latin typeface="Liberation Sans" pitchFamily="34"/>
-                <a:cs typeface="Liberation Sans" pitchFamily="34"/>
-              </a:rPr>
-              <a:t>. </a:t>
-            </a:r>
-            <a:r>
-              <a:rPr lang="en-US">
-                <a:latin typeface="Liberation Sans" pitchFamily="34"/>
-                <a:cs typeface="Liberation Sans" pitchFamily="34"/>
-              </a:rPr>
-              <a:t>תהי </a:t>
-            </a:r>
-            <a:r>
-              <a:rPr lang="en-US" i="1">
-                <a:latin typeface="Times New Roman" pitchFamily="18"/>
-                <a:cs typeface="Liberation Sans" pitchFamily="34"/>
-              </a:rPr>
-              <a:t>Y</a:t>
-            </a:r>
-            <a:r>
-              <a:rPr lang="en-US">
-                <a:latin typeface="Liberation Sans" pitchFamily="34"/>
-                <a:cs typeface="Liberation Sans" pitchFamily="34"/>
-              </a:rPr>
-              <a:t> </a:t>
-            </a:r>
-            <a:r>
-              <a:rPr lang="he-IL">
-                <a:latin typeface="Liberation Sans" pitchFamily="34"/>
-                <a:cs typeface="Liberation Sans" pitchFamily="34"/>
-              </a:rPr>
-              <a:t> </a:t>
-            </a:r>
-            <a:r>
-              <a:rPr lang="en-US">
-                <a:latin typeface="Liberation Sans" pitchFamily="34"/>
-                <a:cs typeface="Liberation Sans" pitchFamily="34"/>
-              </a:rPr>
-              <a:t>השמה אחרת הממקסמת סכום ערכים:</a:t>
-            </a:r>
-          </a:p>
-          <a:p>
-            <a:pPr lvl="0" algn="ctr"/>
-            <a:r>
-              <a:rPr lang="en-US" i="1">
+            <a:pPr algn="r" rtl="1"/>
+            <a:r>
+              <a:rPr lang="he-IL" b="1">
+                <a:solidFill>
+                  <a:schemeClr val="accent1"/>
+                </a:solidFill>
                 <a:latin typeface="Times New Roman" pitchFamily="18"/>
                 <a:ea typeface="Liberation Sans" pitchFamily="34"/>
                 <a:cs typeface="Liberation Sans" pitchFamily="34"/>
-              </a:rPr>
-              <a:t>∑V</a:t>
-            </a:r>
-            <a:r>
-              <a:rPr lang="en-US" i="1" baseline="-33000">
+                <a:sym typeface="Wingdings" panose="05000000000000000000" pitchFamily="2" charset="2"/>
+              </a:rPr>
+              <a:t>טענת-עזר</a:t>
+            </a:r>
+            <a:r>
+              <a:rPr lang="he-IL">
+                <a:solidFill>
+                  <a:schemeClr val="accent1"/>
+                </a:solidFill>
                 <a:latin typeface="Times New Roman" pitchFamily="18"/>
                 <a:ea typeface="Liberation Sans" pitchFamily="34"/>
                 <a:cs typeface="Liberation Sans" pitchFamily="34"/>
-              </a:rPr>
-              <a:t>i</a:t>
+                <a:sym typeface="Wingdings" panose="05000000000000000000" pitchFamily="2" charset="2"/>
+              </a:rPr>
+              <a:t>. </a:t>
+            </a:r>
+            <a:r>
+              <a:rPr lang="he-IL">
+                <a:solidFill>
+                  <a:schemeClr val="accent1"/>
+                </a:solidFill>
+                <a:effectLst/>
+                <a:latin typeface="David CLM" panose="02000603000000000000" pitchFamily="2" charset="-79"/>
+              </a:rPr>
+              <a:t>נתונה השמת חדרים כלשהי.</a:t>
             </a:r>
             <a:r>
               <a:rPr lang="en-US">
+                <a:solidFill>
+                  <a:schemeClr val="accent1"/>
+                </a:solidFill>
+                <a:effectLst/>
+                <a:latin typeface="Courier New" panose="02070309020205020404" pitchFamily="49" charset="0"/>
+              </a:rPr>
+              <a:t> </a:t>
+            </a:r>
+            <a:r>
+              <a:rPr lang="he-IL">
+                <a:solidFill>
+                  <a:schemeClr val="accent1"/>
+                </a:solidFill>
+                <a:effectLst/>
+                <a:latin typeface="David CLM" panose="02000603000000000000" pitchFamily="2" charset="-79"/>
+              </a:rPr>
+              <a:t>אם גובים סכום</a:t>
+            </a:r>
+            <a:r>
+              <a:rPr lang="en-US">
+                <a:solidFill>
+                  <a:schemeClr val="accent1"/>
+                </a:solidFill>
+                <a:effectLst/>
+                <a:latin typeface="Courier New" panose="02070309020205020404" pitchFamily="49" charset="0"/>
+              </a:rPr>
+              <a:t>-</a:t>
+            </a:r>
+            <a:r>
+              <a:rPr lang="he-IL">
+                <a:solidFill>
+                  <a:schemeClr val="accent1"/>
+                </a:solidFill>
+                <a:effectLst/>
+                <a:latin typeface="David CLM" panose="02000603000000000000" pitchFamily="2" charset="-79"/>
+              </a:rPr>
+              <a:t>כסף כלשהו משחקן כלשהו</a:t>
+            </a:r>
+            <a:r>
+              <a:rPr lang="he-IL">
+                <a:solidFill>
+                  <a:schemeClr val="accent1"/>
+                </a:solidFill>
+                <a:effectLst/>
+                <a:latin typeface="Courier New" panose="02070309020205020404" pitchFamily="49" charset="0"/>
+              </a:rPr>
+              <a:t>, </a:t>
+            </a:r>
+            <a:r>
+              <a:rPr lang="he-IL">
+                <a:solidFill>
+                  <a:schemeClr val="accent1"/>
+                </a:solidFill>
+                <a:effectLst/>
+                <a:latin typeface="David CLM" panose="02000603000000000000" pitchFamily="2" charset="-79"/>
+              </a:rPr>
+              <a:t>אז המשקלים של כל המעגלים המכוונים בגרף הקנאה לא משתנים</a:t>
+            </a:r>
+            <a:r>
+              <a:rPr lang="he-IL">
+                <a:solidFill>
+                  <a:schemeClr val="accent1"/>
+                </a:solidFill>
+                <a:latin typeface="Courier New" panose="02070309020205020404" pitchFamily="49" charset="0"/>
+              </a:rPr>
+              <a:t>.</a:t>
+            </a:r>
+          </a:p>
+          <a:p>
+            <a:pPr algn="r" rtl="1">
+              <a:lnSpc>
+                <a:spcPct val="100000"/>
+              </a:lnSpc>
+              <a:spcAft>
+                <a:spcPts val="720"/>
+              </a:spcAft>
+              <a:buNone/>
+            </a:pPr>
+            <a:r>
+              <a:rPr lang="he-IL" b="1">
+                <a:solidFill>
+                  <a:schemeClr val="tx1"/>
+                </a:solidFill>
                 <a:latin typeface="Times New Roman" pitchFamily="18"/>
                 <a:ea typeface="Liberation Sans" pitchFamily="34"/>
                 <a:cs typeface="Liberation Sans" pitchFamily="34"/>
-              </a:rPr>
-              <a:t>(</a:t>
-            </a:r>
-            <a:r>
-              <a:rPr lang="en-US" i="1">
+                <a:sym typeface="Wingdings" panose="05000000000000000000" pitchFamily="2" charset="2"/>
+              </a:rPr>
+              <a:t>הוכחה</a:t>
+            </a:r>
+            <a:r>
+              <a:rPr lang="he-IL">
+                <a:solidFill>
+                  <a:schemeClr val="tx1"/>
+                </a:solidFill>
                 <a:latin typeface="Times New Roman" pitchFamily="18"/>
                 <a:ea typeface="Liberation Sans" pitchFamily="34"/>
                 <a:cs typeface="Liberation Sans" pitchFamily="34"/>
-              </a:rPr>
-              <a:t>X</a:t>
-            </a:r>
-            <a:r>
-              <a:rPr lang="en-US" i="1" baseline="-33000">
-                <a:latin typeface="Times New Roman" pitchFamily="18"/>
-                <a:ea typeface="Liberation Sans" pitchFamily="34"/>
-                <a:cs typeface="Liberation Sans" pitchFamily="34"/>
-              </a:rPr>
-              <a:t>i</a:t>
+                <a:sym typeface="Wingdings" panose="05000000000000000000" pitchFamily="2" charset="2"/>
+              </a:rPr>
+              <a:t>.</a:t>
+            </a:r>
+            <a:r>
+              <a:rPr lang="he-IL">
+                <a:effectLst/>
+                <a:latin typeface="David CLM" panose="02000603000000000000" pitchFamily="2" charset="-79"/>
+              </a:rPr>
+              <a:t> נניח שגובים </a:t>
             </a:r>
             <a:r>
               <a:rPr lang="en-US">
-                <a:latin typeface="Times New Roman" pitchFamily="18"/>
-                <a:ea typeface="Liberation Sans" pitchFamily="34"/>
-                <a:cs typeface="Liberation Sans" pitchFamily="34"/>
-              </a:rPr>
-              <a:t>)</a:t>
-            </a:r>
-            <a:r>
-              <a:rPr lang="en-US" i="1">
-                <a:latin typeface="Times New Roman" pitchFamily="18"/>
-                <a:ea typeface="Liberation Sans" pitchFamily="34"/>
-                <a:cs typeface="Liberation Sans" pitchFamily="34"/>
-              </a:rPr>
-              <a:t>  =  ∑V</a:t>
-            </a:r>
-            <a:r>
-              <a:rPr lang="en-US" i="1" baseline="-33000">
-                <a:latin typeface="Times New Roman" pitchFamily="18"/>
-                <a:ea typeface="Liberation Sans" pitchFamily="34"/>
-                <a:cs typeface="Liberation Sans" pitchFamily="34"/>
-              </a:rPr>
-              <a:t>i</a:t>
+                <a:effectLst/>
+                <a:latin typeface="David CLM" panose="02000603000000000000" pitchFamily="2" charset="-79"/>
+              </a:rPr>
+              <a:t>p</a:t>
+            </a:r>
+            <a:r>
+              <a:rPr lang="he-IL">
+                <a:effectLst/>
+                <a:latin typeface="David CLM" panose="02000603000000000000" pitchFamily="2" charset="-79"/>
+              </a:rPr>
+              <a:t> משחקן </a:t>
             </a:r>
             <a:r>
               <a:rPr lang="en-US">
-                <a:latin typeface="Times New Roman" pitchFamily="18"/>
-                <a:ea typeface="Liberation Sans" pitchFamily="34"/>
-                <a:cs typeface="Liberation Sans" pitchFamily="34"/>
-              </a:rPr>
-              <a:t>(</a:t>
-            </a:r>
-            <a:r>
-              <a:rPr lang="en-US" i="1">
-                <a:latin typeface="Times New Roman" pitchFamily="18"/>
-                <a:ea typeface="Liberation Sans" pitchFamily="34"/>
-                <a:cs typeface="Liberation Sans" pitchFamily="34"/>
-              </a:rPr>
-              <a:t>Y</a:t>
-            </a:r>
-            <a:r>
-              <a:rPr lang="en-US" i="1" baseline="-33000">
-                <a:latin typeface="Times New Roman" pitchFamily="18"/>
-                <a:ea typeface="Liberation Sans" pitchFamily="34"/>
-                <a:cs typeface="Liberation Sans" pitchFamily="34"/>
-              </a:rPr>
-              <a:t>i</a:t>
+                <a:effectLst/>
+                <a:latin typeface="David CLM" panose="02000603000000000000" pitchFamily="2" charset="-79"/>
+              </a:rPr>
+              <a:t>j</a:t>
+            </a:r>
+            <a:r>
+              <a:rPr lang="he-IL">
+                <a:effectLst/>
+                <a:latin typeface="Courier New" panose="02070309020205020404" pitchFamily="49" charset="0"/>
+              </a:rPr>
+              <a:t>. </a:t>
+            </a:r>
+            <a:r>
+              <a:rPr lang="he-IL">
+                <a:effectLst/>
+                <a:latin typeface="David CLM" panose="02000603000000000000" pitchFamily="2" charset="-79"/>
+              </a:rPr>
+              <a:t>הקשתות בגרף משתנות כך:</a:t>
+            </a:r>
+            <a:endParaRPr lang="en-US">
+              <a:effectLst/>
+              <a:latin typeface="Courier New" panose="02070309020205020404" pitchFamily="49" charset="0"/>
+            </a:endParaRPr>
+          </a:p>
+          <a:p>
+            <a:pPr algn="r" rtl="1">
+              <a:lnSpc>
+                <a:spcPct val="120000"/>
+              </a:lnSpc>
+              <a:spcAft>
+                <a:spcPts val="720"/>
+              </a:spcAft>
+              <a:buNone/>
+            </a:pPr>
+            <a:r>
+              <a:rPr lang="he-IL">
+                <a:effectLst/>
+                <a:latin typeface="David CLM" panose="02000603000000000000" pitchFamily="2" charset="-79"/>
+              </a:rPr>
+              <a:t>א. קשת יוצאת משחקן </a:t>
             </a:r>
             <a:r>
               <a:rPr lang="en-US">
-                <a:latin typeface="Times New Roman" pitchFamily="18"/>
-                <a:ea typeface="Liberation Sans" pitchFamily="34"/>
-                <a:cs typeface="Liberation Sans" pitchFamily="34"/>
-              </a:rPr>
-              <a:t>)</a:t>
-            </a:r>
-          </a:p>
-          <a:p>
-            <a:pPr lvl="0" algn="ctr"/>
-            <a:r>
-              <a:rPr lang="en-US" i="1">
-                <a:latin typeface="Times New Roman" pitchFamily="18"/>
-                <a:ea typeface="Liberation Sans" pitchFamily="34"/>
-                <a:cs typeface="Liberation Sans" pitchFamily="34"/>
-              </a:rPr>
-              <a:t>∑</a:t>
+                <a:effectLst/>
+                <a:latin typeface="David CLM" panose="02000603000000000000" pitchFamily="2" charset="-79"/>
+              </a:rPr>
+              <a:t>j</a:t>
+            </a:r>
+            <a:r>
+              <a:rPr lang="he-IL">
+                <a:effectLst/>
+                <a:latin typeface="David CLM" panose="02000603000000000000" pitchFamily="2" charset="-79"/>
+              </a:rPr>
+              <a:t>:</a:t>
             </a:r>
             <a:r>
               <a:rPr lang="en-US">
-                <a:latin typeface="Times New Roman" pitchFamily="18"/>
-                <a:ea typeface="Liberation Sans" pitchFamily="34"/>
-                <a:cs typeface="Liberation Sans" pitchFamily="34"/>
-              </a:rPr>
-              <a:t>[</a:t>
-            </a:r>
-            <a:r>
-              <a:rPr lang="en-US" i="1">
-                <a:latin typeface="Times New Roman" pitchFamily="18"/>
-                <a:ea typeface="Liberation Sans" pitchFamily="34"/>
-                <a:cs typeface="Liberation Sans" pitchFamily="34"/>
-              </a:rPr>
-              <a:t>V</a:t>
-            </a:r>
-            <a:r>
-              <a:rPr lang="en-US" i="1" baseline="-33000">
-                <a:latin typeface="Times New Roman" pitchFamily="18"/>
-                <a:ea typeface="Liberation Sans" pitchFamily="34"/>
-                <a:cs typeface="Liberation Sans" pitchFamily="34"/>
-              </a:rPr>
-              <a:t>i</a:t>
+                <a:effectLst/>
+                <a:latin typeface="David CLM" panose="02000603000000000000" pitchFamily="2" charset="-79"/>
+              </a:rPr>
+              <a:t> </a:t>
+            </a:r>
+            <a:r>
+              <a:rPr lang="he-IL">
+                <a:latin typeface="David CLM" panose="02000603000000000000" pitchFamily="2" charset="-79"/>
+              </a:rPr>
+              <a:t> משקל גדל ב-</a:t>
             </a:r>
             <a:r>
               <a:rPr lang="en-US">
-                <a:latin typeface="Times New Roman" pitchFamily="18"/>
-                <a:ea typeface="Liberation Sans" pitchFamily="34"/>
-                <a:cs typeface="Liberation Sans" pitchFamily="34"/>
-              </a:rPr>
-              <a:t>(</a:t>
-            </a:r>
-            <a:r>
-              <a:rPr lang="en-US" i="1">
-                <a:latin typeface="Times New Roman" pitchFamily="18"/>
-                <a:ea typeface="Liberation Sans" pitchFamily="34"/>
-                <a:cs typeface="Liberation Sans" pitchFamily="34"/>
-              </a:rPr>
-              <a:t>X</a:t>
-            </a:r>
-            <a:r>
-              <a:rPr lang="en-US" i="1" baseline="-33000">
-                <a:latin typeface="Times New Roman" pitchFamily="18"/>
-                <a:ea typeface="Liberation Sans" pitchFamily="34"/>
-                <a:cs typeface="Liberation Sans" pitchFamily="34"/>
-              </a:rPr>
-              <a:t>i</a:t>
+                <a:latin typeface="David CLM" panose="02000603000000000000" pitchFamily="2" charset="-79"/>
+              </a:rPr>
+              <a:t>p</a:t>
+            </a:r>
+            <a:r>
+              <a:rPr lang="he-IL">
+                <a:latin typeface="David CLM" panose="02000603000000000000" pitchFamily="2" charset="-79"/>
+              </a:rPr>
+              <a:t>.</a:t>
+            </a:r>
+            <a:r>
+              <a:rPr lang="he-IL">
+                <a:effectLst/>
+                <a:latin typeface="David CLM" panose="02000603000000000000" pitchFamily="2" charset="-79"/>
+              </a:rPr>
+              <a:t> </a:t>
+            </a:r>
+          </a:p>
+          <a:p>
+            <a:pPr algn="r" rtl="1">
+              <a:lnSpc>
+                <a:spcPct val="120000"/>
+              </a:lnSpc>
+              <a:spcAft>
+                <a:spcPts val="720"/>
+              </a:spcAft>
+            </a:pPr>
+            <a:r>
+              <a:rPr lang="he-IL">
+                <a:effectLst/>
+                <a:latin typeface="David CLM" panose="02000603000000000000" pitchFamily="2" charset="-79"/>
+              </a:rPr>
+              <a:t>ב.</a:t>
+            </a:r>
+            <a:r>
+              <a:rPr lang="he-IL">
+                <a:effectLst/>
+                <a:latin typeface="Courier New" panose="02070309020205020404" pitchFamily="49" charset="0"/>
+              </a:rPr>
+              <a:t> </a:t>
+            </a:r>
+            <a:r>
+              <a:rPr lang="he-IL">
+                <a:effectLst/>
+                <a:latin typeface="David CLM" panose="02000603000000000000" pitchFamily="2" charset="-79"/>
+              </a:rPr>
+              <a:t>קשת נכנסת משחקן </a:t>
             </a:r>
             <a:r>
               <a:rPr lang="en-US">
-                <a:latin typeface="Times New Roman" pitchFamily="18"/>
-                <a:ea typeface="Liberation Sans" pitchFamily="34"/>
-                <a:cs typeface="Liberation Sans" pitchFamily="34"/>
-              </a:rPr>
-              <a:t>)-</a:t>
-            </a:r>
-            <a:r>
-              <a:rPr lang="en-US" i="1">
-                <a:latin typeface="Times New Roman" pitchFamily="18"/>
-                <a:ea typeface="Liberation Sans" pitchFamily="34"/>
-                <a:cs typeface="Liberation Sans" pitchFamily="34"/>
-              </a:rPr>
-              <a:t>P</a:t>
+                <a:effectLst/>
+                <a:latin typeface="David CLM" panose="02000603000000000000" pitchFamily="2" charset="-79"/>
+              </a:rPr>
+              <a:t>j</a:t>
+            </a:r>
+            <a:r>
+              <a:rPr lang="he-IL">
+                <a:effectLst/>
+                <a:latin typeface="David CLM" panose="02000603000000000000" pitchFamily="2" charset="-79"/>
+              </a:rPr>
+              <a:t>:</a:t>
             </a:r>
             <a:r>
               <a:rPr lang="en-US">
-                <a:latin typeface="Times New Roman" pitchFamily="18"/>
-                <a:ea typeface="Liberation Sans" pitchFamily="34"/>
-                <a:cs typeface="Liberation Sans" pitchFamily="34"/>
-              </a:rPr>
-              <a:t>(</a:t>
-            </a:r>
-            <a:r>
-              <a:rPr lang="en-US" i="1">
-                <a:latin typeface="Times New Roman" pitchFamily="18"/>
-                <a:ea typeface="Liberation Sans" pitchFamily="34"/>
-                <a:cs typeface="Liberation Sans" pitchFamily="34"/>
-              </a:rPr>
-              <a:t>X</a:t>
-            </a:r>
-            <a:r>
-              <a:rPr lang="en-US" i="1" baseline="-33000">
-                <a:latin typeface="Times New Roman" pitchFamily="18"/>
-                <a:ea typeface="Liberation Sans" pitchFamily="34"/>
-                <a:cs typeface="Liberation Sans" pitchFamily="34"/>
-              </a:rPr>
-              <a:t>i</a:t>
+                <a:effectLst/>
+                <a:latin typeface="David CLM" panose="02000603000000000000" pitchFamily="2" charset="-79"/>
+              </a:rPr>
+              <a:t> </a:t>
+            </a:r>
+            <a:r>
+              <a:rPr lang="he-IL">
+                <a:latin typeface="David CLM" panose="02000603000000000000" pitchFamily="2" charset="-79"/>
+              </a:rPr>
+              <a:t> משקל קטן ב-</a:t>
             </a:r>
             <a:r>
               <a:rPr lang="en-US">
-                <a:latin typeface="Times New Roman" pitchFamily="18"/>
-                <a:ea typeface="Liberation Sans" pitchFamily="34"/>
-                <a:cs typeface="Liberation Sans" pitchFamily="34"/>
-              </a:rPr>
-              <a:t>)]</a:t>
-            </a:r>
-            <a:r>
-              <a:rPr lang="en-US" i="1">
-                <a:latin typeface="Times New Roman" pitchFamily="18"/>
-                <a:ea typeface="Liberation Sans" pitchFamily="34"/>
-                <a:cs typeface="Liberation Sans" pitchFamily="34"/>
-              </a:rPr>
-              <a:t>  =  ∑</a:t>
+                <a:latin typeface="David CLM" panose="02000603000000000000" pitchFamily="2" charset="-79"/>
+              </a:rPr>
+              <a:t>p</a:t>
+            </a:r>
+            <a:r>
+              <a:rPr lang="he-IL">
+                <a:latin typeface="David CLM" panose="02000603000000000000" pitchFamily="2" charset="-79"/>
+              </a:rPr>
+              <a:t>.</a:t>
+            </a:r>
+            <a:r>
+              <a:rPr lang="he-IL">
+                <a:effectLst/>
+                <a:latin typeface="David CLM" panose="02000603000000000000" pitchFamily="2" charset="-79"/>
+              </a:rPr>
+              <a:t> </a:t>
+            </a:r>
+          </a:p>
+          <a:p>
+            <a:pPr algn="r" rtl="1">
+              <a:lnSpc>
+                <a:spcPct val="120000"/>
+              </a:lnSpc>
+              <a:spcAft>
+                <a:spcPts val="720"/>
+              </a:spcAft>
+              <a:buNone/>
+            </a:pPr>
+            <a:r>
+              <a:rPr lang="he-IL">
+                <a:effectLst/>
+                <a:latin typeface="Courier New" panose="02070309020205020404" pitchFamily="49" charset="0"/>
+              </a:rPr>
+              <a:t>ג. קשת אחרת:</a:t>
             </a:r>
             <a:r>
               <a:rPr lang="en-US">
-                <a:latin typeface="Times New Roman" pitchFamily="18"/>
-                <a:ea typeface="Liberation Sans" pitchFamily="34"/>
-                <a:cs typeface="Liberation Sans" pitchFamily="34"/>
-              </a:rPr>
-              <a:t>[</a:t>
-            </a:r>
-            <a:r>
-              <a:rPr lang="en-US" i="1">
-                <a:latin typeface="Times New Roman" pitchFamily="18"/>
-                <a:ea typeface="Liberation Sans" pitchFamily="34"/>
-                <a:cs typeface="Liberation Sans" pitchFamily="34"/>
-              </a:rPr>
-              <a:t>V</a:t>
-            </a:r>
-            <a:r>
-              <a:rPr lang="en-US" i="1" baseline="-33000">
-                <a:latin typeface="Times New Roman" pitchFamily="18"/>
-                <a:ea typeface="Liberation Sans" pitchFamily="34"/>
-                <a:cs typeface="Liberation Sans" pitchFamily="34"/>
-              </a:rPr>
-              <a:t>i</a:t>
+                <a:effectLst/>
+                <a:latin typeface="Courier New" panose="02070309020205020404" pitchFamily="49" charset="0"/>
+              </a:rPr>
+              <a:t> </a:t>
+            </a:r>
+            <a:r>
+              <a:rPr lang="he-IL">
+                <a:effectLst/>
+                <a:latin typeface="Courier New" panose="02070309020205020404" pitchFamily="49" charset="0"/>
+              </a:rPr>
+              <a:t>משקל לא משתנה.</a:t>
+            </a:r>
+          </a:p>
+          <a:p>
+            <a:pPr algn="r" rtl="1">
+              <a:lnSpc>
+                <a:spcPct val="120000"/>
+              </a:lnSpc>
+              <a:spcAft>
+                <a:spcPts val="720"/>
+              </a:spcAft>
+              <a:buNone/>
+            </a:pPr>
+            <a:r>
+              <a:rPr lang="he-IL">
+                <a:latin typeface="Courier New" panose="02070309020205020404" pitchFamily="49" charset="0"/>
+              </a:rPr>
+              <a:t>בכל מעגל מכוון יש בדיוק אותו מספר (0 או 1)</a:t>
             </a:r>
             <a:r>
               <a:rPr lang="en-US">
-                <a:latin typeface="Times New Roman" pitchFamily="18"/>
-                <a:ea typeface="Liberation Sans" pitchFamily="34"/>
-                <a:cs typeface="Liberation Sans" pitchFamily="34"/>
-              </a:rPr>
-              <a:t>(</a:t>
-            </a:r>
-            <a:r>
-              <a:rPr lang="en-US" i="1">
-                <a:latin typeface="Times New Roman" pitchFamily="18"/>
-                <a:ea typeface="Liberation Sans" pitchFamily="34"/>
-                <a:cs typeface="Liberation Sans" pitchFamily="34"/>
-              </a:rPr>
-              <a:t>Y</a:t>
-            </a:r>
-            <a:r>
-              <a:rPr lang="en-US" i="1" baseline="-33000">
-                <a:latin typeface="Times New Roman" pitchFamily="18"/>
-                <a:ea typeface="Liberation Sans" pitchFamily="34"/>
-                <a:cs typeface="Liberation Sans" pitchFamily="34"/>
-              </a:rPr>
-              <a:t>i</a:t>
-            </a:r>
-            <a:r>
-              <a:rPr lang="en-US">
-                <a:latin typeface="Times New Roman" pitchFamily="18"/>
-                <a:ea typeface="Liberation Sans" pitchFamily="34"/>
-                <a:cs typeface="Liberation Sans" pitchFamily="34"/>
-              </a:rPr>
-              <a:t>)-</a:t>
-            </a:r>
-            <a:r>
-              <a:rPr lang="en-US" i="1">
-                <a:latin typeface="Times New Roman" pitchFamily="18"/>
-                <a:ea typeface="Liberation Sans" pitchFamily="34"/>
-                <a:cs typeface="Liberation Sans" pitchFamily="34"/>
-              </a:rPr>
-              <a:t>P</a:t>
-            </a:r>
-            <a:r>
-              <a:rPr lang="en-US">
-                <a:latin typeface="Times New Roman" pitchFamily="18"/>
-                <a:ea typeface="Liberation Sans" pitchFamily="34"/>
-                <a:cs typeface="Liberation Sans" pitchFamily="34"/>
-              </a:rPr>
-              <a:t>(</a:t>
-            </a:r>
-            <a:r>
-              <a:rPr lang="en-US" i="1">
-                <a:latin typeface="Times New Roman" pitchFamily="18"/>
-                <a:ea typeface="Liberation Sans" pitchFamily="34"/>
-                <a:cs typeface="Liberation Sans" pitchFamily="34"/>
-              </a:rPr>
-              <a:t>Y</a:t>
-            </a:r>
-            <a:r>
-              <a:rPr lang="en-US" i="1" baseline="-33000">
-                <a:latin typeface="Times New Roman" pitchFamily="18"/>
-                <a:ea typeface="Liberation Sans" pitchFamily="34"/>
-                <a:cs typeface="Liberation Sans" pitchFamily="34"/>
-              </a:rPr>
-              <a:t>i</a:t>
-            </a:r>
-            <a:r>
-              <a:rPr lang="en-US">
-                <a:latin typeface="Times New Roman" pitchFamily="18"/>
-                <a:ea typeface="Liberation Sans" pitchFamily="34"/>
-                <a:cs typeface="Liberation Sans" pitchFamily="34"/>
-              </a:rPr>
-              <a:t>)]</a:t>
-            </a:r>
-          </a:p>
-          <a:p>
-            <a:pPr lvl="0" algn="r" rtl="1"/>
+                <a:latin typeface="Courier New" panose="02070309020205020404" pitchFamily="49" charset="0"/>
+              </a:rPr>
+              <a:t> </a:t>
+            </a:r>
             <a:r>
               <a:rPr lang="he-IL">
-                <a:latin typeface="Liberation Sans" pitchFamily="34"/>
-                <a:cs typeface="Liberation Sans" pitchFamily="34"/>
-              </a:rPr>
-              <a:t>נתון ש-</a:t>
-            </a:r>
-            <a:r>
-              <a:rPr lang="en-US" i="1">
-                <a:latin typeface="Times New Roman" pitchFamily="18"/>
-                <a:cs typeface="Liberation Sans" pitchFamily="34"/>
-              </a:rPr>
-              <a:t>X</a:t>
-            </a:r>
-            <a:r>
-              <a:rPr lang="he-IL">
-                <a:latin typeface="Liberation Sans" pitchFamily="34"/>
-                <a:cs typeface="Liberation Sans" pitchFamily="34"/>
-              </a:rPr>
-              <a:t> </a:t>
-            </a:r>
-            <a:r>
-              <a:rPr lang="en-US">
-                <a:latin typeface="Liberation Sans" pitchFamily="34"/>
-                <a:cs typeface="Liberation Sans" pitchFamily="34"/>
-              </a:rPr>
-              <a:t>ללא קנאה</a:t>
-            </a:r>
-            <a:r>
-              <a:rPr lang="he-IL">
-                <a:latin typeface="Liberation Sans" pitchFamily="34"/>
-                <a:cs typeface="Liberation Sans" pitchFamily="34"/>
-              </a:rPr>
-              <a:t>. </a:t>
-            </a:r>
-            <a:r>
-              <a:rPr lang="en-US">
-                <a:latin typeface="Liberation Sans" pitchFamily="34"/>
-                <a:cs typeface="Liberation Sans" pitchFamily="34"/>
-              </a:rPr>
-              <a:t>לכן לפי הגדרת קנאה</a:t>
-            </a:r>
-            <a:r>
-              <a:rPr lang="he-IL">
-                <a:latin typeface="Liberation Sans" pitchFamily="34"/>
-                <a:cs typeface="Liberation Sans" pitchFamily="34"/>
-              </a:rPr>
-              <a:t>, </a:t>
-            </a:r>
-            <a:r>
-              <a:rPr lang="en-US">
-                <a:latin typeface="Liberation Sans" pitchFamily="34"/>
-                <a:cs typeface="Liberation Sans" pitchFamily="34"/>
-              </a:rPr>
-              <a:t>לכל </a:t>
-            </a:r>
-            <a:r>
-              <a:rPr lang="en-US" i="1">
-                <a:latin typeface="Times New Roman" pitchFamily="18"/>
-                <a:cs typeface="Liberation Sans" pitchFamily="34"/>
-              </a:rPr>
-              <a:t>i</a:t>
-            </a:r>
-            <a:r>
-              <a:rPr lang="he-IL">
-                <a:latin typeface="Liberation Sans" pitchFamily="34"/>
-                <a:cs typeface="Liberation Sans" pitchFamily="34"/>
-              </a:rPr>
-              <a:t>:</a:t>
-            </a:r>
-            <a:endParaRPr lang="en-US">
-              <a:latin typeface="Liberation Sans" pitchFamily="34"/>
-              <a:cs typeface="Liberation Sans" pitchFamily="34"/>
-            </a:endParaRPr>
-          </a:p>
-          <a:p>
-            <a:pPr lvl="0" algn="ctr"/>
-            <a:r>
-              <a:rPr lang="en-US" i="1">
-                <a:latin typeface="Times New Roman" pitchFamily="18"/>
-                <a:cs typeface="Liberation Sans" pitchFamily="34"/>
-              </a:rPr>
-              <a:t>V</a:t>
-            </a:r>
-            <a:r>
-              <a:rPr lang="en-US" i="1" baseline="-33000">
-                <a:latin typeface="Times New Roman" pitchFamily="18"/>
-                <a:cs typeface="Liberation Sans" pitchFamily="34"/>
-              </a:rPr>
-              <a:t>i</a:t>
-            </a:r>
-            <a:r>
-              <a:rPr lang="en-US">
-                <a:latin typeface="Times New Roman" pitchFamily="18"/>
-                <a:cs typeface="Liberation Sans" pitchFamily="34"/>
-              </a:rPr>
-              <a:t>(</a:t>
-            </a:r>
-            <a:r>
-              <a:rPr lang="en-US" i="1">
-                <a:latin typeface="Times New Roman" pitchFamily="18"/>
-                <a:cs typeface="Liberation Sans" pitchFamily="34"/>
-              </a:rPr>
-              <a:t>X</a:t>
-            </a:r>
-            <a:r>
-              <a:rPr lang="en-US" i="1" baseline="-33000">
-                <a:latin typeface="Times New Roman" pitchFamily="18"/>
-                <a:cs typeface="Liberation Sans" pitchFamily="34"/>
-              </a:rPr>
-              <a:t>i</a:t>
-            </a:r>
-            <a:r>
-              <a:rPr lang="en-US">
-                <a:latin typeface="Times New Roman" pitchFamily="18"/>
-                <a:cs typeface="Liberation Sans" pitchFamily="34"/>
-              </a:rPr>
-              <a:t>)</a:t>
-            </a:r>
-            <a:r>
-              <a:rPr lang="en-US" i="1">
-                <a:latin typeface="Times New Roman" pitchFamily="18"/>
-                <a:cs typeface="Liberation Sans" pitchFamily="34"/>
-              </a:rPr>
-              <a:t> – P</a:t>
-            </a:r>
-            <a:r>
-              <a:rPr lang="en-US">
-                <a:latin typeface="Times New Roman" pitchFamily="18"/>
-                <a:cs typeface="Liberation Sans" pitchFamily="34"/>
-              </a:rPr>
-              <a:t>(</a:t>
-            </a:r>
-            <a:r>
-              <a:rPr lang="en-US" i="1">
-                <a:latin typeface="Times New Roman" pitchFamily="18"/>
-                <a:cs typeface="Liberation Sans" pitchFamily="34"/>
-              </a:rPr>
-              <a:t>X</a:t>
-            </a:r>
-            <a:r>
-              <a:rPr lang="en-US" i="1" baseline="-33000">
-                <a:latin typeface="Times New Roman" pitchFamily="18"/>
-                <a:cs typeface="Liberation Sans" pitchFamily="34"/>
-              </a:rPr>
-              <a:t>i</a:t>
-            </a:r>
-            <a:r>
-              <a:rPr lang="en-US">
-                <a:latin typeface="Times New Roman" pitchFamily="18"/>
-                <a:cs typeface="Liberation Sans" pitchFamily="34"/>
-              </a:rPr>
-              <a:t>)</a:t>
-            </a:r>
-            <a:r>
-              <a:rPr lang="en-US" i="1">
-                <a:latin typeface="Times New Roman" pitchFamily="18"/>
-                <a:cs typeface="Liberation Sans" pitchFamily="34"/>
-              </a:rPr>
-              <a:t> </a:t>
-            </a:r>
-            <a:r>
-              <a:rPr lang="en-US" i="1">
-                <a:latin typeface="Times New Roman" pitchFamily="18"/>
-                <a:ea typeface="Liberation Sans" pitchFamily="34"/>
-                <a:cs typeface="Liberation Sans" pitchFamily="34"/>
-              </a:rPr>
-              <a:t>≥</a:t>
-            </a:r>
-            <a:r>
-              <a:rPr lang="en-US" i="1">
-                <a:latin typeface="Times New Roman" pitchFamily="18"/>
-                <a:cs typeface="Liberation Sans" pitchFamily="34"/>
-              </a:rPr>
-              <a:t> V</a:t>
-            </a:r>
-            <a:r>
-              <a:rPr lang="en-US" i="1" baseline="-33000">
-                <a:latin typeface="Times New Roman" pitchFamily="18"/>
-                <a:cs typeface="Liberation Sans" pitchFamily="34"/>
-              </a:rPr>
-              <a:t>i</a:t>
-            </a:r>
-            <a:r>
-              <a:rPr lang="en-US">
-                <a:latin typeface="Times New Roman" pitchFamily="18"/>
-                <a:cs typeface="Liberation Sans" pitchFamily="34"/>
-              </a:rPr>
-              <a:t>(</a:t>
-            </a:r>
-            <a:r>
-              <a:rPr lang="en-US" i="1">
-                <a:latin typeface="Times New Roman" pitchFamily="18"/>
-                <a:cs typeface="Liberation Sans" pitchFamily="34"/>
-              </a:rPr>
-              <a:t>Y</a:t>
-            </a:r>
-            <a:r>
-              <a:rPr lang="en-US" i="1" baseline="-33000">
-                <a:latin typeface="Times New Roman" pitchFamily="18"/>
-                <a:cs typeface="Liberation Sans" pitchFamily="34"/>
-              </a:rPr>
-              <a:t>i</a:t>
-            </a:r>
-            <a:r>
-              <a:rPr lang="en-US">
-                <a:latin typeface="Times New Roman" pitchFamily="18"/>
-                <a:cs typeface="Liberation Sans" pitchFamily="34"/>
-              </a:rPr>
-              <a:t>)</a:t>
-            </a:r>
-            <a:r>
-              <a:rPr lang="en-US" i="1">
-                <a:latin typeface="Times New Roman" pitchFamily="18"/>
-                <a:cs typeface="Liberation Sans" pitchFamily="34"/>
-              </a:rPr>
-              <a:t> – P</a:t>
-            </a:r>
-            <a:r>
-              <a:rPr lang="en-US">
-                <a:latin typeface="Times New Roman" pitchFamily="18"/>
-                <a:cs typeface="Liberation Sans" pitchFamily="34"/>
-              </a:rPr>
-              <a:t>(</a:t>
-            </a:r>
-            <a:r>
-              <a:rPr lang="en-US" i="1">
-                <a:latin typeface="Times New Roman" pitchFamily="18"/>
-                <a:cs typeface="Liberation Sans" pitchFamily="34"/>
-              </a:rPr>
-              <a:t>Y</a:t>
-            </a:r>
-            <a:r>
-              <a:rPr lang="en-US" i="1" baseline="-33000">
-                <a:latin typeface="Times New Roman" pitchFamily="18"/>
-                <a:cs typeface="Liberation Sans" pitchFamily="34"/>
-              </a:rPr>
-              <a:t>i</a:t>
-            </a:r>
-            <a:r>
-              <a:rPr lang="en-US">
-                <a:latin typeface="Times New Roman" pitchFamily="18"/>
-                <a:cs typeface="Liberation Sans" pitchFamily="34"/>
-              </a:rPr>
-              <a:t>)</a:t>
-            </a:r>
-          </a:p>
-          <a:p>
-            <a:pPr lvl="0" algn="r" rtl="1"/>
-            <a:r>
-              <a:rPr lang="he-IL">
-                <a:latin typeface="Liberation Sans" pitchFamily="34"/>
-                <a:ea typeface="Liberation Sans" pitchFamily="34"/>
-                <a:cs typeface="Liberation Sans" pitchFamily="34"/>
-              </a:rPr>
-              <a:t>לכן חייב להתקיים שיוויון בכל איבר --- לכל </a:t>
-            </a:r>
-            <a:r>
-              <a:rPr lang="en-US" i="1">
-                <a:latin typeface="Times New Roman" pitchFamily="18"/>
-                <a:ea typeface="Liberation Sans" pitchFamily="34"/>
-                <a:cs typeface="Liberation Sans" pitchFamily="34"/>
-              </a:rPr>
-              <a:t>i</a:t>
-            </a:r>
-            <a:r>
-              <a:rPr lang="en-US">
-                <a:latin typeface="Liberation Sans" pitchFamily="34"/>
-                <a:ea typeface="Liberation Sans" pitchFamily="34"/>
-                <a:cs typeface="Liberation Sans" pitchFamily="34"/>
-              </a:rPr>
-              <a:t> </a:t>
-            </a:r>
-            <a:r>
-              <a:rPr lang="he-IL">
-                <a:latin typeface="Liberation Sans" pitchFamily="34"/>
-                <a:ea typeface="Liberation Sans" pitchFamily="34"/>
-                <a:cs typeface="Liberation Sans" pitchFamily="34"/>
-              </a:rPr>
-              <a:t>:</a:t>
-            </a:r>
-            <a:endParaRPr lang="en-US">
-              <a:latin typeface="Liberation Sans" pitchFamily="34"/>
+                <a:latin typeface="Courier New" panose="02070309020205020404" pitchFamily="49" charset="0"/>
+              </a:rPr>
+              <a:t>של קשתות מסוג א וקשתות מסוג ב. לכן המשקל הכולל לא משתנה. ***</a:t>
+            </a:r>
+            <a:endParaRPr lang="he-IL">
+              <a:solidFill>
+                <a:schemeClr val="tx1"/>
+              </a:solidFill>
+              <a:latin typeface="Times New Roman" pitchFamily="18"/>
               <a:ea typeface="Liberation Sans" pitchFamily="34"/>
               <a:cs typeface="Liberation Sans" pitchFamily="34"/>
+              <a:sym typeface="Wingdings" panose="05000000000000000000" pitchFamily="2" charset="2"/>
             </a:endParaRPr>
           </a:p>
-          <a:p>
-            <a:pPr lvl="0" algn="ctr"/>
-            <a:r>
-              <a:rPr lang="en-US" i="1">
-                <a:latin typeface="Times New Roman" pitchFamily="18"/>
-                <a:ea typeface="Liberation Sans" pitchFamily="34"/>
-                <a:cs typeface="Liberation Sans" pitchFamily="34"/>
-              </a:rPr>
-              <a:t>V</a:t>
-            </a:r>
-            <a:r>
-              <a:rPr lang="en-US" i="1" baseline="-33000">
-                <a:latin typeface="Times New Roman" pitchFamily="18"/>
-                <a:ea typeface="Liberation Sans" pitchFamily="34"/>
-                <a:cs typeface="Liberation Sans" pitchFamily="34"/>
-              </a:rPr>
-              <a:t>i</a:t>
-            </a:r>
-            <a:r>
-              <a:rPr lang="en-US">
-                <a:latin typeface="Times New Roman" pitchFamily="18"/>
-                <a:ea typeface="Liberation Sans" pitchFamily="34"/>
-                <a:cs typeface="Liberation Sans" pitchFamily="34"/>
-              </a:rPr>
-              <a:t>(</a:t>
-            </a:r>
-            <a:r>
-              <a:rPr lang="en-US" i="1">
-                <a:latin typeface="Times New Roman" pitchFamily="18"/>
-                <a:ea typeface="Liberation Sans" pitchFamily="34"/>
-                <a:cs typeface="Liberation Sans" pitchFamily="34"/>
-              </a:rPr>
-              <a:t>X</a:t>
-            </a:r>
-            <a:r>
-              <a:rPr lang="en-US" i="1" baseline="-33000">
-                <a:latin typeface="Times New Roman" pitchFamily="18"/>
-                <a:ea typeface="Liberation Sans" pitchFamily="34"/>
-                <a:cs typeface="Liberation Sans" pitchFamily="34"/>
-              </a:rPr>
-              <a:t>i</a:t>
-            </a:r>
-            <a:r>
-              <a:rPr lang="en-US">
-                <a:latin typeface="Times New Roman" pitchFamily="18"/>
-                <a:ea typeface="Liberation Sans" pitchFamily="34"/>
-                <a:cs typeface="Liberation Sans" pitchFamily="34"/>
-              </a:rPr>
-              <a:t>)</a:t>
-            </a:r>
-            <a:r>
-              <a:rPr lang="en-US" i="1">
-                <a:latin typeface="Times New Roman" pitchFamily="18"/>
-                <a:ea typeface="Liberation Sans" pitchFamily="34"/>
-                <a:cs typeface="Liberation Sans" pitchFamily="34"/>
-              </a:rPr>
-              <a:t> – P</a:t>
-            </a:r>
-            <a:r>
-              <a:rPr lang="en-US">
-                <a:latin typeface="Times New Roman" pitchFamily="18"/>
-                <a:ea typeface="Liberation Sans" pitchFamily="34"/>
-                <a:cs typeface="Liberation Sans" pitchFamily="34"/>
-              </a:rPr>
-              <a:t>(</a:t>
-            </a:r>
-            <a:r>
-              <a:rPr lang="en-US" i="1">
-                <a:latin typeface="Times New Roman" pitchFamily="18"/>
-                <a:ea typeface="Liberation Sans" pitchFamily="34"/>
-                <a:cs typeface="Liberation Sans" pitchFamily="34"/>
-              </a:rPr>
-              <a:t>X</a:t>
-            </a:r>
-            <a:r>
-              <a:rPr lang="en-US" i="1" baseline="-33000">
-                <a:latin typeface="Times New Roman" pitchFamily="18"/>
-                <a:ea typeface="Liberation Sans" pitchFamily="34"/>
-                <a:cs typeface="Liberation Sans" pitchFamily="34"/>
-              </a:rPr>
-              <a:t>i</a:t>
-            </a:r>
-            <a:r>
-              <a:rPr lang="en-US">
-                <a:latin typeface="Times New Roman" pitchFamily="18"/>
-                <a:ea typeface="Liberation Sans" pitchFamily="34"/>
-                <a:cs typeface="Liberation Sans" pitchFamily="34"/>
-              </a:rPr>
-              <a:t>)</a:t>
-            </a:r>
-            <a:r>
-              <a:rPr lang="en-US" i="1">
-                <a:latin typeface="Times New Roman" pitchFamily="18"/>
-                <a:ea typeface="Liberation Sans" pitchFamily="34"/>
-                <a:cs typeface="Liberation Sans" pitchFamily="34"/>
-              </a:rPr>
-              <a:t> = V</a:t>
-            </a:r>
-            <a:r>
-              <a:rPr lang="en-US" i="1" baseline="-33000">
-                <a:latin typeface="Times New Roman" pitchFamily="18"/>
-                <a:ea typeface="Liberation Sans" pitchFamily="34"/>
-                <a:cs typeface="Liberation Sans" pitchFamily="34"/>
-              </a:rPr>
-              <a:t>i</a:t>
-            </a:r>
-            <a:r>
-              <a:rPr lang="en-US">
-                <a:latin typeface="Times New Roman" pitchFamily="18"/>
-                <a:ea typeface="Liberation Sans" pitchFamily="34"/>
-                <a:cs typeface="Liberation Sans" pitchFamily="34"/>
-              </a:rPr>
-              <a:t>(</a:t>
-            </a:r>
-            <a:r>
-              <a:rPr lang="en-US" i="1">
-                <a:latin typeface="Times New Roman" pitchFamily="18"/>
-                <a:ea typeface="Liberation Sans" pitchFamily="34"/>
-                <a:cs typeface="Liberation Sans" pitchFamily="34"/>
-              </a:rPr>
-              <a:t>Y</a:t>
-            </a:r>
-            <a:r>
-              <a:rPr lang="en-US" i="1" baseline="-33000">
-                <a:latin typeface="Times New Roman" pitchFamily="18"/>
-                <a:ea typeface="Liberation Sans" pitchFamily="34"/>
-                <a:cs typeface="Liberation Sans" pitchFamily="34"/>
-              </a:rPr>
-              <a:t>i</a:t>
-            </a:r>
-            <a:r>
-              <a:rPr lang="en-US">
-                <a:latin typeface="Times New Roman" pitchFamily="18"/>
-                <a:ea typeface="Liberation Sans" pitchFamily="34"/>
-                <a:cs typeface="Liberation Sans" pitchFamily="34"/>
-              </a:rPr>
-              <a:t>)</a:t>
-            </a:r>
-            <a:r>
-              <a:rPr lang="en-US" i="1">
-                <a:latin typeface="Times New Roman" pitchFamily="18"/>
-                <a:ea typeface="Liberation Sans" pitchFamily="34"/>
-                <a:cs typeface="Liberation Sans" pitchFamily="34"/>
-              </a:rPr>
-              <a:t> – P</a:t>
-            </a:r>
-            <a:r>
-              <a:rPr lang="en-US">
-                <a:latin typeface="Times New Roman" pitchFamily="18"/>
-                <a:ea typeface="Liberation Sans" pitchFamily="34"/>
-                <a:cs typeface="Liberation Sans" pitchFamily="34"/>
-              </a:rPr>
-              <a:t>(</a:t>
-            </a:r>
-            <a:r>
-              <a:rPr lang="en-US" i="1">
-                <a:latin typeface="Times New Roman" pitchFamily="18"/>
-                <a:ea typeface="Liberation Sans" pitchFamily="34"/>
-                <a:cs typeface="Liberation Sans" pitchFamily="34"/>
-              </a:rPr>
-              <a:t>Y</a:t>
-            </a:r>
-            <a:r>
-              <a:rPr lang="en-US" i="1" baseline="-33000">
-                <a:latin typeface="Times New Roman" pitchFamily="18"/>
-                <a:ea typeface="Liberation Sans" pitchFamily="34"/>
-                <a:cs typeface="Liberation Sans" pitchFamily="34"/>
-              </a:rPr>
-              <a:t>i</a:t>
-            </a:r>
-            <a:r>
-              <a:rPr lang="en-US">
-                <a:latin typeface="Times New Roman" pitchFamily="18"/>
-                <a:ea typeface="Liberation Sans" pitchFamily="34"/>
-                <a:cs typeface="Liberation Sans" pitchFamily="34"/>
-              </a:rPr>
-              <a:t>)</a:t>
-            </a:r>
-          </a:p>
         </p:txBody>
       </p:sp>
       <p:sp>
         <p:nvSpPr>
-          <p:cNvPr id="3" name="Title 2">
-            <a:extLst>
-              <a:ext uri="{FF2B5EF4-FFF2-40B4-BE49-F238E27FC236}">
-                <a16:creationId xmlns:a16="http://schemas.microsoft.com/office/drawing/2014/main" id="{DAB0C87A-D6B1-EC65-1CEC-60AD89D2AE57}"/>
+          <p:cNvPr id="2" name="Title 1">
+            <a:extLst>
+              <a:ext uri="{FF2B5EF4-FFF2-40B4-BE49-F238E27FC236}">
+                <a16:creationId xmlns:a16="http://schemas.microsoft.com/office/drawing/2014/main" id="{BB20D3EF-794B-69F0-6FDF-486CA6FB6280}"/>
               </a:ext>
             </a:extLst>
           </p:cNvPr>
@@ -15566,12 +15759,17 @@
                 <a:latin typeface="Liberation Sans" pitchFamily="34"/>
                 <a:cs typeface="Liberation Sans" pitchFamily="34"/>
               </a:rPr>
-              <a:t>קנאה וסכום-ערכים</a:t>
+              <a:t>גרף-הקנאה</a:t>
             </a:r>
           </a:p>
         </p:txBody>
       </p:sp>
     </p:spTree>
+    <p:extLst>
+      <p:ext uri="{BB962C8B-B14F-4D97-AF65-F5344CB8AC3E}">
+        <p14:creationId xmlns:p14="http://schemas.microsoft.com/office/powerpoint/2010/main" val="2899143815"/>
+      </p:ext>
+    </p:extLst>
   </p:cSld>
   <p:clrMapOvr>
     <a:masterClrMapping/>
@@ -15580,6 +15778,3908 @@
 </file>
 
 <file path=ppt/slides/slide13.xml><?xml version="1.0" encoding="utf-8"?>
+<p:sld xmlns:a="http://schemas.openxmlformats.org/drawingml/2006/main" xmlns:r="http://schemas.openxmlformats.org/officeDocument/2006/relationships" xmlns:p="http://schemas.openxmlformats.org/presentationml/2006/main">
+  <p:cSld>
+    <p:spTree>
+      <p:nvGrpSpPr>
+        <p:cNvPr id="1" name="">
+          <a:extLst>
+            <a:ext uri="{FF2B5EF4-FFF2-40B4-BE49-F238E27FC236}">
+              <a16:creationId xmlns:a16="http://schemas.microsoft.com/office/drawing/2014/main" id="{9A440151-1C33-17BD-958B-D690C0CF4AF7}"/>
+            </a:ext>
+          </a:extLst>
+        </p:cNvPr>
+        <p:cNvGrpSpPr/>
+        <p:nvPr/>
+      </p:nvGrpSpPr>
+      <p:grpSpPr>
+        <a:xfrm>
+          <a:off x="0" y="0"/>
+          <a:ext cx="0" cy="0"/>
+          <a:chOff x="0" y="0"/>
+          <a:chExt cx="0" cy="0"/>
+        </a:xfrm>
+      </p:grpSpPr>
+      <p:sp>
+        <p:nvSpPr>
+          <p:cNvPr id="3" name="Text Placeholder 2">
+            <a:extLst>
+              <a:ext uri="{FF2B5EF4-FFF2-40B4-BE49-F238E27FC236}">
+                <a16:creationId xmlns:a16="http://schemas.microsoft.com/office/drawing/2014/main" id="{ACD2912F-25CD-836C-865C-4FBF2067C4B0}"/>
+              </a:ext>
+            </a:extLst>
+          </p:cNvPr>
+          <p:cNvSpPr txBox="1">
+            <a:spLocks noGrp="1"/>
+          </p:cNvSpPr>
+          <p:nvPr>
+            <p:ph type="body" idx="4294967295"/>
+          </p:nvPr>
+        </p:nvSpPr>
+        <p:spPr>
+          <a:xfrm>
+            <a:off x="91440" y="1126671"/>
+            <a:ext cx="9875520" cy="6188527"/>
+          </a:xfrm>
+        </p:spPr>
+        <p:txBody>
+          <a:bodyPr vert="horz">
+            <a:noAutofit/>
+          </a:bodyPr>
+          <a:lstStyle/>
+          <a:p>
+            <a:pPr lvl="0" algn="r" rtl="1"/>
+            <a:r>
+              <a:rPr lang="he-IL">
+                <a:solidFill>
+                  <a:schemeClr val="tx1"/>
+                </a:solidFill>
+                <a:latin typeface="Times New Roman" pitchFamily="18"/>
+                <a:ea typeface="Liberation Sans" pitchFamily="34"/>
+                <a:cs typeface="Liberation Sans" pitchFamily="34"/>
+              </a:rPr>
+              <a:t>נתון גרף מכוון כלשהו עם משקלים על הקשתות.</a:t>
+            </a:r>
+          </a:p>
+          <a:p>
+            <a:pPr algn="r" rtl="1">
+              <a:lnSpc>
+                <a:spcPct val="120000"/>
+              </a:lnSpc>
+              <a:spcAft>
+                <a:spcPts val="720"/>
+              </a:spcAft>
+              <a:buNone/>
+            </a:pPr>
+            <a:r>
+              <a:rPr lang="he-IL" b="1">
+                <a:solidFill>
+                  <a:schemeClr val="accent5"/>
+                </a:solidFill>
+                <a:latin typeface="Times New Roman" pitchFamily="18"/>
+                <a:ea typeface="Liberation Sans" pitchFamily="34"/>
+                <a:cs typeface="Liberation Sans" pitchFamily="34"/>
+              </a:rPr>
+              <a:t>הגדרה. </a:t>
+            </a:r>
+          </a:p>
+          <a:p>
+            <a:pPr algn="r" rtl="1">
+              <a:lnSpc>
+                <a:spcPct val="120000"/>
+              </a:lnSpc>
+              <a:spcAft>
+                <a:spcPts val="720"/>
+              </a:spcAft>
+              <a:buNone/>
+            </a:pPr>
+            <a:r>
+              <a:rPr lang="he-IL" b="0">
+                <a:solidFill>
+                  <a:schemeClr val="accent5"/>
+                </a:solidFill>
+                <a:effectLst/>
+                <a:latin typeface="David CLM" panose="02000603000000000000" pitchFamily="2" charset="-79"/>
+              </a:rPr>
+              <a:t>א</a:t>
+            </a:r>
+            <a:r>
+              <a:rPr lang="he-IL" b="0">
+                <a:solidFill>
+                  <a:schemeClr val="accent5"/>
+                </a:solidFill>
+                <a:effectLst/>
+                <a:latin typeface="Courier New" panose="02070309020205020404" pitchFamily="49" charset="0"/>
+              </a:rPr>
+              <a:t>. </a:t>
+            </a:r>
+            <a:r>
+              <a:rPr lang="he-IL" b="1">
+                <a:solidFill>
+                  <a:schemeClr val="accent5"/>
+                </a:solidFill>
+                <a:effectLst/>
+                <a:latin typeface="David CLM" panose="02000603000000000000" pitchFamily="2" charset="-79"/>
+              </a:rPr>
+              <a:t>המשקל הממוצע </a:t>
+            </a:r>
+            <a:r>
+              <a:rPr lang="he-IL">
+                <a:solidFill>
+                  <a:schemeClr val="accent5"/>
+                </a:solidFill>
+                <a:effectLst/>
+                <a:latin typeface="David CLM" panose="02000603000000000000" pitchFamily="2" charset="-79"/>
+              </a:rPr>
+              <a:t>של מעגל מכוון בגרף הוא סכום המשקלים על קשתות המעגל</a:t>
+            </a:r>
+            <a:r>
+              <a:rPr lang="he-IL">
+                <a:solidFill>
+                  <a:schemeClr val="accent5"/>
+                </a:solidFill>
+                <a:effectLst/>
+                <a:latin typeface="Courier New" panose="02070309020205020404" pitchFamily="49" charset="0"/>
+              </a:rPr>
+              <a:t>, </a:t>
+            </a:r>
+            <a:r>
+              <a:rPr lang="he-IL">
+                <a:solidFill>
+                  <a:schemeClr val="accent5"/>
+                </a:solidFill>
+                <a:effectLst/>
+                <a:latin typeface="David CLM" panose="02000603000000000000" pitchFamily="2" charset="-79"/>
+              </a:rPr>
+              <a:t>מחולק במספר הקשתות</a:t>
+            </a:r>
+            <a:r>
+              <a:rPr lang="en-US">
+                <a:solidFill>
+                  <a:schemeClr val="accent5"/>
+                </a:solidFill>
+                <a:effectLst/>
+                <a:latin typeface="Courier New" panose="02070309020205020404" pitchFamily="49" charset="0"/>
+              </a:rPr>
+              <a:t>.</a:t>
+            </a:r>
+          </a:p>
+          <a:p>
+            <a:pPr algn="r" rtl="1">
+              <a:lnSpc>
+                <a:spcPct val="120000"/>
+              </a:lnSpc>
+              <a:spcAft>
+                <a:spcPts val="720"/>
+              </a:spcAft>
+            </a:pPr>
+            <a:r>
+              <a:rPr lang="he-IL" b="0">
+                <a:solidFill>
+                  <a:schemeClr val="accent5"/>
+                </a:solidFill>
+                <a:effectLst/>
+                <a:latin typeface="David CLM" panose="02000603000000000000" pitchFamily="2" charset="-79"/>
+              </a:rPr>
+              <a:t>ב</a:t>
+            </a:r>
+            <a:r>
+              <a:rPr lang="he-IL" b="0">
+                <a:solidFill>
+                  <a:schemeClr val="accent5"/>
+                </a:solidFill>
+                <a:effectLst/>
+                <a:latin typeface="Courier New" panose="02070309020205020404" pitchFamily="49" charset="0"/>
+              </a:rPr>
+              <a:t>. </a:t>
+            </a:r>
+            <a:r>
+              <a:rPr lang="he-IL" b="0">
+                <a:solidFill>
+                  <a:schemeClr val="accent5"/>
+                </a:solidFill>
+                <a:effectLst/>
+                <a:latin typeface="David CLM" panose="02000603000000000000" pitchFamily="2" charset="-79"/>
+              </a:rPr>
+              <a:t>משקל המעגל הממוצע הגדול ביותר </a:t>
+            </a:r>
+            <a:r>
+              <a:rPr lang="he-IL" b="0">
+                <a:solidFill>
+                  <a:schemeClr val="accent5"/>
+                </a:solidFill>
+                <a:effectLst/>
+                <a:latin typeface="Courier New" panose="02070309020205020404" pitchFamily="49" charset="0"/>
+              </a:rPr>
+              <a:t>(</a:t>
+            </a:r>
+            <a:r>
+              <a:rPr lang="he-IL" b="1">
+                <a:solidFill>
+                  <a:schemeClr val="accent5"/>
+                </a:solidFill>
+                <a:effectLst/>
+                <a:latin typeface="David CLM" panose="02000603000000000000" pitchFamily="2" charset="-79"/>
+              </a:rPr>
+              <a:t>מממג</a:t>
+            </a:r>
+            <a:r>
+              <a:rPr lang="en-US" b="1">
+                <a:solidFill>
+                  <a:schemeClr val="accent5"/>
+                </a:solidFill>
+                <a:effectLst/>
+                <a:latin typeface="Courier New" panose="02070309020205020404" pitchFamily="49" charset="0"/>
+              </a:rPr>
+              <a:t>"</a:t>
+            </a:r>
+            <a:r>
+              <a:rPr lang="he-IL" b="1">
+                <a:solidFill>
+                  <a:schemeClr val="accent5"/>
+                </a:solidFill>
+                <a:effectLst/>
+                <a:latin typeface="David CLM" panose="02000603000000000000" pitchFamily="2" charset="-79"/>
+              </a:rPr>
+              <a:t>ב</a:t>
+            </a:r>
+            <a:r>
+              <a:rPr lang="he-IL" b="0">
+                <a:solidFill>
+                  <a:schemeClr val="accent5"/>
+                </a:solidFill>
+                <a:effectLst/>
+                <a:latin typeface="Courier New" panose="02070309020205020404" pitchFamily="49" charset="0"/>
+              </a:rPr>
+              <a:t>, </a:t>
+            </a:r>
+            <a:r>
+              <a:rPr lang="en-US" b="0">
+                <a:solidFill>
+                  <a:schemeClr val="accent5"/>
+                </a:solidFill>
+                <a:effectLst/>
+                <a:latin typeface="Courier New" panose="02070309020205020404" pitchFamily="49" charset="0"/>
+              </a:rPr>
+              <a:t>maximum average cycle weight</a:t>
+            </a:r>
+            <a:r>
+              <a:rPr lang="he-IL" b="0">
+                <a:solidFill>
+                  <a:schemeClr val="accent5"/>
+                </a:solidFill>
+                <a:effectLst/>
+                <a:latin typeface="Courier New" panose="02070309020205020404" pitchFamily="49" charset="0"/>
+              </a:rPr>
+              <a:t>) </a:t>
+            </a:r>
+            <a:r>
+              <a:rPr lang="he-IL" b="0">
+                <a:solidFill>
+                  <a:schemeClr val="accent5"/>
+                </a:solidFill>
+                <a:effectLst/>
+                <a:latin typeface="David CLM" panose="02000603000000000000" pitchFamily="2" charset="-79"/>
+              </a:rPr>
+              <a:t>הוא המקסימום על</a:t>
+            </a:r>
+            <a:r>
+              <a:rPr lang="he-IL" b="0">
+                <a:solidFill>
+                  <a:schemeClr val="accent5"/>
+                </a:solidFill>
+                <a:effectLst/>
+                <a:latin typeface="Courier New" panose="02070309020205020404" pitchFamily="49" charset="0"/>
+              </a:rPr>
+              <a:t> </a:t>
+            </a:r>
+            <a:r>
+              <a:rPr lang="he-IL" b="0">
+                <a:solidFill>
+                  <a:schemeClr val="accent5"/>
+                </a:solidFill>
+                <a:effectLst/>
+                <a:latin typeface="David CLM" panose="02000603000000000000" pitchFamily="2" charset="-79"/>
+              </a:rPr>
+              <a:t>כל המעגלים המכוונים</a:t>
+            </a:r>
+            <a:r>
+              <a:rPr lang="he-IL" b="0">
+                <a:solidFill>
+                  <a:schemeClr val="accent5"/>
+                </a:solidFill>
+                <a:effectLst/>
+                <a:latin typeface="Courier New" panose="02070309020205020404" pitchFamily="49" charset="0"/>
+              </a:rPr>
+              <a:t>, </a:t>
+            </a:r>
+            <a:r>
+              <a:rPr lang="he-IL" b="0">
+                <a:solidFill>
+                  <a:schemeClr val="accent5"/>
+                </a:solidFill>
+                <a:effectLst/>
+                <a:latin typeface="David CLM" panose="02000603000000000000" pitchFamily="2" charset="-79"/>
+              </a:rPr>
+              <a:t>של המשקל הממוצע של המעגל</a:t>
+            </a:r>
+            <a:r>
+              <a:rPr lang="en-US" b="0">
+                <a:solidFill>
+                  <a:schemeClr val="accent5"/>
+                </a:solidFill>
+                <a:effectLst/>
+                <a:latin typeface="Courier New" panose="02070309020205020404" pitchFamily="49" charset="0"/>
+              </a:rPr>
+              <a:t>.</a:t>
+            </a:r>
+            <a:endParaRPr lang="en-US">
+              <a:solidFill>
+                <a:schemeClr val="accent5"/>
+              </a:solidFill>
+              <a:effectLst/>
+              <a:latin typeface="Courier New" panose="02070309020205020404" pitchFamily="49" charset="0"/>
+            </a:endParaRPr>
+          </a:p>
+          <a:p>
+            <a:pPr lvl="0" algn="l"/>
+            <a:endParaRPr lang="en-US">
+              <a:solidFill>
+                <a:schemeClr val="accent5"/>
+              </a:solidFill>
+              <a:latin typeface="Times New Roman" pitchFamily="18"/>
+              <a:ea typeface="Liberation Sans" pitchFamily="34"/>
+              <a:cs typeface="Liberation Sans" pitchFamily="34"/>
+              <a:sym typeface="Wingdings" panose="05000000000000000000" pitchFamily="2" charset="2"/>
+            </a:endParaRPr>
+          </a:p>
+          <a:p>
+            <a:pPr lvl="0" algn="r" rtl="1"/>
+            <a:endParaRPr lang="he-IL">
+              <a:solidFill>
+                <a:schemeClr val="accent1"/>
+              </a:solidFill>
+              <a:latin typeface="Times New Roman" pitchFamily="18"/>
+              <a:ea typeface="Liberation Sans" pitchFamily="34"/>
+              <a:cs typeface="Liberation Sans" pitchFamily="34"/>
+              <a:sym typeface="Wingdings" panose="05000000000000000000" pitchFamily="2" charset="2"/>
+            </a:endParaRPr>
+          </a:p>
+          <a:p>
+            <a:pPr lvl="0" algn="r" rtl="1"/>
+            <a:endParaRPr lang="he-IL">
+              <a:solidFill>
+                <a:schemeClr val="tx1"/>
+              </a:solidFill>
+              <a:latin typeface="Times New Roman" pitchFamily="18"/>
+              <a:ea typeface="Liberation Sans" pitchFamily="34"/>
+              <a:cs typeface="Liberation Sans" pitchFamily="34"/>
+              <a:sym typeface="Wingdings" panose="05000000000000000000" pitchFamily="2" charset="2"/>
+            </a:endParaRPr>
+          </a:p>
+        </p:txBody>
+      </p:sp>
+      <p:sp>
+        <p:nvSpPr>
+          <p:cNvPr id="2" name="Title 1">
+            <a:extLst>
+              <a:ext uri="{FF2B5EF4-FFF2-40B4-BE49-F238E27FC236}">
+                <a16:creationId xmlns:a16="http://schemas.microsoft.com/office/drawing/2014/main" id="{11A239CF-9CF5-4EFE-9DF3-8C27531BE897}"/>
+              </a:ext>
+            </a:extLst>
+          </p:cNvPr>
+          <p:cNvSpPr txBox="1">
+            <a:spLocks noGrp="1"/>
+          </p:cNvSpPr>
+          <p:nvPr>
+            <p:ph type="title" idx="4294967295"/>
+          </p:nvPr>
+        </p:nvSpPr>
+        <p:spPr>
+          <a:xfrm>
+            <a:off x="0" y="0"/>
+            <a:ext cx="10080720" cy="914400"/>
+          </a:xfrm>
+        </p:spPr>
+        <p:txBody>
+          <a:bodyPr vert="horz"/>
+          <a:lstStyle/>
+          <a:p>
+            <a:pPr lvl="0" rtl="1"/>
+            <a:r>
+              <a:rPr lang="he-IL" sz="5400">
+                <a:latin typeface="Liberation Sans" pitchFamily="34"/>
+                <a:cs typeface="Liberation Sans" pitchFamily="34"/>
+              </a:rPr>
+              <a:t>משקל מעגל ממוצע גדול ביותר</a:t>
+            </a:r>
+          </a:p>
+        </p:txBody>
+      </p:sp>
+    </p:spTree>
+    <p:extLst>
+      <p:ext uri="{BB962C8B-B14F-4D97-AF65-F5344CB8AC3E}">
+        <p14:creationId xmlns:p14="http://schemas.microsoft.com/office/powerpoint/2010/main" val="1947548802"/>
+      </p:ext>
+    </p:extLst>
+  </p:cSld>
+  <p:clrMapOvr>
+    <a:masterClrMapping/>
+  </p:clrMapOvr>
+</p:sld>
+</file>
+
+<file path=ppt/slides/slide14.xml><?xml version="1.0" encoding="utf-8"?>
+<p:sld xmlns:a="http://schemas.openxmlformats.org/drawingml/2006/main" xmlns:r="http://schemas.openxmlformats.org/officeDocument/2006/relationships" xmlns:p="http://schemas.openxmlformats.org/presentationml/2006/main">
+  <p:cSld>
+    <p:spTree>
+      <p:nvGrpSpPr>
+        <p:cNvPr id="1" name="">
+          <a:extLst>
+            <a:ext uri="{FF2B5EF4-FFF2-40B4-BE49-F238E27FC236}">
+              <a16:creationId xmlns:a16="http://schemas.microsoft.com/office/drawing/2014/main" id="{A3697BAD-9FB6-CDA9-ECA9-48A42570EA8B}"/>
+            </a:ext>
+          </a:extLst>
+        </p:cNvPr>
+        <p:cNvGrpSpPr/>
+        <p:nvPr/>
+      </p:nvGrpSpPr>
+      <p:grpSpPr>
+        <a:xfrm>
+          <a:off x="0" y="0"/>
+          <a:ext cx="0" cy="0"/>
+          <a:chOff x="0" y="0"/>
+          <a:chExt cx="0" cy="0"/>
+        </a:xfrm>
+      </p:grpSpPr>
+      <p:sp>
+        <p:nvSpPr>
+          <p:cNvPr id="3" name="Text Placeholder 2">
+            <a:extLst>
+              <a:ext uri="{FF2B5EF4-FFF2-40B4-BE49-F238E27FC236}">
+                <a16:creationId xmlns:a16="http://schemas.microsoft.com/office/drawing/2014/main" id="{147D9B9C-A594-0A24-71E3-A8C0E9EFB684}"/>
+              </a:ext>
+            </a:extLst>
+          </p:cNvPr>
+          <p:cNvSpPr txBox="1">
+            <a:spLocks noGrp="1"/>
+          </p:cNvSpPr>
+          <p:nvPr>
+            <p:ph type="body" idx="4294967295"/>
+          </p:nvPr>
+        </p:nvSpPr>
+        <p:spPr>
+          <a:xfrm>
+            <a:off x="91440" y="1158877"/>
+            <a:ext cx="9989185" cy="6400798"/>
+          </a:xfrm>
+        </p:spPr>
+        <p:txBody>
+          <a:bodyPr vert="horz">
+            <a:noAutofit/>
+          </a:bodyPr>
+          <a:lstStyle/>
+          <a:p>
+            <a:pPr algn="r" rtl="1">
+              <a:lnSpc>
+                <a:spcPct val="100000"/>
+              </a:lnSpc>
+              <a:spcAft>
+                <a:spcPts val="720"/>
+              </a:spcAft>
+              <a:buNone/>
+            </a:pPr>
+            <a:r>
+              <a:rPr lang="he-IL" b="1">
+                <a:solidFill>
+                  <a:schemeClr val="accent1"/>
+                </a:solidFill>
+                <a:latin typeface="Times New Roman" pitchFamily="18"/>
+                <a:ea typeface="Liberation Sans" pitchFamily="34"/>
+                <a:cs typeface="Liberation Sans" pitchFamily="34"/>
+                <a:sym typeface="Wingdings" panose="05000000000000000000" pitchFamily="2" charset="2"/>
+              </a:rPr>
+              <a:t>משפט</a:t>
+            </a:r>
+            <a:r>
+              <a:rPr lang="he-IL">
+                <a:solidFill>
+                  <a:schemeClr val="accent1"/>
+                </a:solidFill>
+                <a:latin typeface="Times New Roman" pitchFamily="18"/>
+                <a:ea typeface="Liberation Sans" pitchFamily="34"/>
+                <a:cs typeface="Liberation Sans" pitchFamily="34"/>
+                <a:sym typeface="Wingdings" panose="05000000000000000000" pitchFamily="2" charset="2"/>
+              </a:rPr>
+              <a:t>. </a:t>
+            </a:r>
+            <a:r>
+              <a:rPr lang="he-IL">
+                <a:solidFill>
+                  <a:schemeClr val="accent1"/>
+                </a:solidFill>
+                <a:effectLst/>
+                <a:latin typeface="David CLM" panose="02000603000000000000" pitchFamily="2" charset="-79"/>
+              </a:rPr>
+              <a:t>נתונה השמה כלשהי של חדרים לשחקנים</a:t>
+            </a:r>
+            <a:r>
+              <a:rPr lang="he-IL">
+                <a:solidFill>
+                  <a:schemeClr val="accent1"/>
+                </a:solidFill>
+                <a:effectLst/>
+                <a:latin typeface="Courier New" panose="02070309020205020404" pitchFamily="49" charset="0"/>
+              </a:rPr>
+              <a:t>. </a:t>
+            </a:r>
+            <a:r>
+              <a:rPr lang="he-IL">
+                <a:solidFill>
+                  <a:schemeClr val="accent1"/>
+                </a:solidFill>
+                <a:effectLst/>
+                <a:latin typeface="David CLM" panose="02000603000000000000" pitchFamily="2" charset="-79"/>
+              </a:rPr>
+              <a:t>יהי</a:t>
+            </a:r>
+            <a:r>
+              <a:rPr lang="en-US">
+                <a:solidFill>
+                  <a:schemeClr val="accent1"/>
+                </a:solidFill>
+                <a:effectLst/>
+                <a:latin typeface="Courier New" panose="02070309020205020404" pitchFamily="49" charset="0"/>
+              </a:rPr>
+              <a:t>W </a:t>
+            </a:r>
+            <a:r>
+              <a:rPr lang="he-IL">
+                <a:solidFill>
+                  <a:schemeClr val="accent1"/>
+                </a:solidFill>
+                <a:effectLst/>
+                <a:latin typeface="David CLM" panose="02000603000000000000" pitchFamily="2" charset="-79"/>
+              </a:rPr>
+              <a:t>המממג</a:t>
+            </a:r>
+            <a:r>
+              <a:rPr lang="en-US">
+                <a:solidFill>
+                  <a:schemeClr val="accent1"/>
+                </a:solidFill>
+                <a:effectLst/>
+                <a:latin typeface="Courier New" panose="02070309020205020404" pitchFamily="49" charset="0"/>
+              </a:rPr>
+              <a:t>"</a:t>
+            </a:r>
+            <a:r>
+              <a:rPr lang="he-IL">
+                <a:solidFill>
+                  <a:schemeClr val="accent1"/>
+                </a:solidFill>
+                <a:effectLst/>
+                <a:latin typeface="David CLM" panose="02000603000000000000" pitchFamily="2" charset="-79"/>
+              </a:rPr>
+              <a:t>ב של גרף</a:t>
+            </a:r>
+            <a:r>
+              <a:rPr lang="en-US">
+                <a:solidFill>
+                  <a:schemeClr val="accent1"/>
+                </a:solidFill>
+                <a:effectLst/>
+                <a:latin typeface="Courier New" panose="02070309020205020404" pitchFamily="49" charset="0"/>
+              </a:rPr>
+              <a:t>-</a:t>
+            </a:r>
+            <a:r>
+              <a:rPr lang="he-IL">
+                <a:solidFill>
+                  <a:schemeClr val="accent1"/>
+                </a:solidFill>
+                <a:effectLst/>
+                <a:latin typeface="David CLM" panose="02000603000000000000" pitchFamily="2" charset="-79"/>
+              </a:rPr>
+              <a:t>הקנאה</a:t>
+            </a:r>
+            <a:r>
+              <a:rPr lang="en-US">
+                <a:solidFill>
+                  <a:schemeClr val="accent1"/>
+                </a:solidFill>
+                <a:effectLst/>
+                <a:latin typeface="Courier New" panose="02070309020205020404" pitchFamily="49" charset="0"/>
+              </a:rPr>
+              <a:t>.</a:t>
+            </a:r>
+            <a:br>
+              <a:rPr lang="en-US">
+                <a:solidFill>
+                  <a:schemeClr val="accent1"/>
+                </a:solidFill>
+                <a:effectLst/>
+                <a:latin typeface="Courier New" panose="02070309020205020404" pitchFamily="49" charset="0"/>
+              </a:rPr>
+            </a:br>
+            <a:r>
+              <a:rPr lang="he-IL">
+                <a:solidFill>
+                  <a:schemeClr val="accent1"/>
+                </a:solidFill>
+                <a:effectLst/>
+                <a:latin typeface="David CLM" panose="02000603000000000000" pitchFamily="2" charset="-79"/>
+              </a:rPr>
+              <a:t>א</a:t>
+            </a:r>
+            <a:r>
+              <a:rPr lang="he-IL">
+                <a:solidFill>
+                  <a:schemeClr val="accent1"/>
+                </a:solidFill>
+                <a:effectLst/>
+                <a:latin typeface="Courier New" panose="02070309020205020404" pitchFamily="49" charset="0"/>
+              </a:rPr>
+              <a:t>. ב</a:t>
+            </a:r>
+            <a:r>
+              <a:rPr lang="he-IL">
+                <a:solidFill>
+                  <a:schemeClr val="accent1"/>
+                </a:solidFill>
+                <a:effectLst/>
+                <a:latin typeface="David CLM" panose="02000603000000000000" pitchFamily="2" charset="-79"/>
+              </a:rPr>
+              <a:t>כל תמחור, קיים שחקן שרמת הקנאה שלו לפחות </a:t>
+            </a:r>
+            <a:r>
+              <a:rPr lang="en-US">
+                <a:solidFill>
+                  <a:schemeClr val="accent1"/>
+                </a:solidFill>
+                <a:effectLst/>
+                <a:latin typeface="Courier New" panose="02070309020205020404" pitchFamily="49" charset="0"/>
+              </a:rPr>
+              <a:t>W</a:t>
+            </a:r>
+            <a:r>
+              <a:rPr lang="he-IL">
+                <a:solidFill>
+                  <a:schemeClr val="accent1"/>
+                </a:solidFill>
+                <a:effectLst/>
+                <a:latin typeface="Courier New" panose="02070309020205020404" pitchFamily="49" charset="0"/>
+              </a:rPr>
+              <a:t>.</a:t>
+            </a:r>
+            <a:br>
+              <a:rPr lang="en-US">
+                <a:solidFill>
+                  <a:schemeClr val="accent1"/>
+                </a:solidFill>
+                <a:effectLst/>
+                <a:latin typeface="Courier New" panose="02070309020205020404" pitchFamily="49" charset="0"/>
+              </a:rPr>
+            </a:br>
+            <a:r>
+              <a:rPr lang="he-IL">
+                <a:solidFill>
+                  <a:schemeClr val="accent1"/>
+                </a:solidFill>
+                <a:effectLst/>
+                <a:latin typeface="David CLM" panose="02000603000000000000" pitchFamily="2" charset="-79"/>
+              </a:rPr>
+              <a:t>ב</a:t>
+            </a:r>
+            <a:r>
+              <a:rPr lang="he-IL">
+                <a:solidFill>
+                  <a:schemeClr val="accent1"/>
+                </a:solidFill>
+                <a:effectLst/>
+                <a:latin typeface="Courier New" panose="02070309020205020404" pitchFamily="49" charset="0"/>
+              </a:rPr>
+              <a:t>. </a:t>
+            </a:r>
+            <a:r>
+              <a:rPr lang="he-IL">
+                <a:solidFill>
+                  <a:schemeClr val="accent1"/>
+                </a:solidFill>
+                <a:effectLst/>
+                <a:latin typeface="David CLM" panose="02000603000000000000" pitchFamily="2" charset="-79"/>
+              </a:rPr>
+              <a:t>קיים תמחור, שבו רמת הקנאה של כל שחקן לכל היותר </a:t>
+            </a:r>
+            <a:r>
+              <a:rPr lang="en-US">
+                <a:solidFill>
+                  <a:schemeClr val="accent1"/>
+                </a:solidFill>
+                <a:effectLst/>
+                <a:latin typeface="Courier New" panose="02070309020205020404" pitchFamily="49" charset="0"/>
+              </a:rPr>
+              <a:t>W</a:t>
+            </a:r>
+            <a:r>
+              <a:rPr lang="he-IL">
+                <a:solidFill>
+                  <a:schemeClr val="accent1"/>
+                </a:solidFill>
+                <a:effectLst/>
+                <a:latin typeface="Courier New" panose="02070309020205020404" pitchFamily="49" charset="0"/>
+              </a:rPr>
+              <a:t>.</a:t>
+            </a:r>
+            <a:r>
+              <a:rPr lang="he-IL">
+                <a:solidFill>
+                  <a:schemeClr val="accent1"/>
+                </a:solidFill>
+                <a:effectLst/>
+                <a:latin typeface="David CLM" panose="02000603000000000000" pitchFamily="2" charset="-79"/>
+              </a:rPr>
+              <a:t> </a:t>
+            </a:r>
+          </a:p>
+          <a:p>
+            <a:pPr algn="r" rtl="1">
+              <a:spcAft>
+                <a:spcPts val="720"/>
+              </a:spcAft>
+            </a:pPr>
+            <a:r>
+              <a:rPr lang="he-IL" b="1">
+                <a:solidFill>
+                  <a:schemeClr val="tx1"/>
+                </a:solidFill>
+                <a:latin typeface="Times New Roman" pitchFamily="18"/>
+                <a:ea typeface="Liberation Sans" pitchFamily="34"/>
+                <a:cs typeface="Liberation Sans" pitchFamily="34"/>
+                <a:sym typeface="Wingdings" panose="05000000000000000000" pitchFamily="2" charset="2"/>
+              </a:rPr>
+              <a:t>הוכחה</a:t>
+            </a:r>
+            <a:r>
+              <a:rPr lang="he-IL">
+                <a:solidFill>
+                  <a:schemeClr val="tx1"/>
+                </a:solidFill>
+                <a:latin typeface="Times New Roman" pitchFamily="18"/>
+                <a:ea typeface="Liberation Sans" pitchFamily="34"/>
+                <a:cs typeface="Liberation Sans" pitchFamily="34"/>
+                <a:sym typeface="Wingdings" panose="05000000000000000000" pitchFamily="2" charset="2"/>
+              </a:rPr>
+              <a:t>.</a:t>
+            </a:r>
+            <a:r>
+              <a:rPr lang="he-IL">
+                <a:effectLst/>
+                <a:latin typeface="David CLM" panose="02000603000000000000" pitchFamily="2" charset="-79"/>
+              </a:rPr>
+              <a:t> א. לפי טענת</a:t>
+            </a:r>
+            <a:r>
+              <a:rPr lang="en-US">
+                <a:effectLst/>
+                <a:latin typeface="Courier New" panose="02070309020205020404" pitchFamily="49" charset="0"/>
+              </a:rPr>
+              <a:t>-</a:t>
+            </a:r>
+            <a:r>
+              <a:rPr lang="he-IL">
+                <a:effectLst/>
+                <a:latin typeface="Courier New" panose="02070309020205020404" pitchFamily="49" charset="0"/>
+              </a:rPr>
+              <a:t>ה</a:t>
+            </a:r>
+            <a:r>
+              <a:rPr lang="he-IL">
+                <a:effectLst/>
+                <a:latin typeface="David CLM" panose="02000603000000000000" pitchFamily="2" charset="-79"/>
+              </a:rPr>
+              <a:t>עזר</a:t>
+            </a:r>
+            <a:r>
+              <a:rPr lang="he-IL">
+                <a:effectLst/>
+                <a:latin typeface="Courier New" panose="02070309020205020404" pitchFamily="49" charset="0"/>
+              </a:rPr>
+              <a:t>, </a:t>
+            </a:r>
+            <a:r>
+              <a:rPr lang="he-IL">
+                <a:effectLst/>
+                <a:latin typeface="David CLM" panose="02000603000000000000" pitchFamily="2" charset="-79"/>
+              </a:rPr>
+              <a:t>בכל תמחור, המשקל הממוצע של כל מעגל נשאר ללא שינוי. בפרט</a:t>
+            </a:r>
+            <a:r>
+              <a:rPr lang="he-IL">
+                <a:effectLst/>
+                <a:latin typeface="Courier New" panose="02070309020205020404" pitchFamily="49" charset="0"/>
+              </a:rPr>
+              <a:t>, </a:t>
+            </a:r>
+            <a:r>
+              <a:rPr lang="he-IL">
+                <a:effectLst/>
+                <a:latin typeface="David CLM" panose="02000603000000000000" pitchFamily="2" charset="-79"/>
+              </a:rPr>
+              <a:t>קיים מעגל כלשהו עם משקל ממוצע </a:t>
+            </a:r>
+            <a:r>
+              <a:rPr lang="en-US">
+                <a:effectLst/>
+                <a:latin typeface="David CLM" panose="02000603000000000000" pitchFamily="2" charset="-79"/>
+              </a:rPr>
+              <a:t>W</a:t>
+            </a:r>
+            <a:r>
+              <a:rPr lang="he-IL">
+                <a:effectLst/>
+                <a:latin typeface="David CLM" panose="02000603000000000000" pitchFamily="2" charset="-79"/>
+              </a:rPr>
+              <a:t>. לפי כלל שובך היונים</a:t>
+            </a:r>
+            <a:r>
+              <a:rPr lang="he-IL">
+                <a:effectLst/>
+                <a:latin typeface="Courier New" panose="02070309020205020404" pitchFamily="49" charset="0"/>
+              </a:rPr>
+              <a:t>, </a:t>
+            </a:r>
+            <a:r>
+              <a:rPr lang="he-IL">
+                <a:effectLst/>
+                <a:latin typeface="David CLM" panose="02000603000000000000" pitchFamily="2" charset="-79"/>
+              </a:rPr>
+              <a:t>יש קשת שמשקלה לפחות </a:t>
+            </a:r>
+            <a:r>
+              <a:rPr lang="en-US">
+                <a:effectLst/>
+                <a:latin typeface="David CLM" panose="02000603000000000000" pitchFamily="2" charset="-79"/>
+              </a:rPr>
+              <a:t>W</a:t>
+            </a:r>
+            <a:r>
+              <a:rPr lang="he-IL">
+                <a:effectLst/>
+                <a:latin typeface="David CLM" panose="02000603000000000000" pitchFamily="2" charset="-79"/>
+              </a:rPr>
+              <a:t>. קשת זו מייצגת שחקן שרמת הקנאה שלו בשחקן אחר </a:t>
+            </a:r>
+            <a:r>
+              <a:rPr lang="he-IL">
+                <a:effectLst/>
+                <a:latin typeface="Courier New" panose="02070309020205020404" pitchFamily="49" charset="0"/>
+              </a:rPr>
+              <a:t>(</a:t>
+            </a:r>
+            <a:r>
+              <a:rPr lang="he-IL">
+                <a:effectLst/>
+                <a:latin typeface="David CLM" panose="02000603000000000000" pitchFamily="2" charset="-79"/>
+              </a:rPr>
+              <a:t>שבא אחריו במעגל</a:t>
+            </a:r>
+            <a:r>
+              <a:rPr lang="he-IL">
+                <a:effectLst/>
+                <a:latin typeface="Courier New" panose="02070309020205020404" pitchFamily="49" charset="0"/>
+              </a:rPr>
+              <a:t>) </a:t>
+            </a:r>
+            <a:r>
+              <a:rPr lang="he-IL">
+                <a:effectLst/>
+                <a:latin typeface="David CLM" panose="02000603000000000000" pitchFamily="2" charset="-79"/>
+              </a:rPr>
+              <a:t>היא לפחות </a:t>
+            </a:r>
+            <a:r>
+              <a:rPr lang="en-US">
+                <a:effectLst/>
+                <a:latin typeface="Courier New" panose="02070309020205020404" pitchFamily="49" charset="0"/>
+              </a:rPr>
+              <a:t>W</a:t>
+            </a:r>
+            <a:r>
+              <a:rPr lang="he-IL">
+                <a:effectLst/>
+                <a:latin typeface="Courier New" panose="02070309020205020404" pitchFamily="49" charset="0"/>
+              </a:rPr>
+              <a:t>.</a:t>
+            </a:r>
+          </a:p>
+          <a:p>
+            <a:pPr algn="r" rtl="1">
+              <a:spcAft>
+                <a:spcPts val="720"/>
+              </a:spcAft>
+            </a:pPr>
+            <a:r>
+              <a:rPr lang="he-IL">
+                <a:solidFill>
+                  <a:schemeClr val="tx1"/>
+                </a:solidFill>
+                <a:effectLst/>
+                <a:latin typeface="Times New Roman" pitchFamily="18"/>
+                <a:ea typeface="Liberation Sans" pitchFamily="34"/>
+                <a:cs typeface="Liberation Sans" pitchFamily="34"/>
+                <a:sym typeface="Wingdings" panose="05000000000000000000" pitchFamily="2" charset="2"/>
+              </a:rPr>
+              <a:t>ב. </a:t>
+            </a:r>
+            <a:endParaRPr lang="en-US">
+              <a:effectLst/>
+              <a:latin typeface="Courier New" panose="02070309020205020404" pitchFamily="49" charset="0"/>
+            </a:endParaRPr>
+          </a:p>
+        </p:txBody>
+      </p:sp>
+      <p:sp>
+        <p:nvSpPr>
+          <p:cNvPr id="2" name="Title 1">
+            <a:extLst>
+              <a:ext uri="{FF2B5EF4-FFF2-40B4-BE49-F238E27FC236}">
+                <a16:creationId xmlns:a16="http://schemas.microsoft.com/office/drawing/2014/main" id="{CDF12895-499D-9FC5-D481-963EBA44EEDA}"/>
+              </a:ext>
+            </a:extLst>
+          </p:cNvPr>
+          <p:cNvSpPr txBox="1">
+            <a:spLocks noGrp="1"/>
+          </p:cNvSpPr>
+          <p:nvPr>
+            <p:ph type="title" idx="4294967295"/>
+          </p:nvPr>
+        </p:nvSpPr>
+        <p:spPr>
+          <a:xfrm>
+            <a:off x="0" y="0"/>
+            <a:ext cx="10080720" cy="914400"/>
+          </a:xfrm>
+        </p:spPr>
+        <p:txBody>
+          <a:bodyPr vert="horz"/>
+          <a:lstStyle/>
+          <a:p>
+            <a:pPr lvl="0" rtl="1"/>
+            <a:r>
+              <a:rPr lang="he-IL" sz="5400">
+                <a:latin typeface="Liberation Sans" pitchFamily="34"/>
+                <a:cs typeface="Liberation Sans" pitchFamily="34"/>
+              </a:rPr>
+              <a:t>מממג"ב וקנאה</a:t>
+            </a:r>
+          </a:p>
+        </p:txBody>
+      </p:sp>
+    </p:spTree>
+    <p:extLst>
+      <p:ext uri="{BB962C8B-B14F-4D97-AF65-F5344CB8AC3E}">
+        <p14:creationId xmlns:p14="http://schemas.microsoft.com/office/powerpoint/2010/main" val="3952348561"/>
+      </p:ext>
+    </p:extLst>
+  </p:cSld>
+  <p:clrMapOvr>
+    <a:masterClrMapping/>
+  </p:clrMapOvr>
+</p:sld>
+</file>
+
+<file path=ppt/slides/slide15.xml><?xml version="1.0" encoding="utf-8"?>
+<p:sld xmlns:a="http://schemas.openxmlformats.org/drawingml/2006/main" xmlns:r="http://schemas.openxmlformats.org/officeDocument/2006/relationships" xmlns:p="http://schemas.openxmlformats.org/presentationml/2006/main">
+  <p:cSld>
+    <p:spTree>
+      <p:nvGrpSpPr>
+        <p:cNvPr id="1" name="">
+          <a:extLst>
+            <a:ext uri="{FF2B5EF4-FFF2-40B4-BE49-F238E27FC236}">
+              <a16:creationId xmlns:a16="http://schemas.microsoft.com/office/drawing/2014/main" id="{CDD2103A-FA5B-012D-D34C-1D54243F56BA}"/>
+            </a:ext>
+          </a:extLst>
+        </p:cNvPr>
+        <p:cNvGrpSpPr/>
+        <p:nvPr/>
+      </p:nvGrpSpPr>
+      <p:grpSpPr>
+        <a:xfrm>
+          <a:off x="0" y="0"/>
+          <a:ext cx="0" cy="0"/>
+          <a:chOff x="0" y="0"/>
+          <a:chExt cx="0" cy="0"/>
+        </a:xfrm>
+      </p:grpSpPr>
+      <p:sp>
+        <p:nvSpPr>
+          <p:cNvPr id="3" name="Text Placeholder 2">
+            <a:extLst>
+              <a:ext uri="{FF2B5EF4-FFF2-40B4-BE49-F238E27FC236}">
+                <a16:creationId xmlns:a16="http://schemas.microsoft.com/office/drawing/2014/main" id="{0AC4BA58-CCFE-2E02-8D4B-ECCB6801C8BB}"/>
+              </a:ext>
+            </a:extLst>
+          </p:cNvPr>
+          <p:cNvSpPr txBox="1">
+            <a:spLocks noGrp="1"/>
+          </p:cNvSpPr>
+          <p:nvPr>
+            <p:ph type="body" idx="4294967295"/>
+          </p:nvPr>
+        </p:nvSpPr>
+        <p:spPr>
+          <a:xfrm>
+            <a:off x="91439" y="914399"/>
+            <a:ext cx="9989185" cy="6955971"/>
+          </a:xfrm>
+        </p:spPr>
+        <p:txBody>
+          <a:bodyPr vert="horz">
+            <a:noAutofit/>
+          </a:bodyPr>
+          <a:lstStyle/>
+          <a:p>
+            <a:pPr algn="r" rtl="1">
+              <a:spcAft>
+                <a:spcPts val="720"/>
+              </a:spcAft>
+              <a:buNone/>
+            </a:pPr>
+            <a:r>
+              <a:rPr lang="he-IL" b="1">
+                <a:solidFill>
+                  <a:schemeClr val="accent6"/>
+                </a:solidFill>
+                <a:latin typeface="Times New Roman" pitchFamily="18"/>
+                <a:ea typeface="Liberation Sans" pitchFamily="34"/>
+                <a:cs typeface="Liberation Sans" pitchFamily="34"/>
+                <a:sym typeface="Wingdings" panose="05000000000000000000" pitchFamily="2" charset="2"/>
+              </a:rPr>
+              <a:t>הוכחה</a:t>
+            </a:r>
+            <a:r>
+              <a:rPr lang="he-IL">
+                <a:solidFill>
+                  <a:schemeClr val="accent6"/>
+                </a:solidFill>
+                <a:latin typeface="Times New Roman" pitchFamily="18"/>
+                <a:ea typeface="Liberation Sans" pitchFamily="34"/>
+                <a:cs typeface="Liberation Sans" pitchFamily="34"/>
+                <a:sym typeface="Wingdings" panose="05000000000000000000" pitchFamily="2" charset="2"/>
+              </a:rPr>
+              <a:t>.</a:t>
+            </a:r>
+            <a:r>
+              <a:rPr lang="he-IL">
+                <a:solidFill>
+                  <a:schemeClr val="accent6"/>
+                </a:solidFill>
+                <a:effectLst/>
+                <a:latin typeface="David CLM" panose="02000603000000000000" pitchFamily="2" charset="-79"/>
+              </a:rPr>
+              <a:t> ב. ניצור גרף</a:t>
+            </a:r>
+            <a:r>
+              <a:rPr lang="en-US">
+                <a:solidFill>
+                  <a:schemeClr val="accent6"/>
+                </a:solidFill>
+                <a:effectLst/>
+                <a:latin typeface="Courier New" panose="02070309020205020404" pitchFamily="49" charset="0"/>
+              </a:rPr>
+              <a:t>-</a:t>
+            </a:r>
+            <a:r>
+              <a:rPr lang="he-IL">
+                <a:solidFill>
+                  <a:schemeClr val="accent6"/>
+                </a:solidFill>
+                <a:effectLst/>
+                <a:latin typeface="David CLM" panose="02000603000000000000" pitchFamily="2" charset="-79"/>
+              </a:rPr>
+              <a:t>עזר</a:t>
+            </a:r>
+            <a:r>
+              <a:rPr lang="he-IL">
+                <a:solidFill>
+                  <a:schemeClr val="accent6"/>
+                </a:solidFill>
+                <a:effectLst/>
+                <a:latin typeface="Courier New" panose="02070309020205020404" pitchFamily="49" charset="0"/>
+              </a:rPr>
+              <a:t>, </a:t>
+            </a:r>
+            <a:r>
+              <a:rPr lang="he-IL">
+                <a:solidFill>
+                  <a:schemeClr val="accent6"/>
+                </a:solidFill>
+                <a:effectLst/>
+                <a:latin typeface="David CLM" panose="02000603000000000000" pitchFamily="2" charset="-79"/>
+              </a:rPr>
+              <a:t>שבו המשקל של כל קשת הוא כמשקלה בגרף המקורי פחות </a:t>
+            </a:r>
+            <a:r>
+              <a:rPr lang="en-US">
+                <a:solidFill>
+                  <a:schemeClr val="accent6"/>
+                </a:solidFill>
+                <a:effectLst/>
+                <a:latin typeface="David CLM" panose="02000603000000000000" pitchFamily="2" charset="-79"/>
+              </a:rPr>
+              <a:t>W</a:t>
+            </a:r>
+            <a:r>
+              <a:rPr lang="he-IL">
+                <a:solidFill>
+                  <a:schemeClr val="accent6"/>
+                </a:solidFill>
+                <a:effectLst/>
+                <a:latin typeface="David CLM" panose="02000603000000000000" pitchFamily="2" charset="-79"/>
+              </a:rPr>
+              <a:t>. בגרף-העזר המשקל של כל מעגל לכל היותר 0 – אין מעגלים עם משקל חיובי.</a:t>
+            </a:r>
+          </a:p>
+          <a:p>
+            <a:pPr algn="r" rtl="1">
+              <a:spcBef>
+                <a:spcPts val="600"/>
+              </a:spcBef>
+              <a:spcAft>
+                <a:spcPts val="600"/>
+              </a:spcAft>
+              <a:buNone/>
+            </a:pPr>
+            <a:r>
+              <a:rPr lang="he-IL">
+                <a:solidFill>
+                  <a:schemeClr val="accent1"/>
+                </a:solidFill>
+                <a:effectLst/>
+                <a:latin typeface="David CLM" panose="02000603000000000000" pitchFamily="2" charset="-79"/>
+              </a:rPr>
+              <a:t>עבור כל צומת</a:t>
+            </a:r>
+            <a:r>
+              <a:rPr lang="en-US">
+                <a:solidFill>
+                  <a:schemeClr val="accent1"/>
+                </a:solidFill>
+                <a:effectLst/>
+                <a:latin typeface="Courier New" panose="02070309020205020404" pitchFamily="49" charset="0"/>
+              </a:rPr>
+              <a:t>j </a:t>
+            </a:r>
+            <a:r>
+              <a:rPr lang="he-IL">
+                <a:solidFill>
+                  <a:schemeClr val="accent1"/>
+                </a:solidFill>
+                <a:effectLst/>
+                <a:latin typeface="Courier New" panose="02070309020205020404" pitchFamily="49" charset="0"/>
+              </a:rPr>
+              <a:t> </a:t>
+            </a:r>
+            <a:r>
+              <a:rPr lang="he-IL">
+                <a:solidFill>
+                  <a:schemeClr val="accent1"/>
+                </a:solidFill>
+                <a:effectLst/>
+                <a:latin typeface="David CLM" panose="02000603000000000000" pitchFamily="2" charset="-79"/>
+              </a:rPr>
+              <a:t>בגרף</a:t>
+            </a:r>
+            <a:r>
+              <a:rPr lang="en-US">
+                <a:solidFill>
+                  <a:schemeClr val="accent1"/>
+                </a:solidFill>
+                <a:effectLst/>
+                <a:latin typeface="Courier New" panose="02070309020205020404" pitchFamily="49" charset="0"/>
+              </a:rPr>
+              <a:t>-</a:t>
+            </a:r>
+            <a:r>
+              <a:rPr lang="he-IL">
+                <a:solidFill>
+                  <a:schemeClr val="accent1"/>
+                </a:solidFill>
+                <a:effectLst/>
+                <a:latin typeface="David CLM" panose="02000603000000000000" pitchFamily="2" charset="-79"/>
+              </a:rPr>
+              <a:t>העזר</a:t>
+            </a:r>
+            <a:r>
+              <a:rPr lang="he-IL">
+                <a:solidFill>
+                  <a:schemeClr val="accent1"/>
+                </a:solidFill>
+                <a:effectLst/>
+                <a:latin typeface="Courier New" panose="02070309020205020404" pitchFamily="49" charset="0"/>
+              </a:rPr>
+              <a:t> נחשב </a:t>
+            </a:r>
+            <a:r>
+              <a:rPr lang="he-IL" b="1">
+                <a:solidFill>
+                  <a:schemeClr val="accent1"/>
+                </a:solidFill>
+                <a:effectLst/>
+                <a:latin typeface="David CLM" panose="02000603000000000000" pitchFamily="2" charset="-79"/>
+              </a:rPr>
+              <a:t>מסלול כבד ביותר </a:t>
+            </a:r>
+            <a:r>
+              <a:rPr lang="he-IL">
+                <a:solidFill>
+                  <a:schemeClr val="accent1"/>
+                </a:solidFill>
+                <a:effectLst/>
+                <a:latin typeface="David CLM" panose="02000603000000000000" pitchFamily="2" charset="-79"/>
+              </a:rPr>
+              <a:t>היוצא מהצומת</a:t>
+            </a:r>
+            <a:r>
+              <a:rPr lang="he-IL">
+                <a:solidFill>
+                  <a:schemeClr val="accent1"/>
+                </a:solidFill>
+                <a:effectLst/>
+                <a:latin typeface="Courier New" panose="02070309020205020404" pitchFamily="49" charset="0"/>
+              </a:rPr>
+              <a:t> (</a:t>
+            </a:r>
+            <a:r>
+              <a:rPr lang="he-IL">
+                <a:solidFill>
+                  <a:schemeClr val="accent1"/>
+                </a:solidFill>
+                <a:effectLst/>
+                <a:latin typeface="David CLM" panose="02000603000000000000" pitchFamily="2" charset="-79"/>
+              </a:rPr>
+              <a:t>מוגדר היטב כי אין מעגל עם משקל חיובי); נסמנו </a:t>
+            </a:r>
+            <a:r>
+              <a:rPr lang="en-US" b="1">
+                <a:solidFill>
+                  <a:schemeClr val="accent1"/>
+                </a:solidFill>
+                <a:effectLst/>
+                <a:latin typeface="David CLM" panose="02000603000000000000" pitchFamily="2" charset="-79"/>
+              </a:rPr>
+              <a:t>P</a:t>
+            </a:r>
+            <a:r>
+              <a:rPr lang="en-US" b="1" baseline="-25000">
+                <a:solidFill>
+                  <a:schemeClr val="accent1"/>
+                </a:solidFill>
+                <a:effectLst/>
+                <a:latin typeface="David CLM" panose="02000603000000000000" pitchFamily="2" charset="-79"/>
+              </a:rPr>
+              <a:t>j</a:t>
+            </a:r>
+            <a:r>
+              <a:rPr lang="he-IL" b="1" baseline="-25000">
+                <a:solidFill>
+                  <a:schemeClr val="accent1"/>
+                </a:solidFill>
+                <a:effectLst/>
+                <a:latin typeface="David CLM" panose="02000603000000000000" pitchFamily="2" charset="-79"/>
+              </a:rPr>
+              <a:t>.</a:t>
+            </a:r>
+            <a:r>
+              <a:rPr lang="he-IL">
+                <a:solidFill>
+                  <a:schemeClr val="accent1"/>
+                </a:solidFill>
+                <a:effectLst/>
+                <a:latin typeface="David CLM" panose="02000603000000000000" pitchFamily="2" charset="-79"/>
+              </a:rPr>
+              <a:t> ניתן לשחקן </a:t>
+            </a:r>
+            <a:r>
+              <a:rPr lang="en-US">
+                <a:solidFill>
+                  <a:schemeClr val="accent1"/>
+                </a:solidFill>
+                <a:effectLst/>
+                <a:latin typeface="David CLM" panose="02000603000000000000" pitchFamily="2" charset="-79"/>
+              </a:rPr>
+              <a:t>j</a:t>
+            </a:r>
+            <a:r>
+              <a:rPr lang="he-IL">
+                <a:solidFill>
+                  <a:schemeClr val="accent1"/>
+                </a:solidFill>
+                <a:effectLst/>
+                <a:latin typeface="David CLM" panose="02000603000000000000" pitchFamily="2" charset="-79"/>
+              </a:rPr>
+              <a:t> "סובסידיה" </a:t>
+            </a:r>
+            <a:r>
+              <a:rPr lang="en-US">
+                <a:solidFill>
+                  <a:schemeClr val="accent1"/>
+                </a:solidFill>
+                <a:effectLst/>
+                <a:latin typeface="David CLM" panose="02000603000000000000" pitchFamily="2" charset="-79"/>
+              </a:rPr>
+              <a:t>weight(P</a:t>
+            </a:r>
+            <a:r>
+              <a:rPr lang="en-US" baseline="-25000">
+                <a:solidFill>
+                  <a:schemeClr val="accent1"/>
+                </a:solidFill>
+                <a:effectLst/>
+                <a:latin typeface="David CLM" panose="02000603000000000000" pitchFamily="2" charset="-79"/>
+              </a:rPr>
+              <a:t>j</a:t>
+            </a:r>
+            <a:r>
+              <a:rPr lang="en-US">
+                <a:solidFill>
+                  <a:schemeClr val="accent1"/>
+                </a:solidFill>
+                <a:effectLst/>
+                <a:latin typeface="David CLM" panose="02000603000000000000" pitchFamily="2" charset="-79"/>
+              </a:rPr>
+              <a:t>)</a:t>
+            </a:r>
+            <a:r>
+              <a:rPr lang="he-IL">
+                <a:solidFill>
+                  <a:schemeClr val="accent1"/>
+                </a:solidFill>
+                <a:effectLst/>
+                <a:latin typeface="David CLM" panose="02000603000000000000" pitchFamily="2" charset="-79"/>
+              </a:rPr>
+              <a:t>. </a:t>
+            </a:r>
+          </a:p>
+          <a:p>
+            <a:pPr algn="r" rtl="1">
+              <a:spcBef>
+                <a:spcPts val="600"/>
+              </a:spcBef>
+              <a:spcAft>
+                <a:spcPts val="600"/>
+              </a:spcAft>
+              <a:buNone/>
+            </a:pPr>
+            <a:r>
+              <a:rPr lang="he-IL">
+                <a:solidFill>
+                  <a:schemeClr val="accent5"/>
+                </a:solidFill>
+                <a:latin typeface="Courier New" panose="02070309020205020404" pitchFamily="49" charset="0"/>
+              </a:rPr>
+              <a:t>משקל המסלול </a:t>
+            </a:r>
+            <a:r>
+              <a:rPr lang="en-US">
+                <a:solidFill>
+                  <a:schemeClr val="accent5"/>
+                </a:solidFill>
+                <a:effectLst/>
+                <a:latin typeface="Courier New" panose="02070309020205020404" pitchFamily="49" charset="0"/>
+              </a:rPr>
+              <a:t>i</a:t>
+            </a:r>
+            <a:r>
+              <a:rPr lang="he-IL">
+                <a:solidFill>
+                  <a:schemeClr val="accent5"/>
+                </a:solidFill>
+                <a:effectLst/>
+                <a:latin typeface="Courier New" panose="02070309020205020404" pitchFamily="49" charset="0"/>
+              </a:rPr>
+              <a:t> </a:t>
+            </a:r>
+            <a:r>
+              <a:rPr lang="he-IL">
+                <a:solidFill>
+                  <a:schemeClr val="accent5"/>
+                </a:solidFill>
+                <a:latin typeface="David CLM" panose="02000603000000000000" pitchFamily="2" charset="-79"/>
+                <a:sym typeface="Wingdings" panose="05000000000000000000" pitchFamily="2" charset="2"/>
+              </a:rPr>
+              <a:t></a:t>
+            </a:r>
+            <a:r>
+              <a:rPr lang="he-IL">
+                <a:solidFill>
+                  <a:schemeClr val="accent5"/>
+                </a:solidFill>
+                <a:effectLst/>
+                <a:latin typeface="David CLM" panose="02000603000000000000" pitchFamily="2" charset="-79"/>
+              </a:rPr>
+              <a:t> </a:t>
+            </a:r>
+            <a:r>
+              <a:rPr lang="en-US">
+                <a:solidFill>
+                  <a:schemeClr val="accent5"/>
+                </a:solidFill>
+                <a:effectLst/>
+                <a:latin typeface="Courier New" panose="02070309020205020404" pitchFamily="49" charset="0"/>
+              </a:rPr>
+              <a:t>j</a:t>
+            </a:r>
+            <a:r>
+              <a:rPr lang="he-IL">
+                <a:solidFill>
+                  <a:schemeClr val="accent5"/>
+                </a:solidFill>
+                <a:latin typeface="David CLM" panose="02000603000000000000" pitchFamily="2" charset="-79"/>
+              </a:rPr>
+              <a:t> </a:t>
+            </a:r>
+            <a:r>
+              <a:rPr lang="he-IL">
+                <a:solidFill>
+                  <a:schemeClr val="accent5"/>
+                </a:solidFill>
+                <a:latin typeface="David CLM" panose="02000603000000000000" pitchFamily="2" charset="-79"/>
+                <a:sym typeface="Wingdings" panose="05000000000000000000" pitchFamily="2" charset="2"/>
+              </a:rPr>
+              <a:t> [</a:t>
+            </a:r>
+            <a:r>
+              <a:rPr lang="en-US">
+                <a:solidFill>
+                  <a:schemeClr val="accent5"/>
+                </a:solidFill>
+                <a:latin typeface="David CLM" panose="02000603000000000000" pitchFamily="2" charset="-79"/>
+                <a:sym typeface="Wingdings" panose="05000000000000000000" pitchFamily="2" charset="2"/>
+              </a:rPr>
+              <a:t>P</a:t>
+            </a:r>
+            <a:r>
+              <a:rPr lang="en-US" baseline="-25000">
+                <a:solidFill>
+                  <a:schemeClr val="accent5"/>
+                </a:solidFill>
+                <a:latin typeface="David CLM" panose="02000603000000000000" pitchFamily="2" charset="-79"/>
+                <a:sym typeface="Wingdings" panose="05000000000000000000" pitchFamily="2" charset="2"/>
+              </a:rPr>
+              <a:t>j</a:t>
+            </a:r>
+            <a:r>
+              <a:rPr lang="he-IL">
+                <a:solidFill>
+                  <a:schemeClr val="accent5"/>
+                </a:solidFill>
+                <a:latin typeface="David CLM" panose="02000603000000000000" pitchFamily="2" charset="-79"/>
+                <a:sym typeface="Wingdings" panose="05000000000000000000" pitchFamily="2" charset="2"/>
+              </a:rPr>
+              <a:t>] הוא </a:t>
+            </a:r>
+            <a:r>
+              <a:rPr lang="en-US">
+                <a:solidFill>
+                  <a:schemeClr val="accent5"/>
+                </a:solidFill>
+                <a:effectLst/>
+                <a:latin typeface="Courier New" panose="02070309020205020404" pitchFamily="49" charset="0"/>
+              </a:rPr>
+              <a:t>E(i,j)+weight(P</a:t>
+            </a:r>
+            <a:r>
+              <a:rPr lang="en-US" baseline="-25000">
+                <a:solidFill>
+                  <a:schemeClr val="accent5"/>
+                </a:solidFill>
+                <a:effectLst/>
+                <a:latin typeface="Courier New" panose="02070309020205020404" pitchFamily="49" charset="0"/>
+              </a:rPr>
+              <a:t>j</a:t>
+            </a:r>
+            <a:r>
+              <a:rPr lang="en-US">
+                <a:solidFill>
+                  <a:schemeClr val="accent5"/>
+                </a:solidFill>
+                <a:effectLst/>
+                <a:latin typeface="Courier New" panose="02070309020205020404" pitchFamily="49" charset="0"/>
+              </a:rPr>
+              <a:t>)</a:t>
+            </a:r>
+            <a:r>
+              <a:rPr lang="he-IL">
+                <a:solidFill>
+                  <a:schemeClr val="accent5"/>
+                </a:solidFill>
+                <a:effectLst/>
+                <a:latin typeface="Courier New" panose="02070309020205020404" pitchFamily="49" charset="0"/>
+              </a:rPr>
+              <a:t>.</a:t>
+            </a:r>
+            <a:br>
+              <a:rPr lang="en-US">
+                <a:solidFill>
+                  <a:schemeClr val="accent5"/>
+                </a:solidFill>
+                <a:effectLst/>
+                <a:latin typeface="Courier New" panose="02070309020205020404" pitchFamily="49" charset="0"/>
+              </a:rPr>
+            </a:br>
+            <a:r>
+              <a:rPr lang="he-IL">
+                <a:solidFill>
+                  <a:schemeClr val="accent5"/>
+                </a:solidFill>
+                <a:latin typeface="Courier New" panose="02070309020205020404" pitchFamily="49" charset="0"/>
+              </a:rPr>
+              <a:t>אבל </a:t>
+            </a:r>
+            <a:r>
+              <a:rPr lang="en-US">
+                <a:solidFill>
+                  <a:schemeClr val="accent5"/>
+                </a:solidFill>
+                <a:latin typeface="Courier New" panose="02070309020205020404" pitchFamily="49" charset="0"/>
+              </a:rPr>
+              <a:t>P</a:t>
+            </a:r>
+            <a:r>
+              <a:rPr lang="en-US" baseline="-25000">
+                <a:solidFill>
+                  <a:schemeClr val="accent5"/>
+                </a:solidFill>
+                <a:latin typeface="Courier New" panose="02070309020205020404" pitchFamily="49" charset="0"/>
+              </a:rPr>
+              <a:t>i</a:t>
+            </a:r>
+            <a:r>
+              <a:rPr lang="he-IL">
+                <a:solidFill>
+                  <a:schemeClr val="accent5"/>
+                </a:solidFill>
+                <a:latin typeface="Courier New" panose="02070309020205020404" pitchFamily="49" charset="0"/>
+              </a:rPr>
+              <a:t> כבד יותר:</a:t>
+            </a:r>
+            <a:r>
+              <a:rPr lang="en-US">
+                <a:solidFill>
+                  <a:schemeClr val="accent5"/>
+                </a:solidFill>
+                <a:latin typeface="Courier New" panose="02070309020205020404" pitchFamily="49" charset="0"/>
+              </a:rPr>
+              <a:t> </a:t>
+            </a:r>
+            <a:endParaRPr lang="he-IL">
+              <a:solidFill>
+                <a:schemeClr val="accent5"/>
+              </a:solidFill>
+              <a:latin typeface="Courier New" panose="02070309020205020404" pitchFamily="49" charset="0"/>
+            </a:endParaRPr>
+          </a:p>
+          <a:p>
+            <a:pPr algn="l">
+              <a:spcBef>
+                <a:spcPts val="600"/>
+              </a:spcBef>
+              <a:spcAft>
+                <a:spcPts val="600"/>
+              </a:spcAft>
+              <a:buNone/>
+            </a:pPr>
+            <a:r>
+              <a:rPr lang="en-US">
+                <a:solidFill>
+                  <a:schemeClr val="accent5"/>
+                </a:solidFill>
+                <a:latin typeface="Courier New" panose="02070309020205020404" pitchFamily="49" charset="0"/>
+              </a:rPr>
+              <a:t>weight(P</a:t>
+            </a:r>
+            <a:r>
+              <a:rPr lang="en-US" baseline="-25000">
+                <a:solidFill>
+                  <a:schemeClr val="accent5"/>
+                </a:solidFill>
+                <a:latin typeface="Courier New" panose="02070309020205020404" pitchFamily="49" charset="0"/>
+              </a:rPr>
+              <a:t>i</a:t>
+            </a:r>
+            <a:r>
+              <a:rPr lang="en-US">
+                <a:solidFill>
+                  <a:schemeClr val="accent5"/>
+                </a:solidFill>
+                <a:latin typeface="Courier New" panose="02070309020205020404" pitchFamily="49" charset="0"/>
+              </a:rPr>
+              <a:t>) ≥ </a:t>
+            </a:r>
+            <a:r>
+              <a:rPr lang="he-IL">
+                <a:solidFill>
+                  <a:schemeClr val="accent5"/>
+                </a:solidFill>
+                <a:latin typeface="Courier New" panose="02070309020205020404" pitchFamily="49" charset="0"/>
+              </a:rPr>
+              <a:t>  </a:t>
+            </a:r>
+            <a:r>
+              <a:rPr lang="en-US">
+                <a:solidFill>
+                  <a:schemeClr val="accent5"/>
+                </a:solidFill>
+                <a:latin typeface="Courier New" panose="02070309020205020404" pitchFamily="49" charset="0"/>
+              </a:rPr>
+              <a:t>E(i,j) + weight(P</a:t>
+            </a:r>
+            <a:r>
+              <a:rPr lang="en-US" baseline="-25000">
+                <a:solidFill>
+                  <a:schemeClr val="accent5"/>
+                </a:solidFill>
+                <a:latin typeface="Courier New" panose="02070309020205020404" pitchFamily="49" charset="0"/>
+              </a:rPr>
+              <a:t>j</a:t>
+            </a:r>
+            <a:r>
+              <a:rPr lang="en-US">
+                <a:solidFill>
+                  <a:schemeClr val="accent5"/>
+                </a:solidFill>
+                <a:latin typeface="Courier New" panose="02070309020205020404" pitchFamily="49" charset="0"/>
+              </a:rPr>
+              <a:t>);</a:t>
+            </a:r>
+            <a:br>
+              <a:rPr lang="en-US">
+                <a:solidFill>
+                  <a:schemeClr val="accent5"/>
+                </a:solidFill>
+                <a:latin typeface="Courier New" panose="02070309020205020404" pitchFamily="49" charset="0"/>
+              </a:rPr>
+            </a:br>
+            <a:r>
+              <a:rPr lang="en-US">
+                <a:solidFill>
+                  <a:schemeClr val="accent5"/>
+                </a:solidFill>
+                <a:latin typeface="Courier New" panose="02070309020205020404" pitchFamily="49" charset="0"/>
+              </a:rPr>
+              <a:t>E(i,j) ≤ weight(P</a:t>
+            </a:r>
+            <a:r>
+              <a:rPr lang="en-US" baseline="-25000">
+                <a:solidFill>
+                  <a:schemeClr val="accent5"/>
+                </a:solidFill>
+                <a:latin typeface="Courier New" panose="02070309020205020404" pitchFamily="49" charset="0"/>
+              </a:rPr>
+              <a:t>i</a:t>
+            </a:r>
+            <a:r>
+              <a:rPr lang="en-US">
+                <a:solidFill>
+                  <a:schemeClr val="accent5"/>
+                </a:solidFill>
+                <a:latin typeface="Courier New" panose="02070309020205020404" pitchFamily="49" charset="0"/>
+              </a:rPr>
+              <a:t>) - weight(P</a:t>
+            </a:r>
+            <a:r>
+              <a:rPr lang="en-US" baseline="-25000">
+                <a:solidFill>
+                  <a:schemeClr val="accent5"/>
+                </a:solidFill>
+                <a:latin typeface="Courier New" panose="02070309020205020404" pitchFamily="49" charset="0"/>
+              </a:rPr>
+              <a:t>j</a:t>
+            </a:r>
+            <a:r>
+              <a:rPr lang="en-US">
+                <a:solidFill>
+                  <a:schemeClr val="accent5"/>
+                </a:solidFill>
+                <a:latin typeface="Courier New" panose="02070309020205020404" pitchFamily="49" charset="0"/>
+              </a:rPr>
+              <a:t>).</a:t>
+            </a:r>
+          </a:p>
+          <a:p>
+            <a:pPr algn="r" rtl="1">
+              <a:spcBef>
+                <a:spcPts val="600"/>
+              </a:spcBef>
+              <a:spcAft>
+                <a:spcPts val="600"/>
+              </a:spcAft>
+              <a:buNone/>
+            </a:pPr>
+            <a:r>
+              <a:rPr lang="he-IL">
+                <a:solidFill>
+                  <a:schemeClr val="accent3"/>
+                </a:solidFill>
+                <a:effectLst/>
+                <a:latin typeface="Courier New" panose="02070309020205020404" pitchFamily="49" charset="0"/>
+              </a:rPr>
+              <a:t>לכן</a:t>
+            </a:r>
+            <a:r>
+              <a:rPr lang="he-IL">
+                <a:solidFill>
+                  <a:schemeClr val="accent3"/>
+                </a:solidFill>
+                <a:latin typeface="Courier New" panose="02070309020205020404" pitchFamily="49" charset="0"/>
+              </a:rPr>
+              <a:t> התשלומים מבטלים את הקנאה בגרף-העזר. לכן בגרף המקורי, רמת הקנאה היא לכל היותר </a:t>
+            </a:r>
+            <a:r>
+              <a:rPr lang="en-US">
+                <a:solidFill>
+                  <a:schemeClr val="accent3"/>
+                </a:solidFill>
+                <a:latin typeface="Courier New" panose="02070309020205020404" pitchFamily="49" charset="0"/>
+              </a:rPr>
+              <a:t>W</a:t>
+            </a:r>
+            <a:r>
+              <a:rPr lang="he-IL">
+                <a:solidFill>
+                  <a:schemeClr val="accent3"/>
+                </a:solidFill>
+                <a:latin typeface="Courier New" panose="02070309020205020404" pitchFamily="49" charset="0"/>
+              </a:rPr>
+              <a:t>.   </a:t>
+            </a:r>
+          </a:p>
+        </p:txBody>
+      </p:sp>
+      <p:sp>
+        <p:nvSpPr>
+          <p:cNvPr id="2" name="Title 1">
+            <a:extLst>
+              <a:ext uri="{FF2B5EF4-FFF2-40B4-BE49-F238E27FC236}">
+                <a16:creationId xmlns:a16="http://schemas.microsoft.com/office/drawing/2014/main" id="{7C2324B2-EAC5-0BDB-0E7A-E181EADE8202}"/>
+              </a:ext>
+            </a:extLst>
+          </p:cNvPr>
+          <p:cNvSpPr txBox="1">
+            <a:spLocks noGrp="1"/>
+          </p:cNvSpPr>
+          <p:nvPr>
+            <p:ph type="title" idx="4294967295"/>
+          </p:nvPr>
+        </p:nvSpPr>
+        <p:spPr>
+          <a:xfrm>
+            <a:off x="0" y="0"/>
+            <a:ext cx="10080720" cy="914400"/>
+          </a:xfrm>
+        </p:spPr>
+        <p:txBody>
+          <a:bodyPr vert="horz"/>
+          <a:lstStyle/>
+          <a:p>
+            <a:pPr lvl="0" rtl="1"/>
+            <a:r>
+              <a:rPr lang="he-IL" sz="5400">
+                <a:latin typeface="Liberation Sans" pitchFamily="34"/>
+                <a:cs typeface="Liberation Sans" pitchFamily="34"/>
+              </a:rPr>
+              <a:t>מממג"ב וקנאה</a:t>
+            </a:r>
+          </a:p>
+        </p:txBody>
+      </p:sp>
+    </p:spTree>
+    <p:extLst>
+      <p:ext uri="{BB962C8B-B14F-4D97-AF65-F5344CB8AC3E}">
+        <p14:creationId xmlns:p14="http://schemas.microsoft.com/office/powerpoint/2010/main" val="1252945212"/>
+      </p:ext>
+    </p:extLst>
+  </p:cSld>
+  <p:clrMapOvr>
+    <a:masterClrMapping/>
+  </p:clrMapOvr>
+</p:sld>
+</file>
+
+<file path=ppt/slides/slide16.xml><?xml version="1.0" encoding="utf-8"?>
+<p:sld xmlns:a="http://schemas.openxmlformats.org/drawingml/2006/main" xmlns:r="http://schemas.openxmlformats.org/officeDocument/2006/relationships" xmlns:p="http://schemas.openxmlformats.org/presentationml/2006/main">
+  <p:cSld>
+    <p:spTree>
+      <p:nvGrpSpPr>
+        <p:cNvPr id="1" name="">
+          <a:extLst>
+            <a:ext uri="{FF2B5EF4-FFF2-40B4-BE49-F238E27FC236}">
+              <a16:creationId xmlns:a16="http://schemas.microsoft.com/office/drawing/2014/main" id="{CE69C740-B8B9-836E-BE1F-75A644DAE634}"/>
+            </a:ext>
+          </a:extLst>
+        </p:cNvPr>
+        <p:cNvGrpSpPr/>
+        <p:nvPr/>
+      </p:nvGrpSpPr>
+      <p:grpSpPr>
+        <a:xfrm>
+          <a:off x="0" y="0"/>
+          <a:ext cx="0" cy="0"/>
+          <a:chOff x="0" y="0"/>
+          <a:chExt cx="0" cy="0"/>
+        </a:xfrm>
+      </p:grpSpPr>
+      <p:sp>
+        <p:nvSpPr>
+          <p:cNvPr id="3" name="Text Placeholder 2">
+            <a:extLst>
+              <a:ext uri="{FF2B5EF4-FFF2-40B4-BE49-F238E27FC236}">
+                <a16:creationId xmlns:a16="http://schemas.microsoft.com/office/drawing/2014/main" id="{315C9A13-CE24-7701-8E4B-FD26AC27A626}"/>
+              </a:ext>
+            </a:extLst>
+          </p:cNvPr>
+          <p:cNvSpPr txBox="1">
+            <a:spLocks noGrp="1"/>
+          </p:cNvSpPr>
+          <p:nvPr>
+            <p:ph type="body" idx="4294967295"/>
+          </p:nvPr>
+        </p:nvSpPr>
+        <p:spPr>
+          <a:xfrm>
+            <a:off x="91439" y="914399"/>
+            <a:ext cx="9989185" cy="3167743"/>
+          </a:xfrm>
+        </p:spPr>
+        <p:txBody>
+          <a:bodyPr vert="horz">
+            <a:noAutofit/>
+          </a:bodyPr>
+          <a:lstStyle/>
+          <a:p>
+            <a:pPr algn="r" rtl="1">
+              <a:spcAft>
+                <a:spcPts val="720"/>
+              </a:spcAft>
+              <a:buNone/>
+            </a:pPr>
+            <a:r>
+              <a:rPr lang="he-IL">
+                <a:latin typeface="David CLM" panose="02000603000000000000" pitchFamily="2" charset="-79"/>
+              </a:rPr>
+              <a:t>ב [סיום ההוכחה]. </a:t>
+            </a:r>
+            <a:r>
+              <a:rPr lang="he-IL">
+                <a:solidFill>
+                  <a:schemeClr val="accent5"/>
+                </a:solidFill>
+                <a:effectLst/>
+                <a:latin typeface="David CLM" panose="02000603000000000000" pitchFamily="2" charset="-79"/>
+              </a:rPr>
+              <a:t>הנחנו שכל שחקן </a:t>
+            </a:r>
+            <a:r>
+              <a:rPr lang="he-IL" b="1">
+                <a:solidFill>
+                  <a:schemeClr val="accent5"/>
+                </a:solidFill>
+                <a:effectLst/>
+                <a:latin typeface="David CLM" panose="02000603000000000000" pitchFamily="2" charset="-79"/>
+              </a:rPr>
+              <a:t>מקבל </a:t>
+            </a:r>
+            <a:r>
+              <a:rPr lang="he-IL">
+                <a:solidFill>
+                  <a:schemeClr val="accent5"/>
+                </a:solidFill>
+                <a:effectLst/>
+                <a:latin typeface="David CLM" panose="02000603000000000000" pitchFamily="2" charset="-79"/>
+              </a:rPr>
+              <a:t>סובסידיה</a:t>
+            </a:r>
+            <a:r>
+              <a:rPr lang="he-IL">
+                <a:solidFill>
+                  <a:schemeClr val="accent5"/>
+                </a:solidFill>
+                <a:effectLst/>
+                <a:latin typeface="Courier New" panose="02070309020205020404" pitchFamily="49" charset="0"/>
+              </a:rPr>
+              <a:t>, </a:t>
+            </a:r>
+            <a:r>
+              <a:rPr lang="he-IL">
+                <a:solidFill>
+                  <a:schemeClr val="accent5"/>
+                </a:solidFill>
+                <a:effectLst/>
+                <a:latin typeface="David CLM" panose="02000603000000000000" pitchFamily="2" charset="-79"/>
+              </a:rPr>
+              <a:t>אבל במציאות השחקנים צריכים </a:t>
+            </a:r>
+            <a:r>
+              <a:rPr lang="he-IL" b="1">
+                <a:solidFill>
+                  <a:schemeClr val="accent5"/>
+                </a:solidFill>
+                <a:effectLst/>
+                <a:latin typeface="David CLM" panose="02000603000000000000" pitchFamily="2" charset="-79"/>
+              </a:rPr>
+              <a:t>לשלם </a:t>
+            </a:r>
+            <a:r>
+              <a:rPr lang="he-IL">
+                <a:solidFill>
+                  <a:schemeClr val="accent5"/>
+                </a:solidFill>
+                <a:effectLst/>
+                <a:latin typeface="David CLM" panose="02000603000000000000" pitchFamily="2" charset="-79"/>
+              </a:rPr>
+              <a:t>שכר</a:t>
+            </a:r>
+            <a:r>
+              <a:rPr lang="en-US">
+                <a:solidFill>
+                  <a:schemeClr val="accent5"/>
+                </a:solidFill>
+                <a:effectLst/>
+                <a:latin typeface="Courier New" panose="02070309020205020404" pitchFamily="49" charset="0"/>
+              </a:rPr>
+              <a:t>-</a:t>
+            </a:r>
+            <a:r>
+              <a:rPr lang="he-IL">
+                <a:solidFill>
+                  <a:schemeClr val="accent5"/>
+                </a:solidFill>
+                <a:effectLst/>
+                <a:latin typeface="David CLM" panose="02000603000000000000" pitchFamily="2" charset="-79"/>
+              </a:rPr>
+              <a:t>דירה</a:t>
+            </a:r>
+            <a:r>
+              <a:rPr lang="he-IL">
+                <a:solidFill>
+                  <a:schemeClr val="accent5"/>
+                </a:solidFill>
+                <a:effectLst/>
+                <a:latin typeface="Courier New" panose="02070309020205020404" pitchFamily="49" charset="0"/>
+              </a:rPr>
+              <a:t>. </a:t>
+            </a:r>
+          </a:p>
+          <a:p>
+            <a:pPr algn="r" rtl="1">
+              <a:spcAft>
+                <a:spcPts val="720"/>
+              </a:spcAft>
+              <a:buNone/>
+            </a:pPr>
+            <a:r>
+              <a:rPr lang="he-IL">
+                <a:solidFill>
+                  <a:schemeClr val="accent3"/>
+                </a:solidFill>
+                <a:effectLst/>
+                <a:latin typeface="Courier New" panose="02070309020205020404" pitchFamily="49" charset="0"/>
+              </a:rPr>
+              <a:t>כדי לתקן את זה, נגבה סכום זהה מכל השחקנים, בגובה </a:t>
+            </a:r>
+            <a:br>
+              <a:rPr lang="en-US">
+                <a:solidFill>
+                  <a:schemeClr val="accent3"/>
+                </a:solidFill>
+                <a:effectLst/>
+                <a:latin typeface="Courier New" panose="02070309020205020404" pitchFamily="49" charset="0"/>
+              </a:rPr>
+            </a:br>
+            <a:r>
+              <a:rPr lang="he-IL">
+                <a:solidFill>
+                  <a:schemeClr val="accent3"/>
+                </a:solidFill>
+                <a:effectLst/>
+                <a:latin typeface="Courier New" panose="02070309020205020404" pitchFamily="49" charset="0"/>
+              </a:rPr>
+              <a:t>(סכום הסובסידיות +</a:t>
+            </a:r>
+            <a:r>
+              <a:rPr lang="en-US">
+                <a:solidFill>
+                  <a:schemeClr val="accent3"/>
+                </a:solidFill>
+                <a:effectLst/>
+                <a:latin typeface="Courier New" panose="02070309020205020404" pitchFamily="49" charset="0"/>
+              </a:rPr>
+              <a:t> </a:t>
+            </a:r>
+            <a:r>
+              <a:rPr lang="he-IL">
+                <a:solidFill>
+                  <a:schemeClr val="accent3"/>
+                </a:solidFill>
+                <a:effectLst/>
+                <a:latin typeface="Courier New" panose="02070309020205020404" pitchFamily="49" charset="0"/>
+              </a:rPr>
+              <a:t>שכר הדירה)</a:t>
+            </a:r>
+            <a:r>
+              <a:rPr lang="en-US">
+                <a:solidFill>
+                  <a:schemeClr val="accent3"/>
+                </a:solidFill>
+                <a:effectLst/>
+                <a:latin typeface="Courier New" panose="02070309020205020404" pitchFamily="49" charset="0"/>
+              </a:rPr>
+              <a:t> </a:t>
+            </a:r>
+            <a:r>
+              <a:rPr lang="he-IL">
+                <a:solidFill>
+                  <a:schemeClr val="accent3"/>
+                </a:solidFill>
+                <a:effectLst/>
+                <a:latin typeface="Courier New" panose="02070309020205020404" pitchFamily="49" charset="0"/>
+              </a:rPr>
+              <a:t>/ (מספר השחקנים). </a:t>
+            </a:r>
+          </a:p>
+          <a:p>
+            <a:pPr algn="r" rtl="1">
+              <a:spcAft>
+                <a:spcPts val="720"/>
+              </a:spcAft>
+              <a:buNone/>
+            </a:pPr>
+            <a:r>
+              <a:rPr lang="he-IL">
+                <a:solidFill>
+                  <a:schemeClr val="accent3"/>
+                </a:solidFill>
+                <a:latin typeface="Courier New" panose="02070309020205020404" pitchFamily="49" charset="0"/>
+              </a:rPr>
+              <a:t>גביית סכום זהה מכל שחקן אינה משפיעה על </a:t>
+            </a:r>
+            <a:r>
+              <a:rPr lang="he-IL">
+                <a:solidFill>
+                  <a:schemeClr val="accent3"/>
+                </a:solidFill>
+                <a:effectLst/>
+                <a:latin typeface="Courier New" panose="02070309020205020404" pitchFamily="49" charset="0"/>
+              </a:rPr>
+              <a:t>רמת הקנאה. **</a:t>
+            </a:r>
+          </a:p>
+        </p:txBody>
+      </p:sp>
+      <p:sp>
+        <p:nvSpPr>
+          <p:cNvPr id="2" name="Title 1">
+            <a:extLst>
+              <a:ext uri="{FF2B5EF4-FFF2-40B4-BE49-F238E27FC236}">
+                <a16:creationId xmlns:a16="http://schemas.microsoft.com/office/drawing/2014/main" id="{F81534F0-044F-B4CF-2D9F-1C4348F600E8}"/>
+              </a:ext>
+            </a:extLst>
+          </p:cNvPr>
+          <p:cNvSpPr txBox="1">
+            <a:spLocks noGrp="1"/>
+          </p:cNvSpPr>
+          <p:nvPr>
+            <p:ph type="title" idx="4294967295"/>
+          </p:nvPr>
+        </p:nvSpPr>
+        <p:spPr>
+          <a:xfrm>
+            <a:off x="0" y="0"/>
+            <a:ext cx="10080720" cy="914400"/>
+          </a:xfrm>
+        </p:spPr>
+        <p:txBody>
+          <a:bodyPr vert="horz"/>
+          <a:lstStyle/>
+          <a:p>
+            <a:pPr lvl="0" rtl="1"/>
+            <a:r>
+              <a:rPr lang="he-IL" sz="5400">
+                <a:latin typeface="Liberation Sans" pitchFamily="34"/>
+                <a:cs typeface="Liberation Sans" pitchFamily="34"/>
+              </a:rPr>
+              <a:t>מממג"ב וקנאה</a:t>
+            </a:r>
+          </a:p>
+        </p:txBody>
+      </p:sp>
+      <p:sp>
+        <p:nvSpPr>
+          <p:cNvPr id="4" name="Text Placeholder 2">
+            <a:extLst>
+              <a:ext uri="{FF2B5EF4-FFF2-40B4-BE49-F238E27FC236}">
+                <a16:creationId xmlns:a16="http://schemas.microsoft.com/office/drawing/2014/main" id="{C8574623-9EF0-EB40-32BB-257CE4148AB7}"/>
+              </a:ext>
+            </a:extLst>
+          </p:cNvPr>
+          <p:cNvSpPr txBox="1">
+            <a:spLocks/>
+          </p:cNvSpPr>
+          <p:nvPr/>
+        </p:nvSpPr>
+        <p:spPr>
+          <a:xfrm>
+            <a:off x="91438" y="4391932"/>
+            <a:ext cx="9989185" cy="3167743"/>
+          </a:xfrm>
+          <a:prstGeom prst="rect">
+            <a:avLst/>
+          </a:prstGeom>
+          <a:noFill/>
+          <a:ln>
+            <a:noFill/>
+          </a:ln>
+        </p:spPr>
+        <p:txBody>
+          <a:bodyPr vert="horz" lIns="0" tIns="0" rIns="0" bIns="0">
+            <a:noAutofit/>
+          </a:bodyPr>
+          <a:lstStyle>
+            <a:lvl1pPr rtl="0" hangingPunct="0">
+              <a:spcBef>
+                <a:spcPts val="1417"/>
+              </a:spcBef>
+              <a:spcAft>
+                <a:spcPts val="0"/>
+              </a:spcAft>
+              <a:tabLst/>
+              <a:defRPr lang="en-US" sz="3200" b="0" i="0" u="none" strike="noStrike" kern="1200" cap="none">
+                <a:ln>
+                  <a:noFill/>
+                </a:ln>
+                <a:highlight>
+                  <a:scrgbClr r="0" g="0" b="0">
+                    <a:alpha val="0"/>
+                  </a:scrgbClr>
+                </a:highlight>
+                <a:latin typeface="Liberation Sans" pitchFamily="18"/>
+                <a:cs typeface="Nachlieli CLM" pitchFamily="2"/>
+              </a:defRPr>
+            </a:lvl1pPr>
+            <a:lvl2pPr marL="685800" indent="-228600" algn="l" defTabSz="914400" rtl="0" eaLnBrk="1" latinLnBrk="0" hangingPunct="1">
+              <a:lnSpc>
+                <a:spcPct val="90000"/>
+              </a:lnSpc>
+              <a:spcBef>
+                <a:spcPts val="500"/>
+              </a:spcBef>
+              <a:buFont typeface="Arial" panose="020B0604020202020204" pitchFamily="34" charset="0"/>
+              <a:buChar char="•"/>
+              <a:defRPr sz="2400" kern="1200">
+                <a:solidFill>
+                  <a:schemeClr val="tx1"/>
+                </a:solidFill>
+                <a:latin typeface="+mn-lt"/>
+                <a:ea typeface="+mn-ea"/>
+                <a:cs typeface="+mn-cs"/>
+              </a:defRPr>
+            </a:lvl2pPr>
+            <a:lvl3pPr marL="1143000" indent="-228600" algn="l" defTabSz="914400" rtl="0" eaLnBrk="1" latinLnBrk="0" hangingPunct="1">
+              <a:lnSpc>
+                <a:spcPct val="90000"/>
+              </a:lnSpc>
+              <a:spcBef>
+                <a:spcPts val="500"/>
+              </a:spcBef>
+              <a:buFont typeface="Arial" panose="020B0604020202020204" pitchFamily="34" charset="0"/>
+              <a:buChar char="•"/>
+              <a:defRPr sz="2000" kern="1200">
+                <a:solidFill>
+                  <a:schemeClr val="tx1"/>
+                </a:solidFill>
+                <a:latin typeface="+mn-lt"/>
+                <a:ea typeface="+mn-ea"/>
+                <a:cs typeface="+mn-cs"/>
+              </a:defRPr>
+            </a:lvl3pPr>
+            <a:lvl4pPr marL="1600200" indent="-228600" algn="l" defTabSz="914400" rtl="0" eaLnBrk="1" latinLnBrk="0" hangingPunct="1">
+              <a:lnSpc>
+                <a:spcPct val="90000"/>
+              </a:lnSpc>
+              <a:spcBef>
+                <a:spcPts val="500"/>
+              </a:spcBef>
+              <a:buFont typeface="Arial" panose="020B0604020202020204" pitchFamily="34" charset="0"/>
+              <a:buChar char="•"/>
+              <a:defRPr sz="1800" kern="1200">
+                <a:solidFill>
+                  <a:schemeClr val="tx1"/>
+                </a:solidFill>
+                <a:latin typeface="+mn-lt"/>
+                <a:ea typeface="+mn-ea"/>
+                <a:cs typeface="+mn-cs"/>
+              </a:defRPr>
+            </a:lvl4pPr>
+            <a:lvl5pPr marL="2057400" indent="-228600" algn="l" defTabSz="914400" rtl="0" eaLnBrk="1" latinLnBrk="0" hangingPunct="1">
+              <a:lnSpc>
+                <a:spcPct val="90000"/>
+              </a:lnSpc>
+              <a:spcBef>
+                <a:spcPts val="500"/>
+              </a:spcBef>
+              <a:buFont typeface="Arial" panose="020B0604020202020204" pitchFamily="34" charset="0"/>
+              <a:buChar char="•"/>
+              <a:defRPr sz="1800" kern="1200">
+                <a:solidFill>
+                  <a:schemeClr val="tx1"/>
+                </a:solidFill>
+                <a:latin typeface="+mn-lt"/>
+                <a:ea typeface="+mn-ea"/>
+                <a:cs typeface="+mn-cs"/>
+              </a:defRPr>
+            </a:lvl5pPr>
+            <a:lvl6pPr marL="2514600" indent="-228600" algn="l" defTabSz="914400" rtl="0" eaLnBrk="1" latinLnBrk="0" hangingPunct="1">
+              <a:lnSpc>
+                <a:spcPct val="90000"/>
+              </a:lnSpc>
+              <a:spcBef>
+                <a:spcPts val="500"/>
+              </a:spcBef>
+              <a:buFont typeface="Arial" panose="020B0604020202020204" pitchFamily="34" charset="0"/>
+              <a:buChar char="•"/>
+              <a:defRPr sz="1800" kern="1200">
+                <a:solidFill>
+                  <a:schemeClr val="tx1"/>
+                </a:solidFill>
+                <a:latin typeface="+mn-lt"/>
+                <a:ea typeface="+mn-ea"/>
+                <a:cs typeface="+mn-cs"/>
+              </a:defRPr>
+            </a:lvl6pPr>
+            <a:lvl7pPr marL="2971800" indent="-228600" algn="l" defTabSz="914400" rtl="0" eaLnBrk="1" latinLnBrk="0" hangingPunct="1">
+              <a:lnSpc>
+                <a:spcPct val="90000"/>
+              </a:lnSpc>
+              <a:spcBef>
+                <a:spcPts val="500"/>
+              </a:spcBef>
+              <a:buFont typeface="Arial" panose="020B0604020202020204" pitchFamily="34" charset="0"/>
+              <a:buChar char="•"/>
+              <a:defRPr sz="1800" kern="1200">
+                <a:solidFill>
+                  <a:schemeClr val="tx1"/>
+                </a:solidFill>
+                <a:latin typeface="+mn-lt"/>
+                <a:ea typeface="+mn-ea"/>
+                <a:cs typeface="+mn-cs"/>
+              </a:defRPr>
+            </a:lvl7pPr>
+            <a:lvl8pPr marL="3429000" indent="-228600" algn="l" defTabSz="914400" rtl="0" eaLnBrk="1" latinLnBrk="0" hangingPunct="1">
+              <a:lnSpc>
+                <a:spcPct val="90000"/>
+              </a:lnSpc>
+              <a:spcBef>
+                <a:spcPts val="500"/>
+              </a:spcBef>
+              <a:buFont typeface="Arial" panose="020B0604020202020204" pitchFamily="34" charset="0"/>
+              <a:buChar char="•"/>
+              <a:defRPr sz="1800" kern="1200">
+                <a:solidFill>
+                  <a:schemeClr val="tx1"/>
+                </a:solidFill>
+                <a:latin typeface="+mn-lt"/>
+                <a:ea typeface="+mn-ea"/>
+                <a:cs typeface="+mn-cs"/>
+              </a:defRPr>
+            </a:lvl8pPr>
+            <a:lvl9pPr marL="3886200" indent="-228600" algn="l" defTabSz="914400" rtl="0" eaLnBrk="1" latinLnBrk="0" hangingPunct="1">
+              <a:lnSpc>
+                <a:spcPct val="90000"/>
+              </a:lnSpc>
+              <a:spcBef>
+                <a:spcPts val="500"/>
+              </a:spcBef>
+              <a:buFont typeface="Arial" panose="020B0604020202020204" pitchFamily="34" charset="0"/>
+              <a:buChar char="•"/>
+              <a:defRPr sz="1800" kern="1200">
+                <a:solidFill>
+                  <a:schemeClr val="tx1"/>
+                </a:solidFill>
+                <a:latin typeface="+mn-lt"/>
+                <a:ea typeface="+mn-ea"/>
+                <a:cs typeface="+mn-cs"/>
+              </a:defRPr>
+            </a:lvl9pPr>
+          </a:lstStyle>
+          <a:p>
+            <a:pPr algn="r" rtl="1">
+              <a:spcAft>
+                <a:spcPts val="720"/>
+              </a:spcAft>
+            </a:pPr>
+            <a:r>
+              <a:rPr lang="he-IL" b="1">
+                <a:solidFill>
+                  <a:sysClr val="windowText" lastClr="000000"/>
+                </a:solidFill>
+                <a:latin typeface="David CLM" panose="02000603000000000000" pitchFamily="2" charset="-79"/>
+              </a:rPr>
+              <a:t>מסקנה</a:t>
+            </a:r>
+            <a:r>
+              <a:rPr lang="he-IL">
+                <a:solidFill>
+                  <a:sysClr val="windowText" lastClr="000000"/>
+                </a:solidFill>
+                <a:latin typeface="David CLM" panose="02000603000000000000" pitchFamily="2" charset="-79"/>
+              </a:rPr>
+              <a:t>. </a:t>
+            </a:r>
+            <a:r>
+              <a:rPr lang="he-IL">
+                <a:solidFill>
+                  <a:schemeClr val="accent1"/>
+                </a:solidFill>
+                <a:latin typeface="David CLM" panose="02000603000000000000" pitchFamily="2" charset="-79"/>
+              </a:rPr>
+              <a:t>נתונה השמה כלשהי של חדרים לשחקנים</a:t>
+            </a:r>
+            <a:r>
+              <a:rPr lang="he-IL">
+                <a:solidFill>
+                  <a:schemeClr val="accent1"/>
+                </a:solidFill>
+                <a:latin typeface="Courier New" panose="02070309020205020404" pitchFamily="49" charset="0"/>
+              </a:rPr>
+              <a:t>. </a:t>
+            </a:r>
+            <a:r>
+              <a:rPr lang="he-IL">
+                <a:solidFill>
+                  <a:schemeClr val="accent1"/>
+                </a:solidFill>
+                <a:latin typeface="David CLM" panose="02000603000000000000" pitchFamily="2" charset="-79"/>
+              </a:rPr>
+              <a:t>קיים תמחור שאיתו ההשמה ללא קנאה, אם ורק אם בגרף הקנאה אין מעגלים עם משקל חיובי.</a:t>
+            </a:r>
+          </a:p>
+          <a:p>
+            <a:pPr algn="r" rtl="1">
+              <a:spcAft>
+                <a:spcPts val="720"/>
+              </a:spcAft>
+            </a:pPr>
+            <a:r>
+              <a:rPr lang="he-IL" b="1">
+                <a:latin typeface="David CLM" panose="02000603000000000000" pitchFamily="2" charset="-79"/>
+              </a:rPr>
+              <a:t>הוכחה</a:t>
+            </a:r>
+            <a:r>
+              <a:rPr lang="he-IL">
+                <a:latin typeface="David CLM" panose="02000603000000000000" pitchFamily="2" charset="-79"/>
+              </a:rPr>
+              <a:t>. נשתמש במשפט עם </a:t>
+            </a:r>
+            <a:r>
+              <a:rPr lang="en-US">
+                <a:latin typeface="David CLM" panose="02000603000000000000" pitchFamily="2" charset="-79"/>
+              </a:rPr>
+              <a:t>W=0</a:t>
+            </a:r>
+            <a:r>
+              <a:rPr lang="he-IL">
+                <a:latin typeface="David CLM" panose="02000603000000000000" pitchFamily="2" charset="-79"/>
+              </a:rPr>
+              <a:t>.  ***</a:t>
+            </a:r>
+          </a:p>
+          <a:p>
+            <a:pPr algn="r" rtl="1">
+              <a:spcAft>
+                <a:spcPts val="720"/>
+              </a:spcAft>
+            </a:pPr>
+            <a:endParaRPr lang="he-IL">
+              <a:solidFill>
+                <a:schemeClr val="accent3"/>
+              </a:solidFill>
+              <a:latin typeface="Courier New" panose="02070309020205020404" pitchFamily="49" charset="0"/>
+            </a:endParaRPr>
+          </a:p>
+        </p:txBody>
+      </p:sp>
+    </p:spTree>
+    <p:extLst>
+      <p:ext uri="{BB962C8B-B14F-4D97-AF65-F5344CB8AC3E}">
+        <p14:creationId xmlns:p14="http://schemas.microsoft.com/office/powerpoint/2010/main" val="755443758"/>
+      </p:ext>
+    </p:extLst>
+  </p:cSld>
+  <p:clrMapOvr>
+    <a:masterClrMapping/>
+  </p:clrMapOvr>
+  <p:timing>
+    <p:tnLst>
+      <p:par>
+        <p:cTn id="1" dur="indefinite" restart="never" nodeType="tmRoot">
+          <p:childTnLst>
+            <p:seq concurrent="1" nextAc="seek">
+              <p:cTn id="2" dur="indefinite" nodeType="mainSeq">
+                <p:childTnLst>
+                  <p:par>
+                    <p:cTn id="3" fill="hold">
+                      <p:stCondLst>
+                        <p:cond delay="indefinite"/>
+                      </p:stCondLst>
+                      <p:childTnLst>
+                        <p:par>
+                          <p:cTn id="4" fill="hold">
+                            <p:stCondLst>
+                              <p:cond delay="0"/>
+                            </p:stCondLst>
+                            <p:childTnLst>
+                              <p:par>
+                                <p:cTn id="5" presetID="1" presetClass="entr" presetSubtype="0" fill="hold" grpId="0" nodeType="clickEffect">
+                                  <p:stCondLst>
+                                    <p:cond delay="0"/>
+                                  </p:stCondLst>
+                                  <p:childTnLst>
+                                    <p:set>
+                                      <p:cBhvr>
+                                        <p:cTn id="6" dur="1" fill="hold">
+                                          <p:stCondLst>
+                                            <p:cond delay="0"/>
+                                          </p:stCondLst>
+                                        </p:cTn>
+                                        <p:tgtEl>
+                                          <p:spTgt spid="4"/>
+                                        </p:tgtEl>
+                                        <p:attrNameLst>
+                                          <p:attrName>style.visibility</p:attrName>
+                                        </p:attrNameLst>
+                                      </p:cBhvr>
+                                      <p:to>
+                                        <p:strVal val="visible"/>
+                                      </p:to>
+                                    </p:set>
+                                  </p:childTnLst>
+                                </p:cTn>
+                              </p:par>
+                            </p:childTnLst>
+                          </p:cTn>
+                        </p:par>
+                      </p:childTnLst>
+                    </p:cTn>
+                  </p:par>
+                </p:childTnLst>
+              </p:cTn>
+              <p:prevCondLst>
+                <p:cond evt="onPrev" delay="0">
+                  <p:tgtEl>
+                    <p:sldTgt/>
+                  </p:tgtEl>
+                </p:cond>
+              </p:prevCondLst>
+              <p:nextCondLst>
+                <p:cond evt="onNext" delay="0">
+                  <p:tgtEl>
+                    <p:sldTgt/>
+                  </p:tgtEl>
+                </p:cond>
+              </p:nextCondLst>
+            </p:seq>
+          </p:childTnLst>
+        </p:cTn>
+      </p:par>
+    </p:tnLst>
+    <p:bldLst>
+      <p:bldP spid="4" grpId="0"/>
+    </p:bldLst>
+  </p:timing>
+</p:sld>
+</file>
+
+<file path=ppt/slides/slide17.xml><?xml version="1.0" encoding="utf-8"?>
+<p:sld xmlns:a="http://schemas.openxmlformats.org/drawingml/2006/main" xmlns:r="http://schemas.openxmlformats.org/officeDocument/2006/relationships" xmlns:p="http://schemas.openxmlformats.org/presentationml/2006/main">
+  <p:cSld>
+    <p:spTree>
+      <p:nvGrpSpPr>
+        <p:cNvPr id="1" name="">
+          <a:extLst>
+            <a:ext uri="{FF2B5EF4-FFF2-40B4-BE49-F238E27FC236}">
+              <a16:creationId xmlns:a16="http://schemas.microsoft.com/office/drawing/2014/main" id="{6A243960-E1B8-1F1F-CE04-CB50C076A734}"/>
+            </a:ext>
+          </a:extLst>
+        </p:cNvPr>
+        <p:cNvGrpSpPr/>
+        <p:nvPr/>
+      </p:nvGrpSpPr>
+      <p:grpSpPr>
+        <a:xfrm>
+          <a:off x="0" y="0"/>
+          <a:ext cx="0" cy="0"/>
+          <a:chOff x="0" y="0"/>
+          <a:chExt cx="0" cy="0"/>
+        </a:xfrm>
+      </p:grpSpPr>
+      <p:sp>
+        <p:nvSpPr>
+          <p:cNvPr id="3" name="Text Placeholder 2">
+            <a:extLst>
+              <a:ext uri="{FF2B5EF4-FFF2-40B4-BE49-F238E27FC236}">
+                <a16:creationId xmlns:a16="http://schemas.microsoft.com/office/drawing/2014/main" id="{4B47ADC5-4437-0E8C-73A0-F74D478EA70E}"/>
+              </a:ext>
+            </a:extLst>
+          </p:cNvPr>
+          <p:cNvSpPr txBox="1">
+            <a:spLocks noGrp="1"/>
+          </p:cNvSpPr>
+          <p:nvPr>
+            <p:ph type="body" idx="4294967295"/>
+          </p:nvPr>
+        </p:nvSpPr>
+        <p:spPr>
+          <a:xfrm>
+            <a:off x="-146958" y="914401"/>
+            <a:ext cx="10080625" cy="1136348"/>
+          </a:xfrm>
+        </p:spPr>
+        <p:txBody>
+          <a:bodyPr vert="horz">
+            <a:noAutofit/>
+          </a:bodyPr>
+          <a:lstStyle/>
+          <a:p>
+            <a:pPr algn="r" rtl="1">
+              <a:spcAft>
+                <a:spcPts val="720"/>
+              </a:spcAft>
+            </a:pPr>
+            <a:r>
+              <a:rPr lang="he-IL" b="1">
+                <a:solidFill>
+                  <a:schemeClr val="accent1"/>
+                </a:solidFill>
+                <a:latin typeface="David CLM" panose="02000603000000000000" pitchFamily="2" charset="-79"/>
+              </a:rPr>
+              <a:t>משפט</a:t>
+            </a:r>
+            <a:r>
+              <a:rPr lang="he-IL">
+                <a:solidFill>
+                  <a:schemeClr val="accent1"/>
+                </a:solidFill>
+                <a:latin typeface="David CLM" panose="02000603000000000000" pitchFamily="2" charset="-79"/>
+              </a:rPr>
+              <a:t>. </a:t>
+            </a:r>
+            <a:r>
+              <a:rPr lang="he-IL">
+                <a:solidFill>
+                  <a:schemeClr val="accent1"/>
+                </a:solidFill>
+                <a:effectLst/>
+                <a:latin typeface="David CLM" panose="02000603000000000000" pitchFamily="2" charset="-79"/>
+              </a:rPr>
+              <a:t>גרף</a:t>
+            </a:r>
+            <a:r>
+              <a:rPr lang="en-US">
+                <a:solidFill>
+                  <a:schemeClr val="accent1"/>
+                </a:solidFill>
+                <a:effectLst/>
+                <a:latin typeface="Courier New" panose="02070309020205020404" pitchFamily="49" charset="0"/>
+              </a:rPr>
+              <a:t>-</a:t>
+            </a:r>
+            <a:r>
+              <a:rPr lang="he-IL">
+                <a:solidFill>
+                  <a:schemeClr val="accent1"/>
+                </a:solidFill>
+                <a:effectLst/>
+                <a:latin typeface="David CLM" panose="02000603000000000000" pitchFamily="2" charset="-79"/>
+              </a:rPr>
+              <a:t>הקנאה של השמה כלשהי הוא ללא מעגלים עם משקל חיובי</a:t>
+            </a:r>
+            <a:r>
+              <a:rPr lang="he-IL">
+                <a:solidFill>
+                  <a:schemeClr val="accent1"/>
+                </a:solidFill>
+                <a:effectLst/>
+                <a:latin typeface="Courier New" panose="02070309020205020404" pitchFamily="49" charset="0"/>
+              </a:rPr>
+              <a:t>, </a:t>
+            </a:r>
+            <a:r>
+              <a:rPr lang="he-IL">
+                <a:solidFill>
+                  <a:schemeClr val="accent1"/>
+                </a:solidFill>
+                <a:effectLst/>
+                <a:latin typeface="David CLM" panose="02000603000000000000" pitchFamily="2" charset="-79"/>
+              </a:rPr>
+              <a:t>אם ורק אם ההשמה ממקסמת את סכום הערכים.</a:t>
+            </a:r>
+          </a:p>
+          <a:p>
+            <a:pPr algn="r" rtl="1">
+              <a:spcAft>
+                <a:spcPts val="720"/>
+              </a:spcAft>
+            </a:pPr>
+            <a:endParaRPr lang="en-US">
+              <a:effectLst/>
+              <a:latin typeface="Courier New" panose="02070309020205020404" pitchFamily="49" charset="0"/>
+            </a:endParaRPr>
+          </a:p>
+        </p:txBody>
+      </p:sp>
+      <p:sp>
+        <p:nvSpPr>
+          <p:cNvPr id="2" name="Title 1">
+            <a:extLst>
+              <a:ext uri="{FF2B5EF4-FFF2-40B4-BE49-F238E27FC236}">
+                <a16:creationId xmlns:a16="http://schemas.microsoft.com/office/drawing/2014/main" id="{179624CC-71B4-A28A-8C45-918E13F89D92}"/>
+              </a:ext>
+            </a:extLst>
+          </p:cNvPr>
+          <p:cNvSpPr txBox="1">
+            <a:spLocks noGrp="1"/>
+          </p:cNvSpPr>
+          <p:nvPr>
+            <p:ph type="title" idx="4294967295"/>
+          </p:nvPr>
+        </p:nvSpPr>
+        <p:spPr>
+          <a:xfrm>
+            <a:off x="0" y="0"/>
+            <a:ext cx="10080720" cy="914400"/>
+          </a:xfrm>
+        </p:spPr>
+        <p:txBody>
+          <a:bodyPr vert="horz"/>
+          <a:lstStyle/>
+          <a:p>
+            <a:pPr lvl="0" rtl="1"/>
+            <a:r>
+              <a:rPr lang="he-IL" sz="5400">
+                <a:latin typeface="Liberation Sans" pitchFamily="34"/>
+                <a:cs typeface="Liberation Sans" pitchFamily="34"/>
+              </a:rPr>
+              <a:t>מממג"ב וקנאה</a:t>
+            </a:r>
+          </a:p>
+        </p:txBody>
+      </p:sp>
+      <p:grpSp>
+        <p:nvGrpSpPr>
+          <p:cNvPr id="5" name="Group 4">
+            <a:extLst>
+              <a:ext uri="{FF2B5EF4-FFF2-40B4-BE49-F238E27FC236}">
+                <a16:creationId xmlns:a16="http://schemas.microsoft.com/office/drawing/2014/main" id="{FE623F87-988A-6306-0D49-FA4DD7BE4455}"/>
+              </a:ext>
+            </a:extLst>
+          </p:cNvPr>
+          <p:cNvGrpSpPr/>
+          <p:nvPr/>
+        </p:nvGrpSpPr>
+        <p:grpSpPr>
+          <a:xfrm>
+            <a:off x="37078" y="2827981"/>
+            <a:ext cx="5589221" cy="4650497"/>
+            <a:chOff x="4991059" y="1460326"/>
+            <a:chExt cx="4027073" cy="3211208"/>
+          </a:xfrm>
+        </p:grpSpPr>
+        <p:grpSp>
+          <p:nvGrpSpPr>
+            <p:cNvPr id="6" name="Group 5">
+              <a:extLst>
+                <a:ext uri="{FF2B5EF4-FFF2-40B4-BE49-F238E27FC236}">
+                  <a16:creationId xmlns:a16="http://schemas.microsoft.com/office/drawing/2014/main" id="{55CACFC7-1217-355B-44ED-78087C2B60A7}"/>
+                </a:ext>
+              </a:extLst>
+            </p:cNvPr>
+            <p:cNvGrpSpPr/>
+            <p:nvPr/>
+          </p:nvGrpSpPr>
+          <p:grpSpPr>
+            <a:xfrm>
+              <a:off x="5071084" y="1584932"/>
+              <a:ext cx="3875530" cy="2591866"/>
+              <a:chOff x="283723" y="1644951"/>
+              <a:chExt cx="3875530" cy="2591866"/>
+            </a:xfrm>
+          </p:grpSpPr>
+          <p:pic>
+            <p:nvPicPr>
+              <p:cNvPr id="10" name="גרפיקה 2" descr="תלמיד בית ספר קו מיתאר">
+                <a:extLst>
+                  <a:ext uri="{FF2B5EF4-FFF2-40B4-BE49-F238E27FC236}">
+                    <a16:creationId xmlns:a16="http://schemas.microsoft.com/office/drawing/2014/main" id="{4E566008-F679-B549-5056-15F4E9829755}"/>
+                  </a:ext>
+                </a:extLst>
+              </p:cNvPr>
+              <p:cNvPicPr>
+                <a:picLocks noChangeAspect="1"/>
+              </p:cNvPicPr>
+              <p:nvPr/>
+            </p:nvPicPr>
+            <p:blipFill>
+              <a:blip r:embed="rId3">
+                <a:extLst>
+                  <a:ext uri="{96DAC541-7B7A-43D3-8B79-37D633B846F1}">
+                    <asvg:svgBlip xmlns:asvg="http://schemas.microsoft.com/office/drawing/2016/SVG/main" r:embed="rId4"/>
+                  </a:ext>
+                </a:extLst>
+              </a:blip>
+              <a:stretch>
+                <a:fillRect/>
+              </a:stretch>
+            </p:blipFill>
+            <p:spPr>
+              <a:xfrm>
+                <a:off x="2613662" y="1940249"/>
+                <a:ext cx="914400" cy="914400"/>
+              </a:xfrm>
+              <a:prstGeom prst="rect">
+                <a:avLst/>
+              </a:prstGeom>
+            </p:spPr>
+          </p:pic>
+          <p:sp>
+            <p:nvSpPr>
+              <p:cNvPr id="11" name="תיבת טקסט 4">
+                <a:extLst>
+                  <a:ext uri="{FF2B5EF4-FFF2-40B4-BE49-F238E27FC236}">
+                    <a16:creationId xmlns:a16="http://schemas.microsoft.com/office/drawing/2014/main" id="{33121672-A01B-EFD1-1C7F-042134B612D7}"/>
+                  </a:ext>
+                </a:extLst>
+              </p:cNvPr>
+              <p:cNvSpPr txBox="1"/>
+              <p:nvPr/>
+            </p:nvSpPr>
+            <p:spPr>
+              <a:xfrm>
+                <a:off x="577747" y="2718512"/>
+                <a:ext cx="980348" cy="318784"/>
+              </a:xfrm>
+              <a:prstGeom prst="rect">
+                <a:avLst/>
+              </a:prstGeom>
+              <a:noFill/>
+            </p:spPr>
+            <p:txBody>
+              <a:bodyPr wrap="square">
+                <a:spAutoFit/>
+              </a:bodyPr>
+              <a:lstStyle/>
+              <a:p>
+                <a:r>
+                  <a:rPr lang="en-US" sz="2400" b="1">
+                    <a:solidFill>
+                      <a:srgbClr val="00B0F0"/>
+                    </a:solidFill>
+                    <a:latin typeface="+mn-lt"/>
+                    <a:ea typeface="Questrial" pitchFamily="2" charset="0"/>
+                    <a:cs typeface="Questrial" pitchFamily="2" charset="0"/>
+                  </a:rPr>
+                  <a:t>Agent </a:t>
+                </a:r>
+                <a:r>
+                  <a:rPr lang="en-US" sz="2400" b="1" dirty="0">
+                    <a:solidFill>
+                      <a:srgbClr val="00B0F0"/>
+                    </a:solidFill>
+                    <a:latin typeface="+mn-lt"/>
+                    <a:ea typeface="Questrial" pitchFamily="2" charset="0"/>
+                    <a:cs typeface="Questrial" pitchFamily="2" charset="0"/>
+                  </a:rPr>
+                  <a:t>1</a:t>
+                </a:r>
+                <a:endParaRPr lang="he-IL" sz="2400" b="1" dirty="0">
+                  <a:solidFill>
+                    <a:srgbClr val="00B0F0"/>
+                  </a:solidFill>
+                  <a:latin typeface="+mn-lt"/>
+                  <a:ea typeface="Questrial" pitchFamily="2" charset="0"/>
+                </a:endParaRPr>
+              </a:p>
+            </p:txBody>
+          </p:sp>
+          <p:sp>
+            <p:nvSpPr>
+              <p:cNvPr id="12" name="תיבת טקסט 6">
+                <a:extLst>
+                  <a:ext uri="{FF2B5EF4-FFF2-40B4-BE49-F238E27FC236}">
+                    <a16:creationId xmlns:a16="http://schemas.microsoft.com/office/drawing/2014/main" id="{173CAED6-D99F-F055-F0F9-1B4CF7474AB0}"/>
+                  </a:ext>
+                </a:extLst>
+              </p:cNvPr>
+              <p:cNvSpPr txBox="1"/>
+              <p:nvPr/>
+            </p:nvSpPr>
+            <p:spPr>
+              <a:xfrm>
+                <a:off x="2657367" y="2706963"/>
+                <a:ext cx="914399" cy="318784"/>
+              </a:xfrm>
+              <a:prstGeom prst="rect">
+                <a:avLst/>
+              </a:prstGeom>
+              <a:noFill/>
+            </p:spPr>
+            <p:txBody>
+              <a:bodyPr wrap="square">
+                <a:spAutoFit/>
+              </a:bodyPr>
+              <a:lstStyle/>
+              <a:p>
+                <a:r>
+                  <a:rPr lang="en-US" sz="2400" b="1">
+                    <a:solidFill>
+                      <a:srgbClr val="00B050"/>
+                    </a:solidFill>
+                    <a:latin typeface="+mn-lt"/>
+                    <a:ea typeface="Questrial" pitchFamily="2" charset="0"/>
+                    <a:cs typeface="Questrial" pitchFamily="2" charset="0"/>
+                  </a:rPr>
+                  <a:t>Agent </a:t>
+                </a:r>
+                <a:r>
+                  <a:rPr lang="en-US" sz="2400" b="1" dirty="0">
+                    <a:solidFill>
+                      <a:srgbClr val="00B050"/>
+                    </a:solidFill>
+                    <a:latin typeface="+mn-lt"/>
+                    <a:ea typeface="Questrial" pitchFamily="2" charset="0"/>
+                    <a:cs typeface="Questrial" pitchFamily="2" charset="0"/>
+                  </a:rPr>
+                  <a:t>2</a:t>
+                </a:r>
+                <a:endParaRPr lang="he-IL" sz="2400" b="1" dirty="0">
+                  <a:solidFill>
+                    <a:srgbClr val="00B050"/>
+                  </a:solidFill>
+                  <a:latin typeface="+mn-lt"/>
+                  <a:ea typeface="Questrial" pitchFamily="2" charset="0"/>
+                </a:endParaRPr>
+              </a:p>
+            </p:txBody>
+          </p:sp>
+          <p:cxnSp>
+            <p:nvCxnSpPr>
+              <p:cNvPr id="13" name="מחבר חץ ישר 7">
+                <a:extLst>
+                  <a:ext uri="{FF2B5EF4-FFF2-40B4-BE49-F238E27FC236}">
+                    <a16:creationId xmlns:a16="http://schemas.microsoft.com/office/drawing/2014/main" id="{95EB7A44-C713-4E9C-07F2-5E01B36F27D9}"/>
+                  </a:ext>
+                </a:extLst>
+              </p:cNvPr>
+              <p:cNvCxnSpPr>
+                <a:cxnSpLocks/>
+                <a:stCxn id="17" idx="0"/>
+                <a:endCxn id="10" idx="0"/>
+              </p:cNvCxnSpPr>
+              <p:nvPr/>
+            </p:nvCxnSpPr>
+            <p:spPr>
+              <a:xfrm>
+                <a:off x="974453" y="1924819"/>
+                <a:ext cx="2096409" cy="15430"/>
+              </a:xfrm>
+              <a:prstGeom prst="straightConnector1">
+                <a:avLst/>
+              </a:prstGeom>
+              <a:ln>
+                <a:solidFill>
+                  <a:srgbClr val="00B0F0"/>
+                </a:solidFill>
+                <a:tailEnd type="triangle"/>
+              </a:ln>
+            </p:spPr>
+            <p:style>
+              <a:lnRef idx="1">
+                <a:schemeClr val="accent1"/>
+              </a:lnRef>
+              <a:fillRef idx="0">
+                <a:schemeClr val="accent1"/>
+              </a:fillRef>
+              <a:effectRef idx="0">
+                <a:schemeClr val="accent1"/>
+              </a:effectRef>
+              <a:fontRef idx="minor">
+                <a:schemeClr val="tx1"/>
+              </a:fontRef>
+            </p:style>
+          </p:cxnSp>
+          <p:sp>
+            <p:nvSpPr>
+              <p:cNvPr id="14" name="תיבת טקסט 9">
+                <a:extLst>
+                  <a:ext uri="{FF2B5EF4-FFF2-40B4-BE49-F238E27FC236}">
+                    <a16:creationId xmlns:a16="http://schemas.microsoft.com/office/drawing/2014/main" id="{3BA0140D-D868-20BB-4262-F0BD8D53AE07}"/>
+                  </a:ext>
+                </a:extLst>
+              </p:cNvPr>
+              <p:cNvSpPr txBox="1"/>
+              <p:nvPr/>
+            </p:nvSpPr>
+            <p:spPr>
+              <a:xfrm>
+                <a:off x="1431653" y="1644951"/>
+                <a:ext cx="1463947" cy="318784"/>
+              </a:xfrm>
+              <a:prstGeom prst="rect">
+                <a:avLst/>
+              </a:prstGeom>
+              <a:noFill/>
+            </p:spPr>
+            <p:txBody>
+              <a:bodyPr wrap="square">
+                <a:spAutoFit/>
+              </a:bodyPr>
+              <a:lstStyle/>
+              <a:p>
+                <a:r>
+                  <a:rPr lang="en-US" sz="2400" dirty="0">
+                    <a:solidFill>
+                      <a:srgbClr val="00B0F0"/>
+                    </a:solidFill>
+                    <a:latin typeface="+mn-lt"/>
+                    <a:ea typeface="Questrial" pitchFamily="2" charset="0"/>
+                    <a:cs typeface="Questrial" pitchFamily="2" charset="0"/>
+                  </a:rPr>
+                  <a:t>Envies by </a:t>
+                </a:r>
+                <a:r>
+                  <a:rPr lang="en-US" sz="2400">
+                    <a:solidFill>
+                      <a:srgbClr val="00B0F0"/>
+                    </a:solidFill>
+                    <a:latin typeface="+mn-lt"/>
+                    <a:ea typeface="Questrial" pitchFamily="2" charset="0"/>
+                    <a:cs typeface="Questrial" pitchFamily="2" charset="0"/>
+                  </a:rPr>
+                  <a:t>-20</a:t>
+                </a:r>
+                <a:endParaRPr lang="he-IL" sz="2400" dirty="0">
+                  <a:solidFill>
+                    <a:srgbClr val="00B0F0"/>
+                  </a:solidFill>
+                  <a:latin typeface="+mn-lt"/>
+                  <a:ea typeface="Questrial" pitchFamily="2" charset="0"/>
+                </a:endParaRPr>
+              </a:p>
+            </p:txBody>
+          </p:sp>
+          <p:pic>
+            <p:nvPicPr>
+              <p:cNvPr id="15" name="גרפיקה 13" descr="תלמיד בית ספר קו מיתאר">
+                <a:extLst>
+                  <a:ext uri="{FF2B5EF4-FFF2-40B4-BE49-F238E27FC236}">
+                    <a16:creationId xmlns:a16="http://schemas.microsoft.com/office/drawing/2014/main" id="{40BEDBE9-DC77-23BB-8E8C-43CE53AB2244}"/>
+                  </a:ext>
+                </a:extLst>
+              </p:cNvPr>
+              <p:cNvPicPr>
+                <a:picLocks noChangeAspect="1"/>
+              </p:cNvPicPr>
+              <p:nvPr/>
+            </p:nvPicPr>
+            <p:blipFill>
+              <a:blip r:embed="rId3">
+                <a:extLst>
+                  <a:ext uri="{96DAC541-7B7A-43D3-8B79-37D633B846F1}">
+                    <asvg:svgBlip xmlns:asvg="http://schemas.microsoft.com/office/drawing/2016/SVG/main" r:embed="rId4"/>
+                  </a:ext>
+                </a:extLst>
+              </a:blip>
+              <a:stretch>
+                <a:fillRect/>
+              </a:stretch>
+            </p:blipFill>
+            <p:spPr>
+              <a:xfrm>
+                <a:off x="1607822" y="3159693"/>
+                <a:ext cx="914400" cy="914400"/>
+              </a:xfrm>
+              <a:prstGeom prst="rect">
+                <a:avLst/>
+              </a:prstGeom>
+            </p:spPr>
+          </p:pic>
+          <p:sp>
+            <p:nvSpPr>
+              <p:cNvPr id="16" name="תיבת טקסט 14">
+                <a:extLst>
+                  <a:ext uri="{FF2B5EF4-FFF2-40B4-BE49-F238E27FC236}">
+                    <a16:creationId xmlns:a16="http://schemas.microsoft.com/office/drawing/2014/main" id="{502FED61-1EBC-54DD-78C4-CE02C9F4C1A7}"/>
+                  </a:ext>
+                </a:extLst>
+              </p:cNvPr>
+              <p:cNvSpPr txBox="1"/>
+              <p:nvPr/>
+            </p:nvSpPr>
+            <p:spPr>
+              <a:xfrm>
+                <a:off x="1689466" y="3918033"/>
+                <a:ext cx="924196" cy="318784"/>
+              </a:xfrm>
+              <a:prstGeom prst="rect">
+                <a:avLst/>
+              </a:prstGeom>
+              <a:noFill/>
+            </p:spPr>
+            <p:txBody>
+              <a:bodyPr wrap="square">
+                <a:spAutoFit/>
+              </a:bodyPr>
+              <a:lstStyle/>
+              <a:p>
+                <a:r>
+                  <a:rPr lang="en-US" sz="2400" b="1">
+                    <a:solidFill>
+                      <a:srgbClr val="7030A0"/>
+                    </a:solidFill>
+                    <a:latin typeface="+mn-lt"/>
+                    <a:ea typeface="Questrial" pitchFamily="2" charset="0"/>
+                    <a:cs typeface="Questrial" pitchFamily="2" charset="0"/>
+                  </a:rPr>
+                  <a:t>Agent </a:t>
+                </a:r>
+                <a:r>
+                  <a:rPr lang="en-US" sz="2400" b="1" dirty="0">
+                    <a:solidFill>
+                      <a:srgbClr val="7030A0"/>
+                    </a:solidFill>
+                    <a:latin typeface="+mn-lt"/>
+                    <a:ea typeface="Questrial" pitchFamily="2" charset="0"/>
+                    <a:cs typeface="Questrial" pitchFamily="2" charset="0"/>
+                  </a:rPr>
+                  <a:t>3</a:t>
+                </a:r>
+                <a:endParaRPr lang="he-IL" sz="2400" b="1" dirty="0">
+                  <a:solidFill>
+                    <a:srgbClr val="7030A0"/>
+                  </a:solidFill>
+                  <a:latin typeface="+mn-lt"/>
+                  <a:ea typeface="Questrial" pitchFamily="2" charset="0"/>
+                </a:endParaRPr>
+              </a:p>
+            </p:txBody>
+          </p:sp>
+          <p:pic>
+            <p:nvPicPr>
+              <p:cNvPr id="17" name="גרפיקה 15" descr="תלמיד בית ספר קו מיתאר">
+                <a:extLst>
+                  <a:ext uri="{FF2B5EF4-FFF2-40B4-BE49-F238E27FC236}">
+                    <a16:creationId xmlns:a16="http://schemas.microsoft.com/office/drawing/2014/main" id="{95E3B07B-2138-098D-0688-0EB5BF6998ED}"/>
+                  </a:ext>
+                </a:extLst>
+              </p:cNvPr>
+              <p:cNvPicPr>
+                <a:picLocks noChangeAspect="1"/>
+              </p:cNvPicPr>
+              <p:nvPr/>
+            </p:nvPicPr>
+            <p:blipFill>
+              <a:blip r:embed="rId3">
+                <a:extLst>
+                  <a:ext uri="{96DAC541-7B7A-43D3-8B79-37D633B846F1}">
+                    <asvg:svgBlip xmlns:asvg="http://schemas.microsoft.com/office/drawing/2016/SVG/main" r:embed="rId4"/>
+                  </a:ext>
+                </a:extLst>
+              </a:blip>
+              <a:stretch>
+                <a:fillRect/>
+              </a:stretch>
+            </p:blipFill>
+            <p:spPr>
+              <a:xfrm>
+                <a:off x="517253" y="1924819"/>
+                <a:ext cx="914400" cy="914400"/>
+              </a:xfrm>
+              <a:prstGeom prst="rect">
+                <a:avLst/>
+              </a:prstGeom>
+            </p:spPr>
+          </p:pic>
+          <p:cxnSp>
+            <p:nvCxnSpPr>
+              <p:cNvPr id="18" name="מחבר חץ ישר 26">
+                <a:extLst>
+                  <a:ext uri="{FF2B5EF4-FFF2-40B4-BE49-F238E27FC236}">
+                    <a16:creationId xmlns:a16="http://schemas.microsoft.com/office/drawing/2014/main" id="{298224E8-AD71-0EBF-40D4-F01BB4E1287E}"/>
+                  </a:ext>
+                </a:extLst>
+              </p:cNvPr>
+              <p:cNvCxnSpPr>
+                <a:cxnSpLocks/>
+                <a:stCxn id="12" idx="2"/>
+              </p:cNvCxnSpPr>
+              <p:nvPr/>
+            </p:nvCxnSpPr>
+            <p:spPr>
+              <a:xfrm flipH="1">
+                <a:off x="2402640" y="3025747"/>
+                <a:ext cx="711927" cy="760527"/>
+              </a:xfrm>
+              <a:prstGeom prst="straightConnector1">
+                <a:avLst/>
+              </a:prstGeom>
+              <a:ln>
+                <a:solidFill>
+                  <a:srgbClr val="00B050"/>
+                </a:solidFill>
+                <a:tailEnd type="triangle"/>
+              </a:ln>
+            </p:spPr>
+            <p:style>
+              <a:lnRef idx="1">
+                <a:schemeClr val="accent1"/>
+              </a:lnRef>
+              <a:fillRef idx="0">
+                <a:schemeClr val="accent1"/>
+              </a:fillRef>
+              <a:effectRef idx="0">
+                <a:schemeClr val="accent1"/>
+              </a:effectRef>
+              <a:fontRef idx="minor">
+                <a:schemeClr val="tx1"/>
+              </a:fontRef>
+            </p:style>
+          </p:cxnSp>
+          <p:cxnSp>
+            <p:nvCxnSpPr>
+              <p:cNvPr id="19" name="מחבר חץ ישר 30">
+                <a:extLst>
+                  <a:ext uri="{FF2B5EF4-FFF2-40B4-BE49-F238E27FC236}">
+                    <a16:creationId xmlns:a16="http://schemas.microsoft.com/office/drawing/2014/main" id="{52F95AE1-FC0F-4899-12C3-131CB8206C70}"/>
+                  </a:ext>
+                </a:extLst>
+              </p:cNvPr>
+              <p:cNvCxnSpPr>
+                <a:cxnSpLocks/>
+                <a:endCxn id="11" idx="2"/>
+              </p:cNvCxnSpPr>
+              <p:nvPr/>
+            </p:nvCxnSpPr>
+            <p:spPr>
+              <a:xfrm flipH="1" flipV="1">
+                <a:off x="1067921" y="3037297"/>
+                <a:ext cx="635453" cy="600443"/>
+              </a:xfrm>
+              <a:prstGeom prst="straightConnector1">
+                <a:avLst/>
+              </a:prstGeom>
+              <a:ln>
+                <a:solidFill>
+                  <a:srgbClr val="7030A0"/>
+                </a:solidFill>
+                <a:tailEnd type="triangle"/>
+              </a:ln>
+            </p:spPr>
+            <p:style>
+              <a:lnRef idx="1">
+                <a:schemeClr val="accent1"/>
+              </a:lnRef>
+              <a:fillRef idx="0">
+                <a:schemeClr val="accent1"/>
+              </a:fillRef>
+              <a:effectRef idx="0">
+                <a:schemeClr val="accent1"/>
+              </a:effectRef>
+              <a:fontRef idx="minor">
+                <a:schemeClr val="tx1"/>
+              </a:fontRef>
+            </p:style>
+          </p:cxnSp>
+          <p:sp>
+            <p:nvSpPr>
+              <p:cNvPr id="20" name="תיבת טקסט 40">
+                <a:extLst>
+                  <a:ext uri="{FF2B5EF4-FFF2-40B4-BE49-F238E27FC236}">
+                    <a16:creationId xmlns:a16="http://schemas.microsoft.com/office/drawing/2014/main" id="{525B0A00-5C6C-3CD5-4873-E0D7832C90B9}"/>
+                  </a:ext>
+                </a:extLst>
+              </p:cNvPr>
+              <p:cNvSpPr txBox="1"/>
+              <p:nvPr/>
+            </p:nvSpPr>
+            <p:spPr>
+              <a:xfrm>
+                <a:off x="2695306" y="3592952"/>
+                <a:ext cx="1463947" cy="318784"/>
+              </a:xfrm>
+              <a:prstGeom prst="rect">
+                <a:avLst/>
+              </a:prstGeom>
+              <a:noFill/>
+            </p:spPr>
+            <p:txBody>
+              <a:bodyPr wrap="square">
+                <a:spAutoFit/>
+              </a:bodyPr>
+              <a:lstStyle/>
+              <a:p>
+                <a:r>
+                  <a:rPr lang="en-US" sz="2400" dirty="0">
+                    <a:solidFill>
+                      <a:srgbClr val="00B050"/>
+                    </a:solidFill>
+                    <a:latin typeface="+mn-lt"/>
+                    <a:ea typeface="Questrial" pitchFamily="2" charset="0"/>
+                    <a:cs typeface="Questrial" pitchFamily="2" charset="0"/>
+                  </a:rPr>
+                  <a:t>Envies </a:t>
+                </a:r>
+                <a:r>
+                  <a:rPr lang="en-US" sz="2400">
+                    <a:solidFill>
+                      <a:srgbClr val="00B050"/>
+                    </a:solidFill>
+                    <a:latin typeface="+mn-lt"/>
+                    <a:ea typeface="Questrial" pitchFamily="2" charset="0"/>
+                    <a:cs typeface="Questrial" pitchFamily="2" charset="0"/>
+                  </a:rPr>
+                  <a:t>by 50</a:t>
+                </a:r>
+                <a:endParaRPr lang="he-IL" sz="2400" dirty="0">
+                  <a:solidFill>
+                    <a:srgbClr val="00B050"/>
+                  </a:solidFill>
+                  <a:latin typeface="+mn-lt"/>
+                  <a:ea typeface="Questrial" pitchFamily="2" charset="0"/>
+                </a:endParaRPr>
+              </a:p>
+            </p:txBody>
+          </p:sp>
+          <p:sp>
+            <p:nvSpPr>
+              <p:cNvPr id="21" name="תיבת טקסט 42">
+                <a:extLst>
+                  <a:ext uri="{FF2B5EF4-FFF2-40B4-BE49-F238E27FC236}">
+                    <a16:creationId xmlns:a16="http://schemas.microsoft.com/office/drawing/2014/main" id="{7AAE2F82-2E93-9CA3-F59D-437F696379DF}"/>
+                  </a:ext>
+                </a:extLst>
+              </p:cNvPr>
+              <p:cNvSpPr txBox="1"/>
+              <p:nvPr/>
+            </p:nvSpPr>
+            <p:spPr>
+              <a:xfrm>
+                <a:off x="283723" y="3637740"/>
+                <a:ext cx="1463947" cy="318784"/>
+              </a:xfrm>
+              <a:prstGeom prst="rect">
+                <a:avLst/>
+              </a:prstGeom>
+              <a:noFill/>
+            </p:spPr>
+            <p:txBody>
+              <a:bodyPr wrap="square">
+                <a:spAutoFit/>
+              </a:bodyPr>
+              <a:lstStyle/>
+              <a:p>
+                <a:r>
+                  <a:rPr lang="en-US" sz="2400" dirty="0">
+                    <a:solidFill>
+                      <a:srgbClr val="7030A0"/>
+                    </a:solidFill>
+                    <a:latin typeface="+mn-lt"/>
+                    <a:ea typeface="Questrial" pitchFamily="2" charset="0"/>
+                    <a:cs typeface="Questrial" pitchFamily="2" charset="0"/>
+                  </a:rPr>
+                  <a:t>Envies </a:t>
+                </a:r>
+                <a:r>
+                  <a:rPr lang="en-US" sz="2400">
+                    <a:solidFill>
+                      <a:srgbClr val="7030A0"/>
+                    </a:solidFill>
+                    <a:latin typeface="+mn-lt"/>
+                    <a:ea typeface="Questrial" pitchFamily="2" charset="0"/>
+                    <a:cs typeface="Questrial" pitchFamily="2" charset="0"/>
+                  </a:rPr>
+                  <a:t>by 50</a:t>
+                </a:r>
+                <a:endParaRPr lang="he-IL" sz="2400" dirty="0">
+                  <a:solidFill>
+                    <a:srgbClr val="7030A0"/>
+                  </a:solidFill>
+                  <a:latin typeface="+mn-lt"/>
+                  <a:ea typeface="Questrial" pitchFamily="2" charset="0"/>
+                </a:endParaRPr>
+              </a:p>
+            </p:txBody>
+          </p:sp>
+        </p:grpSp>
+        <p:sp>
+          <p:nvSpPr>
+            <p:cNvPr id="7" name="TextBox 6">
+              <a:extLst>
+                <a:ext uri="{FF2B5EF4-FFF2-40B4-BE49-F238E27FC236}">
+                  <a16:creationId xmlns:a16="http://schemas.microsoft.com/office/drawing/2014/main" id="{737597B3-3121-835A-F329-FAA2AE566CBA}"/>
+                </a:ext>
+              </a:extLst>
+            </p:cNvPr>
+            <p:cNvSpPr txBox="1"/>
+            <p:nvPr/>
+          </p:nvSpPr>
+          <p:spPr>
+            <a:xfrm>
+              <a:off x="4991059" y="1460326"/>
+              <a:ext cx="1007370" cy="573811"/>
+            </a:xfrm>
+            <a:prstGeom prst="rect">
+              <a:avLst/>
+            </a:prstGeom>
+            <a:noFill/>
+          </p:spPr>
+          <p:txBody>
+            <a:bodyPr wrap="none" rtlCol="0">
+              <a:spAutoFit/>
+            </a:bodyPr>
+            <a:lstStyle/>
+            <a:p>
+              <a:r>
+                <a:rPr lang="en-US" sz="2400" dirty="0"/>
+                <a:t>v</a:t>
+              </a:r>
+              <a:r>
+                <a:rPr lang="en-US" sz="2400" baseline="-25000" dirty="0"/>
+                <a:t>1</a:t>
+              </a:r>
+              <a:r>
+                <a:rPr lang="en-US" sz="2400" dirty="0"/>
+                <a:t>(A</a:t>
+              </a:r>
+              <a:r>
+                <a:rPr lang="en-US" sz="2400" baseline="-25000" dirty="0"/>
+                <a:t>2</a:t>
+              </a:r>
+              <a:r>
+                <a:rPr lang="en-US" sz="2400" dirty="0"/>
+                <a:t>)=30</a:t>
+              </a:r>
+            </a:p>
+            <a:p>
+              <a:r>
+                <a:rPr lang="en-US" sz="2400" dirty="0"/>
+                <a:t>v</a:t>
+              </a:r>
+              <a:r>
+                <a:rPr lang="en-US" sz="2400" baseline="-25000" dirty="0"/>
+                <a:t>1</a:t>
+              </a:r>
+              <a:r>
+                <a:rPr lang="en-US" sz="2400" dirty="0"/>
+                <a:t>(A</a:t>
+              </a:r>
+              <a:r>
+                <a:rPr lang="en-US" sz="2400" baseline="-25000" dirty="0"/>
+                <a:t>1</a:t>
+              </a:r>
+              <a:r>
+                <a:rPr lang="en-US" sz="2400" dirty="0"/>
+                <a:t>)=50</a:t>
+              </a:r>
+            </a:p>
+          </p:txBody>
+        </p:sp>
+        <p:sp>
+          <p:nvSpPr>
+            <p:cNvPr id="8" name="TextBox 7">
+              <a:extLst>
+                <a:ext uri="{FF2B5EF4-FFF2-40B4-BE49-F238E27FC236}">
+                  <a16:creationId xmlns:a16="http://schemas.microsoft.com/office/drawing/2014/main" id="{67A8CD50-645C-9F8E-1590-4F7B3B41B422}"/>
+                </a:ext>
+              </a:extLst>
+            </p:cNvPr>
+            <p:cNvSpPr txBox="1"/>
+            <p:nvPr/>
+          </p:nvSpPr>
+          <p:spPr>
+            <a:xfrm>
+              <a:off x="6453368" y="4097723"/>
+              <a:ext cx="1007370" cy="573811"/>
+            </a:xfrm>
+            <a:prstGeom prst="rect">
+              <a:avLst/>
+            </a:prstGeom>
+            <a:noFill/>
+          </p:spPr>
+          <p:txBody>
+            <a:bodyPr wrap="none" rtlCol="0">
+              <a:spAutoFit/>
+            </a:bodyPr>
+            <a:lstStyle/>
+            <a:p>
+              <a:r>
+                <a:rPr lang="en-US" sz="2400" dirty="0"/>
+                <a:t>v</a:t>
+              </a:r>
+              <a:r>
+                <a:rPr lang="en-US" sz="2400" baseline="-25000" dirty="0"/>
+                <a:t>3</a:t>
+              </a:r>
+              <a:r>
+                <a:rPr lang="en-US" sz="2400" dirty="0"/>
+                <a:t>(A</a:t>
+              </a:r>
+              <a:r>
+                <a:rPr lang="en-US" sz="2400" baseline="-25000" dirty="0"/>
+                <a:t>1</a:t>
+              </a:r>
+              <a:r>
+                <a:rPr lang="en-US" sz="2400" dirty="0"/>
+                <a:t>)=70</a:t>
+              </a:r>
+            </a:p>
+            <a:p>
+              <a:r>
+                <a:rPr lang="en-US" sz="2400" dirty="0"/>
+                <a:t>v</a:t>
+              </a:r>
+              <a:r>
+                <a:rPr lang="en-US" sz="2400" baseline="-25000" dirty="0"/>
+                <a:t>3</a:t>
+              </a:r>
+              <a:r>
+                <a:rPr lang="en-US" sz="2400" dirty="0"/>
+                <a:t>(A</a:t>
+              </a:r>
+              <a:r>
+                <a:rPr lang="en-US" sz="2400" baseline="-25000" dirty="0"/>
+                <a:t>3</a:t>
+              </a:r>
+              <a:r>
+                <a:rPr lang="en-US" sz="2400" dirty="0"/>
+                <a:t>)=20</a:t>
+              </a:r>
+            </a:p>
+          </p:txBody>
+        </p:sp>
+        <p:sp>
+          <p:nvSpPr>
+            <p:cNvPr id="9" name="TextBox 8">
+              <a:extLst>
+                <a:ext uri="{FF2B5EF4-FFF2-40B4-BE49-F238E27FC236}">
+                  <a16:creationId xmlns:a16="http://schemas.microsoft.com/office/drawing/2014/main" id="{18063BBE-DFC5-C757-9FD9-720C6CC769C7}"/>
+                </a:ext>
+              </a:extLst>
+            </p:cNvPr>
+            <p:cNvSpPr txBox="1"/>
+            <p:nvPr/>
+          </p:nvSpPr>
+          <p:spPr>
+            <a:xfrm>
+              <a:off x="8010762" y="1535252"/>
+              <a:ext cx="1007370" cy="573811"/>
+            </a:xfrm>
+            <a:prstGeom prst="rect">
+              <a:avLst/>
+            </a:prstGeom>
+            <a:noFill/>
+          </p:spPr>
+          <p:txBody>
+            <a:bodyPr wrap="none" rtlCol="0">
+              <a:spAutoFit/>
+            </a:bodyPr>
+            <a:lstStyle/>
+            <a:p>
+              <a:r>
+                <a:rPr lang="en-US" sz="2400" dirty="0"/>
+                <a:t>v</a:t>
+              </a:r>
+              <a:r>
+                <a:rPr lang="en-US" sz="2400" baseline="-25000" dirty="0"/>
+                <a:t>2</a:t>
+              </a:r>
+              <a:r>
+                <a:rPr lang="en-US" sz="2400" dirty="0"/>
+                <a:t>(A</a:t>
+              </a:r>
+              <a:r>
+                <a:rPr lang="en-US" sz="2400" baseline="-25000" dirty="0"/>
+                <a:t>3</a:t>
+              </a:r>
+              <a:r>
+                <a:rPr lang="en-US" sz="2400" dirty="0"/>
+                <a:t>)=90</a:t>
+              </a:r>
+            </a:p>
+            <a:p>
+              <a:r>
+                <a:rPr lang="en-US" sz="2400" dirty="0"/>
+                <a:t>v</a:t>
+              </a:r>
+              <a:r>
+                <a:rPr lang="en-US" sz="2400" baseline="-25000" dirty="0"/>
+                <a:t>2</a:t>
+              </a:r>
+              <a:r>
+                <a:rPr lang="en-US" sz="2400" dirty="0"/>
+                <a:t>(A</a:t>
+              </a:r>
+              <a:r>
+                <a:rPr lang="en-US" sz="2400" baseline="-25000" dirty="0"/>
+                <a:t>2</a:t>
+              </a:r>
+              <a:r>
+                <a:rPr lang="en-US" sz="2400" dirty="0"/>
+                <a:t>)=40</a:t>
+              </a:r>
+            </a:p>
+          </p:txBody>
+        </p:sp>
+      </p:grpSp>
+      <p:sp>
+        <p:nvSpPr>
+          <p:cNvPr id="22" name="Text Placeholder 2">
+            <a:extLst>
+              <a:ext uri="{FF2B5EF4-FFF2-40B4-BE49-F238E27FC236}">
+                <a16:creationId xmlns:a16="http://schemas.microsoft.com/office/drawing/2014/main" id="{2E0DE406-9A91-93F9-4735-841762A92F9D}"/>
+              </a:ext>
+            </a:extLst>
+          </p:cNvPr>
+          <p:cNvSpPr txBox="1">
+            <a:spLocks/>
+          </p:cNvSpPr>
+          <p:nvPr/>
+        </p:nvSpPr>
+        <p:spPr>
+          <a:xfrm>
+            <a:off x="5392342" y="2018959"/>
+            <a:ext cx="4587436" cy="5297109"/>
+          </a:xfrm>
+          <a:prstGeom prst="rect">
+            <a:avLst/>
+          </a:prstGeom>
+          <a:noFill/>
+          <a:ln>
+            <a:noFill/>
+          </a:ln>
+        </p:spPr>
+        <p:txBody>
+          <a:bodyPr vert="horz" lIns="0" tIns="0" rIns="0" bIns="0">
+            <a:noAutofit/>
+          </a:bodyPr>
+          <a:lstStyle>
+            <a:lvl1pPr rtl="0" hangingPunct="0">
+              <a:spcBef>
+                <a:spcPts val="1417"/>
+              </a:spcBef>
+              <a:spcAft>
+                <a:spcPts val="0"/>
+              </a:spcAft>
+              <a:tabLst/>
+              <a:defRPr lang="en-US" sz="3200" b="0" i="0" u="none" strike="noStrike" kern="1200" cap="none">
+                <a:ln>
+                  <a:noFill/>
+                </a:ln>
+                <a:highlight>
+                  <a:scrgbClr r="0" g="0" b="0">
+                    <a:alpha val="0"/>
+                  </a:scrgbClr>
+                </a:highlight>
+                <a:latin typeface="Liberation Sans" pitchFamily="18"/>
+                <a:cs typeface="Nachlieli CLM" pitchFamily="2"/>
+              </a:defRPr>
+            </a:lvl1pPr>
+            <a:lvl2pPr marL="685800" indent="-228600" algn="l" defTabSz="914400" rtl="0" eaLnBrk="1" latinLnBrk="0" hangingPunct="1">
+              <a:lnSpc>
+                <a:spcPct val="90000"/>
+              </a:lnSpc>
+              <a:spcBef>
+                <a:spcPts val="500"/>
+              </a:spcBef>
+              <a:buFont typeface="Arial" panose="020B0604020202020204" pitchFamily="34" charset="0"/>
+              <a:buChar char="•"/>
+              <a:defRPr sz="2400" kern="1200">
+                <a:solidFill>
+                  <a:schemeClr val="tx1"/>
+                </a:solidFill>
+                <a:latin typeface="+mn-lt"/>
+                <a:ea typeface="+mn-ea"/>
+                <a:cs typeface="+mn-cs"/>
+              </a:defRPr>
+            </a:lvl2pPr>
+            <a:lvl3pPr marL="1143000" indent="-228600" algn="l" defTabSz="914400" rtl="0" eaLnBrk="1" latinLnBrk="0" hangingPunct="1">
+              <a:lnSpc>
+                <a:spcPct val="90000"/>
+              </a:lnSpc>
+              <a:spcBef>
+                <a:spcPts val="500"/>
+              </a:spcBef>
+              <a:buFont typeface="Arial" panose="020B0604020202020204" pitchFamily="34" charset="0"/>
+              <a:buChar char="•"/>
+              <a:defRPr sz="2000" kern="1200">
+                <a:solidFill>
+                  <a:schemeClr val="tx1"/>
+                </a:solidFill>
+                <a:latin typeface="+mn-lt"/>
+                <a:ea typeface="+mn-ea"/>
+                <a:cs typeface="+mn-cs"/>
+              </a:defRPr>
+            </a:lvl3pPr>
+            <a:lvl4pPr marL="1600200" indent="-228600" algn="l" defTabSz="914400" rtl="0" eaLnBrk="1" latinLnBrk="0" hangingPunct="1">
+              <a:lnSpc>
+                <a:spcPct val="90000"/>
+              </a:lnSpc>
+              <a:spcBef>
+                <a:spcPts val="500"/>
+              </a:spcBef>
+              <a:buFont typeface="Arial" panose="020B0604020202020204" pitchFamily="34" charset="0"/>
+              <a:buChar char="•"/>
+              <a:defRPr sz="1800" kern="1200">
+                <a:solidFill>
+                  <a:schemeClr val="tx1"/>
+                </a:solidFill>
+                <a:latin typeface="+mn-lt"/>
+                <a:ea typeface="+mn-ea"/>
+                <a:cs typeface="+mn-cs"/>
+              </a:defRPr>
+            </a:lvl4pPr>
+            <a:lvl5pPr marL="2057400" indent="-228600" algn="l" defTabSz="914400" rtl="0" eaLnBrk="1" latinLnBrk="0" hangingPunct="1">
+              <a:lnSpc>
+                <a:spcPct val="90000"/>
+              </a:lnSpc>
+              <a:spcBef>
+                <a:spcPts val="500"/>
+              </a:spcBef>
+              <a:buFont typeface="Arial" panose="020B0604020202020204" pitchFamily="34" charset="0"/>
+              <a:buChar char="•"/>
+              <a:defRPr sz="1800" kern="1200">
+                <a:solidFill>
+                  <a:schemeClr val="tx1"/>
+                </a:solidFill>
+                <a:latin typeface="+mn-lt"/>
+                <a:ea typeface="+mn-ea"/>
+                <a:cs typeface="+mn-cs"/>
+              </a:defRPr>
+            </a:lvl5pPr>
+            <a:lvl6pPr marL="2514600" indent="-228600" algn="l" defTabSz="914400" rtl="0" eaLnBrk="1" latinLnBrk="0" hangingPunct="1">
+              <a:lnSpc>
+                <a:spcPct val="90000"/>
+              </a:lnSpc>
+              <a:spcBef>
+                <a:spcPts val="500"/>
+              </a:spcBef>
+              <a:buFont typeface="Arial" panose="020B0604020202020204" pitchFamily="34" charset="0"/>
+              <a:buChar char="•"/>
+              <a:defRPr sz="1800" kern="1200">
+                <a:solidFill>
+                  <a:schemeClr val="tx1"/>
+                </a:solidFill>
+                <a:latin typeface="+mn-lt"/>
+                <a:ea typeface="+mn-ea"/>
+                <a:cs typeface="+mn-cs"/>
+              </a:defRPr>
+            </a:lvl6pPr>
+            <a:lvl7pPr marL="2971800" indent="-228600" algn="l" defTabSz="914400" rtl="0" eaLnBrk="1" latinLnBrk="0" hangingPunct="1">
+              <a:lnSpc>
+                <a:spcPct val="90000"/>
+              </a:lnSpc>
+              <a:spcBef>
+                <a:spcPts val="500"/>
+              </a:spcBef>
+              <a:buFont typeface="Arial" panose="020B0604020202020204" pitchFamily="34" charset="0"/>
+              <a:buChar char="•"/>
+              <a:defRPr sz="1800" kern="1200">
+                <a:solidFill>
+                  <a:schemeClr val="tx1"/>
+                </a:solidFill>
+                <a:latin typeface="+mn-lt"/>
+                <a:ea typeface="+mn-ea"/>
+                <a:cs typeface="+mn-cs"/>
+              </a:defRPr>
+            </a:lvl7pPr>
+            <a:lvl8pPr marL="3429000" indent="-228600" algn="l" defTabSz="914400" rtl="0" eaLnBrk="1" latinLnBrk="0" hangingPunct="1">
+              <a:lnSpc>
+                <a:spcPct val="90000"/>
+              </a:lnSpc>
+              <a:spcBef>
+                <a:spcPts val="500"/>
+              </a:spcBef>
+              <a:buFont typeface="Arial" panose="020B0604020202020204" pitchFamily="34" charset="0"/>
+              <a:buChar char="•"/>
+              <a:defRPr sz="1800" kern="1200">
+                <a:solidFill>
+                  <a:schemeClr val="tx1"/>
+                </a:solidFill>
+                <a:latin typeface="+mn-lt"/>
+                <a:ea typeface="+mn-ea"/>
+                <a:cs typeface="+mn-cs"/>
+              </a:defRPr>
+            </a:lvl8pPr>
+            <a:lvl9pPr marL="3886200" indent="-228600" algn="l" defTabSz="914400" rtl="0" eaLnBrk="1" latinLnBrk="0" hangingPunct="1">
+              <a:lnSpc>
+                <a:spcPct val="90000"/>
+              </a:lnSpc>
+              <a:spcBef>
+                <a:spcPts val="500"/>
+              </a:spcBef>
+              <a:buFont typeface="Arial" panose="020B0604020202020204" pitchFamily="34" charset="0"/>
+              <a:buChar char="•"/>
+              <a:defRPr sz="1800" kern="1200">
+                <a:solidFill>
+                  <a:schemeClr val="tx1"/>
+                </a:solidFill>
+                <a:latin typeface="+mn-lt"/>
+                <a:ea typeface="+mn-ea"/>
+                <a:cs typeface="+mn-cs"/>
+              </a:defRPr>
+            </a:lvl9pPr>
+          </a:lstStyle>
+          <a:p>
+            <a:pPr algn="r" rtl="1">
+              <a:spcAft>
+                <a:spcPts val="720"/>
+              </a:spcAft>
+            </a:pPr>
+            <a:r>
+              <a:rPr lang="he-IL" b="1">
+                <a:solidFill>
+                  <a:sysClr val="windowText" lastClr="000000"/>
+                </a:solidFill>
+                <a:latin typeface="David CLM" panose="02000603000000000000" pitchFamily="2" charset="-79"/>
+              </a:rPr>
+              <a:t>הוכחה</a:t>
+            </a:r>
+            <a:r>
+              <a:rPr lang="he-IL">
+                <a:solidFill>
+                  <a:sysClr val="windowText" lastClr="000000"/>
+                </a:solidFill>
+                <a:latin typeface="David CLM" panose="02000603000000000000" pitchFamily="2" charset="-79"/>
+              </a:rPr>
+              <a:t>. המשקל של כל מעגל בגרף-הקנאה הוא הפרש של סכומי-הערכים בשתי השמות: </a:t>
+            </a:r>
+            <a:r>
+              <a:rPr lang="he-IL">
+                <a:solidFill>
+                  <a:schemeClr val="accent2"/>
+                </a:solidFill>
+                <a:latin typeface="David CLM" panose="02000603000000000000" pitchFamily="2" charset="-79"/>
+              </a:rPr>
+              <a:t>סכום הערכים בהשמה חלופית (שבה השחקנים מחליפים חדרים במעגל)</a:t>
+            </a:r>
+            <a:r>
+              <a:rPr lang="he-IL">
+                <a:solidFill>
+                  <a:sysClr val="windowText" lastClr="000000"/>
+                </a:solidFill>
+                <a:latin typeface="David CLM" panose="02000603000000000000" pitchFamily="2" charset="-79"/>
+              </a:rPr>
+              <a:t>, פחות </a:t>
+            </a:r>
+            <a:r>
+              <a:rPr lang="he-IL">
+                <a:solidFill>
+                  <a:schemeClr val="accent1"/>
+                </a:solidFill>
+                <a:latin typeface="David CLM" panose="02000603000000000000" pitchFamily="2" charset="-79"/>
+              </a:rPr>
+              <a:t>סכום הערכים בהשמה המקורית</a:t>
+            </a:r>
+            <a:r>
+              <a:rPr lang="he-IL">
+                <a:solidFill>
+                  <a:sysClr val="windowText" lastClr="000000"/>
+                </a:solidFill>
+                <a:latin typeface="David CLM" panose="02000603000000000000" pitchFamily="2" charset="-79"/>
+              </a:rPr>
+              <a:t>. ההשמה ממקסמת את סכום הערכים, אם ורק אם הפרש זה אינו חיובי. </a:t>
+            </a:r>
+            <a:r>
+              <a:rPr lang="en-US">
+                <a:solidFill>
+                  <a:sysClr val="windowText" lastClr="000000"/>
+                </a:solidFill>
+                <a:latin typeface="David CLM" panose="02000603000000000000" pitchFamily="2" charset="-79"/>
+              </a:rPr>
+              <a:t>  ***</a:t>
+            </a:r>
+            <a:endParaRPr lang="he-IL">
+              <a:solidFill>
+                <a:sysClr val="windowText" lastClr="000000"/>
+              </a:solidFill>
+              <a:latin typeface="Courier New" panose="02070309020205020404" pitchFamily="49" charset="0"/>
+            </a:endParaRPr>
+          </a:p>
+        </p:txBody>
+      </p:sp>
+      <p:sp>
+        <p:nvSpPr>
+          <p:cNvPr id="28" name="TextBox 27">
+            <a:extLst>
+              <a:ext uri="{FF2B5EF4-FFF2-40B4-BE49-F238E27FC236}">
+                <a16:creationId xmlns:a16="http://schemas.microsoft.com/office/drawing/2014/main" id="{5740EA18-CF2C-0630-659C-83F570E96B39}"/>
+              </a:ext>
+            </a:extLst>
+          </p:cNvPr>
+          <p:cNvSpPr txBox="1"/>
+          <p:nvPr/>
+        </p:nvSpPr>
+        <p:spPr>
+          <a:xfrm>
+            <a:off x="502202" y="2317357"/>
+            <a:ext cx="4570523" cy="369332"/>
+          </a:xfrm>
+          <a:prstGeom prst="rect">
+            <a:avLst/>
+          </a:prstGeom>
+          <a:noFill/>
+        </p:spPr>
+        <p:txBody>
+          <a:bodyPr wrap="square">
+            <a:spAutoFit/>
+          </a:bodyPr>
+          <a:lstStyle/>
+          <a:p>
+            <a:r>
+              <a:rPr lang="en-US" sz="1800" b="1">
+                <a:sym typeface="Wingdings" panose="05000000000000000000" pitchFamily="2" charset="2"/>
+              </a:rPr>
+              <a:t>-20+50+50 = 80 = </a:t>
+            </a:r>
+            <a:r>
+              <a:rPr lang="en-US" sz="1800" b="1">
+                <a:solidFill>
+                  <a:schemeClr val="accent2"/>
+                </a:solidFill>
+                <a:sym typeface="Wingdings" panose="05000000000000000000" pitchFamily="2" charset="2"/>
+              </a:rPr>
+              <a:t>(30+90+70)</a:t>
+            </a:r>
+            <a:r>
+              <a:rPr lang="en-US" sz="1800" b="1">
+                <a:sym typeface="Wingdings" panose="05000000000000000000" pitchFamily="2" charset="2"/>
+              </a:rPr>
+              <a:t> – </a:t>
+            </a:r>
+            <a:r>
+              <a:rPr lang="en-US" sz="1800" b="1">
+                <a:solidFill>
+                  <a:schemeClr val="accent1"/>
+                </a:solidFill>
+                <a:sym typeface="Wingdings" panose="05000000000000000000" pitchFamily="2" charset="2"/>
+              </a:rPr>
+              <a:t>(50+40+20)</a:t>
+            </a:r>
+            <a:r>
+              <a:rPr lang="en-US" sz="1800" b="1">
+                <a:sym typeface="Wingdings" panose="05000000000000000000" pitchFamily="2" charset="2"/>
+              </a:rPr>
+              <a:t>.</a:t>
+            </a:r>
+            <a:endParaRPr lang="en-IL" b="1"/>
+          </a:p>
+        </p:txBody>
+      </p:sp>
+    </p:spTree>
+    <p:extLst>
+      <p:ext uri="{BB962C8B-B14F-4D97-AF65-F5344CB8AC3E}">
+        <p14:creationId xmlns:p14="http://schemas.microsoft.com/office/powerpoint/2010/main" val="1710627849"/>
+      </p:ext>
+    </p:extLst>
+  </p:cSld>
+  <p:clrMapOvr>
+    <a:masterClrMapping/>
+  </p:clrMapOvr>
+</p:sld>
+</file>
+
+<file path=ppt/slides/slide18.xml><?xml version="1.0" encoding="utf-8"?>
 <p:sld xmlns:a="http://schemas.openxmlformats.org/drawingml/2006/main" xmlns:r="http://schemas.openxmlformats.org/officeDocument/2006/relationships" xmlns:p="http://schemas.openxmlformats.org/presentationml/2006/main">
   <p:cSld name="page18">
     <p:spTree>
@@ -15936,7 +20036,7 @@
 </p:sld>
 </file>
 
-<file path=ppt/slides/slide14.xml><?xml version="1.0" encoding="utf-8"?>
+<file path=ppt/slides/slide19.xml><?xml version="1.0" encoding="utf-8"?>
 <p:sld xmlns:a="http://schemas.openxmlformats.org/drawingml/2006/main" xmlns:r="http://schemas.openxmlformats.org/officeDocument/2006/relationships" xmlns:p="http://schemas.openxmlformats.org/presentationml/2006/main">
   <p:cSld name="page19">
     <p:spTree>
@@ -16818,7 +20918,413 @@
 </p:sld>
 </file>
 
-<file path=ppt/slides/slide15.xml><?xml version="1.0" encoding="utf-8"?>
+<file path=ppt/slides/slide2.xml><?xml version="1.0" encoding="utf-8"?>
+<p:sld xmlns:a="http://schemas.openxmlformats.org/drawingml/2006/main" xmlns:r="http://schemas.openxmlformats.org/officeDocument/2006/relationships" xmlns:p="http://schemas.openxmlformats.org/presentationml/2006/main">
+  <p:cSld name="page2">
+    <p:spTree>
+      <p:nvGrpSpPr>
+        <p:cNvPr id="1" name=""/>
+        <p:cNvGrpSpPr/>
+        <p:nvPr/>
+      </p:nvGrpSpPr>
+      <p:grpSpPr>
+        <a:xfrm>
+          <a:off x="0" y="0"/>
+          <a:ext cx="0" cy="0"/>
+          <a:chOff x="0" y="0"/>
+          <a:chExt cx="0" cy="0"/>
+        </a:xfrm>
+      </p:grpSpPr>
+      <p:sp>
+        <p:nvSpPr>
+          <p:cNvPr id="2" name="Title 1">
+            <a:extLst>
+              <a:ext uri="{FF2B5EF4-FFF2-40B4-BE49-F238E27FC236}">
+                <a16:creationId xmlns:a16="http://schemas.microsoft.com/office/drawing/2014/main" id="{A0B9867F-49F7-60C7-581F-9DB7BFEA0CEF}"/>
+              </a:ext>
+            </a:extLst>
+          </p:cNvPr>
+          <p:cNvSpPr txBox="1">
+            <a:spLocks noGrp="1"/>
+          </p:cNvSpPr>
+          <p:nvPr>
+            <p:ph type="title" idx="4294967295"/>
+          </p:nvPr>
+        </p:nvSpPr>
+        <p:spPr>
+          <a:xfrm>
+            <a:off x="0" y="0"/>
+            <a:ext cx="10080720" cy="914400"/>
+          </a:xfrm>
+        </p:spPr>
+        <p:txBody>
+          <a:bodyPr vert="horz"/>
+          <a:lstStyle/>
+          <a:p>
+            <a:pPr lvl="0" rtl="1"/>
+            <a:r>
+              <a:rPr lang="he-IL" sz="5400">
+                <a:latin typeface="Liberation Sans" pitchFamily="34"/>
+                <a:cs typeface="Liberation Sans" pitchFamily="34"/>
+              </a:rPr>
+              <a:t>חלוקת שכר דירה</a:t>
+            </a:r>
+          </a:p>
+        </p:txBody>
+      </p:sp>
+      <p:sp>
+        <p:nvSpPr>
+          <p:cNvPr id="3" name="Text Placeholder 2">
+            <a:extLst>
+              <a:ext uri="{FF2B5EF4-FFF2-40B4-BE49-F238E27FC236}">
+                <a16:creationId xmlns:a16="http://schemas.microsoft.com/office/drawing/2014/main" id="{83466B5D-DB68-351C-960F-DF3D78C24F45}"/>
+              </a:ext>
+            </a:extLst>
+          </p:cNvPr>
+          <p:cNvSpPr txBox="1">
+            <a:spLocks noGrp="1"/>
+          </p:cNvSpPr>
+          <p:nvPr>
+            <p:ph type="body" idx="4294967295"/>
+          </p:nvPr>
+        </p:nvSpPr>
+        <p:spPr>
+          <a:xfrm>
+            <a:off x="91440" y="1037159"/>
+            <a:ext cx="9875520" cy="6369480"/>
+          </a:xfrm>
+        </p:spPr>
+        <p:txBody>
+          <a:bodyPr vert="horz">
+            <a:noAutofit/>
+          </a:bodyPr>
+          <a:lstStyle/>
+          <a:p>
+            <a:pPr lvl="0" algn="r" rtl="1"/>
+            <a:r>
+              <a:rPr lang="he-IL" sz="4000">
+                <a:solidFill>
+                  <a:srgbClr val="000099"/>
+                </a:solidFill>
+                <a:latin typeface="Liberation Sans" pitchFamily="34"/>
+                <a:cs typeface="Liberation Sans" pitchFamily="34"/>
+              </a:rPr>
+              <a:t>נתונים:</a:t>
+            </a:r>
+          </a:p>
+          <a:p>
+            <a:pPr marL="571500" lvl="0" indent="-571500" algn="r" rtl="1">
+              <a:buSzPct val="45000"/>
+              <a:buFont typeface="Arial" panose="020B0604020202020204" pitchFamily="34" charset="0"/>
+              <a:buChar char="•"/>
+            </a:pPr>
+            <a:r>
+              <a:rPr lang="he-IL" sz="4000">
+                <a:solidFill>
+                  <a:srgbClr val="000099"/>
+                </a:solidFill>
+                <a:latin typeface="Liberation Sans" pitchFamily="34"/>
+                <a:cs typeface="Liberation Sans" pitchFamily="34"/>
+              </a:rPr>
+              <a:t>דירה עם </a:t>
+            </a:r>
+            <a:r>
+              <a:rPr lang="en-US" sz="4000" i="1">
+                <a:solidFill>
+                  <a:srgbClr val="000099"/>
+                </a:solidFill>
+                <a:latin typeface="Times New Roman" pitchFamily="18"/>
+                <a:cs typeface="Liberation Sans" pitchFamily="34"/>
+              </a:rPr>
+              <a:t>n</a:t>
+            </a:r>
+            <a:r>
+              <a:rPr lang="he-IL" sz="4000">
+                <a:solidFill>
+                  <a:srgbClr val="000099"/>
+                </a:solidFill>
+                <a:latin typeface="Liberation Sans" pitchFamily="34"/>
+                <a:cs typeface="Liberation Sans" pitchFamily="34"/>
+              </a:rPr>
+              <a:t> </a:t>
+            </a:r>
+            <a:r>
+              <a:rPr lang="en-US" sz="4000">
+                <a:solidFill>
+                  <a:srgbClr val="000099"/>
+                </a:solidFill>
+                <a:latin typeface="Liberation Sans" pitchFamily="34"/>
+                <a:cs typeface="Liberation Sans" pitchFamily="34"/>
+              </a:rPr>
+              <a:t>חדרים ודמי-שכירות נתונים </a:t>
+            </a:r>
+            <a:r>
+              <a:rPr lang="en-US" sz="4000" i="1">
+                <a:solidFill>
+                  <a:srgbClr val="000099"/>
+                </a:solidFill>
+                <a:latin typeface="Times New Roman" pitchFamily="18"/>
+                <a:cs typeface="Liberation Sans" pitchFamily="34"/>
+              </a:rPr>
+              <a:t>R</a:t>
+            </a:r>
+            <a:r>
+              <a:rPr lang="he-IL" sz="4000">
+                <a:solidFill>
+                  <a:srgbClr val="000099"/>
+                </a:solidFill>
+                <a:latin typeface="Liberation Sans" pitchFamily="34"/>
+                <a:cs typeface="Liberation Sans" pitchFamily="34"/>
+              </a:rPr>
+              <a:t>.</a:t>
+            </a:r>
+            <a:endParaRPr lang="en-US" sz="4000">
+              <a:solidFill>
+                <a:srgbClr val="000099"/>
+              </a:solidFill>
+              <a:latin typeface="Liberation Sans" pitchFamily="34"/>
+              <a:cs typeface="Liberation Sans" pitchFamily="34"/>
+            </a:endParaRPr>
+          </a:p>
+          <a:p>
+            <a:pPr marL="571500" lvl="0" indent="-571500" algn="r" rtl="1">
+              <a:buSzPct val="45000"/>
+              <a:buFont typeface="Arial" panose="020B0604020202020204" pitchFamily="34" charset="0"/>
+              <a:buChar char="•"/>
+            </a:pPr>
+            <a:r>
+              <a:rPr lang="he-IL" sz="4000">
+                <a:solidFill>
+                  <a:srgbClr val="000099"/>
+                </a:solidFill>
+                <a:latin typeface="Liberation Sans" pitchFamily="34"/>
+                <a:cs typeface="Liberation Sans" pitchFamily="34"/>
+              </a:rPr>
+              <a:t>קבוצה של </a:t>
+            </a:r>
+            <a:r>
+              <a:rPr lang="en-US" sz="4000" i="1">
+                <a:solidFill>
+                  <a:srgbClr val="000099"/>
+                </a:solidFill>
+                <a:latin typeface="Times New Roman" pitchFamily="18"/>
+                <a:cs typeface="Liberation Sans" pitchFamily="34"/>
+              </a:rPr>
+              <a:t>n</a:t>
+            </a:r>
+            <a:r>
+              <a:rPr lang="he-IL" sz="4000">
+                <a:solidFill>
+                  <a:srgbClr val="000099"/>
+                </a:solidFill>
+                <a:latin typeface="Liberation Sans" pitchFamily="34"/>
+                <a:cs typeface="Liberation Sans" pitchFamily="34"/>
+              </a:rPr>
+              <a:t> שותפים השוכרים את הדירה.</a:t>
+            </a:r>
+          </a:p>
+          <a:p>
+            <a:pPr lvl="0" algn="r" rtl="1"/>
+            <a:r>
+              <a:rPr lang="he-IL" sz="4000">
+                <a:solidFill>
+                  <a:srgbClr val="990066"/>
+                </a:solidFill>
+                <a:latin typeface="Liberation Sans" pitchFamily="34"/>
+                <a:cs typeface="Liberation Sans" pitchFamily="34"/>
+              </a:rPr>
+              <a:t>האתגר: להחליט מי יגור איפה, וכמה ישלם, כך שלא תהיה קנאה. </a:t>
+            </a:r>
+            <a:r>
+              <a:rPr lang="he-IL" sz="4000">
+                <a:latin typeface="Liberation Sans" pitchFamily="34"/>
+                <a:cs typeface="Liberation Sans" pitchFamily="34"/>
+              </a:rPr>
+              <a:t>הפלט הדרוש הוא:</a:t>
+            </a:r>
+          </a:p>
+          <a:p>
+            <a:pPr lvl="0" algn="r" rtl="1">
+              <a:buSzPct val="45000"/>
+            </a:pPr>
+            <a:r>
+              <a:rPr lang="he-IL" sz="4000" b="1">
+                <a:cs typeface="Liberation Sans" pitchFamily="34"/>
+              </a:rPr>
+              <a:t>השמה</a:t>
+            </a:r>
+            <a:r>
+              <a:rPr lang="he-IL" sz="4000">
+                <a:cs typeface="Liberation Sans" pitchFamily="34"/>
+              </a:rPr>
+              <a:t> := </a:t>
+            </a:r>
+            <a:r>
+              <a:rPr lang="en-US" sz="4000">
+                <a:cs typeface="Liberation Sans" pitchFamily="34"/>
+              </a:rPr>
+              <a:t>לכל שחקן i</a:t>
+            </a:r>
+            <a:r>
+              <a:rPr lang="he-IL" sz="4000">
+                <a:cs typeface="Liberation Sans" pitchFamily="34"/>
+              </a:rPr>
+              <a:t> </a:t>
+            </a:r>
+            <a:r>
+              <a:rPr lang="en-US" sz="4000">
+                <a:cs typeface="Liberation Sans" pitchFamily="34"/>
+              </a:rPr>
+              <a:t>מתאימים חדר אחד X</a:t>
+            </a:r>
+            <a:r>
+              <a:rPr lang="en-US" sz="4000" baseline="-8000">
+                <a:cs typeface="Liberation Sans" pitchFamily="34"/>
+              </a:rPr>
+              <a:t>i</a:t>
+            </a:r>
+            <a:r>
+              <a:rPr lang="he-IL" sz="4000">
+                <a:cs typeface="Liberation Sans" pitchFamily="34"/>
+              </a:rPr>
+              <a:t>.</a:t>
+            </a:r>
+            <a:endParaRPr lang="en-US" sz="4000">
+              <a:cs typeface="Liberation Sans" pitchFamily="34"/>
+            </a:endParaRPr>
+          </a:p>
+          <a:p>
+            <a:pPr lvl="0" algn="r" rtl="1">
+              <a:buSzPct val="45000"/>
+            </a:pPr>
+            <a:r>
+              <a:rPr lang="he-IL" sz="4000" b="1">
+                <a:cs typeface="Liberation Sans" pitchFamily="34"/>
+              </a:rPr>
+              <a:t>תמחור </a:t>
+            </a:r>
+            <a:r>
+              <a:rPr lang="he-IL" sz="4000">
+                <a:cs typeface="Liberation Sans" pitchFamily="34"/>
+              </a:rPr>
+              <a:t>:= </a:t>
+            </a:r>
+            <a:r>
+              <a:rPr lang="en-US" sz="4000">
+                <a:cs typeface="Liberation Sans" pitchFamily="34"/>
+              </a:rPr>
+              <a:t>לכל חדר j</a:t>
+            </a:r>
+            <a:r>
+              <a:rPr lang="he-IL" sz="4000">
+                <a:cs typeface="Liberation Sans" pitchFamily="34"/>
+              </a:rPr>
+              <a:t> </a:t>
+            </a:r>
+            <a:r>
+              <a:rPr lang="en-US" sz="4000">
+                <a:cs typeface="Liberation Sans" pitchFamily="34"/>
+              </a:rPr>
+              <a:t>מתאימים מחיר p(j)</a:t>
+            </a:r>
+            <a:r>
+              <a:rPr lang="he-IL" sz="4000">
+                <a:cs typeface="Liberation Sans" pitchFamily="34"/>
+              </a:rPr>
+              <a:t>.</a:t>
+            </a:r>
+            <a:endParaRPr lang="en-US" sz="4000">
+              <a:cs typeface="Liberation Sans" pitchFamily="34"/>
+            </a:endParaRPr>
+          </a:p>
+          <a:p>
+            <a:pPr marL="571500" lvl="0" indent="-571500" algn="r" rtl="1">
+              <a:buSzPct val="45000"/>
+              <a:buFont typeface="Arial" panose="020B0604020202020204" pitchFamily="34" charset="0"/>
+              <a:buChar char="•"/>
+            </a:pPr>
+            <a:r>
+              <a:rPr lang="he-IL" sz="4000" b="1">
+                <a:solidFill>
+                  <a:srgbClr val="069A2E"/>
+                </a:solidFill>
+                <a:latin typeface="Liberation Sans" pitchFamily="34"/>
+                <a:cs typeface="Liberation Sans" pitchFamily="34"/>
+              </a:rPr>
+              <a:t>ללא קנאה</a:t>
+            </a:r>
+            <a:r>
+              <a:rPr lang="he-IL" sz="4000">
+                <a:solidFill>
+                  <a:srgbClr val="069A2E"/>
+                </a:solidFill>
+                <a:latin typeface="Liberation Sans" pitchFamily="34"/>
+                <a:cs typeface="Liberation Sans" pitchFamily="34"/>
+              </a:rPr>
+              <a:t>: </a:t>
+            </a:r>
+            <a:r>
+              <a:rPr lang="en-US" sz="4000">
+                <a:solidFill>
+                  <a:srgbClr val="069A2E"/>
+                </a:solidFill>
+                <a:latin typeface="Liberation Sans" pitchFamily="34"/>
+                <a:cs typeface="Liberation Sans" pitchFamily="34"/>
+              </a:rPr>
+              <a:t>אף שותף לא מעדיף את החבילה </a:t>
+            </a:r>
+            <a:r>
+              <a:rPr lang="he-IL" sz="4000">
+                <a:solidFill>
+                  <a:srgbClr val="069A2E"/>
+                </a:solidFill>
+                <a:latin typeface="Liberation Sans" pitchFamily="34"/>
+                <a:cs typeface="Liberation Sans" pitchFamily="34"/>
+              </a:rPr>
+              <a:t>(</a:t>
+            </a:r>
+            <a:r>
+              <a:rPr lang="en-US" sz="4000">
+                <a:solidFill>
+                  <a:srgbClr val="069A2E"/>
+                </a:solidFill>
+                <a:latin typeface="Liberation Sans" pitchFamily="34"/>
+                <a:cs typeface="Liberation Sans" pitchFamily="34"/>
+              </a:rPr>
+              <a:t>חדר+מחיר</a:t>
+            </a:r>
+            <a:r>
+              <a:rPr lang="he-IL" sz="4000">
+                <a:solidFill>
+                  <a:srgbClr val="069A2E"/>
+                </a:solidFill>
+                <a:latin typeface="Liberation Sans" pitchFamily="34"/>
+                <a:cs typeface="Liberation Sans" pitchFamily="34"/>
+              </a:rPr>
+              <a:t>) </a:t>
+            </a:r>
+            <a:r>
+              <a:rPr lang="en-US" sz="4000">
+                <a:solidFill>
+                  <a:srgbClr val="069A2E"/>
+                </a:solidFill>
+                <a:latin typeface="Liberation Sans" pitchFamily="34"/>
+                <a:cs typeface="Liberation Sans" pitchFamily="34"/>
+              </a:rPr>
+              <a:t>של שותף אחר.</a:t>
+            </a:r>
+          </a:p>
+        </p:txBody>
+      </p:sp>
+    </p:spTree>
+  </p:cSld>
+  <p:clrMapOvr>
+    <a:masterClrMapping/>
+  </p:clrMapOvr>
+</p:sld>
+</file>
+
+<file path=ppt/slides/slide20.xml><?xml version="1.0" encoding="utf-8"?>
 <p:sld xmlns:a="http://schemas.openxmlformats.org/drawingml/2006/main" xmlns:r="http://schemas.openxmlformats.org/officeDocument/2006/relationships" xmlns:p="http://schemas.openxmlformats.org/presentationml/2006/main">
   <p:cSld name="page20">
     <p:spTree>
@@ -18944,7 +23450,7 @@
 </p:sld>
 </file>
 
-<file path=ppt/slides/slide16.xml><?xml version="1.0" encoding="utf-8"?>
+<file path=ppt/slides/slide21.xml><?xml version="1.0" encoding="utf-8"?>
 <p:sld xmlns:a="http://schemas.openxmlformats.org/drawingml/2006/main" xmlns:r="http://schemas.openxmlformats.org/officeDocument/2006/relationships" xmlns:p="http://schemas.openxmlformats.org/presentationml/2006/main">
   <p:cSld name="page21">
     <p:spTree>
@@ -21183,7 +25689,7 @@
 </p:sld>
 </file>
 
-<file path=ppt/slides/slide17.xml><?xml version="1.0" encoding="utf-8"?>
+<file path=ppt/slides/slide22.xml><?xml version="1.0" encoding="utf-8"?>
 <p:sld xmlns:a="http://schemas.openxmlformats.org/drawingml/2006/main" xmlns:r="http://schemas.openxmlformats.org/officeDocument/2006/relationships" xmlns:p="http://schemas.openxmlformats.org/presentationml/2006/main">
   <p:cSld name="page22">
     <p:spTree>
@@ -21255,8 +25761,8 @@
         </p:nvSpPr>
         <p:spPr>
           <a:xfrm>
-            <a:off x="0" y="1463039"/>
-            <a:ext cx="10080720" cy="6035040"/>
+            <a:off x="0" y="1143000"/>
+            <a:ext cx="10080720" cy="6355079"/>
           </a:xfrm>
         </p:spPr>
         <p:txBody>
@@ -21269,24 +25775,14 @@
               <a:buSzPct val="45000"/>
             </a:pPr>
             <a:r>
-              <a:rPr lang="he-IL" sz="4000">
+              <a:rPr lang="he-IL" sz="3600">
                 <a:solidFill>
                   <a:srgbClr val="990066"/>
                 </a:solidFill>
                 <a:latin typeface="Liberation Sans" pitchFamily="34"/>
                 <a:cs typeface="Liberation Sans" pitchFamily="34"/>
               </a:rPr>
-              <a:t>מצאנו השמה ממקסמת-ערכים. צריך לקבוע מחירים כך שההשמה תהיה ללא קנאה, וסכום המחירים יהיה שווה לשכר-הדירה. </a:t>
-            </a:r>
-            <a:r>
-              <a:rPr lang="he-IL" sz="4000" b="1">
-                <a:solidFill>
-                  <a:srgbClr val="990066"/>
-                </a:solidFill>
-                <a:latin typeface="Liberation Sans" pitchFamily="34"/>
-                <a:cs typeface="Liberation Sans" pitchFamily="34"/>
-              </a:rPr>
-              <a:t>איך?</a:t>
+              <a:t>מצאנו השמה ממקסמת-ערכים. איך נמצא תמחור כך שההשמה תהיה ללא קנאה?</a:t>
             </a:r>
           </a:p>
           <a:p>
@@ -21294,61 +25790,115 @@
               <a:buSzPct val="45000"/>
             </a:pPr>
             <a:r>
-              <a:rPr lang="he-IL" sz="4000">
+              <a:rPr lang="he-IL" b="1">
                 <a:solidFill>
                   <a:srgbClr val="00CC33"/>
                 </a:solidFill>
                 <a:latin typeface="Liberation Sans" pitchFamily="34"/>
                 <a:cs typeface="Liberation Sans" pitchFamily="34"/>
               </a:rPr>
-              <a:t>בעיית </a:t>
-            </a:r>
-            <a:r>
-              <a:rPr lang="he-IL" sz="4000" b="1">
+              <a:t>דרך א</a:t>
+            </a:r>
+            <a:r>
+              <a:rPr lang="he-IL">
                 <a:solidFill>
                   <a:srgbClr val="00CC33"/>
                 </a:solidFill>
                 <a:latin typeface="Liberation Sans" pitchFamily="34"/>
                 <a:cs typeface="Liberation Sans" pitchFamily="34"/>
               </a:rPr>
-              <a:t>תיכנות ליניארי – </a:t>
-            </a:r>
-            <a:br>
-              <a:rPr lang="en-US" sz="4000" b="1">
+              <a:t>. לפי הוכחת המשפט</a:t>
+            </a:r>
+            <a:r>
+              <a:rPr lang="en-US">
                 <a:solidFill>
                   <a:srgbClr val="00CC33"/>
                 </a:solidFill>
                 <a:latin typeface="Liberation Sans" pitchFamily="34"/>
                 <a:cs typeface="Liberation Sans" pitchFamily="34"/>
               </a:rPr>
-            </a:br>
-            <a:r>
-              <a:rPr lang="en-US" sz="4000" b="1">
+              <a:t>:</a:t>
+            </a:r>
+            <a:endParaRPr lang="he-IL">
+              <a:solidFill>
+                <a:srgbClr val="00CC33"/>
+              </a:solidFill>
+              <a:latin typeface="Liberation Sans" pitchFamily="34"/>
+              <a:cs typeface="Liberation Sans" pitchFamily="34"/>
+            </a:endParaRPr>
+          </a:p>
+          <a:p>
+            <a:pPr marL="457200" lvl="0" indent="-457200" algn="r" rtl="1">
+              <a:buSzPct val="45000"/>
+              <a:buFont typeface="Arial" panose="020B0604020202020204" pitchFamily="34" charset="0"/>
+              <a:buChar char="•"/>
+            </a:pPr>
+            <a:r>
+              <a:rPr lang="he-IL">
                 <a:solidFill>
                   <a:srgbClr val="00CC33"/>
                 </a:solidFill>
                 <a:latin typeface="Liberation Sans" pitchFamily="34"/>
                 <a:cs typeface="Liberation Sans" pitchFamily="34"/>
               </a:rPr>
-              <a:t>linear programming</a:t>
-            </a:r>
-            <a:r>
-              <a:rPr lang="en-US" sz="4000">
+              <a:t>לכל שחקן, ניתן סובסידיה בגובה משקל המסלול הכבד ביותר היוצא ממנו (חישוב ע"י אלגוריתם בלמן-פורד).</a:t>
+            </a:r>
+          </a:p>
+          <a:p>
+            <a:pPr marL="457200" lvl="0" indent="-457200" algn="r" rtl="1">
+              <a:buSzPct val="45000"/>
+              <a:buFont typeface="Arial" panose="020B0604020202020204" pitchFamily="34" charset="0"/>
+              <a:buChar char="•"/>
+            </a:pPr>
+            <a:r>
+              <a:rPr lang="he-IL">
                 <a:solidFill>
                   <a:srgbClr val="00CC33"/>
                 </a:solidFill>
                 <a:latin typeface="Liberation Sans" pitchFamily="34"/>
                 <a:cs typeface="Liberation Sans" pitchFamily="34"/>
               </a:rPr>
-              <a:t>.</a:t>
-            </a:r>
+              <a:t>נגבה סכום שווה מכל שחקן כדי לכסות את ה"גירעון".</a:t>
+            </a:r>
+          </a:p>
+          <a:p>
+            <a:pPr lvl="0" algn="r" rtl="1">
+              <a:buSzPct val="45000"/>
+            </a:pPr>
+            <a:r>
+              <a:rPr lang="he-IL" b="1">
+                <a:solidFill>
+                  <a:schemeClr val="accent1"/>
+                </a:solidFill>
+                <a:latin typeface="Liberation Sans" pitchFamily="34"/>
+                <a:cs typeface="Liberation Sans" pitchFamily="34"/>
+              </a:rPr>
+              <a:t>דרך ב</a:t>
+            </a:r>
+            <a:r>
+              <a:rPr lang="he-IL">
+                <a:solidFill>
+                  <a:schemeClr val="accent1"/>
+                </a:solidFill>
+                <a:latin typeface="Liberation Sans" pitchFamily="34"/>
+                <a:cs typeface="Liberation Sans" pitchFamily="34"/>
+              </a:rPr>
+              <a:t>. תיכנות ליניארי:</a:t>
+            </a:r>
+            <a:endParaRPr lang="en-US">
+              <a:solidFill>
+                <a:schemeClr val="accent1"/>
+              </a:solidFill>
+              <a:latin typeface="Liberation Sans" pitchFamily="34"/>
+              <a:cs typeface="Liberation Sans" pitchFamily="34"/>
+            </a:endParaRPr>
           </a:p>
           <a:p>
             <a:pPr lvl="0"/>
             <a:r>
-              <a:rPr lang="en-US" sz="3600">
-                <a:solidFill>
-                  <a:srgbClr val="00CC33"/>
+              <a:rPr lang="en-US">
+                <a:solidFill>
+                  <a:schemeClr val="accent1"/>
                 </a:solidFill>
                 <a:latin typeface="David CLM" pitchFamily="18"/>
                 <a:cs typeface="David CLM" pitchFamily="2"/>
@@ -21359,9 +25909,9 @@
           <a:p>
             <a:pPr lvl="0"/>
             <a:r>
-              <a:rPr lang="en-US" sz="3600">
-                <a:solidFill>
-                  <a:srgbClr val="00CC33"/>
+              <a:rPr lang="en-US">
+                <a:solidFill>
+                  <a:schemeClr val="accent1"/>
                 </a:solidFill>
                 <a:latin typeface="David CLM" pitchFamily="18"/>
                 <a:cs typeface="David CLM" pitchFamily="2"/>
@@ -21369,9 +25919,9 @@
               <a:t>            w[d[i], i] - p[i] </a:t>
             </a:r>
             <a:r>
-              <a:rPr lang="en-US" sz="3600" i="1">
-                <a:solidFill>
-                  <a:srgbClr val="00CC33"/>
+              <a:rPr lang="en-US" i="1">
+                <a:solidFill>
+                  <a:schemeClr val="accent1"/>
                 </a:solidFill>
                 <a:latin typeface="David CLM" pitchFamily="18"/>
                 <a:cs typeface="David CLM" pitchFamily="2"/>
@@ -21379,9 +25929,9 @@
               <a:t>≥</a:t>
             </a:r>
             <a:r>
-              <a:rPr lang="en-US" sz="3600">
-                <a:solidFill>
-                  <a:srgbClr val="00CC33"/>
+              <a:rPr lang="en-US">
+                <a:solidFill>
+                  <a:schemeClr val="accent1"/>
                 </a:solidFill>
                 <a:latin typeface="David CLM" pitchFamily="18"/>
                 <a:cs typeface="David CLM" pitchFamily="2"/>
@@ -21399,9 +25949,9 @@
               <a:buChar char="–"/>
             </a:pPr>
             <a:r>
-              <a:rPr lang="he-IL" sz="2800">
-                <a:solidFill>
-                  <a:srgbClr val="0000CC"/>
+              <a:rPr lang="he-IL" sz="3200">
+                <a:solidFill>
+                  <a:schemeClr val="accent1"/>
                 </a:solidFill>
                 <a:highlight>
                   <a:scrgbClr r="0" g="0" b="0">
@@ -21414,9 +25964,9 @@
               <a:t> אפשר לפתור למשל בפייתון בעזרת </a:t>
             </a:r>
             <a:r>
-              <a:rPr lang="en-US" sz="2800">
-                <a:solidFill>
-                  <a:srgbClr val="0000CC"/>
+              <a:rPr lang="en-US" sz="3200">
+                <a:solidFill>
+                  <a:schemeClr val="accent1"/>
                 </a:solidFill>
                 <a:highlight>
                   <a:scrgbClr r="0" g="0" b="0">
@@ -21429,9 +25979,9 @@
               <a:t>cvxpy</a:t>
             </a:r>
             <a:r>
-              <a:rPr lang="he-IL" sz="2800">
-                <a:solidFill>
-                  <a:srgbClr val="0000CC"/>
+              <a:rPr lang="he-IL" sz="3200">
+                <a:solidFill>
+                  <a:schemeClr val="accent1"/>
                 </a:solidFill>
                 <a:highlight>
                   <a:scrgbClr r="0" g="0" b="0">
@@ -21443,9 +25993,9 @@
               </a:rPr>
               <a:t>.</a:t>
             </a:r>
-            <a:endParaRPr lang="en-US" sz="2800">
+            <a:endParaRPr lang="en-US" sz="3200">
               <a:solidFill>
-                <a:srgbClr val="0000CC"/>
+                <a:schemeClr val="accent1"/>
               </a:solidFill>
               <a:highlight>
                 <a:scrgbClr r="0" g="0" b="0">
@@ -21463,252 +26013,10 @@
   <p:clrMapOvr>
     <a:masterClrMapping/>
   </p:clrMapOvr>
-  <p:timing>
-    <p:tnLst>
-      <p:par>
-        <p:cTn id="1" dur="indefinite" restart="never" nodeType="tmRoot">
-          <p:childTnLst>
-            <p:seq concurrent="1" nextAc="seek">
-              <p:cTn id="2" dur="indefinite" nodeType="mainSeq">
-                <p:childTnLst>
-                  <p:par>
-                    <p:cTn id="3" fill="hold">
-                      <p:stCondLst>
-                        <p:cond delay="indefinite"/>
-                      </p:stCondLst>
-                      <p:childTnLst>
-                        <p:par>
-                          <p:cTn id="4" fill="hold">
-                            <p:stCondLst>
-                              <p:cond delay="0"/>
-                            </p:stCondLst>
-                            <p:childTnLst>
-                              <p:par>
-                                <p:cTn id="5" presetClass="entr" fill="hold" grpId="1" nodeType="clickEffect">
-                                  <p:stCondLst>
-                                    <p:cond delay="0"/>
-                                  </p:stCondLst>
-                                  <p:childTnLst>
-                                    <p:set>
-                                      <p:cBhvr>
-                                        <p:cTn id="6" dur="1" fill="hold">
-                                          <p:stCondLst>
-                                            <p:cond delay="0"/>
-                                          </p:stCondLst>
-                                        </p:cTn>
-                                        <p:tgtEl>
-                                          <p:spTgt spid="3">
-                                            <p:txEl>
-                                              <p:pRg st="0" end="0"/>
-                                            </p:txEl>
-                                          </p:spTgt>
-                                        </p:tgtEl>
-                                        <p:attrNameLst>
-                                          <p:attrName>style.visibility</p:attrName>
-                                        </p:attrNameLst>
-                                      </p:cBhvr>
-                                      <p:to>
-                                        <p:strVal val="visible"/>
-                                      </p:to>
-                                    </p:set>
-                                  </p:childTnLst>
-                                </p:cTn>
-                              </p:par>
-                            </p:childTnLst>
-                          </p:cTn>
-                        </p:par>
-                      </p:childTnLst>
-                    </p:cTn>
-                  </p:par>
-                  <p:par>
-                    <p:cTn id="7" fill="hold">
-                      <p:stCondLst>
-                        <p:cond delay="indefinite"/>
-                      </p:stCondLst>
-                      <p:childTnLst>
-                        <p:par>
-                          <p:cTn id="8" fill="hold">
-                            <p:stCondLst>
-                              <p:cond delay="0"/>
-                            </p:stCondLst>
-                            <p:childTnLst>
-                              <p:par>
-                                <p:cTn id="9" presetClass="entr" fill="hold" grpId="1" nodeType="clickEffect">
-                                  <p:stCondLst>
-                                    <p:cond delay="0"/>
-                                  </p:stCondLst>
-                                  <p:childTnLst>
-                                    <p:set>
-                                      <p:cBhvr>
-                                        <p:cTn id="10" dur="1" fill="hold">
-                                          <p:stCondLst>
-                                            <p:cond delay="0"/>
-                                          </p:stCondLst>
-                                        </p:cTn>
-                                        <p:tgtEl>
-                                          <p:spTgt spid="3">
-                                            <p:txEl>
-                                              <p:pRg st="1" end="1"/>
-                                            </p:txEl>
-                                          </p:spTgt>
-                                        </p:tgtEl>
-                                        <p:attrNameLst>
-                                          <p:attrName>style.visibility</p:attrName>
-                                        </p:attrNameLst>
-                                      </p:cBhvr>
-                                      <p:to>
-                                        <p:strVal val="visible"/>
-                                      </p:to>
-                                    </p:set>
-                                  </p:childTnLst>
-                                </p:cTn>
-                              </p:par>
-                            </p:childTnLst>
-                          </p:cTn>
-                        </p:par>
-                      </p:childTnLst>
-                    </p:cTn>
-                  </p:par>
-                  <p:par>
-                    <p:cTn id="11" fill="hold">
-                      <p:stCondLst>
-                        <p:cond delay="indefinite"/>
-                      </p:stCondLst>
-                      <p:childTnLst>
-                        <p:par>
-                          <p:cTn id="12" fill="hold">
-                            <p:stCondLst>
-                              <p:cond delay="0"/>
-                            </p:stCondLst>
-                            <p:childTnLst>
-                              <p:par>
-                                <p:cTn id="13" presetClass="entr" fill="hold" grpId="1" nodeType="clickEffect">
-                                  <p:stCondLst>
-                                    <p:cond delay="0"/>
-                                  </p:stCondLst>
-                                  <p:childTnLst>
-                                    <p:set>
-                                      <p:cBhvr>
-                                        <p:cTn id="14" dur="1" fill="hold">
-                                          <p:stCondLst>
-                                            <p:cond delay="0"/>
-                                          </p:stCondLst>
-                                        </p:cTn>
-                                        <p:tgtEl>
-                                          <p:spTgt spid="3">
-                                            <p:txEl>
-                                              <p:pRg st="2" end="2"/>
-                                            </p:txEl>
-                                          </p:spTgt>
-                                        </p:tgtEl>
-                                        <p:attrNameLst>
-                                          <p:attrName>style.visibility</p:attrName>
-                                        </p:attrNameLst>
-                                      </p:cBhvr>
-                                      <p:to>
-                                        <p:strVal val="visible"/>
-                                      </p:to>
-                                    </p:set>
-                                  </p:childTnLst>
-                                </p:cTn>
-                              </p:par>
-                              <p:par>
-                                <p:cTn id="15" presetClass="entr" fill="hold" grpId="1" nodeType="withEffect">
-                                  <p:stCondLst>
-                                    <p:cond delay="0"/>
-                                  </p:stCondLst>
-                                  <p:childTnLst>
-                                    <p:set>
-                                      <p:cBhvr>
-                                        <p:cTn id="16" dur="1" fill="hold">
-                                          <p:stCondLst>
-                                            <p:cond delay="0"/>
-                                          </p:stCondLst>
-                                        </p:cTn>
-                                        <p:tgtEl>
-                                          <p:spTgt spid="3">
-                                            <p:txEl>
-                                              <p:pRg st="3" end="3"/>
-                                            </p:txEl>
-                                          </p:spTgt>
-                                        </p:tgtEl>
-                                        <p:attrNameLst>
-                                          <p:attrName>style.visibility</p:attrName>
-                                        </p:attrNameLst>
-                                      </p:cBhvr>
-                                      <p:to>
-                                        <p:strVal val="visible"/>
-                                      </p:to>
-                                    </p:set>
-                                  </p:childTnLst>
-                                </p:cTn>
-                              </p:par>
-                              <p:par>
-                                <p:cTn id="17" presetClass="entr" fill="hold" grpId="1" nodeType="withEffect">
-                                  <p:stCondLst>
-                                    <p:cond delay="0"/>
-                                  </p:stCondLst>
-                                  <p:childTnLst>
-                                    <p:set>
-                                      <p:cBhvr>
-                                        <p:cTn id="18" dur="1" fill="hold">
-                                          <p:stCondLst>
-                                            <p:cond delay="0"/>
-                                          </p:stCondLst>
-                                        </p:cTn>
-                                        <p:tgtEl>
-                                          <p:spTgt spid="3">
-                                            <p:txEl>
-                                              <p:pRg st="4" end="4"/>
-                                            </p:txEl>
-                                          </p:spTgt>
-                                        </p:tgtEl>
-                                        <p:attrNameLst>
-                                          <p:attrName>style.visibility</p:attrName>
-                                        </p:attrNameLst>
-                                      </p:cBhvr>
-                                      <p:to>
-                                        <p:strVal val="visible"/>
-                                      </p:to>
-                                    </p:set>
-                                  </p:childTnLst>
-                                </p:cTn>
-                              </p:par>
-                            </p:childTnLst>
-                          </p:cTn>
-                        </p:par>
-                      </p:childTnLst>
-                    </p:cTn>
-                  </p:par>
-                </p:childTnLst>
-              </p:cTn>
-              <p:prevCondLst>
-                <p:cond evt="onPrev" delay="0">
-                  <p:tgtEl>
-                    <p:sldTgt/>
-                  </p:tgtEl>
-                </p:cond>
-              </p:prevCondLst>
-              <p:nextCondLst>
-                <p:cond evt="onNext" delay="0">
-                  <p:tgtEl>
-                    <p:sldTgt/>
-                  </p:tgtEl>
-                </p:cond>
-              </p:nextCondLst>
-            </p:seq>
-          </p:childTnLst>
-        </p:cTn>
-      </p:par>
-    </p:tnLst>
-    <p:bldLst>
-      <p:bldP spid="3" grpId="1" build="p"/>
-    </p:bldLst>
-  </p:timing>
 </p:sld>
 </file>
 
-<file path=ppt/slides/slide18.xml><?xml version="1.0" encoding="utf-8"?>
+<file path=ppt/slides/slide23.xml><?xml version="1.0" encoding="utf-8"?>
 <p:sld xmlns:a="http://schemas.openxmlformats.org/drawingml/2006/main" xmlns:r="http://schemas.openxmlformats.org/officeDocument/2006/relationships" xmlns:p="http://schemas.openxmlformats.org/presentationml/2006/main">
   <p:cSld name="page24">
     <p:spTree>
@@ -22546,7 +26854,7 @@
 </p:sld>
 </file>
 
-<file path=ppt/slides/slide19.xml><?xml version="1.0" encoding="utf-8"?>
+<file path=ppt/slides/slide24.xml><?xml version="1.0" encoding="utf-8"?>
 <p:sld xmlns:a="http://schemas.openxmlformats.org/drawingml/2006/main" xmlns:r="http://schemas.openxmlformats.org/officeDocument/2006/relationships" xmlns:p="http://schemas.openxmlformats.org/presentationml/2006/main">
   <p:cSld name="page25">
     <p:spTree>
@@ -23826,413 +28134,7 @@
 </p:sld>
 </file>
 
-<file path=ppt/slides/slide2.xml><?xml version="1.0" encoding="utf-8"?>
-<p:sld xmlns:a="http://schemas.openxmlformats.org/drawingml/2006/main" xmlns:r="http://schemas.openxmlformats.org/officeDocument/2006/relationships" xmlns:p="http://schemas.openxmlformats.org/presentationml/2006/main">
-  <p:cSld name="page2">
-    <p:spTree>
-      <p:nvGrpSpPr>
-        <p:cNvPr id="1" name=""/>
-        <p:cNvGrpSpPr/>
-        <p:nvPr/>
-      </p:nvGrpSpPr>
-      <p:grpSpPr>
-        <a:xfrm>
-          <a:off x="0" y="0"/>
-          <a:ext cx="0" cy="0"/>
-          <a:chOff x="0" y="0"/>
-          <a:chExt cx="0" cy="0"/>
-        </a:xfrm>
-      </p:grpSpPr>
-      <p:sp>
-        <p:nvSpPr>
-          <p:cNvPr id="2" name="Title 1">
-            <a:extLst>
-              <a:ext uri="{FF2B5EF4-FFF2-40B4-BE49-F238E27FC236}">
-                <a16:creationId xmlns:a16="http://schemas.microsoft.com/office/drawing/2014/main" id="{A0B9867F-49F7-60C7-581F-9DB7BFEA0CEF}"/>
-              </a:ext>
-            </a:extLst>
-          </p:cNvPr>
-          <p:cNvSpPr txBox="1">
-            <a:spLocks noGrp="1"/>
-          </p:cNvSpPr>
-          <p:nvPr>
-            <p:ph type="title" idx="4294967295"/>
-          </p:nvPr>
-        </p:nvSpPr>
-        <p:spPr>
-          <a:xfrm>
-            <a:off x="0" y="0"/>
-            <a:ext cx="10080720" cy="914400"/>
-          </a:xfrm>
-        </p:spPr>
-        <p:txBody>
-          <a:bodyPr vert="horz"/>
-          <a:lstStyle/>
-          <a:p>
-            <a:pPr lvl="0" rtl="1"/>
-            <a:r>
-              <a:rPr lang="he-IL" sz="5400">
-                <a:latin typeface="Liberation Sans" pitchFamily="34"/>
-                <a:cs typeface="Liberation Sans" pitchFamily="34"/>
-              </a:rPr>
-              <a:t>חלוקת שכר דירה</a:t>
-            </a:r>
-          </a:p>
-        </p:txBody>
-      </p:sp>
-      <p:sp>
-        <p:nvSpPr>
-          <p:cNvPr id="3" name="Text Placeholder 2">
-            <a:extLst>
-              <a:ext uri="{FF2B5EF4-FFF2-40B4-BE49-F238E27FC236}">
-                <a16:creationId xmlns:a16="http://schemas.microsoft.com/office/drawing/2014/main" id="{83466B5D-DB68-351C-960F-DF3D78C24F45}"/>
-              </a:ext>
-            </a:extLst>
-          </p:cNvPr>
-          <p:cNvSpPr txBox="1">
-            <a:spLocks noGrp="1"/>
-          </p:cNvSpPr>
-          <p:nvPr>
-            <p:ph type="body" idx="4294967295"/>
-          </p:nvPr>
-        </p:nvSpPr>
-        <p:spPr>
-          <a:xfrm>
-            <a:off x="91440" y="1037159"/>
-            <a:ext cx="9875520" cy="6369480"/>
-          </a:xfrm>
-        </p:spPr>
-        <p:txBody>
-          <a:bodyPr vert="horz">
-            <a:noAutofit/>
-          </a:bodyPr>
-          <a:lstStyle/>
-          <a:p>
-            <a:pPr lvl="0" algn="r" rtl="1"/>
-            <a:r>
-              <a:rPr lang="he-IL" sz="4000">
-                <a:solidFill>
-                  <a:srgbClr val="000099"/>
-                </a:solidFill>
-                <a:latin typeface="Liberation Sans" pitchFamily="34"/>
-                <a:cs typeface="Liberation Sans" pitchFamily="34"/>
-              </a:rPr>
-              <a:t>נתונים:</a:t>
-            </a:r>
-          </a:p>
-          <a:p>
-            <a:pPr marL="571500" lvl="0" indent="-571500" algn="r" rtl="1">
-              <a:buSzPct val="45000"/>
-              <a:buFont typeface="Arial" panose="020B0604020202020204" pitchFamily="34" charset="0"/>
-              <a:buChar char="•"/>
-            </a:pPr>
-            <a:r>
-              <a:rPr lang="he-IL" sz="4000">
-                <a:solidFill>
-                  <a:srgbClr val="000099"/>
-                </a:solidFill>
-                <a:latin typeface="Liberation Sans" pitchFamily="34"/>
-                <a:cs typeface="Liberation Sans" pitchFamily="34"/>
-              </a:rPr>
-              <a:t>דירה עם </a:t>
-            </a:r>
-            <a:r>
-              <a:rPr lang="en-US" sz="4000" i="1">
-                <a:solidFill>
-                  <a:srgbClr val="000099"/>
-                </a:solidFill>
-                <a:latin typeface="Times New Roman" pitchFamily="18"/>
-                <a:cs typeface="Liberation Sans" pitchFamily="34"/>
-              </a:rPr>
-              <a:t>n</a:t>
-            </a:r>
-            <a:r>
-              <a:rPr lang="he-IL" sz="4000">
-                <a:solidFill>
-                  <a:srgbClr val="000099"/>
-                </a:solidFill>
-                <a:latin typeface="Liberation Sans" pitchFamily="34"/>
-                <a:cs typeface="Liberation Sans" pitchFamily="34"/>
-              </a:rPr>
-              <a:t> </a:t>
-            </a:r>
-            <a:r>
-              <a:rPr lang="en-US" sz="4000">
-                <a:solidFill>
-                  <a:srgbClr val="000099"/>
-                </a:solidFill>
-                <a:latin typeface="Liberation Sans" pitchFamily="34"/>
-                <a:cs typeface="Liberation Sans" pitchFamily="34"/>
-              </a:rPr>
-              <a:t>חדרים ודמי-שכירות נתונים </a:t>
-            </a:r>
-            <a:r>
-              <a:rPr lang="en-US" sz="4000" i="1">
-                <a:solidFill>
-                  <a:srgbClr val="000099"/>
-                </a:solidFill>
-                <a:latin typeface="Times New Roman" pitchFamily="18"/>
-                <a:cs typeface="Liberation Sans" pitchFamily="34"/>
-              </a:rPr>
-              <a:t>R</a:t>
-            </a:r>
-            <a:r>
-              <a:rPr lang="he-IL" sz="4000">
-                <a:solidFill>
-                  <a:srgbClr val="000099"/>
-                </a:solidFill>
-                <a:latin typeface="Liberation Sans" pitchFamily="34"/>
-                <a:cs typeface="Liberation Sans" pitchFamily="34"/>
-              </a:rPr>
-              <a:t>.</a:t>
-            </a:r>
-            <a:endParaRPr lang="en-US" sz="4000">
-              <a:solidFill>
-                <a:srgbClr val="000099"/>
-              </a:solidFill>
-              <a:latin typeface="Liberation Sans" pitchFamily="34"/>
-              <a:cs typeface="Liberation Sans" pitchFamily="34"/>
-            </a:endParaRPr>
-          </a:p>
-          <a:p>
-            <a:pPr marL="571500" lvl="0" indent="-571500" algn="r" rtl="1">
-              <a:buSzPct val="45000"/>
-              <a:buFont typeface="Arial" panose="020B0604020202020204" pitchFamily="34" charset="0"/>
-              <a:buChar char="•"/>
-            </a:pPr>
-            <a:r>
-              <a:rPr lang="he-IL" sz="4000">
-                <a:solidFill>
-                  <a:srgbClr val="000099"/>
-                </a:solidFill>
-                <a:latin typeface="Liberation Sans" pitchFamily="34"/>
-                <a:cs typeface="Liberation Sans" pitchFamily="34"/>
-              </a:rPr>
-              <a:t>קבוצה של </a:t>
-            </a:r>
-            <a:r>
-              <a:rPr lang="en-US" sz="4000" i="1">
-                <a:solidFill>
-                  <a:srgbClr val="000099"/>
-                </a:solidFill>
-                <a:latin typeface="Times New Roman" pitchFamily="18"/>
-                <a:cs typeface="Liberation Sans" pitchFamily="34"/>
-              </a:rPr>
-              <a:t>n</a:t>
-            </a:r>
-            <a:r>
-              <a:rPr lang="he-IL" sz="4000">
-                <a:solidFill>
-                  <a:srgbClr val="000099"/>
-                </a:solidFill>
-                <a:latin typeface="Liberation Sans" pitchFamily="34"/>
-                <a:cs typeface="Liberation Sans" pitchFamily="34"/>
-              </a:rPr>
-              <a:t> שותפים השוכרים את הדירה.</a:t>
-            </a:r>
-          </a:p>
-          <a:p>
-            <a:pPr lvl="0" algn="r" rtl="1"/>
-            <a:r>
-              <a:rPr lang="he-IL" sz="4000">
-                <a:solidFill>
-                  <a:srgbClr val="990066"/>
-                </a:solidFill>
-                <a:latin typeface="Liberation Sans" pitchFamily="34"/>
-                <a:cs typeface="Liberation Sans" pitchFamily="34"/>
-              </a:rPr>
-              <a:t>האתגר: להחליט מי יגור איפה, וכמה ישלם, כך שלא תהיה קנאה. </a:t>
-            </a:r>
-            <a:r>
-              <a:rPr lang="he-IL" sz="4000">
-                <a:latin typeface="Liberation Sans" pitchFamily="34"/>
-                <a:cs typeface="Liberation Sans" pitchFamily="34"/>
-              </a:rPr>
-              <a:t>הפלט הדרוש הוא:</a:t>
-            </a:r>
-          </a:p>
-          <a:p>
-            <a:pPr lvl="0" algn="r" rtl="1">
-              <a:buSzPct val="45000"/>
-            </a:pPr>
-            <a:r>
-              <a:rPr lang="he-IL" sz="4000" b="1">
-                <a:cs typeface="Liberation Sans" pitchFamily="34"/>
-              </a:rPr>
-              <a:t>השמה</a:t>
-            </a:r>
-            <a:r>
-              <a:rPr lang="he-IL" sz="4000">
-                <a:cs typeface="Liberation Sans" pitchFamily="34"/>
-              </a:rPr>
-              <a:t> := </a:t>
-            </a:r>
-            <a:r>
-              <a:rPr lang="en-US" sz="4000">
-                <a:cs typeface="Liberation Sans" pitchFamily="34"/>
-              </a:rPr>
-              <a:t>לכל שחקן i</a:t>
-            </a:r>
-            <a:r>
-              <a:rPr lang="he-IL" sz="4000">
-                <a:cs typeface="Liberation Sans" pitchFamily="34"/>
-              </a:rPr>
-              <a:t> </a:t>
-            </a:r>
-            <a:r>
-              <a:rPr lang="en-US" sz="4000">
-                <a:cs typeface="Liberation Sans" pitchFamily="34"/>
-              </a:rPr>
-              <a:t>מתאימים חדר אחד X</a:t>
-            </a:r>
-            <a:r>
-              <a:rPr lang="en-US" sz="4000" baseline="-8000">
-                <a:cs typeface="Liberation Sans" pitchFamily="34"/>
-              </a:rPr>
-              <a:t>i</a:t>
-            </a:r>
-            <a:r>
-              <a:rPr lang="he-IL" sz="4000">
-                <a:cs typeface="Liberation Sans" pitchFamily="34"/>
-              </a:rPr>
-              <a:t>.</a:t>
-            </a:r>
-            <a:endParaRPr lang="en-US" sz="4000">
-              <a:cs typeface="Liberation Sans" pitchFamily="34"/>
-            </a:endParaRPr>
-          </a:p>
-          <a:p>
-            <a:pPr lvl="0" algn="r" rtl="1">
-              <a:buSzPct val="45000"/>
-            </a:pPr>
-            <a:r>
-              <a:rPr lang="he-IL" sz="4000" b="1">
-                <a:cs typeface="Liberation Sans" pitchFamily="34"/>
-              </a:rPr>
-              <a:t>תמחור </a:t>
-            </a:r>
-            <a:r>
-              <a:rPr lang="he-IL" sz="4000">
-                <a:cs typeface="Liberation Sans" pitchFamily="34"/>
-              </a:rPr>
-              <a:t>:= </a:t>
-            </a:r>
-            <a:r>
-              <a:rPr lang="en-US" sz="4000">
-                <a:cs typeface="Liberation Sans" pitchFamily="34"/>
-              </a:rPr>
-              <a:t>לכל חדר j</a:t>
-            </a:r>
-            <a:r>
-              <a:rPr lang="he-IL" sz="4000">
-                <a:cs typeface="Liberation Sans" pitchFamily="34"/>
-              </a:rPr>
-              <a:t> </a:t>
-            </a:r>
-            <a:r>
-              <a:rPr lang="en-US" sz="4000">
-                <a:cs typeface="Liberation Sans" pitchFamily="34"/>
-              </a:rPr>
-              <a:t>מתאימים מחיר p(j)</a:t>
-            </a:r>
-            <a:r>
-              <a:rPr lang="he-IL" sz="4000">
-                <a:cs typeface="Liberation Sans" pitchFamily="34"/>
-              </a:rPr>
-              <a:t>.</a:t>
-            </a:r>
-            <a:endParaRPr lang="en-US" sz="4000">
-              <a:cs typeface="Liberation Sans" pitchFamily="34"/>
-            </a:endParaRPr>
-          </a:p>
-          <a:p>
-            <a:pPr marL="571500" lvl="0" indent="-571500" algn="r" rtl="1">
-              <a:buSzPct val="45000"/>
-              <a:buFont typeface="Arial" panose="020B0604020202020204" pitchFamily="34" charset="0"/>
-              <a:buChar char="•"/>
-            </a:pPr>
-            <a:r>
-              <a:rPr lang="he-IL" sz="4000" b="1">
-                <a:solidFill>
-                  <a:srgbClr val="069A2E"/>
-                </a:solidFill>
-                <a:latin typeface="Liberation Sans" pitchFamily="34"/>
-                <a:cs typeface="Liberation Sans" pitchFamily="34"/>
-              </a:rPr>
-              <a:t>ללא קנאה</a:t>
-            </a:r>
-            <a:r>
-              <a:rPr lang="he-IL" sz="4000">
-                <a:solidFill>
-                  <a:srgbClr val="069A2E"/>
-                </a:solidFill>
-                <a:latin typeface="Liberation Sans" pitchFamily="34"/>
-                <a:cs typeface="Liberation Sans" pitchFamily="34"/>
-              </a:rPr>
-              <a:t>: </a:t>
-            </a:r>
-            <a:r>
-              <a:rPr lang="en-US" sz="4000">
-                <a:solidFill>
-                  <a:srgbClr val="069A2E"/>
-                </a:solidFill>
-                <a:latin typeface="Liberation Sans" pitchFamily="34"/>
-                <a:cs typeface="Liberation Sans" pitchFamily="34"/>
-              </a:rPr>
-              <a:t>אף שותף לא מעדיף את החבילה </a:t>
-            </a:r>
-            <a:r>
-              <a:rPr lang="he-IL" sz="4000">
-                <a:solidFill>
-                  <a:srgbClr val="069A2E"/>
-                </a:solidFill>
-                <a:latin typeface="Liberation Sans" pitchFamily="34"/>
-                <a:cs typeface="Liberation Sans" pitchFamily="34"/>
-              </a:rPr>
-              <a:t>(</a:t>
-            </a:r>
-            <a:r>
-              <a:rPr lang="en-US" sz="4000">
-                <a:solidFill>
-                  <a:srgbClr val="069A2E"/>
-                </a:solidFill>
-                <a:latin typeface="Liberation Sans" pitchFamily="34"/>
-                <a:cs typeface="Liberation Sans" pitchFamily="34"/>
-              </a:rPr>
-              <a:t>חדר+מחיר</a:t>
-            </a:r>
-            <a:r>
-              <a:rPr lang="he-IL" sz="4000">
-                <a:solidFill>
-                  <a:srgbClr val="069A2E"/>
-                </a:solidFill>
-                <a:latin typeface="Liberation Sans" pitchFamily="34"/>
-                <a:cs typeface="Liberation Sans" pitchFamily="34"/>
-              </a:rPr>
-              <a:t>) </a:t>
-            </a:r>
-            <a:r>
-              <a:rPr lang="en-US" sz="4000">
-                <a:solidFill>
-                  <a:srgbClr val="069A2E"/>
-                </a:solidFill>
-                <a:latin typeface="Liberation Sans" pitchFamily="34"/>
-                <a:cs typeface="Liberation Sans" pitchFamily="34"/>
-              </a:rPr>
-              <a:t>של שותף אחר.</a:t>
-            </a:r>
-          </a:p>
-        </p:txBody>
-      </p:sp>
-    </p:spTree>
-  </p:cSld>
-  <p:clrMapOvr>
-    <a:masterClrMapping/>
-  </p:clrMapOvr>
-</p:sld>
-</file>
-
-<file path=ppt/slides/slide20.xml><?xml version="1.0" encoding="utf-8"?>
+<file path=ppt/slides/slide25.xml><?xml version="1.0" encoding="utf-8"?>
 <p:sld xmlns:a="http://schemas.openxmlformats.org/drawingml/2006/main" xmlns:r="http://schemas.openxmlformats.org/officeDocument/2006/relationships" xmlns:p="http://schemas.openxmlformats.org/presentationml/2006/main">
   <p:cSld name="page26">
     <p:spTree>
@@ -24489,7 +28391,7 @@
 </p:sld>
 </file>
 
-<file path=ppt/slides/slide21.xml><?xml version="1.0" encoding="utf-8"?>
+<file path=ppt/slides/slide26.xml><?xml version="1.0" encoding="utf-8"?>
 <p:sld xmlns:a="http://schemas.openxmlformats.org/drawingml/2006/main" xmlns:r="http://schemas.openxmlformats.org/officeDocument/2006/relationships" xmlns:p="http://schemas.openxmlformats.org/presentationml/2006/main">
   <p:cSld name="page27">
     <p:spTree>
